--- a/virtual_work/fig/fig.pptx
+++ b/virtual_work/fig/fig.pptx
@@ -7,6 +7,8 @@
   <p:sldIdLst>
     <p:sldId id="256" r:id="rId2"/>
     <p:sldId id="257" r:id="rId3"/>
+    <p:sldId id="258" r:id="rId4"/>
+    <p:sldId id="259" r:id="rId5"/>
   </p:sldIdLst>
   <p:sldSz cx="12192000" cy="6858000"/>
   <p:notesSz cx="6858000" cy="9144000"/>
@@ -577,8 +579,8 @@
           </a:p>
         </p:txBody>
       </p:sp>
-      <mc:AlternateContent xmlns:mc="http://schemas.openxmlformats.org/markup-compatibility/2006">
-        <mc:Choice xmlns:a14="http://schemas.microsoft.com/office/drawing/2010/main" Requires="a14">
+      <mc:AlternateContent xmlns:mc="http://schemas.openxmlformats.org/markup-compatibility/2006" xmlns:a14="http://schemas.microsoft.com/office/drawing/2010/main">
+        <mc:Choice Requires="a14">
           <p:sp>
             <p:nvSpPr>
               <p:cNvPr id="6" name="テキスト ボックス 5">
@@ -607,6 +609,7 @@
               </a:bodyPr>
               <a:lstStyle/>
               <a:p>
+                <a:pPr/>
                 <a14:m>
                   <m:oMathPara xmlns:m="http://schemas.openxmlformats.org/officeDocument/2006/math">
                     <m:oMathParaPr>
@@ -627,7 +630,7 @@
             </p:txBody>
           </p:sp>
         </mc:Choice>
-        <mc:Fallback>
+        <mc:Fallback xmlns="">
           <p:sp>
             <p:nvSpPr>
               <p:cNvPr id="6" name="テキスト ボックス 5">
@@ -819,8 +822,8 @@
           </a:p>
         </p:txBody>
       </p:sp>
-      <mc:AlternateContent xmlns:mc="http://schemas.openxmlformats.org/markup-compatibility/2006">
-        <mc:Choice xmlns:a14="http://schemas.microsoft.com/office/drawing/2010/main" Requires="a14">
+      <mc:AlternateContent xmlns:mc="http://schemas.openxmlformats.org/markup-compatibility/2006" xmlns:a14="http://schemas.microsoft.com/office/drawing/2010/main">
+        <mc:Choice Requires="a14">
           <p:sp>
             <p:nvSpPr>
               <p:cNvPr id="11" name="テキスト ボックス 10">
@@ -849,6 +852,7 @@
               </a:bodyPr>
               <a:lstStyle/>
               <a:p>
+                <a:pPr/>
                 <a14:m>
                   <m:oMathPara xmlns:m="http://schemas.openxmlformats.org/officeDocument/2006/math">
                     <m:oMathParaPr>
@@ -869,7 +873,7 @@
             </p:txBody>
           </p:sp>
         </mc:Choice>
-        <mc:Fallback>
+        <mc:Fallback xmlns="">
           <p:sp>
             <p:nvSpPr>
               <p:cNvPr id="11" name="テキスト ボックス 10">
@@ -1089,8 +1093,8 @@
           </a:fontRef>
         </p:style>
       </p:cxnSp>
-      <mc:AlternateContent xmlns:mc="http://schemas.openxmlformats.org/markup-compatibility/2006">
-        <mc:Choice xmlns:a14="http://schemas.microsoft.com/office/drawing/2010/main" Requires="a14">
+      <mc:AlternateContent xmlns:mc="http://schemas.openxmlformats.org/markup-compatibility/2006" xmlns:a14="http://schemas.microsoft.com/office/drawing/2010/main">
+        <mc:Choice Requires="a14">
           <p:sp>
             <p:nvSpPr>
               <p:cNvPr id="22" name="テキスト ボックス 21">
@@ -1119,6 +1123,7 @@
               </a:bodyPr>
               <a:lstStyle/>
               <a:p>
+                <a:pPr/>
                 <a14:m>
                   <m:oMathPara xmlns:m="http://schemas.openxmlformats.org/officeDocument/2006/math">
                     <m:oMathParaPr>
@@ -1139,7 +1144,7 @@
             </p:txBody>
           </p:sp>
         </mc:Choice>
-        <mc:Fallback>
+        <mc:Fallback xmlns="">
           <p:sp>
             <p:nvSpPr>
               <p:cNvPr id="22" name="テキスト ボックス 21">
@@ -1242,8 +1247,8 @@
           </a:p>
         </p:txBody>
       </p:sp>
-      <mc:AlternateContent xmlns:mc="http://schemas.openxmlformats.org/markup-compatibility/2006">
-        <mc:Choice xmlns:a14="http://schemas.microsoft.com/office/drawing/2010/main" Requires="a14">
+      <mc:AlternateContent xmlns:mc="http://schemas.openxmlformats.org/markup-compatibility/2006" xmlns:a14="http://schemas.microsoft.com/office/drawing/2010/main">
+        <mc:Choice Requires="a14">
           <p:sp>
             <p:nvSpPr>
               <p:cNvPr id="24" name="テキスト ボックス 23">
@@ -1272,6 +1277,7 @@
               </a:bodyPr>
               <a:lstStyle/>
               <a:p>
+                <a:pPr/>
                 <a14:m>
                   <m:oMathPara xmlns:m="http://schemas.openxmlformats.org/officeDocument/2006/math">
                     <m:oMathParaPr>
@@ -1292,7 +1298,7 @@
             </p:txBody>
           </p:sp>
         </mc:Choice>
-        <mc:Fallback>
+        <mc:Fallback xmlns="">
           <p:sp>
             <p:nvSpPr>
               <p:cNvPr id="24" name="テキスト ボックス 23">
@@ -1535,8 +1541,8 @@
           </a:fontRef>
         </p:style>
       </p:cxnSp>
-      <mc:AlternateContent xmlns:mc="http://schemas.openxmlformats.org/markup-compatibility/2006">
-        <mc:Choice xmlns:a14="http://schemas.microsoft.com/office/drawing/2010/main" Requires="a14">
+      <mc:AlternateContent xmlns:mc="http://schemas.openxmlformats.org/markup-compatibility/2006" xmlns:a14="http://schemas.microsoft.com/office/drawing/2010/main">
+        <mc:Choice Requires="a14">
           <p:sp>
             <p:nvSpPr>
               <p:cNvPr id="13" name="テキスト ボックス 12">
@@ -1565,6 +1571,7 @@
               </a:bodyPr>
               <a:lstStyle/>
               <a:p>
+                <a:pPr/>
                 <a14:m>
                   <m:oMathPara xmlns:m="http://schemas.openxmlformats.org/officeDocument/2006/math">
                     <m:oMathParaPr>
@@ -1585,7 +1592,7 @@
             </p:txBody>
           </p:sp>
         </mc:Choice>
-        <mc:Fallback>
+        <mc:Fallback xmlns="">
           <p:sp>
             <p:nvSpPr>
               <p:cNvPr id="13" name="テキスト ボックス 12">
@@ -1630,8 +1637,8 @@
           </p:sp>
         </mc:Fallback>
       </mc:AlternateContent>
-      <mc:AlternateContent xmlns:mc="http://schemas.openxmlformats.org/markup-compatibility/2006">
-        <mc:Choice xmlns:a14="http://schemas.microsoft.com/office/drawing/2010/main" Requires="a14">
+      <mc:AlternateContent xmlns:mc="http://schemas.openxmlformats.org/markup-compatibility/2006" xmlns:a14="http://schemas.microsoft.com/office/drawing/2010/main">
+        <mc:Choice Requires="a14">
           <p:sp>
             <p:nvSpPr>
               <p:cNvPr id="14" name="テキスト ボックス 13">
@@ -1660,6 +1667,7 @@
               </a:bodyPr>
               <a:lstStyle/>
               <a:p>
+                <a:pPr/>
                 <a14:m>
                   <m:oMathPara xmlns:m="http://schemas.openxmlformats.org/officeDocument/2006/math">
                     <m:oMathParaPr>
@@ -1680,7 +1688,7 @@
             </p:txBody>
           </p:sp>
         </mc:Choice>
-        <mc:Fallback>
+        <mc:Fallback xmlns="">
           <p:sp>
             <p:nvSpPr>
               <p:cNvPr id="14" name="テキスト ボックス 13">
@@ -1725,8 +1733,8 @@
           </p:sp>
         </mc:Fallback>
       </mc:AlternateContent>
-      <mc:AlternateContent xmlns:mc="http://schemas.openxmlformats.org/markup-compatibility/2006">
-        <mc:Choice xmlns:a14="http://schemas.microsoft.com/office/drawing/2010/main" Requires="a14">
+      <mc:AlternateContent xmlns:mc="http://schemas.openxmlformats.org/markup-compatibility/2006" xmlns:a14="http://schemas.microsoft.com/office/drawing/2010/main">
+        <mc:Choice Requires="a14">
           <p:sp>
             <p:nvSpPr>
               <p:cNvPr id="15" name="テキスト ボックス 14">
@@ -1755,6 +1763,7 @@
               </a:bodyPr>
               <a:lstStyle/>
               <a:p>
+                <a:pPr/>
                 <a14:m>
                   <m:oMathPara xmlns:m="http://schemas.openxmlformats.org/officeDocument/2006/math">
                     <m:oMathParaPr>
@@ -1775,7 +1784,7 @@
             </p:txBody>
           </p:sp>
         </mc:Choice>
-        <mc:Fallback>
+        <mc:Fallback xmlns="">
           <p:sp>
             <p:nvSpPr>
               <p:cNvPr id="15" name="テキスト ボックス 14">
@@ -1820,8 +1829,8 @@
           </p:sp>
         </mc:Fallback>
       </mc:AlternateContent>
-      <mc:AlternateContent xmlns:mc="http://schemas.openxmlformats.org/markup-compatibility/2006">
-        <mc:Choice xmlns:a14="http://schemas.microsoft.com/office/drawing/2010/main" Requires="a14">
+      <mc:AlternateContent xmlns:mc="http://schemas.openxmlformats.org/markup-compatibility/2006" xmlns:a14="http://schemas.microsoft.com/office/drawing/2010/main">
+        <mc:Choice Requires="a14">
           <p:sp>
             <p:nvSpPr>
               <p:cNvPr id="16" name="テキスト ボックス 15">
@@ -1850,6 +1859,7 @@
               </a:bodyPr>
               <a:lstStyle/>
               <a:p>
+                <a:pPr/>
                 <a14:m>
                   <m:oMathPara xmlns:m="http://schemas.openxmlformats.org/officeDocument/2006/math">
                     <m:oMathParaPr>
@@ -1870,7 +1880,7 @@
             </p:txBody>
           </p:sp>
         </mc:Choice>
-        <mc:Fallback>
+        <mc:Fallback xmlns="">
           <p:sp>
             <p:nvSpPr>
               <p:cNvPr id="16" name="テキスト ボックス 15">
@@ -1956,8 +1966,8 @@
           </a:fontRef>
         </p:style>
       </p:cxnSp>
-      <mc:AlternateContent xmlns:mc="http://schemas.openxmlformats.org/markup-compatibility/2006">
-        <mc:Choice xmlns:a14="http://schemas.microsoft.com/office/drawing/2010/main" Requires="a14">
+      <mc:AlternateContent xmlns:mc="http://schemas.openxmlformats.org/markup-compatibility/2006" xmlns:a14="http://schemas.microsoft.com/office/drawing/2010/main">
+        <mc:Choice Requires="a14">
           <p:sp>
             <p:nvSpPr>
               <p:cNvPr id="19" name="テキスト ボックス 18">
@@ -1986,6 +1996,7 @@
               </a:bodyPr>
               <a:lstStyle/>
               <a:p>
+                <a:pPr/>
                 <a14:m>
                   <m:oMathPara xmlns:m="http://schemas.openxmlformats.org/officeDocument/2006/math">
                     <m:oMathParaPr>
@@ -2006,7 +2017,7 @@
             </p:txBody>
           </p:sp>
         </mc:Choice>
-        <mc:Fallback>
+        <mc:Fallback xmlns="">
           <p:sp>
             <p:nvSpPr>
               <p:cNvPr id="19" name="テキスト ボックス 18">
@@ -2051,8 +2062,8 @@
           </p:sp>
         </mc:Fallback>
       </mc:AlternateContent>
-      <mc:AlternateContent xmlns:mc="http://schemas.openxmlformats.org/markup-compatibility/2006">
-        <mc:Choice xmlns:a14="http://schemas.microsoft.com/office/drawing/2010/main" Requires="a14">
+      <mc:AlternateContent xmlns:mc="http://schemas.openxmlformats.org/markup-compatibility/2006" xmlns:a14="http://schemas.microsoft.com/office/drawing/2010/main">
+        <mc:Choice Requires="a14">
           <p:sp>
             <p:nvSpPr>
               <p:cNvPr id="20" name="テキスト ボックス 19">
@@ -2081,6 +2092,7 @@
               </a:bodyPr>
               <a:lstStyle/>
               <a:p>
+                <a:pPr/>
                 <a14:m>
                   <m:oMathPara xmlns:m="http://schemas.openxmlformats.org/officeDocument/2006/math">
                     <m:oMathParaPr>
@@ -2101,7 +2113,7 @@
             </p:txBody>
           </p:sp>
         </mc:Choice>
-        <mc:Fallback>
+        <mc:Fallback xmlns="">
           <p:sp>
             <p:nvSpPr>
               <p:cNvPr id="20" name="テキスト ボックス 19">
@@ -2280,8 +2292,8 @@
           </a:fontRef>
         </p:style>
       </p:cxnSp>
-      <mc:AlternateContent xmlns:mc="http://schemas.openxmlformats.org/markup-compatibility/2006">
-        <mc:Choice xmlns:a14="http://schemas.microsoft.com/office/drawing/2010/main" Requires="a14">
+      <mc:AlternateContent xmlns:mc="http://schemas.openxmlformats.org/markup-compatibility/2006" xmlns:a14="http://schemas.microsoft.com/office/drawing/2010/main">
+        <mc:Choice Requires="a14">
           <p:sp>
             <p:nvSpPr>
               <p:cNvPr id="25" name="テキスト ボックス 24">
@@ -2310,6 +2322,7 @@
               </a:bodyPr>
               <a:lstStyle/>
               <a:p>
+                <a:pPr/>
                 <a14:m>
                   <m:oMathPara xmlns:m="http://schemas.openxmlformats.org/officeDocument/2006/math">
                     <m:oMathParaPr>
@@ -2349,7 +2362,7 @@
             </p:txBody>
           </p:sp>
         </mc:Choice>
-        <mc:Fallback>
+        <mc:Fallback xmlns="">
           <p:sp>
             <p:nvSpPr>
               <p:cNvPr id="25" name="テキスト ボックス 24">
@@ -2394,8 +2407,8 @@
           </p:sp>
         </mc:Fallback>
       </mc:AlternateContent>
-      <mc:AlternateContent xmlns:mc="http://schemas.openxmlformats.org/markup-compatibility/2006">
-        <mc:Choice xmlns:a14="http://schemas.microsoft.com/office/drawing/2010/main" Requires="a14">
+      <mc:AlternateContent xmlns:mc="http://schemas.openxmlformats.org/markup-compatibility/2006" xmlns:a14="http://schemas.microsoft.com/office/drawing/2010/main">
+        <mc:Choice Requires="a14">
           <p:sp>
             <p:nvSpPr>
               <p:cNvPr id="26" name="テキスト ボックス 25">
@@ -2424,6 +2437,7 @@
               </a:bodyPr>
               <a:lstStyle/>
               <a:p>
+                <a:pPr/>
                 <a14:m>
                   <m:oMathPara xmlns:m="http://schemas.openxmlformats.org/officeDocument/2006/math">
                     <m:oMathParaPr>
@@ -2463,7 +2477,7 @@
             </p:txBody>
           </p:sp>
         </mc:Choice>
-        <mc:Fallback>
+        <mc:Fallback xmlns="">
           <p:sp>
             <p:nvSpPr>
               <p:cNvPr id="26" name="テキスト ボックス 25">
@@ -2582,6 +2596,2214 @@
     <p:extLst>
       <p:ext uri="{BB962C8B-B14F-4D97-AF65-F5344CB8AC3E}">
         <p14:creationId xmlns:p14="http://schemas.microsoft.com/office/powerpoint/2010/main" val="2185261652"/>
+      </p:ext>
+    </p:extLst>
+  </p:cSld>
+  <p:clrMapOvr>
+    <a:masterClrMapping/>
+  </p:clrMapOvr>
+</p:sld>
+</file>
+
+<file path=ppt/slides/slide3.xml><?xml version="1.0" encoding="utf-8"?>
+<p:sld xmlns:a="http://schemas.openxmlformats.org/drawingml/2006/main" xmlns:r="http://schemas.openxmlformats.org/officeDocument/2006/relationships" xmlns:p="http://schemas.openxmlformats.org/presentationml/2006/main">
+  <p:cSld>
+    <p:spTree>
+      <p:nvGrpSpPr>
+        <p:cNvPr id="1" name=""/>
+        <p:cNvGrpSpPr/>
+        <p:nvPr/>
+      </p:nvGrpSpPr>
+      <p:grpSpPr>
+        <a:xfrm>
+          <a:off x="0" y="0"/>
+          <a:ext cx="0" cy="0"/>
+          <a:chOff x="0" y="0"/>
+          <a:chExt cx="0" cy="0"/>
+        </a:xfrm>
+      </p:grpSpPr>
+      <p:sp>
+        <p:nvSpPr>
+          <p:cNvPr id="2" name="楕円 1">
+            <a:extLst>
+              <a:ext uri="{FF2B5EF4-FFF2-40B4-BE49-F238E27FC236}">
+                <a16:creationId xmlns:a16="http://schemas.microsoft.com/office/drawing/2014/main" id="{FFB8CB24-906B-D2EE-8276-D0AC2D7BECBF}"/>
+              </a:ext>
+            </a:extLst>
+          </p:cNvPr>
+          <p:cNvSpPr/>
+          <p:nvPr/>
+        </p:nvSpPr>
+        <p:spPr>
+          <a:xfrm>
+            <a:off x="2495600" y="1988840"/>
+            <a:ext cx="720080" cy="720080"/>
+          </a:xfrm>
+          <a:prstGeom prst="ellipse">
+            <a:avLst/>
+          </a:prstGeom>
+          <a:noFill/>
+          <a:ln>
+            <a:solidFill>
+              <a:schemeClr val="tx1"/>
+            </a:solidFill>
+          </a:ln>
+        </p:spPr>
+        <p:style>
+          <a:lnRef idx="2">
+            <a:schemeClr val="accent1">
+              <a:shade val="50000"/>
+            </a:schemeClr>
+          </a:lnRef>
+          <a:fillRef idx="1">
+            <a:schemeClr val="accent1"/>
+          </a:fillRef>
+          <a:effectRef idx="0">
+            <a:schemeClr val="accent1"/>
+          </a:effectRef>
+          <a:fontRef idx="minor">
+            <a:schemeClr val="lt1"/>
+          </a:fontRef>
+        </p:style>
+        <p:txBody>
+          <a:bodyPr rtlCol="0" anchor="ctr"/>
+          <a:lstStyle/>
+          <a:p>
+            <a:pPr algn="ctr"/>
+            <a:endParaRPr kumimoji="1" lang="ja-JP" altLang="en-US"/>
+          </a:p>
+        </p:txBody>
+      </p:sp>
+      <p:sp>
+        <p:nvSpPr>
+          <p:cNvPr id="3" name="楕円 2">
+            <a:extLst>
+              <a:ext uri="{FF2B5EF4-FFF2-40B4-BE49-F238E27FC236}">
+                <a16:creationId xmlns:a16="http://schemas.microsoft.com/office/drawing/2014/main" id="{A8A6CC25-C53E-9B1A-7A1D-3CE26ED64D63}"/>
+              </a:ext>
+            </a:extLst>
+          </p:cNvPr>
+          <p:cNvSpPr/>
+          <p:nvPr/>
+        </p:nvSpPr>
+        <p:spPr>
+          <a:xfrm>
+            <a:off x="3215680" y="1268760"/>
+            <a:ext cx="720080" cy="720080"/>
+          </a:xfrm>
+          <a:prstGeom prst="ellipse">
+            <a:avLst/>
+          </a:prstGeom>
+          <a:noFill/>
+          <a:ln>
+            <a:solidFill>
+              <a:schemeClr val="tx1"/>
+            </a:solidFill>
+          </a:ln>
+        </p:spPr>
+        <p:style>
+          <a:lnRef idx="2">
+            <a:schemeClr val="accent1">
+              <a:shade val="50000"/>
+            </a:schemeClr>
+          </a:lnRef>
+          <a:fillRef idx="1">
+            <a:schemeClr val="accent1"/>
+          </a:fillRef>
+          <a:effectRef idx="0">
+            <a:schemeClr val="accent1"/>
+          </a:effectRef>
+          <a:fontRef idx="minor">
+            <a:schemeClr val="lt1"/>
+          </a:fontRef>
+        </p:style>
+        <p:txBody>
+          <a:bodyPr rtlCol="0" anchor="ctr"/>
+          <a:lstStyle/>
+          <a:p>
+            <a:pPr algn="ctr"/>
+            <a:endParaRPr kumimoji="1" lang="ja-JP" altLang="en-US"/>
+          </a:p>
+        </p:txBody>
+      </p:sp>
+      <p:sp>
+        <p:nvSpPr>
+          <p:cNvPr id="4" name="正方形/長方形 3">
+            <a:extLst>
+              <a:ext uri="{FF2B5EF4-FFF2-40B4-BE49-F238E27FC236}">
+                <a16:creationId xmlns:a16="http://schemas.microsoft.com/office/drawing/2014/main" id="{719FE465-7B6B-CE81-55D9-67A3D960830B}"/>
+              </a:ext>
+            </a:extLst>
+          </p:cNvPr>
+          <p:cNvSpPr/>
+          <p:nvPr/>
+        </p:nvSpPr>
+        <p:spPr>
+          <a:xfrm>
+            <a:off x="2351584" y="548680"/>
+            <a:ext cx="1728192" cy="144016"/>
+          </a:xfrm>
+          <a:prstGeom prst="rect">
+            <a:avLst/>
+          </a:prstGeom>
+          <a:solidFill>
+            <a:schemeClr val="accent4">
+              <a:lumMod val="75000"/>
+            </a:schemeClr>
+          </a:solidFill>
+        </p:spPr>
+        <p:style>
+          <a:lnRef idx="2">
+            <a:schemeClr val="accent1">
+              <a:shade val="50000"/>
+            </a:schemeClr>
+          </a:lnRef>
+          <a:fillRef idx="1">
+            <a:schemeClr val="accent1"/>
+          </a:fillRef>
+          <a:effectRef idx="0">
+            <a:schemeClr val="accent1"/>
+          </a:effectRef>
+          <a:fontRef idx="minor">
+            <a:schemeClr val="lt1"/>
+          </a:fontRef>
+        </p:style>
+        <p:txBody>
+          <a:bodyPr rtlCol="0" anchor="ctr"/>
+          <a:lstStyle/>
+          <a:p>
+            <a:pPr algn="ctr"/>
+            <a:endParaRPr kumimoji="1" lang="ja-JP" altLang="en-US"/>
+          </a:p>
+        </p:txBody>
+      </p:sp>
+      <p:cxnSp>
+        <p:nvCxnSpPr>
+          <p:cNvPr id="6" name="直線コネクタ 5">
+            <a:extLst>
+              <a:ext uri="{FF2B5EF4-FFF2-40B4-BE49-F238E27FC236}">
+                <a16:creationId xmlns:a16="http://schemas.microsoft.com/office/drawing/2014/main" id="{11029B0E-954E-F717-E56F-45DB8153412E}"/>
+              </a:ext>
+            </a:extLst>
+          </p:cNvPr>
+          <p:cNvCxnSpPr>
+            <a:stCxn id="2" idx="2"/>
+          </p:cNvCxnSpPr>
+          <p:nvPr/>
+        </p:nvCxnSpPr>
+        <p:spPr>
+          <a:xfrm flipV="1">
+            <a:off x="2495600" y="692696"/>
+            <a:ext cx="0" cy="1656184"/>
+          </a:xfrm>
+          <a:prstGeom prst="line">
+            <a:avLst/>
+          </a:prstGeom>
+          <a:ln>
+            <a:solidFill>
+              <a:schemeClr val="tx1"/>
+            </a:solidFill>
+          </a:ln>
+        </p:spPr>
+        <p:style>
+          <a:lnRef idx="1">
+            <a:schemeClr val="accent1"/>
+          </a:lnRef>
+          <a:fillRef idx="0">
+            <a:schemeClr val="accent1"/>
+          </a:fillRef>
+          <a:effectRef idx="0">
+            <a:schemeClr val="accent1"/>
+          </a:effectRef>
+          <a:fontRef idx="minor">
+            <a:schemeClr val="tx1"/>
+          </a:fontRef>
+        </p:style>
+      </p:cxnSp>
+      <p:cxnSp>
+        <p:nvCxnSpPr>
+          <p:cNvPr id="7" name="直線コネクタ 6">
+            <a:extLst>
+              <a:ext uri="{FF2B5EF4-FFF2-40B4-BE49-F238E27FC236}">
+                <a16:creationId xmlns:a16="http://schemas.microsoft.com/office/drawing/2014/main" id="{265396A0-7882-FBEA-6C1F-749C1BF35C00}"/>
+              </a:ext>
+            </a:extLst>
+          </p:cNvPr>
+          <p:cNvCxnSpPr>
+            <a:cxnSpLocks/>
+            <a:stCxn id="2" idx="6"/>
+          </p:cNvCxnSpPr>
+          <p:nvPr/>
+        </p:nvCxnSpPr>
+        <p:spPr>
+          <a:xfrm flipV="1">
+            <a:off x="3215680" y="1628800"/>
+            <a:ext cx="0" cy="720080"/>
+          </a:xfrm>
+          <a:prstGeom prst="line">
+            <a:avLst/>
+          </a:prstGeom>
+          <a:ln>
+            <a:solidFill>
+              <a:schemeClr val="tx1"/>
+            </a:solidFill>
+          </a:ln>
+        </p:spPr>
+        <p:style>
+          <a:lnRef idx="1">
+            <a:schemeClr val="accent1"/>
+          </a:lnRef>
+          <a:fillRef idx="0">
+            <a:schemeClr val="accent1"/>
+          </a:fillRef>
+          <a:effectRef idx="0">
+            <a:schemeClr val="accent1"/>
+          </a:effectRef>
+          <a:fontRef idx="minor">
+            <a:schemeClr val="tx1"/>
+          </a:fontRef>
+        </p:style>
+      </p:cxnSp>
+      <p:cxnSp>
+        <p:nvCxnSpPr>
+          <p:cNvPr id="9" name="直線コネクタ 8">
+            <a:extLst>
+              <a:ext uri="{FF2B5EF4-FFF2-40B4-BE49-F238E27FC236}">
+                <a16:creationId xmlns:a16="http://schemas.microsoft.com/office/drawing/2014/main" id="{E0B5C2C1-30D5-841E-5583-97BF44F3CA6E}"/>
+              </a:ext>
+            </a:extLst>
+          </p:cNvPr>
+          <p:cNvCxnSpPr>
+            <a:cxnSpLocks/>
+          </p:cNvCxnSpPr>
+          <p:nvPr/>
+        </p:nvCxnSpPr>
+        <p:spPr>
+          <a:xfrm flipV="1">
+            <a:off x="3935760" y="1628800"/>
+            <a:ext cx="0" cy="1512168"/>
+          </a:xfrm>
+          <a:prstGeom prst="line">
+            <a:avLst/>
+          </a:prstGeom>
+          <a:ln>
+            <a:solidFill>
+              <a:schemeClr val="tx1"/>
+            </a:solidFill>
+          </a:ln>
+        </p:spPr>
+        <p:style>
+          <a:lnRef idx="1">
+            <a:schemeClr val="accent1"/>
+          </a:lnRef>
+          <a:fillRef idx="0">
+            <a:schemeClr val="accent1"/>
+          </a:fillRef>
+          <a:effectRef idx="0">
+            <a:schemeClr val="accent1"/>
+          </a:effectRef>
+          <a:fontRef idx="minor">
+            <a:schemeClr val="tx1"/>
+          </a:fontRef>
+        </p:style>
+      </p:cxnSp>
+      <p:cxnSp>
+        <p:nvCxnSpPr>
+          <p:cNvPr id="11" name="直線コネクタ 10">
+            <a:extLst>
+              <a:ext uri="{FF2B5EF4-FFF2-40B4-BE49-F238E27FC236}">
+                <a16:creationId xmlns:a16="http://schemas.microsoft.com/office/drawing/2014/main" id="{99A14D9A-40F2-D2C3-900D-515BAB7EA59A}"/>
+              </a:ext>
+            </a:extLst>
+          </p:cNvPr>
+          <p:cNvCxnSpPr>
+            <a:cxnSpLocks/>
+          </p:cNvCxnSpPr>
+          <p:nvPr/>
+        </p:nvCxnSpPr>
+        <p:spPr>
+          <a:xfrm flipV="1">
+            <a:off x="2855640" y="2348880"/>
+            <a:ext cx="0" cy="792088"/>
+          </a:xfrm>
+          <a:prstGeom prst="line">
+            <a:avLst/>
+          </a:prstGeom>
+          <a:ln>
+            <a:solidFill>
+              <a:schemeClr val="tx1"/>
+            </a:solidFill>
+          </a:ln>
+        </p:spPr>
+        <p:style>
+          <a:lnRef idx="1">
+            <a:schemeClr val="accent1"/>
+          </a:lnRef>
+          <a:fillRef idx="0">
+            <a:schemeClr val="accent1"/>
+          </a:fillRef>
+          <a:effectRef idx="0">
+            <a:schemeClr val="accent1"/>
+          </a:effectRef>
+          <a:fontRef idx="minor">
+            <a:schemeClr val="tx1"/>
+          </a:fontRef>
+        </p:style>
+      </p:cxnSp>
+      <p:sp>
+        <p:nvSpPr>
+          <p:cNvPr id="14" name="正方形/長方形 13">
+            <a:extLst>
+              <a:ext uri="{FF2B5EF4-FFF2-40B4-BE49-F238E27FC236}">
+                <a16:creationId xmlns:a16="http://schemas.microsoft.com/office/drawing/2014/main" id="{331918E2-8C2E-17E9-330D-026F5D7AC844}"/>
+              </a:ext>
+            </a:extLst>
+          </p:cNvPr>
+          <p:cNvSpPr/>
+          <p:nvPr/>
+        </p:nvSpPr>
+        <p:spPr>
+          <a:xfrm>
+            <a:off x="2711624" y="3140968"/>
+            <a:ext cx="288032" cy="216024"/>
+          </a:xfrm>
+          <a:prstGeom prst="rect">
+            <a:avLst/>
+          </a:prstGeom>
+          <a:solidFill>
+            <a:schemeClr val="tx1"/>
+          </a:solidFill>
+        </p:spPr>
+        <p:style>
+          <a:lnRef idx="2">
+            <a:schemeClr val="accent1">
+              <a:shade val="50000"/>
+            </a:schemeClr>
+          </a:lnRef>
+          <a:fillRef idx="1">
+            <a:schemeClr val="accent1"/>
+          </a:fillRef>
+          <a:effectRef idx="0">
+            <a:schemeClr val="accent1"/>
+          </a:effectRef>
+          <a:fontRef idx="minor">
+            <a:schemeClr val="lt1"/>
+          </a:fontRef>
+        </p:style>
+        <p:txBody>
+          <a:bodyPr rtlCol="0" anchor="ctr"/>
+          <a:lstStyle/>
+          <a:p>
+            <a:pPr algn="ctr"/>
+            <a:endParaRPr kumimoji="1" lang="ja-JP" altLang="en-US"/>
+          </a:p>
+        </p:txBody>
+      </p:sp>
+      <p:sp>
+        <p:nvSpPr>
+          <p:cNvPr id="15" name="正方形/長方形 14">
+            <a:extLst>
+              <a:ext uri="{FF2B5EF4-FFF2-40B4-BE49-F238E27FC236}">
+                <a16:creationId xmlns:a16="http://schemas.microsoft.com/office/drawing/2014/main" id="{EE11D365-D2D8-183A-9714-29BEB2A4EAC9}"/>
+              </a:ext>
+            </a:extLst>
+          </p:cNvPr>
+          <p:cNvSpPr/>
+          <p:nvPr/>
+        </p:nvSpPr>
+        <p:spPr>
+          <a:xfrm>
+            <a:off x="3791744" y="3140968"/>
+            <a:ext cx="288032" cy="144016"/>
+          </a:xfrm>
+          <a:prstGeom prst="rect">
+            <a:avLst/>
+          </a:prstGeom>
+          <a:solidFill>
+            <a:schemeClr val="tx1"/>
+          </a:solidFill>
+        </p:spPr>
+        <p:style>
+          <a:lnRef idx="2">
+            <a:schemeClr val="accent1">
+              <a:shade val="50000"/>
+            </a:schemeClr>
+          </a:lnRef>
+          <a:fillRef idx="1">
+            <a:schemeClr val="accent1"/>
+          </a:fillRef>
+          <a:effectRef idx="0">
+            <a:schemeClr val="accent1"/>
+          </a:effectRef>
+          <a:fontRef idx="minor">
+            <a:schemeClr val="lt1"/>
+          </a:fontRef>
+        </p:style>
+        <p:txBody>
+          <a:bodyPr rtlCol="0" anchor="ctr"/>
+          <a:lstStyle/>
+          <a:p>
+            <a:pPr algn="ctr"/>
+            <a:endParaRPr kumimoji="1" lang="ja-JP" altLang="en-US"/>
+          </a:p>
+        </p:txBody>
+      </p:sp>
+      <p:sp>
+        <p:nvSpPr>
+          <p:cNvPr id="17" name="楕円 16">
+            <a:extLst>
+              <a:ext uri="{FF2B5EF4-FFF2-40B4-BE49-F238E27FC236}">
+                <a16:creationId xmlns:a16="http://schemas.microsoft.com/office/drawing/2014/main" id="{7C643787-EE88-EB63-9572-0B67150051CF}"/>
+              </a:ext>
+            </a:extLst>
+          </p:cNvPr>
+          <p:cNvSpPr/>
+          <p:nvPr/>
+        </p:nvSpPr>
+        <p:spPr>
+          <a:xfrm>
+            <a:off x="2783632" y="2276872"/>
+            <a:ext cx="144016" cy="144016"/>
+          </a:xfrm>
+          <a:prstGeom prst="ellipse">
+            <a:avLst/>
+          </a:prstGeom>
+          <a:solidFill>
+            <a:schemeClr val="tx1"/>
+          </a:solidFill>
+        </p:spPr>
+        <p:style>
+          <a:lnRef idx="2">
+            <a:schemeClr val="accent1">
+              <a:shade val="50000"/>
+            </a:schemeClr>
+          </a:lnRef>
+          <a:fillRef idx="1">
+            <a:schemeClr val="accent1"/>
+          </a:fillRef>
+          <a:effectRef idx="0">
+            <a:schemeClr val="accent1"/>
+          </a:effectRef>
+          <a:fontRef idx="minor">
+            <a:schemeClr val="lt1"/>
+          </a:fontRef>
+        </p:style>
+        <p:txBody>
+          <a:bodyPr rtlCol="0" anchor="ctr"/>
+          <a:lstStyle/>
+          <a:p>
+            <a:pPr algn="ctr"/>
+            <a:endParaRPr kumimoji="1" lang="ja-JP" altLang="en-US"/>
+          </a:p>
+        </p:txBody>
+      </p:sp>
+      <p:sp>
+        <p:nvSpPr>
+          <p:cNvPr id="18" name="楕円 17">
+            <a:extLst>
+              <a:ext uri="{FF2B5EF4-FFF2-40B4-BE49-F238E27FC236}">
+                <a16:creationId xmlns:a16="http://schemas.microsoft.com/office/drawing/2014/main" id="{56383232-CA0C-A068-13B3-81CF4C5C3C9B}"/>
+              </a:ext>
+            </a:extLst>
+          </p:cNvPr>
+          <p:cNvSpPr/>
+          <p:nvPr/>
+        </p:nvSpPr>
+        <p:spPr>
+          <a:xfrm>
+            <a:off x="3503712" y="1556792"/>
+            <a:ext cx="144016" cy="144016"/>
+          </a:xfrm>
+          <a:prstGeom prst="ellipse">
+            <a:avLst/>
+          </a:prstGeom>
+          <a:solidFill>
+            <a:schemeClr val="tx1"/>
+          </a:solidFill>
+        </p:spPr>
+        <p:style>
+          <a:lnRef idx="2">
+            <a:schemeClr val="accent1">
+              <a:shade val="50000"/>
+            </a:schemeClr>
+          </a:lnRef>
+          <a:fillRef idx="1">
+            <a:schemeClr val="accent1"/>
+          </a:fillRef>
+          <a:effectRef idx="0">
+            <a:schemeClr val="accent1"/>
+          </a:effectRef>
+          <a:fontRef idx="minor">
+            <a:schemeClr val="lt1"/>
+          </a:fontRef>
+        </p:style>
+        <p:txBody>
+          <a:bodyPr rtlCol="0" anchor="ctr"/>
+          <a:lstStyle/>
+          <a:p>
+            <a:pPr algn="ctr"/>
+            <a:endParaRPr kumimoji="1" lang="ja-JP" altLang="en-US"/>
+          </a:p>
+        </p:txBody>
+      </p:sp>
+      <p:cxnSp>
+        <p:nvCxnSpPr>
+          <p:cNvPr id="19" name="直線コネクタ 18">
+            <a:extLst>
+              <a:ext uri="{FF2B5EF4-FFF2-40B4-BE49-F238E27FC236}">
+                <a16:creationId xmlns:a16="http://schemas.microsoft.com/office/drawing/2014/main" id="{12F4CDE6-5ADA-B837-9BF2-5A9755BC49C3}"/>
+              </a:ext>
+            </a:extLst>
+          </p:cNvPr>
+          <p:cNvCxnSpPr>
+            <a:cxnSpLocks/>
+          </p:cNvCxnSpPr>
+          <p:nvPr/>
+        </p:nvCxnSpPr>
+        <p:spPr>
+          <a:xfrm flipV="1">
+            <a:off x="3575720" y="692696"/>
+            <a:ext cx="0" cy="936104"/>
+          </a:xfrm>
+          <a:prstGeom prst="line">
+            <a:avLst/>
+          </a:prstGeom>
+          <a:ln>
+            <a:solidFill>
+              <a:schemeClr val="tx1"/>
+            </a:solidFill>
+          </a:ln>
+        </p:spPr>
+        <p:style>
+          <a:lnRef idx="1">
+            <a:schemeClr val="accent1"/>
+          </a:lnRef>
+          <a:fillRef idx="0">
+            <a:schemeClr val="accent1"/>
+          </a:fillRef>
+          <a:effectRef idx="0">
+            <a:schemeClr val="accent1"/>
+          </a:effectRef>
+          <a:fontRef idx="minor">
+            <a:schemeClr val="tx1"/>
+          </a:fontRef>
+        </p:style>
+      </p:cxnSp>
+      <mc:AlternateContent xmlns:mc="http://schemas.openxmlformats.org/markup-compatibility/2006">
+        <mc:Choice xmlns:a14="http://schemas.microsoft.com/office/drawing/2010/main" Requires="a14">
+          <p:sp>
+            <p:nvSpPr>
+              <p:cNvPr id="21" name="テキスト ボックス 20">
+                <a:extLst>
+                  <a:ext uri="{FF2B5EF4-FFF2-40B4-BE49-F238E27FC236}">
+                    <a16:creationId xmlns:a16="http://schemas.microsoft.com/office/drawing/2014/main" id="{8902E01D-84A0-014F-EADA-B0534E524EEC}"/>
+                  </a:ext>
+                </a:extLst>
+              </p:cNvPr>
+              <p:cNvSpPr txBox="1"/>
+              <p:nvPr/>
+            </p:nvSpPr>
+            <p:spPr>
+              <a:xfrm>
+                <a:off x="2711624" y="3356992"/>
+                <a:ext cx="255711" cy="276999"/>
+              </a:xfrm>
+              <a:prstGeom prst="rect">
+                <a:avLst/>
+              </a:prstGeom>
+              <a:noFill/>
+            </p:spPr>
+            <p:txBody>
+              <a:bodyPr wrap="square" lIns="0" tIns="0" rIns="0" bIns="0" rtlCol="0">
+                <a:spAutoFit/>
+              </a:bodyPr>
+              <a:lstStyle/>
+              <a:p>
+                <a14:m>
+                  <m:oMathPara xmlns:m="http://schemas.openxmlformats.org/officeDocument/2006/math">
+                    <m:oMathParaPr>
+                      <m:jc m:val="centerGroup"/>
+                    </m:oMathParaPr>
+                    <m:oMath xmlns:m="http://schemas.openxmlformats.org/officeDocument/2006/math">
+                      <m:r>
+                        <a:rPr kumimoji="1" lang="en-US" altLang="ja-JP" b="0" i="1" smtClean="0">
+                          <a:latin typeface="Cambria Math" panose="02040503050406030204" pitchFamily="18" charset="0"/>
+                        </a:rPr>
+                        <m:t>𝑀</m:t>
+                      </m:r>
+                    </m:oMath>
+                  </m:oMathPara>
+                </a14:m>
+                <a:endParaRPr kumimoji="1" lang="ja-JP" altLang="en-US"/>
+              </a:p>
+            </p:txBody>
+          </p:sp>
+        </mc:Choice>
+        <mc:Fallback>
+          <p:sp>
+            <p:nvSpPr>
+              <p:cNvPr id="21" name="テキスト ボックス 20">
+                <a:extLst>
+                  <a:ext uri="{FF2B5EF4-FFF2-40B4-BE49-F238E27FC236}">
+                    <a16:creationId xmlns:a16="http://schemas.microsoft.com/office/drawing/2014/main" id="{8902E01D-84A0-014F-EADA-B0534E524EEC}"/>
+                  </a:ext>
+                </a:extLst>
+              </p:cNvPr>
+              <p:cNvSpPr txBox="1">
+                <a:spLocks noRot="1" noChangeAspect="1" noMove="1" noResize="1" noEditPoints="1" noAdjustHandles="1" noChangeArrowheads="1" noChangeShapeType="1" noTextEdit="1"/>
+              </p:cNvSpPr>
+              <p:nvPr/>
+            </p:nvSpPr>
+            <p:spPr>
+              <a:xfrm>
+                <a:off x="2711624" y="3356992"/>
+                <a:ext cx="255711" cy="276999"/>
+              </a:xfrm>
+              <a:prstGeom prst="rect">
+                <a:avLst/>
+              </a:prstGeom>
+              <a:blipFill>
+                <a:blip r:embed="rId2"/>
+                <a:stretch>
+                  <a:fillRect l="-23810" r="-16667" b="-6667"/>
+                </a:stretch>
+              </a:blipFill>
+            </p:spPr>
+            <p:txBody>
+              <a:bodyPr/>
+              <a:lstStyle/>
+              <a:p>
+                <a:r>
+                  <a:rPr lang="ja-JP" altLang="en-US">
+                    <a:noFill/>
+                  </a:rPr>
+                  <a:t> </a:t>
+                </a:r>
+              </a:p>
+            </p:txBody>
+          </p:sp>
+        </mc:Fallback>
+      </mc:AlternateContent>
+      <mc:AlternateContent xmlns:mc="http://schemas.openxmlformats.org/markup-compatibility/2006">
+        <mc:Choice xmlns:a14="http://schemas.microsoft.com/office/drawing/2010/main" Requires="a14">
+          <p:sp>
+            <p:nvSpPr>
+              <p:cNvPr id="22" name="テキスト ボックス 21">
+                <a:extLst>
+                  <a:ext uri="{FF2B5EF4-FFF2-40B4-BE49-F238E27FC236}">
+                    <a16:creationId xmlns:a16="http://schemas.microsoft.com/office/drawing/2014/main" id="{41395539-4C0E-8BC2-DA53-FECFB338684C}"/>
+                  </a:ext>
+                </a:extLst>
+              </p:cNvPr>
+              <p:cNvSpPr txBox="1"/>
+              <p:nvPr/>
+            </p:nvSpPr>
+            <p:spPr>
+              <a:xfrm>
+                <a:off x="3791744" y="3284984"/>
+                <a:ext cx="255711" cy="276999"/>
+              </a:xfrm>
+              <a:prstGeom prst="rect">
+                <a:avLst/>
+              </a:prstGeom>
+              <a:noFill/>
+            </p:spPr>
+            <p:txBody>
+              <a:bodyPr wrap="square" lIns="0" tIns="0" rIns="0" bIns="0" rtlCol="0">
+                <a:spAutoFit/>
+              </a:bodyPr>
+              <a:lstStyle/>
+              <a:p>
+                <a14:m>
+                  <m:oMathPara xmlns:m="http://schemas.openxmlformats.org/officeDocument/2006/math">
+                    <m:oMathParaPr>
+                      <m:jc m:val="centerGroup"/>
+                    </m:oMathParaPr>
+                    <m:oMath xmlns:m="http://schemas.openxmlformats.org/officeDocument/2006/math">
+                      <m:r>
+                        <a:rPr kumimoji="1" lang="en-US" altLang="ja-JP" b="0" i="1" smtClean="0">
+                          <a:latin typeface="Cambria Math" panose="02040503050406030204" pitchFamily="18" charset="0"/>
+                        </a:rPr>
+                        <m:t>𝑚</m:t>
+                      </m:r>
+                    </m:oMath>
+                  </m:oMathPara>
+                </a14:m>
+                <a:endParaRPr kumimoji="1" lang="ja-JP" altLang="en-US"/>
+              </a:p>
+            </p:txBody>
+          </p:sp>
+        </mc:Choice>
+        <mc:Fallback>
+          <p:sp>
+            <p:nvSpPr>
+              <p:cNvPr id="22" name="テキスト ボックス 21">
+                <a:extLst>
+                  <a:ext uri="{FF2B5EF4-FFF2-40B4-BE49-F238E27FC236}">
+                    <a16:creationId xmlns:a16="http://schemas.microsoft.com/office/drawing/2014/main" id="{41395539-4C0E-8BC2-DA53-FECFB338684C}"/>
+                  </a:ext>
+                </a:extLst>
+              </p:cNvPr>
+              <p:cNvSpPr txBox="1">
+                <a:spLocks noRot="1" noChangeAspect="1" noMove="1" noResize="1" noEditPoints="1" noAdjustHandles="1" noChangeArrowheads="1" noChangeShapeType="1" noTextEdit="1"/>
+              </p:cNvSpPr>
+              <p:nvPr/>
+            </p:nvSpPr>
+            <p:spPr>
+              <a:xfrm>
+                <a:off x="3791744" y="3284984"/>
+                <a:ext cx="255711" cy="276999"/>
+              </a:xfrm>
+              <a:prstGeom prst="rect">
+                <a:avLst/>
+              </a:prstGeom>
+              <a:blipFill>
+                <a:blip r:embed="rId3"/>
+                <a:stretch>
+                  <a:fillRect l="-11905" r="-11905"/>
+                </a:stretch>
+              </a:blipFill>
+            </p:spPr>
+            <p:txBody>
+              <a:bodyPr/>
+              <a:lstStyle/>
+              <a:p>
+                <a:r>
+                  <a:rPr lang="ja-JP" altLang="en-US">
+                    <a:noFill/>
+                  </a:rPr>
+                  <a:t> </a:t>
+                </a:r>
+              </a:p>
+            </p:txBody>
+          </p:sp>
+        </mc:Fallback>
+      </mc:AlternateContent>
+    </p:spTree>
+    <p:extLst>
+      <p:ext uri="{BB962C8B-B14F-4D97-AF65-F5344CB8AC3E}">
+        <p14:creationId xmlns:p14="http://schemas.microsoft.com/office/powerpoint/2010/main" val="1602742584"/>
+      </p:ext>
+    </p:extLst>
+  </p:cSld>
+  <p:clrMapOvr>
+    <a:masterClrMapping/>
+  </p:clrMapOvr>
+</p:sld>
+</file>
+
+<file path=ppt/slides/slide4.xml><?xml version="1.0" encoding="utf-8"?>
+<p:sld xmlns:a="http://schemas.openxmlformats.org/drawingml/2006/main" xmlns:r="http://schemas.openxmlformats.org/officeDocument/2006/relationships" xmlns:p="http://schemas.openxmlformats.org/presentationml/2006/main">
+  <p:cSld>
+    <p:spTree>
+      <p:nvGrpSpPr>
+        <p:cNvPr id="1" name=""/>
+        <p:cNvGrpSpPr/>
+        <p:nvPr/>
+      </p:nvGrpSpPr>
+      <p:grpSpPr>
+        <a:xfrm>
+          <a:off x="0" y="0"/>
+          <a:ext cx="0" cy="0"/>
+          <a:chOff x="0" y="0"/>
+          <a:chExt cx="0" cy="0"/>
+        </a:xfrm>
+      </p:grpSpPr>
+      <p:sp>
+        <p:nvSpPr>
+          <p:cNvPr id="2" name="正方形/長方形 1">
+            <a:extLst>
+              <a:ext uri="{FF2B5EF4-FFF2-40B4-BE49-F238E27FC236}">
+                <a16:creationId xmlns:a16="http://schemas.microsoft.com/office/drawing/2014/main" id="{06ED038E-09F2-5B5F-C99C-C4CFAE0860CB}"/>
+              </a:ext>
+            </a:extLst>
+          </p:cNvPr>
+          <p:cNvSpPr/>
+          <p:nvPr/>
+        </p:nvSpPr>
+        <p:spPr>
+          <a:xfrm rot="5400000">
+            <a:off x="-348716" y="2240868"/>
+            <a:ext cx="2592288" cy="216024"/>
+          </a:xfrm>
+          <a:prstGeom prst="rect">
+            <a:avLst/>
+          </a:prstGeom>
+          <a:solidFill>
+            <a:schemeClr val="accent4">
+              <a:lumMod val="75000"/>
+            </a:schemeClr>
+          </a:solidFill>
+          <a:ln>
+            <a:noFill/>
+          </a:ln>
+        </p:spPr>
+        <p:style>
+          <a:lnRef idx="2">
+            <a:schemeClr val="accent1">
+              <a:shade val="50000"/>
+            </a:schemeClr>
+          </a:lnRef>
+          <a:fillRef idx="1">
+            <a:schemeClr val="accent1"/>
+          </a:fillRef>
+          <a:effectRef idx="0">
+            <a:schemeClr val="accent1"/>
+          </a:effectRef>
+          <a:fontRef idx="minor">
+            <a:schemeClr val="lt1"/>
+          </a:fontRef>
+        </p:style>
+        <p:txBody>
+          <a:bodyPr rtlCol="0" anchor="ctr"/>
+          <a:lstStyle/>
+          <a:p>
+            <a:pPr algn="ctr"/>
+            <a:endParaRPr kumimoji="1" lang="ja-JP" altLang="en-US"/>
+          </a:p>
+        </p:txBody>
+      </p:sp>
+      <p:sp>
+        <p:nvSpPr>
+          <p:cNvPr id="3" name="正方形/長方形 2">
+            <a:extLst>
+              <a:ext uri="{FF2B5EF4-FFF2-40B4-BE49-F238E27FC236}">
+                <a16:creationId xmlns:a16="http://schemas.microsoft.com/office/drawing/2014/main" id="{4E312887-B363-4D1B-7044-AB9DB9EC09B3}"/>
+              </a:ext>
+            </a:extLst>
+          </p:cNvPr>
+          <p:cNvSpPr/>
+          <p:nvPr/>
+        </p:nvSpPr>
+        <p:spPr>
+          <a:xfrm>
+            <a:off x="839416" y="3429000"/>
+            <a:ext cx="2808312" cy="216024"/>
+          </a:xfrm>
+          <a:prstGeom prst="rect">
+            <a:avLst/>
+          </a:prstGeom>
+          <a:solidFill>
+            <a:schemeClr val="accent4">
+              <a:lumMod val="75000"/>
+            </a:schemeClr>
+          </a:solidFill>
+          <a:ln>
+            <a:noFill/>
+          </a:ln>
+        </p:spPr>
+        <p:style>
+          <a:lnRef idx="2">
+            <a:schemeClr val="accent1">
+              <a:shade val="50000"/>
+            </a:schemeClr>
+          </a:lnRef>
+          <a:fillRef idx="1">
+            <a:schemeClr val="accent1"/>
+          </a:fillRef>
+          <a:effectRef idx="0">
+            <a:schemeClr val="accent1"/>
+          </a:effectRef>
+          <a:fontRef idx="minor">
+            <a:schemeClr val="lt1"/>
+          </a:fontRef>
+        </p:style>
+        <p:txBody>
+          <a:bodyPr rtlCol="0" anchor="ctr"/>
+          <a:lstStyle/>
+          <a:p>
+            <a:pPr algn="ctr"/>
+            <a:endParaRPr kumimoji="1" lang="ja-JP" altLang="en-US"/>
+          </a:p>
+        </p:txBody>
+      </p:sp>
+      <p:sp>
+        <p:nvSpPr>
+          <p:cNvPr id="4" name="正方形/長方形 3">
+            <a:extLst>
+              <a:ext uri="{FF2B5EF4-FFF2-40B4-BE49-F238E27FC236}">
+                <a16:creationId xmlns:a16="http://schemas.microsoft.com/office/drawing/2014/main" id="{249D0AEA-92CA-F773-97A9-9EB5822A09E5}"/>
+              </a:ext>
+            </a:extLst>
+          </p:cNvPr>
+          <p:cNvSpPr/>
+          <p:nvPr/>
+        </p:nvSpPr>
+        <p:spPr>
+          <a:xfrm rot="3477656">
+            <a:off x="700457" y="2562140"/>
+            <a:ext cx="1790083" cy="153933"/>
+          </a:xfrm>
+          <a:prstGeom prst="rect">
+            <a:avLst/>
+          </a:prstGeom>
+          <a:solidFill>
+            <a:schemeClr val="bg2">
+              <a:lumMod val="90000"/>
+            </a:schemeClr>
+          </a:solidFill>
+          <a:ln>
+            <a:solidFill>
+              <a:schemeClr val="tx1"/>
+            </a:solidFill>
+          </a:ln>
+        </p:spPr>
+        <p:style>
+          <a:lnRef idx="2">
+            <a:schemeClr val="accent1">
+              <a:shade val="50000"/>
+            </a:schemeClr>
+          </a:lnRef>
+          <a:fillRef idx="1">
+            <a:schemeClr val="accent1"/>
+          </a:fillRef>
+          <a:effectRef idx="0">
+            <a:schemeClr val="accent1"/>
+          </a:effectRef>
+          <a:fontRef idx="minor">
+            <a:schemeClr val="lt1"/>
+          </a:fontRef>
+        </p:style>
+        <p:txBody>
+          <a:bodyPr rtlCol="0" anchor="ctr"/>
+          <a:lstStyle/>
+          <a:p>
+            <a:pPr algn="ctr"/>
+            <a:endParaRPr kumimoji="1" lang="ja-JP" altLang="en-US"/>
+          </a:p>
+        </p:txBody>
+      </p:sp>
+      <p:cxnSp>
+        <p:nvCxnSpPr>
+          <p:cNvPr id="5" name="直線コネクタ 4">
+            <a:extLst>
+              <a:ext uri="{FF2B5EF4-FFF2-40B4-BE49-F238E27FC236}">
+                <a16:creationId xmlns:a16="http://schemas.microsoft.com/office/drawing/2014/main" id="{682B22B2-8ED6-2220-66C4-A39D77B833C0}"/>
+              </a:ext>
+            </a:extLst>
+          </p:cNvPr>
+          <p:cNvCxnSpPr/>
+          <p:nvPr/>
+        </p:nvCxnSpPr>
+        <p:spPr>
+          <a:xfrm>
+            <a:off x="1055440" y="1052736"/>
+            <a:ext cx="0" cy="2376264"/>
+          </a:xfrm>
+          <a:prstGeom prst="line">
+            <a:avLst/>
+          </a:prstGeom>
+          <a:ln w="28575">
+            <a:solidFill>
+              <a:schemeClr val="tx1"/>
+            </a:solidFill>
+          </a:ln>
+        </p:spPr>
+        <p:style>
+          <a:lnRef idx="1">
+            <a:schemeClr val="accent1"/>
+          </a:lnRef>
+          <a:fillRef idx="0">
+            <a:schemeClr val="accent1"/>
+          </a:fillRef>
+          <a:effectRef idx="0">
+            <a:schemeClr val="accent1"/>
+          </a:effectRef>
+          <a:fontRef idx="minor">
+            <a:schemeClr val="tx1"/>
+          </a:fontRef>
+        </p:style>
+      </p:cxnSp>
+      <p:cxnSp>
+        <p:nvCxnSpPr>
+          <p:cNvPr id="6" name="直線コネクタ 5">
+            <a:extLst>
+              <a:ext uri="{FF2B5EF4-FFF2-40B4-BE49-F238E27FC236}">
+                <a16:creationId xmlns:a16="http://schemas.microsoft.com/office/drawing/2014/main" id="{E6479AB0-84FD-CFF5-906A-959AF3071C52}"/>
+              </a:ext>
+            </a:extLst>
+          </p:cNvPr>
+          <p:cNvCxnSpPr>
+            <a:cxnSpLocks/>
+          </p:cNvCxnSpPr>
+          <p:nvPr/>
+        </p:nvCxnSpPr>
+        <p:spPr>
+          <a:xfrm>
+            <a:off x="1055440" y="3429000"/>
+            <a:ext cx="2592288" cy="0"/>
+          </a:xfrm>
+          <a:prstGeom prst="line">
+            <a:avLst/>
+          </a:prstGeom>
+          <a:ln w="28575">
+            <a:solidFill>
+              <a:schemeClr val="tx1"/>
+            </a:solidFill>
+          </a:ln>
+        </p:spPr>
+        <p:style>
+          <a:lnRef idx="1">
+            <a:schemeClr val="accent1"/>
+          </a:lnRef>
+          <a:fillRef idx="0">
+            <a:schemeClr val="accent1"/>
+          </a:fillRef>
+          <a:effectRef idx="0">
+            <a:schemeClr val="accent1"/>
+          </a:effectRef>
+          <a:fontRef idx="minor">
+            <a:schemeClr val="tx1"/>
+          </a:fontRef>
+        </p:style>
+      </p:cxnSp>
+      <p:sp>
+        <p:nvSpPr>
+          <p:cNvPr id="7" name="矢印: 右 6">
+            <a:extLst>
+              <a:ext uri="{FF2B5EF4-FFF2-40B4-BE49-F238E27FC236}">
+                <a16:creationId xmlns:a16="http://schemas.microsoft.com/office/drawing/2014/main" id="{C7EF4735-F83C-08D2-3C3C-151E4EF44064}"/>
+              </a:ext>
+            </a:extLst>
+          </p:cNvPr>
+          <p:cNvSpPr/>
+          <p:nvPr/>
+        </p:nvSpPr>
+        <p:spPr>
+          <a:xfrm rot="10800000">
+            <a:off x="2135560" y="3068960"/>
+            <a:ext cx="432048" cy="268608"/>
+          </a:xfrm>
+          <a:prstGeom prst="rightArrow">
+            <a:avLst/>
+          </a:prstGeom>
+          <a:solidFill>
+            <a:srgbClr val="FF0000"/>
+          </a:solidFill>
+          <a:ln>
+            <a:solidFill>
+              <a:schemeClr val="tx1"/>
+            </a:solidFill>
+          </a:ln>
+        </p:spPr>
+        <p:style>
+          <a:lnRef idx="2">
+            <a:schemeClr val="accent1">
+              <a:shade val="50000"/>
+            </a:schemeClr>
+          </a:lnRef>
+          <a:fillRef idx="1">
+            <a:schemeClr val="accent1"/>
+          </a:fillRef>
+          <a:effectRef idx="0">
+            <a:schemeClr val="accent1"/>
+          </a:effectRef>
+          <a:fontRef idx="minor">
+            <a:schemeClr val="lt1"/>
+          </a:fontRef>
+        </p:style>
+        <p:txBody>
+          <a:bodyPr rtlCol="0" anchor="ctr"/>
+          <a:lstStyle/>
+          <a:p>
+            <a:pPr algn="ctr"/>
+            <a:endParaRPr kumimoji="1" lang="ja-JP" altLang="en-US"/>
+          </a:p>
+        </p:txBody>
+      </p:sp>
+      <p:sp>
+        <p:nvSpPr>
+          <p:cNvPr id="8" name="フリーフォーム: 図形 7">
+            <a:extLst>
+              <a:ext uri="{FF2B5EF4-FFF2-40B4-BE49-F238E27FC236}">
+                <a16:creationId xmlns:a16="http://schemas.microsoft.com/office/drawing/2014/main" id="{1F176461-7759-9818-89F0-BD973FAE924F}"/>
+              </a:ext>
+            </a:extLst>
+          </p:cNvPr>
+          <p:cNvSpPr/>
+          <p:nvPr/>
+        </p:nvSpPr>
+        <p:spPr>
+          <a:xfrm>
+            <a:off x="1630462" y="3168774"/>
+            <a:ext cx="197644" cy="245269"/>
+          </a:xfrm>
+          <a:custGeom>
+            <a:avLst/>
+            <a:gdLst>
+              <a:gd name="connsiteX0" fmla="*/ 197644 w 197644"/>
+              <a:gd name="connsiteY0" fmla="*/ 0 h 245269"/>
+              <a:gd name="connsiteX1" fmla="*/ 59532 w 197644"/>
+              <a:gd name="connsiteY1" fmla="*/ 80963 h 245269"/>
+              <a:gd name="connsiteX2" fmla="*/ 0 w 197644"/>
+              <a:gd name="connsiteY2" fmla="*/ 245269 h 245269"/>
+            </a:gdLst>
+            <a:ahLst/>
+            <a:cxnLst>
+              <a:cxn ang="0">
+                <a:pos x="connsiteX0" y="connsiteY0"/>
+              </a:cxn>
+              <a:cxn ang="0">
+                <a:pos x="connsiteX1" y="connsiteY1"/>
+              </a:cxn>
+              <a:cxn ang="0">
+                <a:pos x="connsiteX2" y="connsiteY2"/>
+              </a:cxn>
+            </a:cxnLst>
+            <a:rect l="l" t="t" r="r" b="b"/>
+            <a:pathLst>
+              <a:path w="197644" h="245269">
+                <a:moveTo>
+                  <a:pt x="197644" y="0"/>
+                </a:moveTo>
+                <a:cubicBezTo>
+                  <a:pt x="145058" y="20042"/>
+                  <a:pt x="92473" y="40085"/>
+                  <a:pt x="59532" y="80963"/>
+                </a:cubicBezTo>
+                <a:cubicBezTo>
+                  <a:pt x="26591" y="121841"/>
+                  <a:pt x="13295" y="183555"/>
+                  <a:pt x="0" y="245269"/>
+                </a:cubicBezTo>
+              </a:path>
+            </a:pathLst>
+          </a:custGeom>
+          <a:noFill/>
+          <a:ln>
+            <a:solidFill>
+              <a:schemeClr val="tx1"/>
+            </a:solidFill>
+          </a:ln>
+        </p:spPr>
+        <p:style>
+          <a:lnRef idx="2">
+            <a:schemeClr val="accent1">
+              <a:shade val="50000"/>
+            </a:schemeClr>
+          </a:lnRef>
+          <a:fillRef idx="1">
+            <a:schemeClr val="accent1"/>
+          </a:fillRef>
+          <a:effectRef idx="0">
+            <a:schemeClr val="accent1"/>
+          </a:effectRef>
+          <a:fontRef idx="minor">
+            <a:schemeClr val="lt1"/>
+          </a:fontRef>
+        </p:style>
+        <p:txBody>
+          <a:bodyPr rtlCol="0" anchor="ctr"/>
+          <a:lstStyle/>
+          <a:p>
+            <a:pPr algn="ctr"/>
+            <a:endParaRPr kumimoji="1" lang="ja-JP" altLang="en-US"/>
+          </a:p>
+        </p:txBody>
+      </p:sp>
+      <mc:AlternateContent xmlns:mc="http://schemas.openxmlformats.org/markup-compatibility/2006">
+        <mc:Choice xmlns:a14="http://schemas.microsoft.com/office/drawing/2010/main" Requires="a14">
+          <p:sp>
+            <p:nvSpPr>
+              <p:cNvPr id="9" name="テキスト ボックス 8">
+                <a:extLst>
+                  <a:ext uri="{FF2B5EF4-FFF2-40B4-BE49-F238E27FC236}">
+                    <a16:creationId xmlns:a16="http://schemas.microsoft.com/office/drawing/2014/main" id="{7CAFFC59-C898-EB7F-6352-4C52851A9DAC}"/>
+                  </a:ext>
+                </a:extLst>
+              </p:cNvPr>
+              <p:cNvSpPr txBox="1"/>
+              <p:nvPr/>
+            </p:nvSpPr>
+            <p:spPr>
+              <a:xfrm>
+                <a:off x="1442029" y="3068960"/>
+                <a:ext cx="189475" cy="276999"/>
+              </a:xfrm>
+              <a:prstGeom prst="rect">
+                <a:avLst/>
+              </a:prstGeom>
+              <a:noFill/>
+            </p:spPr>
+            <p:txBody>
+              <a:bodyPr wrap="none" lIns="0" tIns="0" rIns="0" bIns="0" rtlCol="0">
+                <a:spAutoFit/>
+              </a:bodyPr>
+              <a:lstStyle/>
+              <a:p>
+                <a14:m>
+                  <m:oMathPara xmlns:m="http://schemas.openxmlformats.org/officeDocument/2006/math">
+                    <m:oMathParaPr>
+                      <m:jc m:val="centerGroup"/>
+                    </m:oMathParaPr>
+                    <m:oMath xmlns:m="http://schemas.openxmlformats.org/officeDocument/2006/math">
+                      <m:r>
+                        <a:rPr kumimoji="1" lang="en-US" altLang="ja-JP" b="0" i="1" smtClean="0">
+                          <a:latin typeface="Cambria Math" panose="02040503050406030204" pitchFamily="18" charset="0"/>
+                        </a:rPr>
+                        <m:t>𝜃</m:t>
+                      </m:r>
+                    </m:oMath>
+                  </m:oMathPara>
+                </a14:m>
+                <a:endParaRPr kumimoji="1" lang="ja-JP" altLang="en-US"/>
+              </a:p>
+            </p:txBody>
+          </p:sp>
+        </mc:Choice>
+        <mc:Fallback>
+          <p:sp>
+            <p:nvSpPr>
+              <p:cNvPr id="9" name="テキスト ボックス 8">
+                <a:extLst>
+                  <a:ext uri="{FF2B5EF4-FFF2-40B4-BE49-F238E27FC236}">
+                    <a16:creationId xmlns:a16="http://schemas.microsoft.com/office/drawing/2014/main" id="{7CAFFC59-C898-EB7F-6352-4C52851A9DAC}"/>
+                  </a:ext>
+                </a:extLst>
+              </p:cNvPr>
+              <p:cNvSpPr txBox="1">
+                <a:spLocks noRot="1" noChangeAspect="1" noMove="1" noResize="1" noEditPoints="1" noAdjustHandles="1" noChangeArrowheads="1" noChangeShapeType="1" noTextEdit="1"/>
+              </p:cNvSpPr>
+              <p:nvPr/>
+            </p:nvSpPr>
+            <p:spPr>
+              <a:xfrm>
+                <a:off x="1442029" y="3068960"/>
+                <a:ext cx="189475" cy="276999"/>
+              </a:xfrm>
+              <a:prstGeom prst="rect">
+                <a:avLst/>
+              </a:prstGeom>
+              <a:blipFill>
+                <a:blip r:embed="rId2"/>
+                <a:stretch>
+                  <a:fillRect l="-32258" r="-22581" b="-6522"/>
+                </a:stretch>
+              </a:blipFill>
+            </p:spPr>
+            <p:txBody>
+              <a:bodyPr/>
+              <a:lstStyle/>
+              <a:p>
+                <a:r>
+                  <a:rPr lang="ja-JP" altLang="en-US">
+                    <a:noFill/>
+                  </a:rPr>
+                  <a:t> </a:t>
+                </a:r>
+              </a:p>
+            </p:txBody>
+          </p:sp>
+        </mc:Fallback>
+      </mc:AlternateContent>
+      <mc:AlternateContent xmlns:mc="http://schemas.openxmlformats.org/markup-compatibility/2006">
+        <mc:Choice xmlns:a14="http://schemas.microsoft.com/office/drawing/2010/main" Requires="a14">
+          <p:sp>
+            <p:nvSpPr>
+              <p:cNvPr id="10" name="テキスト ボックス 9">
+                <a:extLst>
+                  <a:ext uri="{FF2B5EF4-FFF2-40B4-BE49-F238E27FC236}">
+                    <a16:creationId xmlns:a16="http://schemas.microsoft.com/office/drawing/2014/main" id="{08E8ECD5-3C72-3161-A314-B1410C170F16}"/>
+                  </a:ext>
+                </a:extLst>
+              </p:cNvPr>
+              <p:cNvSpPr txBox="1"/>
+              <p:nvPr/>
+            </p:nvSpPr>
+            <p:spPr>
+              <a:xfrm>
+                <a:off x="2567608" y="3068960"/>
+                <a:ext cx="288032" cy="288032"/>
+              </a:xfrm>
+              <a:prstGeom prst="rect">
+                <a:avLst/>
+              </a:prstGeom>
+              <a:noFill/>
+            </p:spPr>
+            <p:txBody>
+              <a:bodyPr wrap="square" lIns="0" tIns="0" rIns="0" bIns="0" rtlCol="0">
+                <a:spAutoFit/>
+              </a:bodyPr>
+              <a:lstStyle/>
+              <a:p>
+                <a14:m>
+                  <m:oMathPara xmlns:m="http://schemas.openxmlformats.org/officeDocument/2006/math">
+                    <m:oMathParaPr>
+                      <m:jc m:val="centerGroup"/>
+                    </m:oMathParaPr>
+                    <m:oMath xmlns:m="http://schemas.openxmlformats.org/officeDocument/2006/math">
+                      <m:r>
+                        <a:rPr kumimoji="1" lang="en-US" altLang="ja-JP" b="0" i="1" smtClean="0">
+                          <a:latin typeface="Cambria Math" panose="02040503050406030204" pitchFamily="18" charset="0"/>
+                        </a:rPr>
+                        <m:t>𝐹</m:t>
+                      </m:r>
+                    </m:oMath>
+                  </m:oMathPara>
+                </a14:m>
+                <a:endParaRPr kumimoji="1" lang="ja-JP" altLang="en-US"/>
+              </a:p>
+            </p:txBody>
+          </p:sp>
+        </mc:Choice>
+        <mc:Fallback>
+          <p:sp>
+            <p:nvSpPr>
+              <p:cNvPr id="10" name="テキスト ボックス 9">
+                <a:extLst>
+                  <a:ext uri="{FF2B5EF4-FFF2-40B4-BE49-F238E27FC236}">
+                    <a16:creationId xmlns:a16="http://schemas.microsoft.com/office/drawing/2014/main" id="{08E8ECD5-3C72-3161-A314-B1410C170F16}"/>
+                  </a:ext>
+                </a:extLst>
+              </p:cNvPr>
+              <p:cNvSpPr txBox="1">
+                <a:spLocks noRot="1" noChangeAspect="1" noMove="1" noResize="1" noEditPoints="1" noAdjustHandles="1" noChangeArrowheads="1" noChangeShapeType="1" noTextEdit="1"/>
+              </p:cNvSpPr>
+              <p:nvPr/>
+            </p:nvSpPr>
+            <p:spPr>
+              <a:xfrm>
+                <a:off x="2567608" y="3068960"/>
+                <a:ext cx="288032" cy="288032"/>
+              </a:xfrm>
+              <a:prstGeom prst="rect">
+                <a:avLst/>
+              </a:prstGeom>
+              <a:blipFill>
+                <a:blip r:embed="rId3"/>
+                <a:stretch>
+                  <a:fillRect l="-4255" r="-2128" b="-2083"/>
+                </a:stretch>
+              </a:blipFill>
+            </p:spPr>
+            <p:txBody>
+              <a:bodyPr/>
+              <a:lstStyle/>
+              <a:p>
+                <a:r>
+                  <a:rPr lang="ja-JP" altLang="en-US">
+                    <a:noFill/>
+                  </a:rPr>
+                  <a:t> </a:t>
+                </a:r>
+              </a:p>
+            </p:txBody>
+          </p:sp>
+        </mc:Fallback>
+      </mc:AlternateContent>
+      <p:cxnSp>
+        <p:nvCxnSpPr>
+          <p:cNvPr id="11" name="直線矢印コネクタ 10">
+            <a:extLst>
+              <a:ext uri="{FF2B5EF4-FFF2-40B4-BE49-F238E27FC236}">
+                <a16:creationId xmlns:a16="http://schemas.microsoft.com/office/drawing/2014/main" id="{DD306B52-423D-1816-1B69-364E911EFBC8}"/>
+              </a:ext>
+            </a:extLst>
+          </p:cNvPr>
+          <p:cNvCxnSpPr>
+            <a:cxnSpLocks/>
+          </p:cNvCxnSpPr>
+          <p:nvPr/>
+        </p:nvCxnSpPr>
+        <p:spPr>
+          <a:xfrm>
+            <a:off x="1552984" y="2607929"/>
+            <a:ext cx="6512" cy="389023"/>
+          </a:xfrm>
+          <a:prstGeom prst="straightConnector1">
+            <a:avLst/>
+          </a:prstGeom>
+          <a:ln>
+            <a:solidFill>
+              <a:schemeClr val="tx1"/>
+            </a:solidFill>
+            <a:tailEnd type="triangle"/>
+          </a:ln>
+        </p:spPr>
+        <p:style>
+          <a:lnRef idx="1">
+            <a:schemeClr val="accent1"/>
+          </a:lnRef>
+          <a:fillRef idx="0">
+            <a:schemeClr val="accent1"/>
+          </a:fillRef>
+          <a:effectRef idx="0">
+            <a:schemeClr val="accent1"/>
+          </a:effectRef>
+          <a:fontRef idx="minor">
+            <a:schemeClr val="tx1"/>
+          </a:fontRef>
+        </p:style>
+      </p:cxnSp>
+      <mc:AlternateContent xmlns:mc="http://schemas.openxmlformats.org/markup-compatibility/2006">
+        <mc:Choice xmlns:a14="http://schemas.microsoft.com/office/drawing/2010/main" Requires="a14">
+          <p:sp>
+            <p:nvSpPr>
+              <p:cNvPr id="12" name="テキスト ボックス 11">
+                <a:extLst>
+                  <a:ext uri="{FF2B5EF4-FFF2-40B4-BE49-F238E27FC236}">
+                    <a16:creationId xmlns:a16="http://schemas.microsoft.com/office/drawing/2014/main" id="{CE3DB9A4-0C1C-E9D0-7149-67A14A0B4F1F}"/>
+                  </a:ext>
+                </a:extLst>
+              </p:cNvPr>
+              <p:cNvSpPr txBox="1"/>
+              <p:nvPr/>
+            </p:nvSpPr>
+            <p:spPr>
+              <a:xfrm>
+                <a:off x="1199456" y="2636912"/>
+                <a:ext cx="288032" cy="276999"/>
+              </a:xfrm>
+              <a:prstGeom prst="rect">
+                <a:avLst/>
+              </a:prstGeom>
+              <a:noFill/>
+            </p:spPr>
+            <p:txBody>
+              <a:bodyPr wrap="square" lIns="0" tIns="0" rIns="0" bIns="0" rtlCol="0">
+                <a:spAutoFit/>
+              </a:bodyPr>
+              <a:lstStyle/>
+              <a:p>
+                <a14:m>
+                  <m:oMathPara xmlns:m="http://schemas.openxmlformats.org/officeDocument/2006/math">
+                    <m:oMathParaPr>
+                      <m:jc m:val="centerGroup"/>
+                    </m:oMathParaPr>
+                    <m:oMath xmlns:m="http://schemas.openxmlformats.org/officeDocument/2006/math">
+                      <m:r>
+                        <a:rPr kumimoji="1" lang="en-US" altLang="ja-JP" b="0" i="1" smtClean="0">
+                          <a:latin typeface="Cambria Math" panose="02040503050406030204" pitchFamily="18" charset="0"/>
+                        </a:rPr>
+                        <m:t>𝑚𝑔</m:t>
+                      </m:r>
+                    </m:oMath>
+                  </m:oMathPara>
+                </a14:m>
+                <a:endParaRPr kumimoji="1" lang="ja-JP" altLang="en-US"/>
+              </a:p>
+            </p:txBody>
+          </p:sp>
+        </mc:Choice>
+        <mc:Fallback>
+          <p:sp>
+            <p:nvSpPr>
+              <p:cNvPr id="12" name="テキスト ボックス 11">
+                <a:extLst>
+                  <a:ext uri="{FF2B5EF4-FFF2-40B4-BE49-F238E27FC236}">
+                    <a16:creationId xmlns:a16="http://schemas.microsoft.com/office/drawing/2014/main" id="{CE3DB9A4-0C1C-E9D0-7149-67A14A0B4F1F}"/>
+                  </a:ext>
+                </a:extLst>
+              </p:cNvPr>
+              <p:cNvSpPr txBox="1">
+                <a:spLocks noRot="1" noChangeAspect="1" noMove="1" noResize="1" noEditPoints="1" noAdjustHandles="1" noChangeArrowheads="1" noChangeShapeType="1" noTextEdit="1"/>
+              </p:cNvSpPr>
+              <p:nvPr/>
+            </p:nvSpPr>
+            <p:spPr>
+              <a:xfrm>
+                <a:off x="1199456" y="2636912"/>
+                <a:ext cx="288032" cy="276999"/>
+              </a:xfrm>
+              <a:prstGeom prst="rect">
+                <a:avLst/>
+              </a:prstGeom>
+              <a:blipFill>
+                <a:blip r:embed="rId4"/>
+                <a:stretch>
+                  <a:fillRect l="-29787" r="-46809" b="-26667"/>
+                </a:stretch>
+              </a:blipFill>
+            </p:spPr>
+            <p:txBody>
+              <a:bodyPr/>
+              <a:lstStyle/>
+              <a:p>
+                <a:r>
+                  <a:rPr lang="ja-JP" altLang="en-US">
+                    <a:noFill/>
+                  </a:rPr>
+                  <a:t> </a:t>
+                </a:r>
+              </a:p>
+            </p:txBody>
+          </p:sp>
+        </mc:Fallback>
+      </mc:AlternateContent>
+      <p:cxnSp>
+        <p:nvCxnSpPr>
+          <p:cNvPr id="14" name="直線矢印コネクタ 13">
+            <a:extLst>
+              <a:ext uri="{FF2B5EF4-FFF2-40B4-BE49-F238E27FC236}">
+                <a16:creationId xmlns:a16="http://schemas.microsoft.com/office/drawing/2014/main" id="{FE53D376-3D4E-DC63-DDE7-82BB1F7C00A1}"/>
+              </a:ext>
+            </a:extLst>
+          </p:cNvPr>
+          <p:cNvCxnSpPr/>
+          <p:nvPr/>
+        </p:nvCxnSpPr>
+        <p:spPr>
+          <a:xfrm>
+            <a:off x="4511824" y="3429000"/>
+            <a:ext cx="2664296" cy="0"/>
+          </a:xfrm>
+          <a:prstGeom prst="straightConnector1">
+            <a:avLst/>
+          </a:prstGeom>
+          <a:ln>
+            <a:solidFill>
+              <a:schemeClr val="tx1"/>
+            </a:solidFill>
+            <a:tailEnd type="triangle"/>
+          </a:ln>
+        </p:spPr>
+        <p:style>
+          <a:lnRef idx="1">
+            <a:schemeClr val="accent1"/>
+          </a:lnRef>
+          <a:fillRef idx="0">
+            <a:schemeClr val="accent1"/>
+          </a:fillRef>
+          <a:effectRef idx="0">
+            <a:schemeClr val="accent1"/>
+          </a:effectRef>
+          <a:fontRef idx="minor">
+            <a:schemeClr val="tx1"/>
+          </a:fontRef>
+        </p:style>
+      </p:cxnSp>
+      <p:cxnSp>
+        <p:nvCxnSpPr>
+          <p:cNvPr id="17" name="直線矢印コネクタ 16">
+            <a:extLst>
+              <a:ext uri="{FF2B5EF4-FFF2-40B4-BE49-F238E27FC236}">
+                <a16:creationId xmlns:a16="http://schemas.microsoft.com/office/drawing/2014/main" id="{13A0E6A2-E456-7EE7-FF02-9BCA600B5821}"/>
+              </a:ext>
+            </a:extLst>
+          </p:cNvPr>
+          <p:cNvCxnSpPr/>
+          <p:nvPr/>
+        </p:nvCxnSpPr>
+        <p:spPr>
+          <a:xfrm flipV="1">
+            <a:off x="4655840" y="980728"/>
+            <a:ext cx="0" cy="2592288"/>
+          </a:xfrm>
+          <a:prstGeom prst="straightConnector1">
+            <a:avLst/>
+          </a:prstGeom>
+          <a:ln>
+            <a:solidFill>
+              <a:schemeClr val="tx1"/>
+            </a:solidFill>
+            <a:tailEnd type="triangle"/>
+          </a:ln>
+        </p:spPr>
+        <p:style>
+          <a:lnRef idx="1">
+            <a:schemeClr val="accent1"/>
+          </a:lnRef>
+          <a:fillRef idx="0">
+            <a:schemeClr val="accent1"/>
+          </a:fillRef>
+          <a:effectRef idx="0">
+            <a:schemeClr val="accent1"/>
+          </a:effectRef>
+          <a:fontRef idx="minor">
+            <a:schemeClr val="tx1"/>
+          </a:fontRef>
+        </p:style>
+      </p:cxnSp>
+      <p:cxnSp>
+        <p:nvCxnSpPr>
+          <p:cNvPr id="20" name="直線コネクタ 19">
+            <a:extLst>
+              <a:ext uri="{FF2B5EF4-FFF2-40B4-BE49-F238E27FC236}">
+                <a16:creationId xmlns:a16="http://schemas.microsoft.com/office/drawing/2014/main" id="{62544D87-44E9-5709-4DFF-677C7D7C2050}"/>
+              </a:ext>
+            </a:extLst>
+          </p:cNvPr>
+          <p:cNvCxnSpPr>
+            <a:cxnSpLocks/>
+          </p:cNvCxnSpPr>
+          <p:nvPr/>
+        </p:nvCxnSpPr>
+        <p:spPr>
+          <a:xfrm>
+            <a:off x="4655840" y="1988840"/>
+            <a:ext cx="949634" cy="1440160"/>
+          </a:xfrm>
+          <a:prstGeom prst="line">
+            <a:avLst/>
+          </a:prstGeom>
+          <a:ln>
+            <a:solidFill>
+              <a:schemeClr val="tx1"/>
+            </a:solidFill>
+          </a:ln>
+        </p:spPr>
+        <p:style>
+          <a:lnRef idx="1">
+            <a:schemeClr val="accent1"/>
+          </a:lnRef>
+          <a:fillRef idx="0">
+            <a:schemeClr val="accent1"/>
+          </a:fillRef>
+          <a:effectRef idx="0">
+            <a:schemeClr val="accent1"/>
+          </a:effectRef>
+          <a:fontRef idx="minor">
+            <a:schemeClr val="tx1"/>
+          </a:fontRef>
+        </p:style>
+      </p:cxnSp>
+      <mc:AlternateContent xmlns:mc="http://schemas.openxmlformats.org/markup-compatibility/2006">
+        <mc:Choice xmlns:a14="http://schemas.microsoft.com/office/drawing/2010/main" Requires="a14">
+          <p:sp>
+            <p:nvSpPr>
+              <p:cNvPr id="21" name="テキスト ボックス 20">
+                <a:extLst>
+                  <a:ext uri="{FF2B5EF4-FFF2-40B4-BE49-F238E27FC236}">
+                    <a16:creationId xmlns:a16="http://schemas.microsoft.com/office/drawing/2014/main" id="{182AE79A-ABD3-9A1D-C49E-9602DCCDE8FD}"/>
+                  </a:ext>
+                </a:extLst>
+              </p:cNvPr>
+              <p:cNvSpPr txBox="1"/>
+              <p:nvPr/>
+            </p:nvSpPr>
+            <p:spPr>
+              <a:xfrm>
+                <a:off x="4439816" y="3429000"/>
+                <a:ext cx="214033" cy="276999"/>
+              </a:xfrm>
+              <a:prstGeom prst="rect">
+                <a:avLst/>
+              </a:prstGeom>
+              <a:noFill/>
+            </p:spPr>
+            <p:txBody>
+              <a:bodyPr wrap="none" lIns="0" tIns="0" rIns="0" bIns="0" rtlCol="0">
+                <a:spAutoFit/>
+              </a:bodyPr>
+              <a:lstStyle/>
+              <a:p>
+                <a14:m>
+                  <m:oMathPara xmlns:m="http://schemas.openxmlformats.org/officeDocument/2006/math">
+                    <m:oMathParaPr>
+                      <m:jc m:val="centerGroup"/>
+                    </m:oMathParaPr>
+                    <m:oMath xmlns:m="http://schemas.openxmlformats.org/officeDocument/2006/math">
+                      <m:r>
+                        <a:rPr kumimoji="1" lang="en-US" altLang="ja-JP" b="0" i="1" smtClean="0">
+                          <a:latin typeface="Cambria Math" panose="02040503050406030204" pitchFamily="18" charset="0"/>
+                        </a:rPr>
+                        <m:t>𝑂</m:t>
+                      </m:r>
+                    </m:oMath>
+                  </m:oMathPara>
+                </a14:m>
+                <a:endParaRPr kumimoji="1" lang="ja-JP" altLang="en-US"/>
+              </a:p>
+            </p:txBody>
+          </p:sp>
+        </mc:Choice>
+        <mc:Fallback>
+          <p:sp>
+            <p:nvSpPr>
+              <p:cNvPr id="21" name="テキスト ボックス 20">
+                <a:extLst>
+                  <a:ext uri="{FF2B5EF4-FFF2-40B4-BE49-F238E27FC236}">
+                    <a16:creationId xmlns:a16="http://schemas.microsoft.com/office/drawing/2014/main" id="{182AE79A-ABD3-9A1D-C49E-9602DCCDE8FD}"/>
+                  </a:ext>
+                </a:extLst>
+              </p:cNvPr>
+              <p:cNvSpPr txBox="1">
+                <a:spLocks noRot="1" noChangeAspect="1" noMove="1" noResize="1" noEditPoints="1" noAdjustHandles="1" noChangeArrowheads="1" noChangeShapeType="1" noTextEdit="1"/>
+              </p:cNvSpPr>
+              <p:nvPr/>
+            </p:nvSpPr>
+            <p:spPr>
+              <a:xfrm>
+                <a:off x="4439816" y="3429000"/>
+                <a:ext cx="214033" cy="276999"/>
+              </a:xfrm>
+              <a:prstGeom prst="rect">
+                <a:avLst/>
+              </a:prstGeom>
+              <a:blipFill>
+                <a:blip r:embed="rId5"/>
+                <a:stretch>
+                  <a:fillRect l="-25714" r="-25714" b="-6667"/>
+                </a:stretch>
+              </a:blipFill>
+            </p:spPr>
+            <p:txBody>
+              <a:bodyPr/>
+              <a:lstStyle/>
+              <a:p>
+                <a:r>
+                  <a:rPr lang="ja-JP" altLang="en-US">
+                    <a:noFill/>
+                  </a:rPr>
+                  <a:t> </a:t>
+                </a:r>
+              </a:p>
+            </p:txBody>
+          </p:sp>
+        </mc:Fallback>
+      </mc:AlternateContent>
+      <mc:AlternateContent xmlns:mc="http://schemas.openxmlformats.org/markup-compatibility/2006">
+        <mc:Choice xmlns:a14="http://schemas.microsoft.com/office/drawing/2010/main" Requires="a14">
+          <p:sp>
+            <p:nvSpPr>
+              <p:cNvPr id="22" name="テキスト ボックス 21">
+                <a:extLst>
+                  <a:ext uri="{FF2B5EF4-FFF2-40B4-BE49-F238E27FC236}">
+                    <a16:creationId xmlns:a16="http://schemas.microsoft.com/office/drawing/2014/main" id="{86BBB88A-AE45-7FFD-9A09-DAD06274499A}"/>
+                  </a:ext>
+                </a:extLst>
+              </p:cNvPr>
+              <p:cNvSpPr txBox="1"/>
+              <p:nvPr/>
+            </p:nvSpPr>
+            <p:spPr>
+              <a:xfrm>
+                <a:off x="4223792" y="1772816"/>
+                <a:ext cx="288032" cy="276999"/>
+              </a:xfrm>
+              <a:prstGeom prst="rect">
+                <a:avLst/>
+              </a:prstGeom>
+              <a:noFill/>
+            </p:spPr>
+            <p:txBody>
+              <a:bodyPr wrap="square" lIns="0" tIns="0" rIns="0" bIns="0" rtlCol="0">
+                <a:spAutoFit/>
+              </a:bodyPr>
+              <a:lstStyle/>
+              <a:p>
+                <a14:m>
+                  <m:oMathPara xmlns:m="http://schemas.openxmlformats.org/officeDocument/2006/math">
+                    <m:oMathParaPr>
+                      <m:jc m:val="centerGroup"/>
+                    </m:oMathParaPr>
+                    <m:oMath xmlns:m="http://schemas.openxmlformats.org/officeDocument/2006/math">
+                      <m:r>
+                        <a:rPr kumimoji="1" lang="en-US" altLang="ja-JP" b="0" i="1" smtClean="0">
+                          <a:latin typeface="Cambria Math" panose="02040503050406030204" pitchFamily="18" charset="0"/>
+                        </a:rPr>
+                        <m:t>𝑦</m:t>
+                      </m:r>
+                    </m:oMath>
+                  </m:oMathPara>
+                </a14:m>
+                <a:endParaRPr kumimoji="1" lang="ja-JP" altLang="en-US"/>
+              </a:p>
+            </p:txBody>
+          </p:sp>
+        </mc:Choice>
+        <mc:Fallback>
+          <p:sp>
+            <p:nvSpPr>
+              <p:cNvPr id="22" name="テキスト ボックス 21">
+                <a:extLst>
+                  <a:ext uri="{FF2B5EF4-FFF2-40B4-BE49-F238E27FC236}">
+                    <a16:creationId xmlns:a16="http://schemas.microsoft.com/office/drawing/2014/main" id="{86BBB88A-AE45-7FFD-9A09-DAD06274499A}"/>
+                  </a:ext>
+                </a:extLst>
+              </p:cNvPr>
+              <p:cNvSpPr txBox="1">
+                <a:spLocks noRot="1" noChangeAspect="1" noMove="1" noResize="1" noEditPoints="1" noAdjustHandles="1" noChangeArrowheads="1" noChangeShapeType="1" noTextEdit="1"/>
+              </p:cNvSpPr>
+              <p:nvPr/>
+            </p:nvSpPr>
+            <p:spPr>
+              <a:xfrm>
+                <a:off x="4223792" y="1772816"/>
+                <a:ext cx="288032" cy="276999"/>
+              </a:xfrm>
+              <a:prstGeom prst="rect">
+                <a:avLst/>
+              </a:prstGeom>
+              <a:blipFill>
+                <a:blip r:embed="rId6"/>
+                <a:stretch>
+                  <a:fillRect l="-2128" r="-2128" b="-26667"/>
+                </a:stretch>
+              </a:blipFill>
+            </p:spPr>
+            <p:txBody>
+              <a:bodyPr/>
+              <a:lstStyle/>
+              <a:p>
+                <a:r>
+                  <a:rPr lang="ja-JP" altLang="en-US">
+                    <a:noFill/>
+                  </a:rPr>
+                  <a:t> </a:t>
+                </a:r>
+              </a:p>
+            </p:txBody>
+          </p:sp>
+        </mc:Fallback>
+      </mc:AlternateContent>
+      <mc:AlternateContent xmlns:mc="http://schemas.openxmlformats.org/markup-compatibility/2006">
+        <mc:Choice xmlns:a14="http://schemas.microsoft.com/office/drawing/2010/main" Requires="a14">
+          <p:sp>
+            <p:nvSpPr>
+              <p:cNvPr id="23" name="テキスト ボックス 22">
+                <a:extLst>
+                  <a:ext uri="{FF2B5EF4-FFF2-40B4-BE49-F238E27FC236}">
+                    <a16:creationId xmlns:a16="http://schemas.microsoft.com/office/drawing/2014/main" id="{658B4ACE-0AB9-3804-ECDC-03989B74825E}"/>
+                  </a:ext>
+                </a:extLst>
+              </p:cNvPr>
+              <p:cNvSpPr txBox="1"/>
+              <p:nvPr/>
+            </p:nvSpPr>
+            <p:spPr>
+              <a:xfrm>
+                <a:off x="5447928" y="3429000"/>
+                <a:ext cx="288032" cy="276999"/>
+              </a:xfrm>
+              <a:prstGeom prst="rect">
+                <a:avLst/>
+              </a:prstGeom>
+              <a:noFill/>
+            </p:spPr>
+            <p:txBody>
+              <a:bodyPr wrap="square" lIns="0" tIns="0" rIns="0" bIns="0" rtlCol="0">
+                <a:spAutoFit/>
+              </a:bodyPr>
+              <a:lstStyle/>
+              <a:p>
+                <a14:m>
+                  <m:oMathPara xmlns:m="http://schemas.openxmlformats.org/officeDocument/2006/math">
+                    <m:oMathParaPr>
+                      <m:jc m:val="centerGroup"/>
+                    </m:oMathParaPr>
+                    <m:oMath xmlns:m="http://schemas.openxmlformats.org/officeDocument/2006/math">
+                      <m:r>
+                        <a:rPr kumimoji="1" lang="en-US" altLang="ja-JP" b="0" i="1" smtClean="0">
+                          <a:latin typeface="Cambria Math" panose="02040503050406030204" pitchFamily="18" charset="0"/>
+                        </a:rPr>
+                        <m:t>𝑥</m:t>
+                      </m:r>
+                    </m:oMath>
+                  </m:oMathPara>
+                </a14:m>
+                <a:endParaRPr kumimoji="1" lang="ja-JP" altLang="en-US"/>
+              </a:p>
+            </p:txBody>
+          </p:sp>
+        </mc:Choice>
+        <mc:Fallback>
+          <p:sp>
+            <p:nvSpPr>
+              <p:cNvPr id="23" name="テキスト ボックス 22">
+                <a:extLst>
+                  <a:ext uri="{FF2B5EF4-FFF2-40B4-BE49-F238E27FC236}">
+                    <a16:creationId xmlns:a16="http://schemas.microsoft.com/office/drawing/2014/main" id="{658B4ACE-0AB9-3804-ECDC-03989B74825E}"/>
+                  </a:ext>
+                </a:extLst>
+              </p:cNvPr>
+              <p:cNvSpPr txBox="1">
+                <a:spLocks noRot="1" noChangeAspect="1" noMove="1" noResize="1" noEditPoints="1" noAdjustHandles="1" noChangeArrowheads="1" noChangeShapeType="1" noTextEdit="1"/>
+              </p:cNvSpPr>
+              <p:nvPr/>
+            </p:nvSpPr>
+            <p:spPr>
+              <a:xfrm>
+                <a:off x="5447928" y="3429000"/>
+                <a:ext cx="288032" cy="276999"/>
+              </a:xfrm>
+              <a:prstGeom prst="rect">
+                <a:avLst/>
+              </a:prstGeom>
+              <a:blipFill>
+                <a:blip r:embed="rId7"/>
+                <a:stretch>
+                  <a:fillRect/>
+                </a:stretch>
+              </a:blipFill>
+            </p:spPr>
+            <p:txBody>
+              <a:bodyPr/>
+              <a:lstStyle/>
+              <a:p>
+                <a:r>
+                  <a:rPr lang="ja-JP" altLang="en-US">
+                    <a:noFill/>
+                  </a:rPr>
+                  <a:t> </a:t>
+                </a:r>
+              </a:p>
+            </p:txBody>
+          </p:sp>
+        </mc:Fallback>
+      </mc:AlternateContent>
+      <p:cxnSp>
+        <p:nvCxnSpPr>
+          <p:cNvPr id="24" name="直線矢印コネクタ 23">
+            <a:extLst>
+              <a:ext uri="{FF2B5EF4-FFF2-40B4-BE49-F238E27FC236}">
+                <a16:creationId xmlns:a16="http://schemas.microsoft.com/office/drawing/2014/main" id="{34626645-76C5-9E67-FC42-73857E6DC700}"/>
+              </a:ext>
+            </a:extLst>
+          </p:cNvPr>
+          <p:cNvCxnSpPr>
+            <a:cxnSpLocks/>
+          </p:cNvCxnSpPr>
+          <p:nvPr/>
+        </p:nvCxnSpPr>
+        <p:spPr>
+          <a:xfrm>
+            <a:off x="5131433" y="2708920"/>
+            <a:ext cx="6512" cy="389023"/>
+          </a:xfrm>
+          <a:prstGeom prst="straightConnector1">
+            <a:avLst/>
+          </a:prstGeom>
+          <a:ln>
+            <a:solidFill>
+              <a:schemeClr val="tx1"/>
+            </a:solidFill>
+            <a:tailEnd type="triangle"/>
+          </a:ln>
+        </p:spPr>
+        <p:style>
+          <a:lnRef idx="1">
+            <a:schemeClr val="accent1"/>
+          </a:lnRef>
+          <a:fillRef idx="0">
+            <a:schemeClr val="accent1"/>
+          </a:fillRef>
+          <a:effectRef idx="0">
+            <a:schemeClr val="accent1"/>
+          </a:effectRef>
+          <a:fontRef idx="minor">
+            <a:schemeClr val="tx1"/>
+          </a:fontRef>
+        </p:style>
+      </p:cxnSp>
+      <mc:AlternateContent xmlns:mc="http://schemas.openxmlformats.org/markup-compatibility/2006">
+        <mc:Choice xmlns:a14="http://schemas.microsoft.com/office/drawing/2010/main" Requires="a14">
+          <p:sp>
+            <p:nvSpPr>
+              <p:cNvPr id="27" name="テキスト ボックス 26">
+                <a:extLst>
+                  <a:ext uri="{FF2B5EF4-FFF2-40B4-BE49-F238E27FC236}">
+                    <a16:creationId xmlns:a16="http://schemas.microsoft.com/office/drawing/2014/main" id="{66F2A0A8-64ED-C2D1-073F-5BFFFF5AD63B}"/>
+                  </a:ext>
+                </a:extLst>
+              </p:cNvPr>
+              <p:cNvSpPr txBox="1"/>
+              <p:nvPr/>
+            </p:nvSpPr>
+            <p:spPr>
+              <a:xfrm>
+                <a:off x="4727848" y="2708920"/>
+                <a:ext cx="288032" cy="276999"/>
+              </a:xfrm>
+              <a:prstGeom prst="rect">
+                <a:avLst/>
+              </a:prstGeom>
+              <a:noFill/>
+            </p:spPr>
+            <p:txBody>
+              <a:bodyPr wrap="square" lIns="0" tIns="0" rIns="0" bIns="0" rtlCol="0">
+                <a:spAutoFit/>
+              </a:bodyPr>
+              <a:lstStyle/>
+              <a:p>
+                <a14:m>
+                  <m:oMathPara xmlns:m="http://schemas.openxmlformats.org/officeDocument/2006/math">
+                    <m:oMathParaPr>
+                      <m:jc m:val="centerGroup"/>
+                    </m:oMathParaPr>
+                    <m:oMath xmlns:m="http://schemas.openxmlformats.org/officeDocument/2006/math">
+                      <m:r>
+                        <a:rPr kumimoji="1" lang="en-US" altLang="ja-JP" b="0" i="1" smtClean="0">
+                          <a:latin typeface="Cambria Math" panose="02040503050406030204" pitchFamily="18" charset="0"/>
+                        </a:rPr>
+                        <m:t>𝑚𝑔</m:t>
+                      </m:r>
+                    </m:oMath>
+                  </m:oMathPara>
+                </a14:m>
+                <a:endParaRPr kumimoji="1" lang="ja-JP" altLang="en-US"/>
+              </a:p>
+            </p:txBody>
+          </p:sp>
+        </mc:Choice>
+        <mc:Fallback>
+          <p:sp>
+            <p:nvSpPr>
+              <p:cNvPr id="27" name="テキスト ボックス 26">
+                <a:extLst>
+                  <a:ext uri="{FF2B5EF4-FFF2-40B4-BE49-F238E27FC236}">
+                    <a16:creationId xmlns:a16="http://schemas.microsoft.com/office/drawing/2014/main" id="{66F2A0A8-64ED-C2D1-073F-5BFFFF5AD63B}"/>
+                  </a:ext>
+                </a:extLst>
+              </p:cNvPr>
+              <p:cNvSpPr txBox="1">
+                <a:spLocks noRot="1" noChangeAspect="1" noMove="1" noResize="1" noEditPoints="1" noAdjustHandles="1" noChangeArrowheads="1" noChangeShapeType="1" noTextEdit="1"/>
+              </p:cNvSpPr>
+              <p:nvPr/>
+            </p:nvSpPr>
+            <p:spPr>
+              <a:xfrm>
+                <a:off x="4727848" y="2708920"/>
+                <a:ext cx="288032" cy="276999"/>
+              </a:xfrm>
+              <a:prstGeom prst="rect">
+                <a:avLst/>
+              </a:prstGeom>
+              <a:blipFill>
+                <a:blip r:embed="rId8"/>
+                <a:stretch>
+                  <a:fillRect l="-29787" r="-46809" b="-23913"/>
+                </a:stretch>
+              </a:blipFill>
+            </p:spPr>
+            <p:txBody>
+              <a:bodyPr/>
+              <a:lstStyle/>
+              <a:p>
+                <a:r>
+                  <a:rPr lang="ja-JP" altLang="en-US">
+                    <a:noFill/>
+                  </a:rPr>
+                  <a:t> </a:t>
+                </a:r>
+              </a:p>
+            </p:txBody>
+          </p:sp>
+        </mc:Fallback>
+      </mc:AlternateContent>
+      <mc:AlternateContent xmlns:mc="http://schemas.openxmlformats.org/markup-compatibility/2006">
+        <mc:Choice xmlns:a14="http://schemas.microsoft.com/office/drawing/2010/main" Requires="a14">
+          <p:sp>
+            <p:nvSpPr>
+              <p:cNvPr id="28" name="テキスト ボックス 27">
+                <a:extLst>
+                  <a:ext uri="{FF2B5EF4-FFF2-40B4-BE49-F238E27FC236}">
+                    <a16:creationId xmlns:a16="http://schemas.microsoft.com/office/drawing/2014/main" id="{FC3ED027-A806-A668-2F52-19E48357982C}"/>
+                  </a:ext>
+                </a:extLst>
+              </p:cNvPr>
+              <p:cNvSpPr txBox="1"/>
+              <p:nvPr/>
+            </p:nvSpPr>
+            <p:spPr>
+              <a:xfrm>
+                <a:off x="4799856" y="2420888"/>
+                <a:ext cx="1728192" cy="276999"/>
+              </a:xfrm>
+              <a:prstGeom prst="rect">
+                <a:avLst/>
+              </a:prstGeom>
+              <a:noFill/>
+            </p:spPr>
+            <p:txBody>
+              <a:bodyPr wrap="square" lIns="0" tIns="0" rIns="0" bIns="0" rtlCol="0">
+                <a:spAutoFit/>
+              </a:bodyPr>
+              <a:lstStyle/>
+              <a:p>
+                <a14:m>
+                  <m:oMathPara xmlns:m="http://schemas.openxmlformats.org/officeDocument/2006/math">
+                    <m:oMathParaPr>
+                      <m:jc m:val="centerGroup"/>
+                    </m:oMathParaPr>
+                    <m:oMath xmlns:m="http://schemas.openxmlformats.org/officeDocument/2006/math">
+                      <m:r>
+                        <a:rPr kumimoji="1" lang="en-US" altLang="ja-JP" i="1" smtClean="0">
+                          <a:latin typeface="Cambria Math" panose="02040503050406030204" pitchFamily="18" charset="0"/>
+                        </a:rPr>
+                        <m:t>(</m:t>
+                      </m:r>
+                      <m:r>
+                        <a:rPr kumimoji="1" lang="en-US" altLang="ja-JP" b="0" i="1" smtClean="0">
+                          <a:latin typeface="Cambria Math" panose="02040503050406030204" pitchFamily="18" charset="0"/>
+                        </a:rPr>
+                        <m:t>𝑥</m:t>
+                      </m:r>
+                      <m:r>
+                        <a:rPr kumimoji="1" lang="en-US" altLang="ja-JP" b="0" i="1" smtClean="0">
+                          <a:latin typeface="Cambria Math" panose="02040503050406030204" pitchFamily="18" charset="0"/>
+                        </a:rPr>
+                        <m:t>/2,</m:t>
+                      </m:r>
+                      <m:r>
+                        <a:rPr kumimoji="1" lang="en-US" altLang="ja-JP" b="0" i="1" smtClean="0">
+                          <a:latin typeface="Cambria Math" panose="02040503050406030204" pitchFamily="18" charset="0"/>
+                        </a:rPr>
+                        <m:t>𝑦</m:t>
+                      </m:r>
+                      <m:r>
+                        <a:rPr kumimoji="1" lang="en-US" altLang="ja-JP" b="0" i="1" smtClean="0">
+                          <a:latin typeface="Cambria Math" panose="02040503050406030204" pitchFamily="18" charset="0"/>
+                        </a:rPr>
+                        <m:t>/2)</m:t>
+                      </m:r>
+                    </m:oMath>
+                  </m:oMathPara>
+                </a14:m>
+                <a:endParaRPr kumimoji="1" lang="ja-JP" altLang="en-US"/>
+              </a:p>
+            </p:txBody>
+          </p:sp>
+        </mc:Choice>
+        <mc:Fallback>
+          <p:sp>
+            <p:nvSpPr>
+              <p:cNvPr id="28" name="テキスト ボックス 27">
+                <a:extLst>
+                  <a:ext uri="{FF2B5EF4-FFF2-40B4-BE49-F238E27FC236}">
+                    <a16:creationId xmlns:a16="http://schemas.microsoft.com/office/drawing/2014/main" id="{FC3ED027-A806-A668-2F52-19E48357982C}"/>
+                  </a:ext>
+                </a:extLst>
+              </p:cNvPr>
+              <p:cNvSpPr txBox="1">
+                <a:spLocks noRot="1" noChangeAspect="1" noMove="1" noResize="1" noEditPoints="1" noAdjustHandles="1" noChangeArrowheads="1" noChangeShapeType="1" noTextEdit="1"/>
+              </p:cNvSpPr>
+              <p:nvPr/>
+            </p:nvSpPr>
+            <p:spPr>
+              <a:xfrm>
+                <a:off x="4799856" y="2420888"/>
+                <a:ext cx="1728192" cy="276999"/>
+              </a:xfrm>
+              <a:prstGeom prst="rect">
+                <a:avLst/>
+              </a:prstGeom>
+              <a:blipFill>
+                <a:blip r:embed="rId9"/>
+                <a:stretch>
+                  <a:fillRect t="-2174" b="-32609"/>
+                </a:stretch>
+              </a:blipFill>
+            </p:spPr>
+            <p:txBody>
+              <a:bodyPr/>
+              <a:lstStyle/>
+              <a:p>
+                <a:r>
+                  <a:rPr lang="ja-JP" altLang="en-US">
+                    <a:noFill/>
+                  </a:rPr>
+                  <a:t> </a:t>
+                </a:r>
+              </a:p>
+            </p:txBody>
+          </p:sp>
+        </mc:Fallback>
+      </mc:AlternateContent>
+    </p:spTree>
+    <p:extLst>
+      <p:ext uri="{BB962C8B-B14F-4D97-AF65-F5344CB8AC3E}">
+        <p14:creationId xmlns:p14="http://schemas.microsoft.com/office/powerpoint/2010/main" val="3824384954"/>
       </p:ext>
     </p:extLst>
   </p:cSld>

--- a/virtual_work/fig/fig.pptx
+++ b/virtual_work/fig/fig.pptx
@@ -5,10 +5,11 @@
     <p:sldMasterId id="2147483662" r:id="rId1"/>
   </p:sldMasterIdLst>
   <p:sldIdLst>
-    <p:sldId id="256" r:id="rId2"/>
-    <p:sldId id="257" r:id="rId3"/>
-    <p:sldId id="258" r:id="rId4"/>
-    <p:sldId id="259" r:id="rId5"/>
+    <p:sldId id="260" r:id="rId2"/>
+    <p:sldId id="256" r:id="rId3"/>
+    <p:sldId id="257" r:id="rId4"/>
+    <p:sldId id="258" r:id="rId5"/>
+    <p:sldId id="259" r:id="rId6"/>
   </p:sldIdLst>
   <p:sldSz cx="12192000" cy="6858000"/>
   <p:notesSz cx="6858000" cy="9144000"/>
@@ -478,6 +479,1094 @@
           <a:chExt cx="0" cy="0"/>
         </a:xfrm>
       </p:grpSpPr>
+      <p:sp>
+        <p:nvSpPr>
+          <p:cNvPr id="2" name="正方形/長方形 1">
+            <a:extLst>
+              <a:ext uri="{FF2B5EF4-FFF2-40B4-BE49-F238E27FC236}">
+                <a16:creationId xmlns:a16="http://schemas.microsoft.com/office/drawing/2014/main" id="{56FC1651-0F2B-1914-A5DF-38189ABFE7C7}"/>
+              </a:ext>
+            </a:extLst>
+          </p:cNvPr>
+          <p:cNvSpPr/>
+          <p:nvPr/>
+        </p:nvSpPr>
+        <p:spPr>
+          <a:xfrm>
+            <a:off x="1919536" y="2708919"/>
+            <a:ext cx="5472608" cy="2160241"/>
+          </a:xfrm>
+          <a:prstGeom prst="rect">
+            <a:avLst/>
+          </a:prstGeom>
+          <a:solidFill>
+            <a:schemeClr val="accent1">
+              <a:lumMod val="20000"/>
+              <a:lumOff val="80000"/>
+            </a:schemeClr>
+          </a:solidFill>
+          <a:ln>
+            <a:noFill/>
+          </a:ln>
+        </p:spPr>
+        <p:style>
+          <a:lnRef idx="2">
+            <a:schemeClr val="accent1">
+              <a:shade val="50000"/>
+            </a:schemeClr>
+          </a:lnRef>
+          <a:fillRef idx="1">
+            <a:schemeClr val="accent1"/>
+          </a:fillRef>
+          <a:effectRef idx="0">
+            <a:schemeClr val="accent1"/>
+          </a:effectRef>
+          <a:fontRef idx="minor">
+            <a:schemeClr val="lt1"/>
+          </a:fontRef>
+        </p:style>
+        <p:txBody>
+          <a:bodyPr rtlCol="0" anchor="ctr"/>
+          <a:lstStyle/>
+          <a:p>
+            <a:pPr algn="ctr"/>
+            <a:endParaRPr kumimoji="1" lang="ja-JP" altLang="en-US"/>
+          </a:p>
+        </p:txBody>
+      </p:sp>
+      <p:cxnSp>
+        <p:nvCxnSpPr>
+          <p:cNvPr id="4" name="直線コネクタ 3">
+            <a:extLst>
+              <a:ext uri="{FF2B5EF4-FFF2-40B4-BE49-F238E27FC236}">
+                <a16:creationId xmlns:a16="http://schemas.microsoft.com/office/drawing/2014/main" id="{0E609568-3A95-0CC7-3817-7AC1E6D7A855}"/>
+              </a:ext>
+            </a:extLst>
+          </p:cNvPr>
+          <p:cNvCxnSpPr>
+            <a:cxnSpLocks/>
+          </p:cNvCxnSpPr>
+          <p:nvPr/>
+        </p:nvCxnSpPr>
+        <p:spPr>
+          <a:xfrm>
+            <a:off x="1991544" y="1484784"/>
+            <a:ext cx="1224136" cy="1224136"/>
+          </a:xfrm>
+          <a:prstGeom prst="line">
+            <a:avLst/>
+          </a:prstGeom>
+          <a:ln>
+            <a:solidFill>
+              <a:schemeClr val="tx1"/>
+            </a:solidFill>
+          </a:ln>
+        </p:spPr>
+        <p:style>
+          <a:lnRef idx="1">
+            <a:schemeClr val="accent1"/>
+          </a:lnRef>
+          <a:fillRef idx="0">
+            <a:schemeClr val="accent1"/>
+          </a:fillRef>
+          <a:effectRef idx="0">
+            <a:schemeClr val="accent1"/>
+          </a:effectRef>
+          <a:fontRef idx="minor">
+            <a:schemeClr val="tx1"/>
+          </a:fontRef>
+        </p:style>
+      </p:cxnSp>
+      <p:cxnSp>
+        <p:nvCxnSpPr>
+          <p:cNvPr id="5" name="直線コネクタ 4">
+            <a:extLst>
+              <a:ext uri="{FF2B5EF4-FFF2-40B4-BE49-F238E27FC236}">
+                <a16:creationId xmlns:a16="http://schemas.microsoft.com/office/drawing/2014/main" id="{A025380C-B519-FB3A-0737-6EE553E30E4E}"/>
+              </a:ext>
+            </a:extLst>
+          </p:cNvPr>
+          <p:cNvCxnSpPr>
+            <a:cxnSpLocks/>
+          </p:cNvCxnSpPr>
+          <p:nvPr/>
+        </p:nvCxnSpPr>
+        <p:spPr>
+          <a:xfrm>
+            <a:off x="3503712" y="116632"/>
+            <a:ext cx="2592288" cy="2592288"/>
+          </a:xfrm>
+          <a:prstGeom prst="line">
+            <a:avLst/>
+          </a:prstGeom>
+          <a:ln>
+            <a:solidFill>
+              <a:schemeClr val="tx1"/>
+            </a:solidFill>
+          </a:ln>
+        </p:spPr>
+        <p:style>
+          <a:lnRef idx="1">
+            <a:schemeClr val="accent1"/>
+          </a:lnRef>
+          <a:fillRef idx="0">
+            <a:schemeClr val="accent1"/>
+          </a:fillRef>
+          <a:effectRef idx="0">
+            <a:schemeClr val="accent1"/>
+          </a:effectRef>
+          <a:fontRef idx="minor">
+            <a:schemeClr val="tx1"/>
+          </a:fontRef>
+        </p:style>
+      </p:cxnSp>
+      <p:cxnSp>
+        <p:nvCxnSpPr>
+          <p:cNvPr id="9" name="直線コネクタ 8">
+            <a:extLst>
+              <a:ext uri="{FF2B5EF4-FFF2-40B4-BE49-F238E27FC236}">
+                <a16:creationId xmlns:a16="http://schemas.microsoft.com/office/drawing/2014/main" id="{0DAECA9A-33F2-25DE-4879-8E8F58C5E9CD}"/>
+              </a:ext>
+            </a:extLst>
+          </p:cNvPr>
+          <p:cNvCxnSpPr/>
+          <p:nvPr/>
+        </p:nvCxnSpPr>
+        <p:spPr>
+          <a:xfrm>
+            <a:off x="3215680" y="2708920"/>
+            <a:ext cx="720080" cy="2160240"/>
+          </a:xfrm>
+          <a:prstGeom prst="line">
+            <a:avLst/>
+          </a:prstGeom>
+          <a:ln>
+            <a:solidFill>
+              <a:schemeClr val="tx1"/>
+            </a:solidFill>
+          </a:ln>
+        </p:spPr>
+        <p:style>
+          <a:lnRef idx="1">
+            <a:schemeClr val="accent1"/>
+          </a:lnRef>
+          <a:fillRef idx="0">
+            <a:schemeClr val="accent1"/>
+          </a:fillRef>
+          <a:effectRef idx="0">
+            <a:schemeClr val="accent1"/>
+          </a:effectRef>
+          <a:fontRef idx="minor">
+            <a:schemeClr val="tx1"/>
+          </a:fontRef>
+        </p:style>
+      </p:cxnSp>
+      <p:cxnSp>
+        <p:nvCxnSpPr>
+          <p:cNvPr id="10" name="直線コネクタ 9">
+            <a:extLst>
+              <a:ext uri="{FF2B5EF4-FFF2-40B4-BE49-F238E27FC236}">
+                <a16:creationId xmlns:a16="http://schemas.microsoft.com/office/drawing/2014/main" id="{8F44B9A6-C321-B9C5-88E7-17BC0F87085D}"/>
+              </a:ext>
+            </a:extLst>
+          </p:cNvPr>
+          <p:cNvCxnSpPr/>
+          <p:nvPr/>
+        </p:nvCxnSpPr>
+        <p:spPr>
+          <a:xfrm>
+            <a:off x="6096000" y="2708920"/>
+            <a:ext cx="720080" cy="2160240"/>
+          </a:xfrm>
+          <a:prstGeom prst="line">
+            <a:avLst/>
+          </a:prstGeom>
+          <a:ln>
+            <a:solidFill>
+              <a:schemeClr val="tx1"/>
+            </a:solidFill>
+          </a:ln>
+        </p:spPr>
+        <p:style>
+          <a:lnRef idx="1">
+            <a:schemeClr val="accent1"/>
+          </a:lnRef>
+          <a:fillRef idx="0">
+            <a:schemeClr val="accent1"/>
+          </a:fillRef>
+          <a:effectRef idx="0">
+            <a:schemeClr val="accent1"/>
+          </a:effectRef>
+          <a:fontRef idx="minor">
+            <a:schemeClr val="tx1"/>
+          </a:fontRef>
+        </p:style>
+      </p:cxnSp>
+      <p:cxnSp>
+        <p:nvCxnSpPr>
+          <p:cNvPr id="12" name="直線コネクタ 11">
+            <a:extLst>
+              <a:ext uri="{FF2B5EF4-FFF2-40B4-BE49-F238E27FC236}">
+                <a16:creationId xmlns:a16="http://schemas.microsoft.com/office/drawing/2014/main" id="{3F63E50D-8D8D-AF9F-9325-17EF37C05FFB}"/>
+              </a:ext>
+            </a:extLst>
+          </p:cNvPr>
+          <p:cNvCxnSpPr>
+            <a:cxnSpLocks/>
+          </p:cNvCxnSpPr>
+          <p:nvPr/>
+        </p:nvCxnSpPr>
+        <p:spPr>
+          <a:xfrm flipV="1">
+            <a:off x="3575720" y="2708920"/>
+            <a:ext cx="2520280" cy="1080120"/>
+          </a:xfrm>
+          <a:prstGeom prst="line">
+            <a:avLst/>
+          </a:prstGeom>
+          <a:ln>
+            <a:solidFill>
+              <a:srgbClr val="00B050"/>
+            </a:solidFill>
+          </a:ln>
+        </p:spPr>
+        <p:style>
+          <a:lnRef idx="1">
+            <a:schemeClr val="accent1"/>
+          </a:lnRef>
+          <a:fillRef idx="0">
+            <a:schemeClr val="accent1"/>
+          </a:fillRef>
+          <a:effectRef idx="0">
+            <a:schemeClr val="accent1"/>
+          </a:effectRef>
+          <a:fontRef idx="minor">
+            <a:schemeClr val="tx1"/>
+          </a:fontRef>
+        </p:style>
+      </p:cxnSp>
+      <p:cxnSp>
+        <p:nvCxnSpPr>
+          <p:cNvPr id="19" name="直線コネクタ 18">
+            <a:extLst>
+              <a:ext uri="{FF2B5EF4-FFF2-40B4-BE49-F238E27FC236}">
+                <a16:creationId xmlns:a16="http://schemas.microsoft.com/office/drawing/2014/main" id="{98B2457F-FAED-6775-107D-F0D32AB1D5F2}"/>
+              </a:ext>
+            </a:extLst>
+          </p:cNvPr>
+          <p:cNvCxnSpPr>
+            <a:cxnSpLocks/>
+          </p:cNvCxnSpPr>
+          <p:nvPr/>
+        </p:nvCxnSpPr>
+        <p:spPr>
+          <a:xfrm flipV="1">
+            <a:off x="2855640" y="908720"/>
+            <a:ext cx="1440160" cy="1440160"/>
+          </a:xfrm>
+          <a:prstGeom prst="line">
+            <a:avLst/>
+          </a:prstGeom>
+          <a:ln>
+            <a:solidFill>
+              <a:srgbClr val="00B050"/>
+            </a:solidFill>
+          </a:ln>
+        </p:spPr>
+        <p:style>
+          <a:lnRef idx="1">
+            <a:schemeClr val="accent1"/>
+          </a:lnRef>
+          <a:fillRef idx="0">
+            <a:schemeClr val="accent1"/>
+          </a:fillRef>
+          <a:effectRef idx="0">
+            <a:schemeClr val="accent1"/>
+          </a:effectRef>
+          <a:fontRef idx="minor">
+            <a:schemeClr val="tx1"/>
+          </a:fontRef>
+        </p:style>
+      </p:cxnSp>
+      <p:cxnSp>
+        <p:nvCxnSpPr>
+          <p:cNvPr id="20" name="直線コネクタ 19">
+            <a:extLst>
+              <a:ext uri="{FF2B5EF4-FFF2-40B4-BE49-F238E27FC236}">
+                <a16:creationId xmlns:a16="http://schemas.microsoft.com/office/drawing/2014/main" id="{3E2E8D22-A61A-BBA0-3400-03B621EBEF9B}"/>
+              </a:ext>
+            </a:extLst>
+          </p:cNvPr>
+          <p:cNvCxnSpPr>
+            <a:cxnSpLocks/>
+          </p:cNvCxnSpPr>
+          <p:nvPr/>
+        </p:nvCxnSpPr>
+        <p:spPr>
+          <a:xfrm flipV="1">
+            <a:off x="2495600" y="548680"/>
+            <a:ext cx="1440160" cy="1440160"/>
+          </a:xfrm>
+          <a:prstGeom prst="line">
+            <a:avLst/>
+          </a:prstGeom>
+          <a:ln>
+            <a:solidFill>
+              <a:srgbClr val="00B050"/>
+            </a:solidFill>
+          </a:ln>
+        </p:spPr>
+        <p:style>
+          <a:lnRef idx="1">
+            <a:schemeClr val="accent1"/>
+          </a:lnRef>
+          <a:fillRef idx="0">
+            <a:schemeClr val="accent1"/>
+          </a:fillRef>
+          <a:effectRef idx="0">
+            <a:schemeClr val="accent1"/>
+          </a:effectRef>
+          <a:fontRef idx="minor">
+            <a:schemeClr val="tx1"/>
+          </a:fontRef>
+        </p:style>
+      </p:cxnSp>
+      <p:cxnSp>
+        <p:nvCxnSpPr>
+          <p:cNvPr id="21" name="直線コネクタ 20">
+            <a:extLst>
+              <a:ext uri="{FF2B5EF4-FFF2-40B4-BE49-F238E27FC236}">
+                <a16:creationId xmlns:a16="http://schemas.microsoft.com/office/drawing/2014/main" id="{CEF0C0C9-101D-F58A-0835-2BB8C05DE2CC}"/>
+              </a:ext>
+            </a:extLst>
+          </p:cNvPr>
+          <p:cNvCxnSpPr>
+            <a:cxnSpLocks/>
+          </p:cNvCxnSpPr>
+          <p:nvPr/>
+        </p:nvCxnSpPr>
+        <p:spPr>
+          <a:xfrm flipV="1">
+            <a:off x="2135560" y="188640"/>
+            <a:ext cx="1440160" cy="1440160"/>
+          </a:xfrm>
+          <a:prstGeom prst="line">
+            <a:avLst/>
+          </a:prstGeom>
+          <a:ln>
+            <a:solidFill>
+              <a:srgbClr val="00B050"/>
+            </a:solidFill>
+          </a:ln>
+        </p:spPr>
+        <p:style>
+          <a:lnRef idx="1">
+            <a:schemeClr val="accent1"/>
+          </a:lnRef>
+          <a:fillRef idx="0">
+            <a:schemeClr val="accent1"/>
+          </a:fillRef>
+          <a:effectRef idx="0">
+            <a:schemeClr val="accent1"/>
+          </a:effectRef>
+          <a:fontRef idx="minor">
+            <a:schemeClr val="tx1"/>
+          </a:fontRef>
+        </p:style>
+      </p:cxnSp>
+      <p:cxnSp>
+        <p:nvCxnSpPr>
+          <p:cNvPr id="24" name="直線コネクタ 23">
+            <a:extLst>
+              <a:ext uri="{FF2B5EF4-FFF2-40B4-BE49-F238E27FC236}">
+                <a16:creationId xmlns:a16="http://schemas.microsoft.com/office/drawing/2014/main" id="{1C23A0E2-7C11-C71A-540C-4CBD0FFBB053}"/>
+              </a:ext>
+            </a:extLst>
+          </p:cNvPr>
+          <p:cNvCxnSpPr>
+            <a:cxnSpLocks/>
+          </p:cNvCxnSpPr>
+          <p:nvPr/>
+        </p:nvCxnSpPr>
+        <p:spPr>
+          <a:xfrm flipV="1">
+            <a:off x="3693609" y="3060251"/>
+            <a:ext cx="2520280" cy="1080120"/>
+          </a:xfrm>
+          <a:prstGeom prst="line">
+            <a:avLst/>
+          </a:prstGeom>
+          <a:ln>
+            <a:solidFill>
+              <a:srgbClr val="00B050"/>
+            </a:solidFill>
+          </a:ln>
+        </p:spPr>
+        <p:style>
+          <a:lnRef idx="1">
+            <a:schemeClr val="accent1"/>
+          </a:lnRef>
+          <a:fillRef idx="0">
+            <a:schemeClr val="accent1"/>
+          </a:fillRef>
+          <a:effectRef idx="0">
+            <a:schemeClr val="accent1"/>
+          </a:effectRef>
+          <a:fontRef idx="minor">
+            <a:schemeClr val="tx1"/>
+          </a:fontRef>
+        </p:style>
+      </p:cxnSp>
+      <p:cxnSp>
+        <p:nvCxnSpPr>
+          <p:cNvPr id="25" name="直線コネクタ 24">
+            <a:extLst>
+              <a:ext uri="{FF2B5EF4-FFF2-40B4-BE49-F238E27FC236}">
+                <a16:creationId xmlns:a16="http://schemas.microsoft.com/office/drawing/2014/main" id="{9D89DB2F-D355-081A-EFF9-C0C7BE640825}"/>
+              </a:ext>
+            </a:extLst>
+          </p:cNvPr>
+          <p:cNvCxnSpPr>
+            <a:cxnSpLocks/>
+          </p:cNvCxnSpPr>
+          <p:nvPr/>
+        </p:nvCxnSpPr>
+        <p:spPr>
+          <a:xfrm flipV="1">
+            <a:off x="3809162" y="3391828"/>
+            <a:ext cx="2520280" cy="1080120"/>
+          </a:xfrm>
+          <a:prstGeom prst="line">
+            <a:avLst/>
+          </a:prstGeom>
+          <a:ln>
+            <a:solidFill>
+              <a:srgbClr val="00B050"/>
+            </a:solidFill>
+          </a:ln>
+        </p:spPr>
+        <p:style>
+          <a:lnRef idx="1">
+            <a:schemeClr val="accent1"/>
+          </a:lnRef>
+          <a:fillRef idx="0">
+            <a:schemeClr val="accent1"/>
+          </a:fillRef>
+          <a:effectRef idx="0">
+            <a:schemeClr val="accent1"/>
+          </a:effectRef>
+          <a:fontRef idx="minor">
+            <a:schemeClr val="tx1"/>
+          </a:fontRef>
+        </p:style>
+      </p:cxnSp>
+      <p:cxnSp>
+        <p:nvCxnSpPr>
+          <p:cNvPr id="26" name="直線コネクタ 25">
+            <a:extLst>
+              <a:ext uri="{FF2B5EF4-FFF2-40B4-BE49-F238E27FC236}">
+                <a16:creationId xmlns:a16="http://schemas.microsoft.com/office/drawing/2014/main" id="{004A416B-E083-6F1F-56BD-11F9DCCD6C07}"/>
+              </a:ext>
+            </a:extLst>
+          </p:cNvPr>
+          <p:cNvCxnSpPr>
+            <a:cxnSpLocks/>
+          </p:cNvCxnSpPr>
+          <p:nvPr/>
+        </p:nvCxnSpPr>
+        <p:spPr>
+          <a:xfrm flipV="1">
+            <a:off x="3215680" y="1268760"/>
+            <a:ext cx="1440160" cy="1440160"/>
+          </a:xfrm>
+          <a:prstGeom prst="line">
+            <a:avLst/>
+          </a:prstGeom>
+          <a:ln>
+            <a:solidFill>
+              <a:srgbClr val="00B050"/>
+            </a:solidFill>
+          </a:ln>
+        </p:spPr>
+        <p:style>
+          <a:lnRef idx="1">
+            <a:schemeClr val="accent1"/>
+          </a:lnRef>
+          <a:fillRef idx="0">
+            <a:schemeClr val="accent1"/>
+          </a:fillRef>
+          <a:effectRef idx="0">
+            <a:schemeClr val="accent1"/>
+          </a:effectRef>
+          <a:fontRef idx="minor">
+            <a:schemeClr val="tx1"/>
+          </a:fontRef>
+        </p:style>
+      </p:cxnSp>
+      <p:cxnSp>
+        <p:nvCxnSpPr>
+          <p:cNvPr id="27" name="直線コネクタ 26">
+            <a:extLst>
+              <a:ext uri="{FF2B5EF4-FFF2-40B4-BE49-F238E27FC236}">
+                <a16:creationId xmlns:a16="http://schemas.microsoft.com/office/drawing/2014/main" id="{7604862F-7ACB-4360-C925-EBE216FD59E7}"/>
+              </a:ext>
+            </a:extLst>
+          </p:cNvPr>
+          <p:cNvCxnSpPr>
+            <a:cxnSpLocks/>
+          </p:cNvCxnSpPr>
+          <p:nvPr/>
+        </p:nvCxnSpPr>
+        <p:spPr>
+          <a:xfrm flipV="1">
+            <a:off x="3935760" y="1628800"/>
+            <a:ext cx="1080120" cy="1080120"/>
+          </a:xfrm>
+          <a:prstGeom prst="line">
+            <a:avLst/>
+          </a:prstGeom>
+          <a:ln>
+            <a:solidFill>
+              <a:srgbClr val="00B050"/>
+            </a:solidFill>
+          </a:ln>
+        </p:spPr>
+        <p:style>
+          <a:lnRef idx="1">
+            <a:schemeClr val="accent1"/>
+          </a:lnRef>
+          <a:fillRef idx="0">
+            <a:schemeClr val="accent1"/>
+          </a:fillRef>
+          <a:effectRef idx="0">
+            <a:schemeClr val="accent1"/>
+          </a:effectRef>
+          <a:fontRef idx="minor">
+            <a:schemeClr val="tx1"/>
+          </a:fontRef>
+        </p:style>
+      </p:cxnSp>
+      <p:cxnSp>
+        <p:nvCxnSpPr>
+          <p:cNvPr id="28" name="直線コネクタ 27">
+            <a:extLst>
+              <a:ext uri="{FF2B5EF4-FFF2-40B4-BE49-F238E27FC236}">
+                <a16:creationId xmlns:a16="http://schemas.microsoft.com/office/drawing/2014/main" id="{AD3B2A9F-92C1-1DBE-3BE7-64BAA32E5375}"/>
+              </a:ext>
+            </a:extLst>
+          </p:cNvPr>
+          <p:cNvCxnSpPr>
+            <a:cxnSpLocks/>
+            <a:stCxn id="2" idx="0"/>
+          </p:cNvCxnSpPr>
+          <p:nvPr/>
+        </p:nvCxnSpPr>
+        <p:spPr>
+          <a:xfrm flipV="1">
+            <a:off x="4655840" y="1988840"/>
+            <a:ext cx="720080" cy="720079"/>
+          </a:xfrm>
+          <a:prstGeom prst="line">
+            <a:avLst/>
+          </a:prstGeom>
+          <a:ln>
+            <a:solidFill>
+              <a:srgbClr val="00B050"/>
+            </a:solidFill>
+          </a:ln>
+        </p:spPr>
+        <p:style>
+          <a:lnRef idx="1">
+            <a:schemeClr val="accent1"/>
+          </a:lnRef>
+          <a:fillRef idx="0">
+            <a:schemeClr val="accent1"/>
+          </a:fillRef>
+          <a:effectRef idx="0">
+            <a:schemeClr val="accent1"/>
+          </a:effectRef>
+          <a:fontRef idx="minor">
+            <a:schemeClr val="tx1"/>
+          </a:fontRef>
+        </p:style>
+      </p:cxnSp>
+      <p:cxnSp>
+        <p:nvCxnSpPr>
+          <p:cNvPr id="29" name="直線コネクタ 28">
+            <a:extLst>
+              <a:ext uri="{FF2B5EF4-FFF2-40B4-BE49-F238E27FC236}">
+                <a16:creationId xmlns:a16="http://schemas.microsoft.com/office/drawing/2014/main" id="{3CAE318D-2E20-60D5-DC21-777D88AD0AF2}"/>
+              </a:ext>
+            </a:extLst>
+          </p:cNvPr>
+          <p:cNvCxnSpPr>
+            <a:cxnSpLocks/>
+          </p:cNvCxnSpPr>
+          <p:nvPr/>
+        </p:nvCxnSpPr>
+        <p:spPr>
+          <a:xfrm flipV="1">
+            <a:off x="5375920" y="2348880"/>
+            <a:ext cx="360040" cy="360040"/>
+          </a:xfrm>
+          <a:prstGeom prst="line">
+            <a:avLst/>
+          </a:prstGeom>
+          <a:ln>
+            <a:solidFill>
+              <a:srgbClr val="00B050"/>
+            </a:solidFill>
+          </a:ln>
+        </p:spPr>
+        <p:style>
+          <a:lnRef idx="1">
+            <a:schemeClr val="accent1"/>
+          </a:lnRef>
+          <a:fillRef idx="0">
+            <a:schemeClr val="accent1"/>
+          </a:fillRef>
+          <a:effectRef idx="0">
+            <a:schemeClr val="accent1"/>
+          </a:effectRef>
+          <a:fontRef idx="minor">
+            <a:schemeClr val="tx1"/>
+          </a:fontRef>
+        </p:style>
+      </p:cxnSp>
+      <p:sp>
+        <p:nvSpPr>
+          <p:cNvPr id="33" name="円弧 32">
+            <a:extLst>
+              <a:ext uri="{FF2B5EF4-FFF2-40B4-BE49-F238E27FC236}">
+                <a16:creationId xmlns:a16="http://schemas.microsoft.com/office/drawing/2014/main" id="{B9B9E6A9-5F10-B6C0-4232-57019FDBDCAD}"/>
+              </a:ext>
+            </a:extLst>
+          </p:cNvPr>
+          <p:cNvSpPr/>
+          <p:nvPr/>
+        </p:nvSpPr>
+        <p:spPr>
+          <a:xfrm>
+            <a:off x="2052507" y="1620091"/>
+            <a:ext cx="2232248" cy="2232248"/>
+          </a:xfrm>
+          <a:prstGeom prst="arc">
+            <a:avLst>
+              <a:gd name="adj1" fmla="val 21551451"/>
+              <a:gd name="adj2" fmla="val 10815581"/>
+            </a:avLst>
+          </a:prstGeom>
+        </p:spPr>
+        <p:style>
+          <a:lnRef idx="1">
+            <a:schemeClr val="accent1"/>
+          </a:lnRef>
+          <a:fillRef idx="0">
+            <a:schemeClr val="accent1"/>
+          </a:fillRef>
+          <a:effectRef idx="0">
+            <a:schemeClr val="accent1"/>
+          </a:effectRef>
+          <a:fontRef idx="minor">
+            <a:schemeClr val="tx1"/>
+          </a:fontRef>
+        </p:style>
+        <p:txBody>
+          <a:bodyPr rtlCol="0" anchor="ctr"/>
+          <a:lstStyle/>
+          <a:p>
+            <a:pPr algn="ctr"/>
+            <a:endParaRPr kumimoji="1" lang="ja-JP" altLang="en-US"/>
+          </a:p>
+        </p:txBody>
+      </p:sp>
+      <p:sp>
+        <p:nvSpPr>
+          <p:cNvPr id="34" name="円弧 33">
+            <a:extLst>
+              <a:ext uri="{FF2B5EF4-FFF2-40B4-BE49-F238E27FC236}">
+                <a16:creationId xmlns:a16="http://schemas.microsoft.com/office/drawing/2014/main" id="{8272551C-DC3D-C48F-3E61-87AF75DC2A91}"/>
+              </a:ext>
+            </a:extLst>
+          </p:cNvPr>
+          <p:cNvSpPr/>
+          <p:nvPr/>
+        </p:nvSpPr>
+        <p:spPr>
+          <a:xfrm>
+            <a:off x="2999656" y="1844824"/>
+            <a:ext cx="1728192" cy="1728192"/>
+          </a:xfrm>
+          <a:prstGeom prst="arc">
+            <a:avLst>
+              <a:gd name="adj1" fmla="val 21551451"/>
+              <a:gd name="adj2" fmla="val 10815581"/>
+            </a:avLst>
+          </a:prstGeom>
+        </p:spPr>
+        <p:style>
+          <a:lnRef idx="1">
+            <a:schemeClr val="accent1"/>
+          </a:lnRef>
+          <a:fillRef idx="0">
+            <a:schemeClr val="accent1"/>
+          </a:fillRef>
+          <a:effectRef idx="0">
+            <a:schemeClr val="accent1"/>
+          </a:effectRef>
+          <a:fontRef idx="minor">
+            <a:schemeClr val="tx1"/>
+          </a:fontRef>
+        </p:style>
+        <p:txBody>
+          <a:bodyPr rtlCol="0" anchor="ctr"/>
+          <a:lstStyle/>
+          <a:p>
+            <a:pPr algn="ctr"/>
+            <a:endParaRPr kumimoji="1" lang="ja-JP" altLang="en-US"/>
+          </a:p>
+        </p:txBody>
+      </p:sp>
+      <p:sp>
+        <p:nvSpPr>
+          <p:cNvPr id="35" name="円弧 34">
+            <a:extLst>
+              <a:ext uri="{FF2B5EF4-FFF2-40B4-BE49-F238E27FC236}">
+                <a16:creationId xmlns:a16="http://schemas.microsoft.com/office/drawing/2014/main" id="{08E9C618-C81E-76B0-3DF0-8A50143C5DBD}"/>
+              </a:ext>
+            </a:extLst>
+          </p:cNvPr>
+          <p:cNvSpPr/>
+          <p:nvPr/>
+        </p:nvSpPr>
+        <p:spPr>
+          <a:xfrm>
+            <a:off x="4025186" y="2115438"/>
+            <a:ext cx="1178255" cy="1178255"/>
+          </a:xfrm>
+          <a:prstGeom prst="arc">
+            <a:avLst>
+              <a:gd name="adj1" fmla="val 21551451"/>
+              <a:gd name="adj2" fmla="val 10815581"/>
+            </a:avLst>
+          </a:prstGeom>
+        </p:spPr>
+        <p:style>
+          <a:lnRef idx="1">
+            <a:schemeClr val="accent1"/>
+          </a:lnRef>
+          <a:fillRef idx="0">
+            <a:schemeClr val="accent1"/>
+          </a:fillRef>
+          <a:effectRef idx="0">
+            <a:schemeClr val="accent1"/>
+          </a:effectRef>
+          <a:fontRef idx="minor">
+            <a:schemeClr val="tx1"/>
+          </a:fontRef>
+        </p:style>
+        <p:txBody>
+          <a:bodyPr rtlCol="0" anchor="ctr"/>
+          <a:lstStyle/>
+          <a:p>
+            <a:pPr algn="ctr"/>
+            <a:endParaRPr kumimoji="1" lang="ja-JP" altLang="en-US"/>
+          </a:p>
+        </p:txBody>
+      </p:sp>
+      <p:sp>
+        <p:nvSpPr>
+          <p:cNvPr id="36" name="円弧 35">
+            <a:extLst>
+              <a:ext uri="{FF2B5EF4-FFF2-40B4-BE49-F238E27FC236}">
+                <a16:creationId xmlns:a16="http://schemas.microsoft.com/office/drawing/2014/main" id="{602234BF-5C19-D19A-57D6-A402C2C2CDDF}"/>
+              </a:ext>
+            </a:extLst>
+          </p:cNvPr>
+          <p:cNvSpPr/>
+          <p:nvPr/>
+        </p:nvSpPr>
+        <p:spPr>
+          <a:xfrm>
+            <a:off x="5102297" y="2449351"/>
+            <a:ext cx="541901" cy="547601"/>
+          </a:xfrm>
+          <a:prstGeom prst="arc">
+            <a:avLst>
+              <a:gd name="adj1" fmla="val 21551451"/>
+              <a:gd name="adj2" fmla="val 10815581"/>
+            </a:avLst>
+          </a:prstGeom>
+        </p:spPr>
+        <p:style>
+          <a:lnRef idx="1">
+            <a:schemeClr val="accent1"/>
+          </a:lnRef>
+          <a:fillRef idx="0">
+            <a:schemeClr val="accent1"/>
+          </a:fillRef>
+          <a:effectRef idx="0">
+            <a:schemeClr val="accent1"/>
+          </a:effectRef>
+          <a:fontRef idx="minor">
+            <a:schemeClr val="tx1"/>
+          </a:fontRef>
+        </p:style>
+        <p:txBody>
+          <a:bodyPr rtlCol="0" anchor="ctr"/>
+          <a:lstStyle/>
+          <a:p>
+            <a:pPr algn="ctr"/>
+            <a:endParaRPr kumimoji="1" lang="ja-JP" altLang="en-US"/>
+          </a:p>
+        </p:txBody>
+      </p:sp>
+      <p:sp>
+        <p:nvSpPr>
+          <p:cNvPr id="38" name="楕円 37">
+            <a:extLst>
+              <a:ext uri="{FF2B5EF4-FFF2-40B4-BE49-F238E27FC236}">
+                <a16:creationId xmlns:a16="http://schemas.microsoft.com/office/drawing/2014/main" id="{2933C513-15FA-C5EE-93A5-A718F7E015EB}"/>
+              </a:ext>
+            </a:extLst>
+          </p:cNvPr>
+          <p:cNvSpPr/>
+          <p:nvPr/>
+        </p:nvSpPr>
+        <p:spPr>
+          <a:xfrm>
+            <a:off x="3902419" y="2675579"/>
+            <a:ext cx="72008" cy="72008"/>
+          </a:xfrm>
+          <a:prstGeom prst="ellipse">
+            <a:avLst/>
+          </a:prstGeom>
+          <a:solidFill>
+            <a:srgbClr val="FF0000"/>
+          </a:solidFill>
+          <a:ln>
+            <a:solidFill>
+              <a:schemeClr val="tx1"/>
+            </a:solidFill>
+          </a:ln>
+        </p:spPr>
+        <p:style>
+          <a:lnRef idx="2">
+            <a:schemeClr val="accent1">
+              <a:shade val="50000"/>
+            </a:schemeClr>
+          </a:lnRef>
+          <a:fillRef idx="1">
+            <a:schemeClr val="accent1"/>
+          </a:fillRef>
+          <a:effectRef idx="0">
+            <a:schemeClr val="accent1"/>
+          </a:effectRef>
+          <a:fontRef idx="minor">
+            <a:schemeClr val="lt1"/>
+          </a:fontRef>
+        </p:style>
+        <p:txBody>
+          <a:bodyPr rtlCol="0" anchor="ctr"/>
+          <a:lstStyle/>
+          <a:p>
+            <a:pPr algn="ctr"/>
+            <a:endParaRPr kumimoji="1" lang="ja-JP" altLang="en-US"/>
+          </a:p>
+        </p:txBody>
+      </p:sp>
+      <p:sp>
+        <p:nvSpPr>
+          <p:cNvPr id="39" name="楕円 38">
+            <a:extLst>
+              <a:ext uri="{FF2B5EF4-FFF2-40B4-BE49-F238E27FC236}">
+                <a16:creationId xmlns:a16="http://schemas.microsoft.com/office/drawing/2014/main" id="{87D43846-009B-0E15-D7A7-A7005D6CF5D3}"/>
+              </a:ext>
+            </a:extLst>
+          </p:cNvPr>
+          <p:cNvSpPr/>
+          <p:nvPr/>
+        </p:nvSpPr>
+        <p:spPr>
+          <a:xfrm>
+            <a:off x="4550492" y="2685106"/>
+            <a:ext cx="72008" cy="72008"/>
+          </a:xfrm>
+          <a:prstGeom prst="ellipse">
+            <a:avLst/>
+          </a:prstGeom>
+          <a:solidFill>
+            <a:srgbClr val="FF0000"/>
+          </a:solidFill>
+          <a:ln>
+            <a:solidFill>
+              <a:schemeClr val="tx1"/>
+            </a:solidFill>
+          </a:ln>
+        </p:spPr>
+        <p:style>
+          <a:lnRef idx="2">
+            <a:schemeClr val="accent1">
+              <a:shade val="50000"/>
+            </a:schemeClr>
+          </a:lnRef>
+          <a:fillRef idx="1">
+            <a:schemeClr val="accent1"/>
+          </a:fillRef>
+          <a:effectRef idx="0">
+            <a:schemeClr val="accent1"/>
+          </a:effectRef>
+          <a:fontRef idx="minor">
+            <a:schemeClr val="lt1"/>
+          </a:fontRef>
+        </p:style>
+        <p:txBody>
+          <a:bodyPr rtlCol="0" anchor="ctr"/>
+          <a:lstStyle/>
+          <a:p>
+            <a:pPr algn="ctr"/>
+            <a:endParaRPr kumimoji="1" lang="ja-JP" altLang="en-US"/>
+          </a:p>
+        </p:txBody>
+      </p:sp>
+      <p:sp>
+        <p:nvSpPr>
+          <p:cNvPr id="40" name="楕円 39">
+            <a:extLst>
+              <a:ext uri="{FF2B5EF4-FFF2-40B4-BE49-F238E27FC236}">
+                <a16:creationId xmlns:a16="http://schemas.microsoft.com/office/drawing/2014/main" id="{4CC3707E-9544-5447-EC77-E695360E4E09}"/>
+              </a:ext>
+            </a:extLst>
+          </p:cNvPr>
+          <p:cNvSpPr/>
+          <p:nvPr/>
+        </p:nvSpPr>
+        <p:spPr>
+          <a:xfrm>
+            <a:off x="5381815" y="2670251"/>
+            <a:ext cx="72008" cy="72008"/>
+          </a:xfrm>
+          <a:prstGeom prst="ellipse">
+            <a:avLst/>
+          </a:prstGeom>
+          <a:solidFill>
+            <a:srgbClr val="FF0000"/>
+          </a:solidFill>
+          <a:ln>
+            <a:solidFill>
+              <a:schemeClr val="tx1"/>
+            </a:solidFill>
+          </a:ln>
+        </p:spPr>
+        <p:style>
+          <a:lnRef idx="2">
+            <a:schemeClr val="accent1">
+              <a:shade val="50000"/>
+            </a:schemeClr>
+          </a:lnRef>
+          <a:fillRef idx="1">
+            <a:schemeClr val="accent1"/>
+          </a:fillRef>
+          <a:effectRef idx="0">
+            <a:schemeClr val="accent1"/>
+          </a:effectRef>
+          <a:fontRef idx="minor">
+            <a:schemeClr val="lt1"/>
+          </a:fontRef>
+        </p:style>
+        <p:txBody>
+          <a:bodyPr rtlCol="0" anchor="ctr"/>
+          <a:lstStyle/>
+          <a:p>
+            <a:pPr algn="ctr"/>
+            <a:endParaRPr kumimoji="1" lang="ja-JP" altLang="en-US"/>
+          </a:p>
+        </p:txBody>
+      </p:sp>
+      <p:sp>
+        <p:nvSpPr>
+          <p:cNvPr id="41" name="楕円 40">
+            <a:extLst>
+              <a:ext uri="{FF2B5EF4-FFF2-40B4-BE49-F238E27FC236}">
+                <a16:creationId xmlns:a16="http://schemas.microsoft.com/office/drawing/2014/main" id="{A2B809CB-31E1-93DF-8651-40E4C9357EE0}"/>
+              </a:ext>
+            </a:extLst>
+          </p:cNvPr>
+          <p:cNvSpPr/>
+          <p:nvPr/>
+        </p:nvSpPr>
+        <p:spPr>
+          <a:xfrm>
+            <a:off x="3187104" y="2675015"/>
+            <a:ext cx="72008" cy="72008"/>
+          </a:xfrm>
+          <a:prstGeom prst="ellipse">
+            <a:avLst/>
+          </a:prstGeom>
+          <a:solidFill>
+            <a:srgbClr val="FF0000"/>
+          </a:solidFill>
+          <a:ln>
+            <a:solidFill>
+              <a:schemeClr val="tx1"/>
+            </a:solidFill>
+          </a:ln>
+        </p:spPr>
+        <p:style>
+          <a:lnRef idx="2">
+            <a:schemeClr val="accent1">
+              <a:shade val="50000"/>
+            </a:schemeClr>
+          </a:lnRef>
+          <a:fillRef idx="1">
+            <a:schemeClr val="accent1"/>
+          </a:fillRef>
+          <a:effectRef idx="0">
+            <a:schemeClr val="accent1"/>
+          </a:effectRef>
+          <a:fontRef idx="minor">
+            <a:schemeClr val="lt1"/>
+          </a:fontRef>
+        </p:style>
+        <p:txBody>
+          <a:bodyPr rtlCol="0" anchor="ctr"/>
+          <a:lstStyle/>
+          <a:p>
+            <a:pPr algn="ctr"/>
+            <a:endParaRPr kumimoji="1" lang="ja-JP" altLang="en-US"/>
+          </a:p>
+        </p:txBody>
+      </p:sp>
+    </p:spTree>
+    <p:extLst>
+      <p:ext uri="{BB962C8B-B14F-4D97-AF65-F5344CB8AC3E}">
+        <p14:creationId xmlns:p14="http://schemas.microsoft.com/office/powerpoint/2010/main" val="966513062"/>
+      </p:ext>
+    </p:extLst>
+  </p:cSld>
+  <p:clrMapOvr>
+    <a:masterClrMapping/>
+  </p:clrMapOvr>
+</p:sld>
+</file>
+
+<file path=ppt/slides/slide2.xml><?xml version="1.0" encoding="utf-8"?>
+<p:sld xmlns:a="http://schemas.openxmlformats.org/drawingml/2006/main" xmlns:r="http://schemas.openxmlformats.org/officeDocument/2006/relationships" xmlns:p="http://schemas.openxmlformats.org/presentationml/2006/main">
+  <p:cSld>
+    <p:spTree>
+      <p:nvGrpSpPr>
+        <p:cNvPr id="1" name=""/>
+        <p:cNvGrpSpPr/>
+        <p:nvPr/>
+      </p:nvGrpSpPr>
+      <p:grpSpPr>
+        <a:xfrm>
+          <a:off x="0" y="0"/>
+          <a:ext cx="0" cy="0"/>
+          <a:chOff x="0" y="0"/>
+          <a:chExt cx="0" cy="0"/>
+        </a:xfrm>
+      </p:grpSpPr>
       <p:pic>
         <p:nvPicPr>
           <p:cNvPr id="1026" name="Picture 2" descr="金属の重りのイラスト">
@@ -1356,7 +2445,7 @@
 </p:sld>
 </file>
 
-<file path=ppt/slides/slide2.xml><?xml version="1.0" encoding="utf-8"?>
+<file path=ppt/slides/slide3.xml><?xml version="1.0" encoding="utf-8"?>
 <p:sld xmlns:a="http://schemas.openxmlformats.org/drawingml/2006/main" xmlns:r="http://schemas.openxmlformats.org/officeDocument/2006/relationships" xmlns:p="http://schemas.openxmlformats.org/presentationml/2006/main">
   <p:cSld>
     <p:spTree>
@@ -2605,7 +3694,7 @@
 </p:sld>
 </file>
 
-<file path=ppt/slides/slide3.xml><?xml version="1.0" encoding="utf-8"?>
+<file path=ppt/slides/slide4.xml><?xml version="1.0" encoding="utf-8"?>
 <p:sld xmlns:a="http://schemas.openxmlformats.org/drawingml/2006/main" xmlns:r="http://schemas.openxmlformats.org/officeDocument/2006/relationships" xmlns:p="http://schemas.openxmlformats.org/presentationml/2006/main">
   <p:cSld>
     <p:spTree>
@@ -3189,8 +4278,8 @@
           </a:fontRef>
         </p:style>
       </p:cxnSp>
-      <mc:AlternateContent xmlns:mc="http://schemas.openxmlformats.org/markup-compatibility/2006">
-        <mc:Choice xmlns:a14="http://schemas.microsoft.com/office/drawing/2010/main" Requires="a14">
+      <mc:AlternateContent xmlns:mc="http://schemas.openxmlformats.org/markup-compatibility/2006" xmlns:a14="http://schemas.microsoft.com/office/drawing/2010/main">
+        <mc:Choice Requires="a14">
           <p:sp>
             <p:nvSpPr>
               <p:cNvPr id="21" name="テキスト ボックス 20">
@@ -3219,6 +4308,7 @@
               </a:bodyPr>
               <a:lstStyle/>
               <a:p>
+                <a:pPr/>
                 <a14:m>
                   <m:oMathPara xmlns:m="http://schemas.openxmlformats.org/officeDocument/2006/math">
                     <m:oMathParaPr>
@@ -3239,7 +4329,7 @@
             </p:txBody>
           </p:sp>
         </mc:Choice>
-        <mc:Fallback>
+        <mc:Fallback xmlns="">
           <p:sp>
             <p:nvSpPr>
               <p:cNvPr id="21" name="テキスト ボックス 20">
@@ -3284,8 +4374,8 @@
           </p:sp>
         </mc:Fallback>
       </mc:AlternateContent>
-      <mc:AlternateContent xmlns:mc="http://schemas.openxmlformats.org/markup-compatibility/2006">
-        <mc:Choice xmlns:a14="http://schemas.microsoft.com/office/drawing/2010/main" Requires="a14">
+      <mc:AlternateContent xmlns:mc="http://schemas.openxmlformats.org/markup-compatibility/2006" xmlns:a14="http://schemas.microsoft.com/office/drawing/2010/main">
+        <mc:Choice Requires="a14">
           <p:sp>
             <p:nvSpPr>
               <p:cNvPr id="22" name="テキスト ボックス 21">
@@ -3314,6 +4404,7 @@
               </a:bodyPr>
               <a:lstStyle/>
               <a:p>
+                <a:pPr/>
                 <a14:m>
                   <m:oMathPara xmlns:m="http://schemas.openxmlformats.org/officeDocument/2006/math">
                     <m:oMathParaPr>
@@ -3334,7 +4425,7 @@
             </p:txBody>
           </p:sp>
         </mc:Choice>
-        <mc:Fallback>
+        <mc:Fallback xmlns="">
           <p:sp>
             <p:nvSpPr>
               <p:cNvPr id="22" name="テキスト ボックス 21">
@@ -3392,7 +4483,7 @@
 </p:sld>
 </file>
 
-<file path=ppt/slides/slide4.xml><?xml version="1.0" encoding="utf-8"?>
+<file path=ppt/slides/slide5.xml><?xml version="1.0" encoding="utf-8"?>
 <p:sld xmlns:a="http://schemas.openxmlformats.org/drawingml/2006/main" xmlns:r="http://schemas.openxmlformats.org/officeDocument/2006/relationships" xmlns:p="http://schemas.openxmlformats.org/presentationml/2006/main">
   <p:cSld>
     <p:spTree>
@@ -3801,8 +4892,8 @@
           </a:p>
         </p:txBody>
       </p:sp>
-      <mc:AlternateContent xmlns:mc="http://schemas.openxmlformats.org/markup-compatibility/2006">
-        <mc:Choice xmlns:a14="http://schemas.microsoft.com/office/drawing/2010/main" Requires="a14">
+      <mc:AlternateContent xmlns:mc="http://schemas.openxmlformats.org/markup-compatibility/2006" xmlns:a14="http://schemas.microsoft.com/office/drawing/2010/main">
+        <mc:Choice Requires="a14">
           <p:sp>
             <p:nvSpPr>
               <p:cNvPr id="9" name="テキスト ボックス 8">
@@ -3831,6 +4922,7 @@
               </a:bodyPr>
               <a:lstStyle/>
               <a:p>
+                <a:pPr/>
                 <a14:m>
                   <m:oMathPara xmlns:m="http://schemas.openxmlformats.org/officeDocument/2006/math">
                     <m:oMathParaPr>
@@ -3851,7 +4943,7 @@
             </p:txBody>
           </p:sp>
         </mc:Choice>
-        <mc:Fallback>
+        <mc:Fallback xmlns="">
           <p:sp>
             <p:nvSpPr>
               <p:cNvPr id="9" name="テキスト ボックス 8">
@@ -3896,8 +4988,8 @@
           </p:sp>
         </mc:Fallback>
       </mc:AlternateContent>
-      <mc:AlternateContent xmlns:mc="http://schemas.openxmlformats.org/markup-compatibility/2006">
-        <mc:Choice xmlns:a14="http://schemas.microsoft.com/office/drawing/2010/main" Requires="a14">
+      <mc:AlternateContent xmlns:mc="http://schemas.openxmlformats.org/markup-compatibility/2006" xmlns:a14="http://schemas.microsoft.com/office/drawing/2010/main">
+        <mc:Choice Requires="a14">
           <p:sp>
             <p:nvSpPr>
               <p:cNvPr id="10" name="テキスト ボックス 9">
@@ -3926,6 +5018,7 @@
               </a:bodyPr>
               <a:lstStyle/>
               <a:p>
+                <a:pPr/>
                 <a14:m>
                   <m:oMathPara xmlns:m="http://schemas.openxmlformats.org/officeDocument/2006/math">
                     <m:oMathParaPr>
@@ -3946,7 +5039,7 @@
             </p:txBody>
           </p:sp>
         </mc:Choice>
-        <mc:Fallback>
+        <mc:Fallback xmlns="">
           <p:sp>
             <p:nvSpPr>
               <p:cNvPr id="10" name="テキスト ボックス 9">
@@ -4035,8 +5128,8 @@
           </a:fontRef>
         </p:style>
       </p:cxnSp>
-      <mc:AlternateContent xmlns:mc="http://schemas.openxmlformats.org/markup-compatibility/2006">
-        <mc:Choice xmlns:a14="http://schemas.microsoft.com/office/drawing/2010/main" Requires="a14">
+      <mc:AlternateContent xmlns:mc="http://schemas.openxmlformats.org/markup-compatibility/2006" xmlns:a14="http://schemas.microsoft.com/office/drawing/2010/main">
+        <mc:Choice Requires="a14">
           <p:sp>
             <p:nvSpPr>
               <p:cNvPr id="12" name="テキスト ボックス 11">
@@ -4065,6 +5158,7 @@
               </a:bodyPr>
               <a:lstStyle/>
               <a:p>
+                <a:pPr/>
                 <a14:m>
                   <m:oMathPara xmlns:m="http://schemas.openxmlformats.org/officeDocument/2006/math">
                     <m:oMathParaPr>
@@ -4085,7 +5179,7 @@
             </p:txBody>
           </p:sp>
         </mc:Choice>
-        <mc:Fallback>
+        <mc:Fallback xmlns="">
           <p:sp>
             <p:nvSpPr>
               <p:cNvPr id="12" name="テキスト ボックス 11">
@@ -4257,8 +5351,8 @@
           </a:fontRef>
         </p:style>
       </p:cxnSp>
-      <mc:AlternateContent xmlns:mc="http://schemas.openxmlformats.org/markup-compatibility/2006">
-        <mc:Choice xmlns:a14="http://schemas.microsoft.com/office/drawing/2010/main" Requires="a14">
+      <mc:AlternateContent xmlns:mc="http://schemas.openxmlformats.org/markup-compatibility/2006" xmlns:a14="http://schemas.microsoft.com/office/drawing/2010/main">
+        <mc:Choice Requires="a14">
           <p:sp>
             <p:nvSpPr>
               <p:cNvPr id="21" name="テキスト ボックス 20">
@@ -4287,6 +5381,7 @@
               </a:bodyPr>
               <a:lstStyle/>
               <a:p>
+                <a:pPr/>
                 <a14:m>
                   <m:oMathPara xmlns:m="http://schemas.openxmlformats.org/officeDocument/2006/math">
                     <m:oMathParaPr>
@@ -4307,7 +5402,7 @@
             </p:txBody>
           </p:sp>
         </mc:Choice>
-        <mc:Fallback>
+        <mc:Fallback xmlns="">
           <p:sp>
             <p:nvSpPr>
               <p:cNvPr id="21" name="テキスト ボックス 20">
@@ -4352,8 +5447,8 @@
           </p:sp>
         </mc:Fallback>
       </mc:AlternateContent>
-      <mc:AlternateContent xmlns:mc="http://schemas.openxmlformats.org/markup-compatibility/2006">
-        <mc:Choice xmlns:a14="http://schemas.microsoft.com/office/drawing/2010/main" Requires="a14">
+      <mc:AlternateContent xmlns:mc="http://schemas.openxmlformats.org/markup-compatibility/2006" xmlns:a14="http://schemas.microsoft.com/office/drawing/2010/main">
+        <mc:Choice Requires="a14">
           <p:sp>
             <p:nvSpPr>
               <p:cNvPr id="22" name="テキスト ボックス 21">
@@ -4382,6 +5477,7 @@
               </a:bodyPr>
               <a:lstStyle/>
               <a:p>
+                <a:pPr/>
                 <a14:m>
                   <m:oMathPara xmlns:m="http://schemas.openxmlformats.org/officeDocument/2006/math">
                     <m:oMathParaPr>
@@ -4402,7 +5498,7 @@
             </p:txBody>
           </p:sp>
         </mc:Choice>
-        <mc:Fallback>
+        <mc:Fallback xmlns="">
           <p:sp>
             <p:nvSpPr>
               <p:cNvPr id="22" name="テキスト ボックス 21">
@@ -4447,8 +5543,8 @@
           </p:sp>
         </mc:Fallback>
       </mc:AlternateContent>
-      <mc:AlternateContent xmlns:mc="http://schemas.openxmlformats.org/markup-compatibility/2006">
-        <mc:Choice xmlns:a14="http://schemas.microsoft.com/office/drawing/2010/main" Requires="a14">
+      <mc:AlternateContent xmlns:mc="http://schemas.openxmlformats.org/markup-compatibility/2006" xmlns:a14="http://schemas.microsoft.com/office/drawing/2010/main">
+        <mc:Choice Requires="a14">
           <p:sp>
             <p:nvSpPr>
               <p:cNvPr id="23" name="テキスト ボックス 22">
@@ -4477,6 +5573,7 @@
               </a:bodyPr>
               <a:lstStyle/>
               <a:p>
+                <a:pPr/>
                 <a14:m>
                   <m:oMathPara xmlns:m="http://schemas.openxmlformats.org/officeDocument/2006/math">
                     <m:oMathParaPr>
@@ -4497,7 +5594,7 @@
             </p:txBody>
           </p:sp>
         </mc:Choice>
-        <mc:Fallback>
+        <mc:Fallback xmlns="">
           <p:sp>
             <p:nvSpPr>
               <p:cNvPr id="23" name="テキスト ボックス 22">
@@ -4586,8 +5683,8 @@
           </a:fontRef>
         </p:style>
       </p:cxnSp>
-      <mc:AlternateContent xmlns:mc="http://schemas.openxmlformats.org/markup-compatibility/2006">
-        <mc:Choice xmlns:a14="http://schemas.microsoft.com/office/drawing/2010/main" Requires="a14">
+      <mc:AlternateContent xmlns:mc="http://schemas.openxmlformats.org/markup-compatibility/2006" xmlns:a14="http://schemas.microsoft.com/office/drawing/2010/main">
+        <mc:Choice Requires="a14">
           <p:sp>
             <p:nvSpPr>
               <p:cNvPr id="27" name="テキスト ボックス 26">
@@ -4616,6 +5713,7 @@
               </a:bodyPr>
               <a:lstStyle/>
               <a:p>
+                <a:pPr/>
                 <a14:m>
                   <m:oMathPara xmlns:m="http://schemas.openxmlformats.org/officeDocument/2006/math">
                     <m:oMathParaPr>
@@ -4636,7 +5734,7 @@
             </p:txBody>
           </p:sp>
         </mc:Choice>
-        <mc:Fallback>
+        <mc:Fallback xmlns="">
           <p:sp>
             <p:nvSpPr>
               <p:cNvPr id="27" name="テキスト ボックス 26">
@@ -4681,8 +5779,8 @@
           </p:sp>
         </mc:Fallback>
       </mc:AlternateContent>
-      <mc:AlternateContent xmlns:mc="http://schemas.openxmlformats.org/markup-compatibility/2006">
-        <mc:Choice xmlns:a14="http://schemas.microsoft.com/office/drawing/2010/main" Requires="a14">
+      <mc:AlternateContent xmlns:mc="http://schemas.openxmlformats.org/markup-compatibility/2006" xmlns:a14="http://schemas.microsoft.com/office/drawing/2010/main">
+        <mc:Choice Requires="a14">
           <p:sp>
             <p:nvSpPr>
               <p:cNvPr id="28" name="テキスト ボックス 27">
@@ -4711,6 +5809,7 @@
               </a:bodyPr>
               <a:lstStyle/>
               <a:p>
+                <a:pPr/>
                 <a14:m>
                   <m:oMathPara xmlns:m="http://schemas.openxmlformats.org/officeDocument/2006/math">
                     <m:oMathParaPr>
@@ -4755,7 +5854,7 @@
             </p:txBody>
           </p:sp>
         </mc:Choice>
-        <mc:Fallback>
+        <mc:Fallback xmlns="">
           <p:sp>
             <p:nvSpPr>
               <p:cNvPr id="28" name="テキスト ボックス 27">

--- a/virtual_work/fig/fig.pptx
+++ b/virtual_work/fig/fig.pptx
@@ -5,11 +5,13 @@
     <p:sldMasterId id="2147483662" r:id="rId1"/>
   </p:sldMasterIdLst>
   <p:sldIdLst>
-    <p:sldId id="260" r:id="rId2"/>
-    <p:sldId id="256" r:id="rId3"/>
-    <p:sldId id="257" r:id="rId4"/>
-    <p:sldId id="258" r:id="rId5"/>
-    <p:sldId id="259" r:id="rId6"/>
+    <p:sldId id="261" r:id="rId2"/>
+    <p:sldId id="262" r:id="rId3"/>
+    <p:sldId id="260" r:id="rId4"/>
+    <p:sldId id="256" r:id="rId5"/>
+    <p:sldId id="257" r:id="rId6"/>
+    <p:sldId id="258" r:id="rId7"/>
+    <p:sldId id="259" r:id="rId8"/>
   </p:sldIdLst>
   <p:sldSz cx="12192000" cy="6858000"/>
   <p:notesSz cx="6858000" cy="9144000"/>
@@ -484,6 +486,2951 @@
           <p:cNvPr id="2" name="正方形/長方形 1">
             <a:extLst>
               <a:ext uri="{FF2B5EF4-FFF2-40B4-BE49-F238E27FC236}">
+                <a16:creationId xmlns:a16="http://schemas.microsoft.com/office/drawing/2014/main" id="{84279772-D487-4906-4C3C-009DD1D81A80}"/>
+              </a:ext>
+            </a:extLst>
+          </p:cNvPr>
+          <p:cNvSpPr/>
+          <p:nvPr/>
+        </p:nvSpPr>
+        <p:spPr>
+          <a:xfrm>
+            <a:off x="839416" y="1628800"/>
+            <a:ext cx="4464496" cy="216024"/>
+          </a:xfrm>
+          <a:prstGeom prst="rect">
+            <a:avLst/>
+          </a:prstGeom>
+          <a:solidFill>
+            <a:schemeClr val="accent4">
+              <a:lumMod val="75000"/>
+            </a:schemeClr>
+          </a:solidFill>
+          <a:ln>
+            <a:solidFill>
+              <a:schemeClr val="tx1"/>
+            </a:solidFill>
+          </a:ln>
+        </p:spPr>
+        <p:style>
+          <a:lnRef idx="2">
+            <a:schemeClr val="accent1">
+              <a:shade val="50000"/>
+            </a:schemeClr>
+          </a:lnRef>
+          <a:fillRef idx="1">
+            <a:schemeClr val="accent1"/>
+          </a:fillRef>
+          <a:effectRef idx="0">
+            <a:schemeClr val="accent1"/>
+          </a:effectRef>
+          <a:fontRef idx="minor">
+            <a:schemeClr val="lt1"/>
+          </a:fontRef>
+        </p:style>
+        <p:txBody>
+          <a:bodyPr rtlCol="0" anchor="ctr"/>
+          <a:lstStyle/>
+          <a:p>
+            <a:pPr algn="ctr"/>
+            <a:endParaRPr kumimoji="1" lang="ja-JP" altLang="en-US"/>
+          </a:p>
+        </p:txBody>
+      </p:sp>
+      <p:sp>
+        <p:nvSpPr>
+          <p:cNvPr id="3" name="三角形 2">
+            <a:extLst>
+              <a:ext uri="{FF2B5EF4-FFF2-40B4-BE49-F238E27FC236}">
+                <a16:creationId xmlns:a16="http://schemas.microsoft.com/office/drawing/2014/main" id="{53E0F8CC-2D17-E140-EC9D-A9A0544CC010}"/>
+              </a:ext>
+            </a:extLst>
+          </p:cNvPr>
+          <p:cNvSpPr/>
+          <p:nvPr/>
+        </p:nvSpPr>
+        <p:spPr>
+          <a:xfrm>
+            <a:off x="2207568" y="1844824"/>
+            <a:ext cx="432048" cy="338336"/>
+          </a:xfrm>
+          <a:prstGeom prst="triangle">
+            <a:avLst/>
+          </a:prstGeom>
+        </p:spPr>
+        <p:style>
+          <a:lnRef idx="2">
+            <a:schemeClr val="accent1">
+              <a:shade val="15000"/>
+            </a:schemeClr>
+          </a:lnRef>
+          <a:fillRef idx="1">
+            <a:schemeClr val="accent1"/>
+          </a:fillRef>
+          <a:effectRef idx="0">
+            <a:schemeClr val="accent1"/>
+          </a:effectRef>
+          <a:fontRef idx="minor">
+            <a:schemeClr val="lt1"/>
+          </a:fontRef>
+        </p:style>
+        <p:txBody>
+          <a:bodyPr rtlCol="0" anchor="ctr"/>
+          <a:lstStyle/>
+          <a:p>
+            <a:pPr algn="ctr"/>
+            <a:endParaRPr kumimoji="1" lang="ja-JP" altLang="en-US"/>
+          </a:p>
+        </p:txBody>
+      </p:sp>
+      <p:sp>
+        <p:nvSpPr>
+          <p:cNvPr id="4" name="正方形/長方形 3">
+            <a:extLst>
+              <a:ext uri="{FF2B5EF4-FFF2-40B4-BE49-F238E27FC236}">
+                <a16:creationId xmlns:a16="http://schemas.microsoft.com/office/drawing/2014/main" id="{A4B9F2C0-E000-E88F-9077-99BAADCBDC24}"/>
+              </a:ext>
+            </a:extLst>
+          </p:cNvPr>
+          <p:cNvSpPr/>
+          <p:nvPr/>
+        </p:nvSpPr>
+        <p:spPr>
+          <a:xfrm rot="21110827">
+            <a:off x="6086302" y="1524371"/>
+            <a:ext cx="4464496" cy="216024"/>
+          </a:xfrm>
+          <a:prstGeom prst="rect">
+            <a:avLst/>
+          </a:prstGeom>
+          <a:solidFill>
+            <a:schemeClr val="accent4">
+              <a:lumMod val="75000"/>
+            </a:schemeClr>
+          </a:solidFill>
+          <a:ln>
+            <a:solidFill>
+              <a:schemeClr val="tx1"/>
+            </a:solidFill>
+          </a:ln>
+        </p:spPr>
+        <p:style>
+          <a:lnRef idx="2">
+            <a:schemeClr val="accent1">
+              <a:shade val="50000"/>
+            </a:schemeClr>
+          </a:lnRef>
+          <a:fillRef idx="1">
+            <a:schemeClr val="accent1"/>
+          </a:fillRef>
+          <a:effectRef idx="0">
+            <a:schemeClr val="accent1"/>
+          </a:effectRef>
+          <a:fontRef idx="minor">
+            <a:schemeClr val="lt1"/>
+          </a:fontRef>
+        </p:style>
+        <p:txBody>
+          <a:bodyPr rtlCol="0" anchor="ctr"/>
+          <a:lstStyle/>
+          <a:p>
+            <a:pPr algn="ctr"/>
+            <a:endParaRPr kumimoji="1" lang="ja-JP" altLang="en-US"/>
+          </a:p>
+        </p:txBody>
+      </p:sp>
+      <p:sp>
+        <p:nvSpPr>
+          <p:cNvPr id="5" name="三角形 4">
+            <a:extLst>
+              <a:ext uri="{FF2B5EF4-FFF2-40B4-BE49-F238E27FC236}">
+                <a16:creationId xmlns:a16="http://schemas.microsoft.com/office/drawing/2014/main" id="{8BD9B1D6-4819-7703-CA29-EC6E22901FCD}"/>
+              </a:ext>
+            </a:extLst>
+          </p:cNvPr>
+          <p:cNvSpPr/>
+          <p:nvPr/>
+        </p:nvSpPr>
+        <p:spPr>
+          <a:xfrm>
+            <a:off x="7450968" y="1844824"/>
+            <a:ext cx="432048" cy="338336"/>
+          </a:xfrm>
+          <a:prstGeom prst="triangle">
+            <a:avLst/>
+          </a:prstGeom>
+        </p:spPr>
+        <p:style>
+          <a:lnRef idx="2">
+            <a:schemeClr val="accent1">
+              <a:shade val="15000"/>
+            </a:schemeClr>
+          </a:lnRef>
+          <a:fillRef idx="1">
+            <a:schemeClr val="accent1"/>
+          </a:fillRef>
+          <a:effectRef idx="0">
+            <a:schemeClr val="accent1"/>
+          </a:effectRef>
+          <a:fontRef idx="minor">
+            <a:schemeClr val="lt1"/>
+          </a:fontRef>
+        </p:style>
+        <p:txBody>
+          <a:bodyPr rtlCol="0" anchor="ctr"/>
+          <a:lstStyle/>
+          <a:p>
+            <a:pPr algn="ctr"/>
+            <a:endParaRPr kumimoji="1" lang="ja-JP" altLang="en-US"/>
+          </a:p>
+        </p:txBody>
+      </p:sp>
+      <p:cxnSp>
+        <p:nvCxnSpPr>
+          <p:cNvPr id="7" name="直線コネクタ 6">
+            <a:extLst>
+              <a:ext uri="{FF2B5EF4-FFF2-40B4-BE49-F238E27FC236}">
+                <a16:creationId xmlns:a16="http://schemas.microsoft.com/office/drawing/2014/main" id="{C883995B-08D2-E08F-7379-7D62505F2F9A}"/>
+              </a:ext>
+            </a:extLst>
+          </p:cNvPr>
+          <p:cNvCxnSpPr>
+            <a:cxnSpLocks/>
+            <a:stCxn id="5" idx="0"/>
+          </p:cNvCxnSpPr>
+          <p:nvPr/>
+        </p:nvCxnSpPr>
+        <p:spPr>
+          <a:xfrm>
+            <a:off x="7666992" y="1844824"/>
+            <a:ext cx="2821496" cy="0"/>
+          </a:xfrm>
+          <a:prstGeom prst="line">
+            <a:avLst/>
+          </a:prstGeom>
+          <a:ln w="19050">
+            <a:solidFill>
+              <a:schemeClr val="tx1"/>
+            </a:solidFill>
+          </a:ln>
+        </p:spPr>
+        <p:style>
+          <a:lnRef idx="1">
+            <a:schemeClr val="accent1"/>
+          </a:lnRef>
+          <a:fillRef idx="0">
+            <a:schemeClr val="accent1"/>
+          </a:fillRef>
+          <a:effectRef idx="0">
+            <a:schemeClr val="accent1"/>
+          </a:effectRef>
+          <a:fontRef idx="minor">
+            <a:schemeClr val="tx1"/>
+          </a:fontRef>
+        </p:style>
+      </p:cxnSp>
+      <p:sp>
+        <p:nvSpPr>
+          <p:cNvPr id="9" name="フリーフォーム: 図形 7">
+            <a:extLst>
+              <a:ext uri="{FF2B5EF4-FFF2-40B4-BE49-F238E27FC236}">
+                <a16:creationId xmlns:a16="http://schemas.microsoft.com/office/drawing/2014/main" id="{461E55DD-B4E8-3B3F-7F09-E484A24BC7AB}"/>
+              </a:ext>
+            </a:extLst>
+          </p:cNvPr>
+          <p:cNvSpPr/>
+          <p:nvPr/>
+        </p:nvSpPr>
+        <p:spPr>
+          <a:xfrm rot="6300000">
+            <a:off x="8606008" y="1754776"/>
+            <a:ext cx="126866" cy="45719"/>
+          </a:xfrm>
+          <a:custGeom>
+            <a:avLst/>
+            <a:gdLst>
+              <a:gd name="connsiteX0" fmla="*/ 197644 w 197644"/>
+              <a:gd name="connsiteY0" fmla="*/ 0 h 245269"/>
+              <a:gd name="connsiteX1" fmla="*/ 59532 w 197644"/>
+              <a:gd name="connsiteY1" fmla="*/ 80963 h 245269"/>
+              <a:gd name="connsiteX2" fmla="*/ 0 w 197644"/>
+              <a:gd name="connsiteY2" fmla="*/ 245269 h 245269"/>
+            </a:gdLst>
+            <a:ahLst/>
+            <a:cxnLst>
+              <a:cxn ang="0">
+                <a:pos x="connsiteX0" y="connsiteY0"/>
+              </a:cxn>
+              <a:cxn ang="0">
+                <a:pos x="connsiteX1" y="connsiteY1"/>
+              </a:cxn>
+              <a:cxn ang="0">
+                <a:pos x="connsiteX2" y="connsiteY2"/>
+              </a:cxn>
+            </a:cxnLst>
+            <a:rect l="l" t="t" r="r" b="b"/>
+            <a:pathLst>
+              <a:path w="197644" h="245269">
+                <a:moveTo>
+                  <a:pt x="197644" y="0"/>
+                </a:moveTo>
+                <a:cubicBezTo>
+                  <a:pt x="145058" y="20042"/>
+                  <a:pt x="92473" y="40085"/>
+                  <a:pt x="59532" y="80963"/>
+                </a:cubicBezTo>
+                <a:cubicBezTo>
+                  <a:pt x="26591" y="121841"/>
+                  <a:pt x="13295" y="183555"/>
+                  <a:pt x="0" y="245269"/>
+                </a:cubicBezTo>
+              </a:path>
+            </a:pathLst>
+          </a:custGeom>
+          <a:noFill/>
+          <a:ln>
+            <a:solidFill>
+              <a:schemeClr val="tx1"/>
+            </a:solidFill>
+          </a:ln>
+        </p:spPr>
+        <p:style>
+          <a:lnRef idx="2">
+            <a:schemeClr val="accent1">
+              <a:shade val="50000"/>
+            </a:schemeClr>
+          </a:lnRef>
+          <a:fillRef idx="1">
+            <a:schemeClr val="accent1"/>
+          </a:fillRef>
+          <a:effectRef idx="0">
+            <a:schemeClr val="accent1"/>
+          </a:effectRef>
+          <a:fontRef idx="minor">
+            <a:schemeClr val="lt1"/>
+          </a:fontRef>
+        </p:style>
+        <p:txBody>
+          <a:bodyPr rtlCol="0" anchor="ctr"/>
+          <a:lstStyle/>
+          <a:p>
+            <a:pPr algn="ctr"/>
+            <a:endParaRPr kumimoji="1" lang="ja-JP" altLang="en-US"/>
+          </a:p>
+        </p:txBody>
+      </p:sp>
+      <mc:AlternateContent xmlns:mc="http://schemas.openxmlformats.org/markup-compatibility/2006">
+        <mc:Choice xmlns:a14="http://schemas.microsoft.com/office/drawing/2010/main" Requires="a14">
+          <p:sp>
+            <p:nvSpPr>
+              <p:cNvPr id="10" name="テキスト ボックス 9">
+                <a:extLst>
+                  <a:ext uri="{FF2B5EF4-FFF2-40B4-BE49-F238E27FC236}">
+                    <a16:creationId xmlns:a16="http://schemas.microsoft.com/office/drawing/2014/main" id="{2933A5A7-39A5-9D5C-EBAB-0BA33EFDD1E4}"/>
+                  </a:ext>
+                </a:extLst>
+              </p:cNvPr>
+              <p:cNvSpPr txBox="1"/>
+              <p:nvPr/>
+            </p:nvSpPr>
+            <p:spPr>
+              <a:xfrm>
+                <a:off x="8888265" y="1598312"/>
+                <a:ext cx="312906" cy="276999"/>
+              </a:xfrm>
+              <a:prstGeom prst="rect">
+                <a:avLst/>
+              </a:prstGeom>
+              <a:noFill/>
+            </p:spPr>
+            <p:txBody>
+              <a:bodyPr wrap="none" lIns="0" tIns="0" rIns="0" bIns="0" rtlCol="0">
+                <a:spAutoFit/>
+              </a:bodyPr>
+              <a:lstStyle/>
+              <a:p>
+                <a:pPr/>
+                <a14:m>
+                  <m:oMathPara xmlns:m="http://schemas.openxmlformats.org/officeDocument/2006/math">
+                    <m:oMathParaPr>
+                      <m:jc m:val="centerGroup"/>
+                    </m:oMathParaPr>
+                    <m:oMath xmlns:m="http://schemas.openxmlformats.org/officeDocument/2006/math">
+                      <m:r>
+                        <a:rPr kumimoji="1" lang="en-US" altLang="ja-JP" b="0" i="1" smtClean="0">
+                          <a:latin typeface="Cambria Math" panose="02040503050406030204" pitchFamily="18" charset="0"/>
+                        </a:rPr>
+                        <m:t>𝛿</m:t>
+                      </m:r>
+                      <m:r>
+                        <a:rPr kumimoji="1" lang="en-US" altLang="ja-JP" b="0" i="1" smtClean="0">
+                          <a:latin typeface="Cambria Math" panose="02040503050406030204" pitchFamily="18" charset="0"/>
+                        </a:rPr>
+                        <m:t>𝜃</m:t>
+                      </m:r>
+                    </m:oMath>
+                  </m:oMathPara>
+                </a14:m>
+                <a:endParaRPr kumimoji="1" lang="ja-JP" altLang="en-US"/>
+              </a:p>
+            </p:txBody>
+          </p:sp>
+        </mc:Choice>
+        <mc:Fallback>
+          <p:sp>
+            <p:nvSpPr>
+              <p:cNvPr id="10" name="テキスト ボックス 9">
+                <a:extLst>
+                  <a:ext uri="{FF2B5EF4-FFF2-40B4-BE49-F238E27FC236}">
+                    <a16:creationId xmlns:a16="http://schemas.microsoft.com/office/drawing/2014/main" id="{2933A5A7-39A5-9D5C-EBAB-0BA33EFDD1E4}"/>
+                  </a:ext>
+                </a:extLst>
+              </p:cNvPr>
+              <p:cNvSpPr txBox="1">
+                <a:spLocks noRot="1" noChangeAspect="1" noMove="1" noResize="1" noEditPoints="1" noAdjustHandles="1" noChangeArrowheads="1" noChangeShapeType="1" noTextEdit="1"/>
+              </p:cNvSpPr>
+              <p:nvPr/>
+            </p:nvSpPr>
+            <p:spPr>
+              <a:xfrm>
+                <a:off x="8888265" y="1598312"/>
+                <a:ext cx="312906" cy="276999"/>
+              </a:xfrm>
+              <a:prstGeom prst="rect">
+                <a:avLst/>
+              </a:prstGeom>
+              <a:blipFill>
+                <a:blip r:embed="rId2"/>
+                <a:stretch>
+                  <a:fillRect l="-15385" r="-15385" b="-8696"/>
+                </a:stretch>
+              </a:blipFill>
+            </p:spPr>
+            <p:txBody>
+              <a:bodyPr/>
+              <a:lstStyle/>
+              <a:p>
+                <a:r>
+                  <a:rPr lang="ja-JP" altLang="en-US">
+                    <a:noFill/>
+                  </a:rPr>
+                  <a:t> </a:t>
+                </a:r>
+              </a:p>
+            </p:txBody>
+          </p:sp>
+        </mc:Fallback>
+      </mc:AlternateContent>
+      <p:sp>
+        <p:nvSpPr>
+          <p:cNvPr id="11" name="正方形/長方形 10">
+            <a:extLst>
+              <a:ext uri="{FF2B5EF4-FFF2-40B4-BE49-F238E27FC236}">
+                <a16:creationId xmlns:a16="http://schemas.microsoft.com/office/drawing/2014/main" id="{CB3A554E-8E00-5D4D-5BD6-6251F5352156}"/>
+              </a:ext>
+            </a:extLst>
+          </p:cNvPr>
+          <p:cNvSpPr/>
+          <p:nvPr/>
+        </p:nvSpPr>
+        <p:spPr>
+          <a:xfrm>
+            <a:off x="4918179" y="1290464"/>
+            <a:ext cx="385733" cy="336713"/>
+          </a:xfrm>
+          <a:prstGeom prst="rect">
+            <a:avLst/>
+          </a:prstGeom>
+          <a:solidFill>
+            <a:schemeClr val="tx1"/>
+          </a:solidFill>
+          <a:ln>
+            <a:solidFill>
+              <a:schemeClr val="tx1"/>
+            </a:solidFill>
+          </a:ln>
+        </p:spPr>
+        <p:style>
+          <a:lnRef idx="2">
+            <a:schemeClr val="accent1">
+              <a:shade val="15000"/>
+            </a:schemeClr>
+          </a:lnRef>
+          <a:fillRef idx="1">
+            <a:schemeClr val="accent1"/>
+          </a:fillRef>
+          <a:effectRef idx="0">
+            <a:schemeClr val="accent1"/>
+          </a:effectRef>
+          <a:fontRef idx="minor">
+            <a:schemeClr val="lt1"/>
+          </a:fontRef>
+        </p:style>
+        <p:txBody>
+          <a:bodyPr rtlCol="0" anchor="ctr"/>
+          <a:lstStyle/>
+          <a:p>
+            <a:pPr algn="ctr"/>
+            <a:endParaRPr kumimoji="1" lang="ja-JP" altLang="en-US"/>
+          </a:p>
+        </p:txBody>
+      </p:sp>
+      <p:sp>
+        <p:nvSpPr>
+          <p:cNvPr id="12" name="正方形/長方形 11">
+            <a:extLst>
+              <a:ext uri="{FF2B5EF4-FFF2-40B4-BE49-F238E27FC236}">
+                <a16:creationId xmlns:a16="http://schemas.microsoft.com/office/drawing/2014/main" id="{6D73422D-F3CB-1C7E-D31C-319740BCBD54}"/>
+              </a:ext>
+            </a:extLst>
+          </p:cNvPr>
+          <p:cNvSpPr/>
+          <p:nvPr/>
+        </p:nvSpPr>
+        <p:spPr>
+          <a:xfrm>
+            <a:off x="839416" y="1184649"/>
+            <a:ext cx="504056" cy="442527"/>
+          </a:xfrm>
+          <a:prstGeom prst="rect">
+            <a:avLst/>
+          </a:prstGeom>
+          <a:solidFill>
+            <a:schemeClr val="tx1"/>
+          </a:solidFill>
+          <a:ln>
+            <a:solidFill>
+              <a:schemeClr val="tx1"/>
+            </a:solidFill>
+          </a:ln>
+        </p:spPr>
+        <p:style>
+          <a:lnRef idx="2">
+            <a:schemeClr val="accent1">
+              <a:shade val="15000"/>
+            </a:schemeClr>
+          </a:lnRef>
+          <a:fillRef idx="1">
+            <a:schemeClr val="accent1"/>
+          </a:fillRef>
+          <a:effectRef idx="0">
+            <a:schemeClr val="accent1"/>
+          </a:effectRef>
+          <a:fontRef idx="minor">
+            <a:schemeClr val="lt1"/>
+          </a:fontRef>
+        </p:style>
+        <p:txBody>
+          <a:bodyPr rtlCol="0" anchor="ctr"/>
+          <a:lstStyle/>
+          <a:p>
+            <a:pPr algn="ctr"/>
+            <a:endParaRPr kumimoji="1" lang="ja-JP" altLang="en-US"/>
+          </a:p>
+        </p:txBody>
+      </p:sp>
+      <p:sp>
+        <p:nvSpPr>
+          <p:cNvPr id="13" name="正方形/長方形 12">
+            <a:extLst>
+              <a:ext uri="{FF2B5EF4-FFF2-40B4-BE49-F238E27FC236}">
+                <a16:creationId xmlns:a16="http://schemas.microsoft.com/office/drawing/2014/main" id="{4B7E0E75-05C3-8E48-96EB-2D7A76B21168}"/>
+              </a:ext>
+            </a:extLst>
+          </p:cNvPr>
+          <p:cNvSpPr/>
+          <p:nvPr/>
+        </p:nvSpPr>
+        <p:spPr>
+          <a:xfrm rot="20986647">
+            <a:off x="10083257" y="900491"/>
+            <a:ext cx="385733" cy="336713"/>
+          </a:xfrm>
+          <a:prstGeom prst="rect">
+            <a:avLst/>
+          </a:prstGeom>
+          <a:solidFill>
+            <a:schemeClr val="tx1"/>
+          </a:solidFill>
+          <a:ln>
+            <a:solidFill>
+              <a:schemeClr val="tx1"/>
+            </a:solidFill>
+          </a:ln>
+        </p:spPr>
+        <p:style>
+          <a:lnRef idx="2">
+            <a:schemeClr val="accent1">
+              <a:shade val="15000"/>
+            </a:schemeClr>
+          </a:lnRef>
+          <a:fillRef idx="1">
+            <a:schemeClr val="accent1"/>
+          </a:fillRef>
+          <a:effectRef idx="0">
+            <a:schemeClr val="accent1"/>
+          </a:effectRef>
+          <a:fontRef idx="minor">
+            <a:schemeClr val="lt1"/>
+          </a:fontRef>
+        </p:style>
+        <p:txBody>
+          <a:bodyPr rtlCol="0" anchor="ctr"/>
+          <a:lstStyle/>
+          <a:p>
+            <a:pPr algn="ctr"/>
+            <a:endParaRPr kumimoji="1" lang="ja-JP" altLang="en-US"/>
+          </a:p>
+        </p:txBody>
+      </p:sp>
+      <p:sp>
+        <p:nvSpPr>
+          <p:cNvPr id="14" name="正方形/長方形 13">
+            <a:extLst>
+              <a:ext uri="{FF2B5EF4-FFF2-40B4-BE49-F238E27FC236}">
+                <a16:creationId xmlns:a16="http://schemas.microsoft.com/office/drawing/2014/main" id="{512CCD6D-EA21-C83C-AFC2-610854BEA802}"/>
+              </a:ext>
+            </a:extLst>
+          </p:cNvPr>
+          <p:cNvSpPr/>
+          <p:nvPr/>
+        </p:nvSpPr>
+        <p:spPr>
+          <a:xfrm rot="21086621">
+            <a:off x="6065885" y="1367262"/>
+            <a:ext cx="504056" cy="442527"/>
+          </a:xfrm>
+          <a:prstGeom prst="rect">
+            <a:avLst/>
+          </a:prstGeom>
+          <a:solidFill>
+            <a:schemeClr val="tx1"/>
+          </a:solidFill>
+          <a:ln>
+            <a:solidFill>
+              <a:schemeClr val="tx1"/>
+            </a:solidFill>
+          </a:ln>
+        </p:spPr>
+        <p:style>
+          <a:lnRef idx="2">
+            <a:schemeClr val="accent1">
+              <a:shade val="15000"/>
+            </a:schemeClr>
+          </a:lnRef>
+          <a:fillRef idx="1">
+            <a:schemeClr val="accent1"/>
+          </a:fillRef>
+          <a:effectRef idx="0">
+            <a:schemeClr val="accent1"/>
+          </a:effectRef>
+          <a:fontRef idx="minor">
+            <a:schemeClr val="lt1"/>
+          </a:fontRef>
+        </p:style>
+        <p:txBody>
+          <a:bodyPr rtlCol="0" anchor="ctr"/>
+          <a:lstStyle/>
+          <a:p>
+            <a:pPr algn="ctr"/>
+            <a:endParaRPr kumimoji="1" lang="ja-JP" altLang="en-US"/>
+          </a:p>
+        </p:txBody>
+      </p:sp>
+      <p:cxnSp>
+        <p:nvCxnSpPr>
+          <p:cNvPr id="16" name="直線コネクタ 15">
+            <a:extLst>
+              <a:ext uri="{FF2B5EF4-FFF2-40B4-BE49-F238E27FC236}">
+                <a16:creationId xmlns:a16="http://schemas.microsoft.com/office/drawing/2014/main" id="{495283D8-2D2C-687A-B382-AAA594ABF4D9}"/>
+              </a:ext>
+            </a:extLst>
+          </p:cNvPr>
+          <p:cNvCxnSpPr/>
+          <p:nvPr/>
+        </p:nvCxnSpPr>
+        <p:spPr>
+          <a:xfrm flipH="1">
+            <a:off x="839416" y="980728"/>
+            <a:ext cx="1584176" cy="0"/>
+          </a:xfrm>
+          <a:prstGeom prst="line">
+            <a:avLst/>
+          </a:prstGeom>
+          <a:ln w="19050">
+            <a:solidFill>
+              <a:schemeClr val="tx1"/>
+            </a:solidFill>
+            <a:headEnd type="triangle" w="med" len="med"/>
+            <a:tailEnd type="triangle" w="med" len="med"/>
+          </a:ln>
+        </p:spPr>
+        <p:style>
+          <a:lnRef idx="1">
+            <a:schemeClr val="accent1"/>
+          </a:lnRef>
+          <a:fillRef idx="0">
+            <a:schemeClr val="accent1"/>
+          </a:fillRef>
+          <a:effectRef idx="0">
+            <a:schemeClr val="accent1"/>
+          </a:effectRef>
+          <a:fontRef idx="minor">
+            <a:schemeClr val="tx1"/>
+          </a:fontRef>
+        </p:style>
+      </p:cxnSp>
+      <p:cxnSp>
+        <p:nvCxnSpPr>
+          <p:cNvPr id="17" name="直線コネクタ 16">
+            <a:extLst>
+              <a:ext uri="{FF2B5EF4-FFF2-40B4-BE49-F238E27FC236}">
+                <a16:creationId xmlns:a16="http://schemas.microsoft.com/office/drawing/2014/main" id="{CB819A12-66C2-C7E4-3C12-50627D1842B9}"/>
+              </a:ext>
+            </a:extLst>
+          </p:cNvPr>
+          <p:cNvCxnSpPr>
+            <a:cxnSpLocks/>
+          </p:cNvCxnSpPr>
+          <p:nvPr/>
+        </p:nvCxnSpPr>
+        <p:spPr>
+          <a:xfrm flipH="1">
+            <a:off x="2495600" y="980728"/>
+            <a:ext cx="2808312" cy="0"/>
+          </a:xfrm>
+          <a:prstGeom prst="line">
+            <a:avLst/>
+          </a:prstGeom>
+          <a:ln w="19050">
+            <a:solidFill>
+              <a:schemeClr val="tx1"/>
+            </a:solidFill>
+            <a:headEnd type="triangle" w="med" len="med"/>
+            <a:tailEnd type="triangle" w="med" len="med"/>
+          </a:ln>
+        </p:spPr>
+        <p:style>
+          <a:lnRef idx="1">
+            <a:schemeClr val="accent1"/>
+          </a:lnRef>
+          <a:fillRef idx="0">
+            <a:schemeClr val="accent1"/>
+          </a:fillRef>
+          <a:effectRef idx="0">
+            <a:schemeClr val="accent1"/>
+          </a:effectRef>
+          <a:fontRef idx="minor">
+            <a:schemeClr val="tx1"/>
+          </a:fontRef>
+        </p:style>
+      </p:cxnSp>
+      <p:cxnSp>
+        <p:nvCxnSpPr>
+          <p:cNvPr id="20" name="直線コネクタ 19">
+            <a:extLst>
+              <a:ext uri="{FF2B5EF4-FFF2-40B4-BE49-F238E27FC236}">
+                <a16:creationId xmlns:a16="http://schemas.microsoft.com/office/drawing/2014/main" id="{644F6411-1A6E-2A58-B093-3B7A0F0F9176}"/>
+              </a:ext>
+            </a:extLst>
+          </p:cNvPr>
+          <p:cNvCxnSpPr/>
+          <p:nvPr/>
+        </p:nvCxnSpPr>
+        <p:spPr>
+          <a:xfrm flipV="1">
+            <a:off x="2423592" y="620688"/>
+            <a:ext cx="0" cy="977624"/>
+          </a:xfrm>
+          <a:prstGeom prst="line">
+            <a:avLst/>
+          </a:prstGeom>
+          <a:ln w="12700">
+            <a:solidFill>
+              <a:schemeClr val="tx1"/>
+            </a:solidFill>
+          </a:ln>
+        </p:spPr>
+        <p:style>
+          <a:lnRef idx="1">
+            <a:schemeClr val="accent1"/>
+          </a:lnRef>
+          <a:fillRef idx="0">
+            <a:schemeClr val="accent1"/>
+          </a:fillRef>
+          <a:effectRef idx="0">
+            <a:schemeClr val="accent1"/>
+          </a:effectRef>
+          <a:fontRef idx="minor">
+            <a:schemeClr val="tx1"/>
+          </a:fontRef>
+        </p:style>
+      </p:cxnSp>
+      <mc:AlternateContent xmlns:mc="http://schemas.openxmlformats.org/markup-compatibility/2006">
+        <mc:Choice xmlns:a14="http://schemas.microsoft.com/office/drawing/2010/main" Requires="a14">
+          <p:sp>
+            <p:nvSpPr>
+              <p:cNvPr id="23" name="テキスト ボックス 22">
+                <a:extLst>
+                  <a:ext uri="{FF2B5EF4-FFF2-40B4-BE49-F238E27FC236}">
+                    <a16:creationId xmlns:a16="http://schemas.microsoft.com/office/drawing/2014/main" id="{1A9FBACF-F145-97D5-7CF2-4185E5E9D7E0}"/>
+                  </a:ext>
+                </a:extLst>
+              </p:cNvPr>
+              <p:cNvSpPr txBox="1"/>
+              <p:nvPr/>
+            </p:nvSpPr>
+            <p:spPr>
+              <a:xfrm>
+                <a:off x="460761" y="1220728"/>
+                <a:ext cx="255711" cy="276999"/>
+              </a:xfrm>
+              <a:prstGeom prst="rect">
+                <a:avLst/>
+              </a:prstGeom>
+              <a:noFill/>
+            </p:spPr>
+            <p:txBody>
+              <a:bodyPr wrap="none" lIns="0" tIns="0" rIns="0" bIns="0" rtlCol="0">
+                <a:spAutoFit/>
+              </a:bodyPr>
+              <a:lstStyle/>
+              <a:p>
+                <a:pPr/>
+                <a14:m>
+                  <m:oMathPara xmlns:m="http://schemas.openxmlformats.org/officeDocument/2006/math">
+                    <m:oMathParaPr>
+                      <m:jc m:val="centerGroup"/>
+                    </m:oMathParaPr>
+                    <m:oMath xmlns:m="http://schemas.openxmlformats.org/officeDocument/2006/math">
+                      <m:r>
+                        <a:rPr kumimoji="1" lang="en-US" altLang="ja-JP" b="0" i="1" smtClean="0">
+                          <a:latin typeface="Cambria Math" panose="02040503050406030204" pitchFamily="18" charset="0"/>
+                        </a:rPr>
+                        <m:t>𝑀</m:t>
+                      </m:r>
+                    </m:oMath>
+                  </m:oMathPara>
+                </a14:m>
+                <a:endParaRPr kumimoji="1" lang="ja-JP" altLang="en-US"/>
+              </a:p>
+            </p:txBody>
+          </p:sp>
+        </mc:Choice>
+        <mc:Fallback>
+          <p:sp>
+            <p:nvSpPr>
+              <p:cNvPr id="23" name="テキスト ボックス 22">
+                <a:extLst>
+                  <a:ext uri="{FF2B5EF4-FFF2-40B4-BE49-F238E27FC236}">
+                    <a16:creationId xmlns:a16="http://schemas.microsoft.com/office/drawing/2014/main" id="{1A9FBACF-F145-97D5-7CF2-4185E5E9D7E0}"/>
+                  </a:ext>
+                </a:extLst>
+              </p:cNvPr>
+              <p:cNvSpPr txBox="1">
+                <a:spLocks noRot="1" noChangeAspect="1" noMove="1" noResize="1" noEditPoints="1" noAdjustHandles="1" noChangeArrowheads="1" noChangeShapeType="1" noTextEdit="1"/>
+              </p:cNvSpPr>
+              <p:nvPr/>
+            </p:nvSpPr>
+            <p:spPr>
+              <a:xfrm>
+                <a:off x="460761" y="1220728"/>
+                <a:ext cx="255711" cy="276999"/>
+              </a:xfrm>
+              <a:prstGeom prst="rect">
+                <a:avLst/>
+              </a:prstGeom>
+              <a:blipFill>
+                <a:blip r:embed="rId3"/>
+                <a:stretch>
+                  <a:fillRect l="-19048" r="-19048" b="-4348"/>
+                </a:stretch>
+              </a:blipFill>
+            </p:spPr>
+            <p:txBody>
+              <a:bodyPr/>
+              <a:lstStyle/>
+              <a:p>
+                <a:r>
+                  <a:rPr lang="ja-JP" altLang="en-US">
+                    <a:noFill/>
+                  </a:rPr>
+                  <a:t> </a:t>
+                </a:r>
+              </a:p>
+            </p:txBody>
+          </p:sp>
+        </mc:Fallback>
+      </mc:AlternateContent>
+      <mc:AlternateContent xmlns:mc="http://schemas.openxmlformats.org/markup-compatibility/2006">
+        <mc:Choice xmlns:a14="http://schemas.microsoft.com/office/drawing/2010/main" Requires="a14">
+          <p:sp>
+            <p:nvSpPr>
+              <p:cNvPr id="24" name="テキスト ボックス 23">
+                <a:extLst>
+                  <a:ext uri="{FF2B5EF4-FFF2-40B4-BE49-F238E27FC236}">
+                    <a16:creationId xmlns:a16="http://schemas.microsoft.com/office/drawing/2014/main" id="{6023CB98-21DE-FC2C-25F7-4C689FC4DA5E}"/>
+                  </a:ext>
+                </a:extLst>
+              </p:cNvPr>
+              <p:cNvSpPr txBox="1"/>
+              <p:nvPr/>
+            </p:nvSpPr>
+            <p:spPr>
+              <a:xfrm>
+                <a:off x="5406886" y="1278637"/>
+                <a:ext cx="250838" cy="276999"/>
+              </a:xfrm>
+              <a:prstGeom prst="rect">
+                <a:avLst/>
+              </a:prstGeom>
+              <a:noFill/>
+            </p:spPr>
+            <p:txBody>
+              <a:bodyPr wrap="none" lIns="0" tIns="0" rIns="0" bIns="0" rtlCol="0">
+                <a:spAutoFit/>
+              </a:bodyPr>
+              <a:lstStyle/>
+              <a:p>
+                <a:pPr/>
+                <a14:m>
+                  <m:oMathPara xmlns:m="http://schemas.openxmlformats.org/officeDocument/2006/math">
+                    <m:oMathParaPr>
+                      <m:jc m:val="centerGroup"/>
+                    </m:oMathParaPr>
+                    <m:oMath xmlns:m="http://schemas.openxmlformats.org/officeDocument/2006/math">
+                      <m:r>
+                        <a:rPr kumimoji="1" lang="en-US" altLang="ja-JP" b="0" i="1" smtClean="0">
+                          <a:latin typeface="Cambria Math" panose="02040503050406030204" pitchFamily="18" charset="0"/>
+                        </a:rPr>
+                        <m:t>𝑚</m:t>
+                      </m:r>
+                    </m:oMath>
+                  </m:oMathPara>
+                </a14:m>
+                <a:endParaRPr kumimoji="1" lang="ja-JP" altLang="en-US"/>
+              </a:p>
+            </p:txBody>
+          </p:sp>
+        </mc:Choice>
+        <mc:Fallback>
+          <p:sp>
+            <p:nvSpPr>
+              <p:cNvPr id="24" name="テキスト ボックス 23">
+                <a:extLst>
+                  <a:ext uri="{FF2B5EF4-FFF2-40B4-BE49-F238E27FC236}">
+                    <a16:creationId xmlns:a16="http://schemas.microsoft.com/office/drawing/2014/main" id="{6023CB98-21DE-FC2C-25F7-4C689FC4DA5E}"/>
+                  </a:ext>
+                </a:extLst>
+              </p:cNvPr>
+              <p:cNvSpPr txBox="1">
+                <a:spLocks noRot="1" noChangeAspect="1" noMove="1" noResize="1" noEditPoints="1" noAdjustHandles="1" noChangeArrowheads="1" noChangeShapeType="1" noTextEdit="1"/>
+              </p:cNvSpPr>
+              <p:nvPr/>
+            </p:nvSpPr>
+            <p:spPr>
+              <a:xfrm>
+                <a:off x="5406886" y="1278637"/>
+                <a:ext cx="250838" cy="276999"/>
+              </a:xfrm>
+              <a:prstGeom prst="rect">
+                <a:avLst/>
+              </a:prstGeom>
+              <a:blipFill>
+                <a:blip r:embed="rId4"/>
+                <a:stretch>
+                  <a:fillRect l="-9524" r="-9524"/>
+                </a:stretch>
+              </a:blipFill>
+            </p:spPr>
+            <p:txBody>
+              <a:bodyPr/>
+              <a:lstStyle/>
+              <a:p>
+                <a:r>
+                  <a:rPr lang="ja-JP" altLang="en-US">
+                    <a:noFill/>
+                  </a:rPr>
+                  <a:t> </a:t>
+                </a:r>
+              </a:p>
+            </p:txBody>
+          </p:sp>
+        </mc:Fallback>
+      </mc:AlternateContent>
+      <mc:AlternateContent xmlns:mc="http://schemas.openxmlformats.org/markup-compatibility/2006">
+        <mc:Choice xmlns:a14="http://schemas.microsoft.com/office/drawing/2010/main" Requires="a14">
+          <p:sp>
+            <p:nvSpPr>
+              <p:cNvPr id="25" name="テキスト ボックス 24">
+                <a:extLst>
+                  <a:ext uri="{FF2B5EF4-FFF2-40B4-BE49-F238E27FC236}">
+                    <a16:creationId xmlns:a16="http://schemas.microsoft.com/office/drawing/2014/main" id="{CB41454B-7660-3C41-FC47-5E5833A83AE5}"/>
+                  </a:ext>
+                </a:extLst>
+              </p:cNvPr>
+              <p:cNvSpPr txBox="1"/>
+              <p:nvPr/>
+            </p:nvSpPr>
+            <p:spPr>
+              <a:xfrm>
+                <a:off x="1628106" y="620688"/>
+                <a:ext cx="186781" cy="276999"/>
+              </a:xfrm>
+              <a:prstGeom prst="rect">
+                <a:avLst/>
+              </a:prstGeom>
+              <a:noFill/>
+            </p:spPr>
+            <p:txBody>
+              <a:bodyPr wrap="none" lIns="0" tIns="0" rIns="0" bIns="0" rtlCol="0">
+                <a:spAutoFit/>
+              </a:bodyPr>
+              <a:lstStyle/>
+              <a:p>
+                <a:pPr/>
+                <a14:m>
+                  <m:oMathPara xmlns:m="http://schemas.openxmlformats.org/officeDocument/2006/math">
+                    <m:oMathParaPr>
+                      <m:jc m:val="centerGroup"/>
+                    </m:oMathParaPr>
+                    <m:oMath xmlns:m="http://schemas.openxmlformats.org/officeDocument/2006/math">
+                      <m:r>
+                        <a:rPr kumimoji="1" lang="en-US" altLang="ja-JP" b="0" i="1" smtClean="0">
+                          <a:latin typeface="Cambria Math" panose="02040503050406030204" pitchFamily="18" charset="0"/>
+                        </a:rPr>
+                        <m:t>𝑎</m:t>
+                      </m:r>
+                    </m:oMath>
+                  </m:oMathPara>
+                </a14:m>
+                <a:endParaRPr kumimoji="1" lang="ja-JP" altLang="en-US"/>
+              </a:p>
+            </p:txBody>
+          </p:sp>
+        </mc:Choice>
+        <mc:Fallback>
+          <p:sp>
+            <p:nvSpPr>
+              <p:cNvPr id="25" name="テキスト ボックス 24">
+                <a:extLst>
+                  <a:ext uri="{FF2B5EF4-FFF2-40B4-BE49-F238E27FC236}">
+                    <a16:creationId xmlns:a16="http://schemas.microsoft.com/office/drawing/2014/main" id="{CB41454B-7660-3C41-FC47-5E5833A83AE5}"/>
+                  </a:ext>
+                </a:extLst>
+              </p:cNvPr>
+              <p:cNvSpPr txBox="1">
+                <a:spLocks noRot="1" noChangeAspect="1" noMove="1" noResize="1" noEditPoints="1" noAdjustHandles="1" noChangeArrowheads="1" noChangeShapeType="1" noTextEdit="1"/>
+              </p:cNvSpPr>
+              <p:nvPr/>
+            </p:nvSpPr>
+            <p:spPr>
+              <a:xfrm>
+                <a:off x="1628106" y="620688"/>
+                <a:ext cx="186781" cy="276999"/>
+              </a:xfrm>
+              <a:prstGeom prst="rect">
+                <a:avLst/>
+              </a:prstGeom>
+              <a:blipFill>
+                <a:blip r:embed="rId5"/>
+                <a:stretch>
+                  <a:fillRect l="-18750" r="-6250"/>
+                </a:stretch>
+              </a:blipFill>
+            </p:spPr>
+            <p:txBody>
+              <a:bodyPr/>
+              <a:lstStyle/>
+              <a:p>
+                <a:r>
+                  <a:rPr lang="ja-JP" altLang="en-US">
+                    <a:noFill/>
+                  </a:rPr>
+                  <a:t> </a:t>
+                </a:r>
+              </a:p>
+            </p:txBody>
+          </p:sp>
+        </mc:Fallback>
+      </mc:AlternateContent>
+      <mc:AlternateContent xmlns:mc="http://schemas.openxmlformats.org/markup-compatibility/2006">
+        <mc:Choice xmlns:a14="http://schemas.microsoft.com/office/drawing/2010/main" Requires="a14">
+          <p:sp>
+            <p:nvSpPr>
+              <p:cNvPr id="26" name="テキスト ボックス 25">
+                <a:extLst>
+                  <a:ext uri="{FF2B5EF4-FFF2-40B4-BE49-F238E27FC236}">
+                    <a16:creationId xmlns:a16="http://schemas.microsoft.com/office/drawing/2014/main" id="{97D9D0C2-DFC8-D01F-EDC6-45F7CC2A96D0}"/>
+                  </a:ext>
+                </a:extLst>
+              </p:cNvPr>
+              <p:cNvSpPr txBox="1"/>
+              <p:nvPr/>
+            </p:nvSpPr>
+            <p:spPr>
+              <a:xfrm>
+                <a:off x="3806365" y="646205"/>
+                <a:ext cx="186781" cy="276999"/>
+              </a:xfrm>
+              <a:prstGeom prst="rect">
+                <a:avLst/>
+              </a:prstGeom>
+              <a:noFill/>
+            </p:spPr>
+            <p:txBody>
+              <a:bodyPr wrap="none" lIns="0" tIns="0" rIns="0" bIns="0" rtlCol="0">
+                <a:spAutoFit/>
+              </a:bodyPr>
+              <a:lstStyle/>
+              <a:p>
+                <a:pPr/>
+                <a14:m>
+                  <m:oMathPara xmlns:m="http://schemas.openxmlformats.org/officeDocument/2006/math">
+                    <m:oMathParaPr>
+                      <m:jc m:val="centerGroup"/>
+                    </m:oMathParaPr>
+                    <m:oMath xmlns:m="http://schemas.openxmlformats.org/officeDocument/2006/math">
+                      <m:r>
+                        <a:rPr kumimoji="1" lang="en-US" altLang="ja-JP" b="0" i="1" smtClean="0">
+                          <a:latin typeface="Cambria Math" panose="02040503050406030204" pitchFamily="18" charset="0"/>
+                        </a:rPr>
+                        <m:t>𝑏</m:t>
+                      </m:r>
+                    </m:oMath>
+                  </m:oMathPara>
+                </a14:m>
+                <a:endParaRPr kumimoji="1" lang="ja-JP" altLang="en-US"/>
+              </a:p>
+            </p:txBody>
+          </p:sp>
+        </mc:Choice>
+        <mc:Fallback>
+          <p:sp>
+            <p:nvSpPr>
+              <p:cNvPr id="26" name="テキスト ボックス 25">
+                <a:extLst>
+                  <a:ext uri="{FF2B5EF4-FFF2-40B4-BE49-F238E27FC236}">
+                    <a16:creationId xmlns:a16="http://schemas.microsoft.com/office/drawing/2014/main" id="{97D9D0C2-DFC8-D01F-EDC6-45F7CC2A96D0}"/>
+                  </a:ext>
+                </a:extLst>
+              </p:cNvPr>
+              <p:cNvSpPr txBox="1">
+                <a:spLocks noRot="1" noChangeAspect="1" noMove="1" noResize="1" noEditPoints="1" noAdjustHandles="1" noChangeArrowheads="1" noChangeShapeType="1" noTextEdit="1"/>
+              </p:cNvSpPr>
+              <p:nvPr/>
+            </p:nvSpPr>
+            <p:spPr>
+              <a:xfrm>
+                <a:off x="3806365" y="646205"/>
+                <a:ext cx="186781" cy="276999"/>
+              </a:xfrm>
+              <a:prstGeom prst="rect">
+                <a:avLst/>
+              </a:prstGeom>
+              <a:blipFill>
+                <a:blip r:embed="rId6"/>
+                <a:stretch>
+                  <a:fillRect l="-25000" r="-25000" b="-8696"/>
+                </a:stretch>
+              </a:blipFill>
+            </p:spPr>
+            <p:txBody>
+              <a:bodyPr/>
+              <a:lstStyle/>
+              <a:p>
+                <a:r>
+                  <a:rPr lang="ja-JP" altLang="en-US">
+                    <a:noFill/>
+                  </a:rPr>
+                  <a:t> </a:t>
+                </a:r>
+              </a:p>
+            </p:txBody>
+          </p:sp>
+        </mc:Fallback>
+      </mc:AlternateContent>
+      <mc:AlternateContent xmlns:mc="http://schemas.openxmlformats.org/markup-compatibility/2006">
+        <mc:Choice xmlns:a14="http://schemas.microsoft.com/office/drawing/2010/main" Requires="a14">
+          <p:sp>
+            <p:nvSpPr>
+              <p:cNvPr id="27" name="テキスト ボックス 26">
+                <a:extLst>
+                  <a:ext uri="{FF2B5EF4-FFF2-40B4-BE49-F238E27FC236}">
+                    <a16:creationId xmlns:a16="http://schemas.microsoft.com/office/drawing/2014/main" id="{162F3F0B-C57E-12A6-C095-4E56187BDD40}"/>
+                  </a:ext>
+                </a:extLst>
+              </p:cNvPr>
+              <p:cNvSpPr txBox="1"/>
+              <p:nvPr/>
+            </p:nvSpPr>
+            <p:spPr>
+              <a:xfrm>
+                <a:off x="6331625" y="2107108"/>
+                <a:ext cx="441146" cy="276999"/>
+              </a:xfrm>
+              <a:prstGeom prst="rect">
+                <a:avLst/>
+              </a:prstGeom>
+              <a:noFill/>
+            </p:spPr>
+            <p:txBody>
+              <a:bodyPr wrap="none" lIns="0" tIns="0" rIns="0" bIns="0" rtlCol="0">
+                <a:spAutoFit/>
+              </a:bodyPr>
+              <a:lstStyle/>
+              <a:p>
+                <a:pPr/>
+                <a14:m>
+                  <m:oMathPara xmlns:m="http://schemas.openxmlformats.org/officeDocument/2006/math">
+                    <m:oMathParaPr>
+                      <m:jc m:val="centerGroup"/>
+                    </m:oMathParaPr>
+                    <m:oMath xmlns:m="http://schemas.openxmlformats.org/officeDocument/2006/math">
+                      <m:r>
+                        <a:rPr kumimoji="1" lang="en-US" altLang="ja-JP" b="0" i="1" smtClean="0">
+                          <a:latin typeface="Cambria Math" panose="02040503050406030204" pitchFamily="18" charset="0"/>
+                        </a:rPr>
+                        <m:t>𝑎</m:t>
+                      </m:r>
+                      <m:r>
+                        <a:rPr kumimoji="1" lang="en-US" altLang="ja-JP" b="0" i="1" smtClean="0">
+                          <a:latin typeface="Cambria Math" panose="02040503050406030204" pitchFamily="18" charset="0"/>
+                        </a:rPr>
+                        <m:t>𝛿𝜃</m:t>
+                      </m:r>
+                    </m:oMath>
+                  </m:oMathPara>
+                </a14:m>
+                <a:endParaRPr kumimoji="1" lang="ja-JP" altLang="en-US"/>
+              </a:p>
+            </p:txBody>
+          </p:sp>
+        </mc:Choice>
+        <mc:Fallback>
+          <p:sp>
+            <p:nvSpPr>
+              <p:cNvPr id="27" name="テキスト ボックス 26">
+                <a:extLst>
+                  <a:ext uri="{FF2B5EF4-FFF2-40B4-BE49-F238E27FC236}">
+                    <a16:creationId xmlns:a16="http://schemas.microsoft.com/office/drawing/2014/main" id="{162F3F0B-C57E-12A6-C095-4E56187BDD40}"/>
+                  </a:ext>
+                </a:extLst>
+              </p:cNvPr>
+              <p:cNvSpPr txBox="1">
+                <a:spLocks noRot="1" noChangeAspect="1" noMove="1" noResize="1" noEditPoints="1" noAdjustHandles="1" noChangeArrowheads="1" noChangeShapeType="1" noTextEdit="1"/>
+              </p:cNvSpPr>
+              <p:nvPr/>
+            </p:nvSpPr>
+            <p:spPr>
+              <a:xfrm>
+                <a:off x="6331625" y="2107108"/>
+                <a:ext cx="441146" cy="276999"/>
+              </a:xfrm>
+              <a:prstGeom prst="rect">
+                <a:avLst/>
+              </a:prstGeom>
+              <a:blipFill>
+                <a:blip r:embed="rId7"/>
+                <a:stretch>
+                  <a:fillRect l="-13889" r="-11111" b="-9091"/>
+                </a:stretch>
+              </a:blipFill>
+            </p:spPr>
+            <p:txBody>
+              <a:bodyPr/>
+              <a:lstStyle/>
+              <a:p>
+                <a:r>
+                  <a:rPr lang="ja-JP" altLang="en-US">
+                    <a:noFill/>
+                  </a:rPr>
+                  <a:t> </a:t>
+                </a:r>
+              </a:p>
+            </p:txBody>
+          </p:sp>
+        </mc:Fallback>
+      </mc:AlternateContent>
+      <p:cxnSp>
+        <p:nvCxnSpPr>
+          <p:cNvPr id="30" name="直線矢印コネクタ 29">
+            <a:extLst>
+              <a:ext uri="{FF2B5EF4-FFF2-40B4-BE49-F238E27FC236}">
+                <a16:creationId xmlns:a16="http://schemas.microsoft.com/office/drawing/2014/main" id="{1E9BA21B-7C61-BF52-9524-BB4BD31244F0}"/>
+              </a:ext>
+            </a:extLst>
+          </p:cNvPr>
+          <p:cNvCxnSpPr>
+            <a:cxnSpLocks/>
+          </p:cNvCxnSpPr>
+          <p:nvPr/>
+        </p:nvCxnSpPr>
+        <p:spPr>
+          <a:xfrm>
+            <a:off x="6168008" y="2086593"/>
+            <a:ext cx="0" cy="374224"/>
+          </a:xfrm>
+          <a:prstGeom prst="straightConnector1">
+            <a:avLst/>
+          </a:prstGeom>
+          <a:ln>
+            <a:solidFill>
+              <a:schemeClr val="tx1"/>
+            </a:solidFill>
+            <a:tailEnd type="triangle"/>
+          </a:ln>
+        </p:spPr>
+        <p:style>
+          <a:lnRef idx="1">
+            <a:schemeClr val="accent1"/>
+          </a:lnRef>
+          <a:fillRef idx="0">
+            <a:schemeClr val="accent1"/>
+          </a:fillRef>
+          <a:effectRef idx="0">
+            <a:schemeClr val="accent1"/>
+          </a:effectRef>
+          <a:fontRef idx="minor">
+            <a:schemeClr val="tx1"/>
+          </a:fontRef>
+        </p:style>
+      </p:cxnSp>
+      <mc:AlternateContent xmlns:mc="http://schemas.openxmlformats.org/markup-compatibility/2006">
+        <mc:Choice xmlns:a14="http://schemas.microsoft.com/office/drawing/2010/main" Requires="a14">
+          <p:sp>
+            <p:nvSpPr>
+              <p:cNvPr id="31" name="テキスト ボックス 30">
+                <a:extLst>
+                  <a:ext uri="{FF2B5EF4-FFF2-40B4-BE49-F238E27FC236}">
+                    <a16:creationId xmlns:a16="http://schemas.microsoft.com/office/drawing/2014/main" id="{996D93FF-6E3A-A131-ED14-D60EC4DDEDE0}"/>
+                  </a:ext>
+                </a:extLst>
+              </p:cNvPr>
+              <p:cNvSpPr txBox="1"/>
+              <p:nvPr/>
+            </p:nvSpPr>
+            <p:spPr>
+              <a:xfrm>
+                <a:off x="10646270" y="1551782"/>
+                <a:ext cx="437940" cy="276999"/>
+              </a:xfrm>
+              <a:prstGeom prst="rect">
+                <a:avLst/>
+              </a:prstGeom>
+              <a:noFill/>
+            </p:spPr>
+            <p:txBody>
+              <a:bodyPr wrap="none" lIns="0" tIns="0" rIns="0" bIns="0" rtlCol="0">
+                <a:spAutoFit/>
+              </a:bodyPr>
+              <a:lstStyle/>
+              <a:p>
+                <a:pPr/>
+                <a14:m>
+                  <m:oMathPara xmlns:m="http://schemas.openxmlformats.org/officeDocument/2006/math">
+                    <m:oMathParaPr>
+                      <m:jc m:val="centerGroup"/>
+                    </m:oMathParaPr>
+                    <m:oMath xmlns:m="http://schemas.openxmlformats.org/officeDocument/2006/math">
+                      <m:r>
+                        <a:rPr kumimoji="1" lang="en-US" altLang="ja-JP" b="0" i="1" smtClean="0">
+                          <a:latin typeface="Cambria Math" panose="02040503050406030204" pitchFamily="18" charset="0"/>
+                        </a:rPr>
+                        <m:t>𝑏</m:t>
+                      </m:r>
+                      <m:r>
+                        <a:rPr kumimoji="1" lang="en-US" altLang="ja-JP" b="0" i="1" smtClean="0">
+                          <a:latin typeface="Cambria Math" panose="02040503050406030204" pitchFamily="18" charset="0"/>
+                        </a:rPr>
+                        <m:t>𝛿𝜃</m:t>
+                      </m:r>
+                    </m:oMath>
+                  </m:oMathPara>
+                </a14:m>
+                <a:endParaRPr kumimoji="1" lang="ja-JP" altLang="en-US"/>
+              </a:p>
+            </p:txBody>
+          </p:sp>
+        </mc:Choice>
+        <mc:Fallback>
+          <p:sp>
+            <p:nvSpPr>
+              <p:cNvPr id="31" name="テキスト ボックス 30">
+                <a:extLst>
+                  <a:ext uri="{FF2B5EF4-FFF2-40B4-BE49-F238E27FC236}">
+                    <a16:creationId xmlns:a16="http://schemas.microsoft.com/office/drawing/2014/main" id="{996D93FF-6E3A-A131-ED14-D60EC4DDEDE0}"/>
+                  </a:ext>
+                </a:extLst>
+              </p:cNvPr>
+              <p:cNvSpPr txBox="1">
+                <a:spLocks noRot="1" noChangeAspect="1" noMove="1" noResize="1" noEditPoints="1" noAdjustHandles="1" noChangeArrowheads="1" noChangeShapeType="1" noTextEdit="1"/>
+              </p:cNvSpPr>
+              <p:nvPr/>
+            </p:nvSpPr>
+            <p:spPr>
+              <a:xfrm>
+                <a:off x="10646270" y="1551782"/>
+                <a:ext cx="437940" cy="276999"/>
+              </a:xfrm>
+              <a:prstGeom prst="rect">
+                <a:avLst/>
+              </a:prstGeom>
+              <a:blipFill>
+                <a:blip r:embed="rId8"/>
+                <a:stretch>
+                  <a:fillRect l="-14286" r="-11429" b="-9091"/>
+                </a:stretch>
+              </a:blipFill>
+            </p:spPr>
+            <p:txBody>
+              <a:bodyPr/>
+              <a:lstStyle/>
+              <a:p>
+                <a:r>
+                  <a:rPr lang="ja-JP" altLang="en-US">
+                    <a:noFill/>
+                  </a:rPr>
+                  <a:t> </a:t>
+                </a:r>
+              </a:p>
+            </p:txBody>
+          </p:sp>
+        </mc:Fallback>
+      </mc:AlternateContent>
+      <p:cxnSp>
+        <p:nvCxnSpPr>
+          <p:cNvPr id="33" name="直線矢印コネクタ 32">
+            <a:extLst>
+              <a:ext uri="{FF2B5EF4-FFF2-40B4-BE49-F238E27FC236}">
+                <a16:creationId xmlns:a16="http://schemas.microsoft.com/office/drawing/2014/main" id="{F068952D-872C-AAA1-6CE1-8350E5E022D5}"/>
+              </a:ext>
+            </a:extLst>
+          </p:cNvPr>
+          <p:cNvCxnSpPr>
+            <a:cxnSpLocks/>
+          </p:cNvCxnSpPr>
+          <p:nvPr/>
+        </p:nvCxnSpPr>
+        <p:spPr>
+          <a:xfrm>
+            <a:off x="10543555" y="1458820"/>
+            <a:ext cx="0" cy="374224"/>
+          </a:xfrm>
+          <a:prstGeom prst="straightConnector1">
+            <a:avLst/>
+          </a:prstGeom>
+          <a:ln>
+            <a:solidFill>
+              <a:schemeClr val="tx1"/>
+            </a:solidFill>
+            <a:headEnd type="triangle" w="med" len="med"/>
+            <a:tailEnd type="none" w="med" len="med"/>
+          </a:ln>
+        </p:spPr>
+        <p:style>
+          <a:lnRef idx="1">
+            <a:schemeClr val="accent1"/>
+          </a:lnRef>
+          <a:fillRef idx="0">
+            <a:schemeClr val="accent1"/>
+          </a:fillRef>
+          <a:effectRef idx="0">
+            <a:schemeClr val="accent1"/>
+          </a:effectRef>
+          <a:fontRef idx="minor">
+            <a:schemeClr val="tx1"/>
+          </a:fontRef>
+        </p:style>
+      </p:cxnSp>
+    </p:spTree>
+    <p:extLst>
+      <p:ext uri="{BB962C8B-B14F-4D97-AF65-F5344CB8AC3E}">
+        <p14:creationId xmlns:p14="http://schemas.microsoft.com/office/powerpoint/2010/main" val="1099280483"/>
+      </p:ext>
+    </p:extLst>
+  </p:cSld>
+  <p:clrMapOvr>
+    <a:masterClrMapping/>
+  </p:clrMapOvr>
+</p:sld>
+</file>
+
+<file path=ppt/slides/slide2.xml><?xml version="1.0" encoding="utf-8"?>
+<p:sld xmlns:a="http://schemas.openxmlformats.org/drawingml/2006/main" xmlns:r="http://schemas.openxmlformats.org/officeDocument/2006/relationships" xmlns:p="http://schemas.openxmlformats.org/presentationml/2006/main">
+  <p:cSld>
+    <p:spTree>
+      <p:nvGrpSpPr>
+        <p:cNvPr id="1" name=""/>
+        <p:cNvGrpSpPr/>
+        <p:nvPr/>
+      </p:nvGrpSpPr>
+      <p:grpSpPr>
+        <a:xfrm>
+          <a:off x="0" y="0"/>
+          <a:ext cx="0" cy="0"/>
+          <a:chOff x="0" y="0"/>
+          <a:chExt cx="0" cy="0"/>
+        </a:xfrm>
+      </p:grpSpPr>
+      <p:sp>
+        <p:nvSpPr>
+          <p:cNvPr id="2" name="直角三角形 1">
+            <a:extLst>
+              <a:ext uri="{FF2B5EF4-FFF2-40B4-BE49-F238E27FC236}">
+                <a16:creationId xmlns:a16="http://schemas.microsoft.com/office/drawing/2014/main" id="{F09F728A-BBA7-C1C4-363E-9DF0A2980CB1}"/>
+              </a:ext>
+            </a:extLst>
+          </p:cNvPr>
+          <p:cNvSpPr/>
+          <p:nvPr/>
+        </p:nvSpPr>
+        <p:spPr>
+          <a:xfrm flipH="1">
+            <a:off x="1991544" y="1196752"/>
+            <a:ext cx="3622104" cy="1490464"/>
+          </a:xfrm>
+          <a:prstGeom prst="rtTriangle">
+            <a:avLst/>
+          </a:prstGeom>
+          <a:noFill/>
+        </p:spPr>
+        <p:style>
+          <a:lnRef idx="2">
+            <a:schemeClr val="accent1">
+              <a:shade val="15000"/>
+            </a:schemeClr>
+          </a:lnRef>
+          <a:fillRef idx="1">
+            <a:schemeClr val="accent1"/>
+          </a:fillRef>
+          <a:effectRef idx="0">
+            <a:schemeClr val="accent1"/>
+          </a:effectRef>
+          <a:fontRef idx="minor">
+            <a:schemeClr val="lt1"/>
+          </a:fontRef>
+        </p:style>
+        <p:txBody>
+          <a:bodyPr rtlCol="0" anchor="ctr"/>
+          <a:lstStyle/>
+          <a:p>
+            <a:pPr algn="ctr"/>
+            <a:endParaRPr kumimoji="1" lang="ja-JP" altLang="en-US"/>
+          </a:p>
+        </p:txBody>
+      </p:sp>
+      <p:sp>
+        <p:nvSpPr>
+          <p:cNvPr id="3" name="正方形/長方形 2">
+            <a:extLst>
+              <a:ext uri="{FF2B5EF4-FFF2-40B4-BE49-F238E27FC236}">
+                <a16:creationId xmlns:a16="http://schemas.microsoft.com/office/drawing/2014/main" id="{B5785BDC-87CB-8180-88D7-7118F59D832E}"/>
+              </a:ext>
+            </a:extLst>
+          </p:cNvPr>
+          <p:cNvSpPr/>
+          <p:nvPr/>
+        </p:nvSpPr>
+        <p:spPr>
+          <a:xfrm rot="20256061">
+            <a:off x="3857043" y="1348103"/>
+            <a:ext cx="504056" cy="442527"/>
+          </a:xfrm>
+          <a:prstGeom prst="rect">
+            <a:avLst/>
+          </a:prstGeom>
+          <a:solidFill>
+            <a:schemeClr val="bg1">
+              <a:lumMod val="75000"/>
+            </a:schemeClr>
+          </a:solidFill>
+          <a:ln>
+            <a:solidFill>
+              <a:schemeClr val="tx1"/>
+            </a:solidFill>
+          </a:ln>
+        </p:spPr>
+        <p:style>
+          <a:lnRef idx="2">
+            <a:schemeClr val="accent1">
+              <a:shade val="15000"/>
+            </a:schemeClr>
+          </a:lnRef>
+          <a:fillRef idx="1">
+            <a:schemeClr val="accent1"/>
+          </a:fillRef>
+          <a:effectRef idx="0">
+            <a:schemeClr val="accent1"/>
+          </a:effectRef>
+          <a:fontRef idx="minor">
+            <a:schemeClr val="lt1"/>
+          </a:fontRef>
+        </p:style>
+        <p:txBody>
+          <a:bodyPr rtlCol="0" anchor="ctr"/>
+          <a:lstStyle/>
+          <a:p>
+            <a:pPr algn="ctr"/>
+            <a:endParaRPr kumimoji="1" lang="ja-JP" altLang="en-US"/>
+          </a:p>
+        </p:txBody>
+      </p:sp>
+      <p:sp>
+        <p:nvSpPr>
+          <p:cNvPr id="4" name="正方形/長方形 3">
+            <a:extLst>
+              <a:ext uri="{FF2B5EF4-FFF2-40B4-BE49-F238E27FC236}">
+                <a16:creationId xmlns:a16="http://schemas.microsoft.com/office/drawing/2014/main" id="{1F0DC251-86EF-A0D3-28C8-F2357C9FFEE8}"/>
+              </a:ext>
+            </a:extLst>
+          </p:cNvPr>
+          <p:cNvSpPr/>
+          <p:nvPr/>
+        </p:nvSpPr>
+        <p:spPr>
+          <a:xfrm rot="20256061">
+            <a:off x="5368052" y="795792"/>
+            <a:ext cx="167605" cy="442527"/>
+          </a:xfrm>
+          <a:prstGeom prst="rect">
+            <a:avLst/>
+          </a:prstGeom>
+          <a:noFill/>
+          <a:ln>
+            <a:solidFill>
+              <a:schemeClr val="tx1"/>
+            </a:solidFill>
+          </a:ln>
+        </p:spPr>
+        <p:style>
+          <a:lnRef idx="2">
+            <a:schemeClr val="accent1">
+              <a:shade val="15000"/>
+            </a:schemeClr>
+          </a:lnRef>
+          <a:fillRef idx="1">
+            <a:schemeClr val="accent1"/>
+          </a:fillRef>
+          <a:effectRef idx="0">
+            <a:schemeClr val="accent1"/>
+          </a:effectRef>
+          <a:fontRef idx="minor">
+            <a:schemeClr val="lt1"/>
+          </a:fontRef>
+        </p:style>
+        <p:txBody>
+          <a:bodyPr rtlCol="0" anchor="ctr"/>
+          <a:lstStyle/>
+          <a:p>
+            <a:pPr algn="ctr"/>
+            <a:endParaRPr kumimoji="1" lang="ja-JP" altLang="en-US"/>
+          </a:p>
+        </p:txBody>
+      </p:sp>
+      <p:grpSp>
+        <p:nvGrpSpPr>
+          <p:cNvPr id="33" name="グループ化 32">
+            <a:extLst>
+              <a:ext uri="{FF2B5EF4-FFF2-40B4-BE49-F238E27FC236}">
+                <a16:creationId xmlns:a16="http://schemas.microsoft.com/office/drawing/2014/main" id="{C4527DBF-651A-F14E-59CA-5093134ED2E2}"/>
+              </a:ext>
+            </a:extLst>
+          </p:cNvPr>
+          <p:cNvGrpSpPr/>
+          <p:nvPr/>
+        </p:nvGrpSpPr>
+        <p:grpSpPr>
+          <a:xfrm rot="20238183">
+            <a:off x="4328335" y="1066313"/>
+            <a:ext cx="1078387" cy="388252"/>
+            <a:chOff x="899592" y="2492896"/>
+            <a:chExt cx="6768752" cy="1152128"/>
+          </a:xfrm>
+        </p:grpSpPr>
+        <p:sp>
+          <p:nvSpPr>
+            <p:cNvPr id="34" name="円弧 33">
+              <a:extLst>
+                <a:ext uri="{FF2B5EF4-FFF2-40B4-BE49-F238E27FC236}">
+                  <a16:creationId xmlns:a16="http://schemas.microsoft.com/office/drawing/2014/main" id="{5CA5B51A-F18C-E280-BE19-9CEF53341283}"/>
+                </a:ext>
+              </a:extLst>
+            </p:cNvPr>
+            <p:cNvSpPr/>
+            <p:nvPr/>
+          </p:nvSpPr>
+          <p:spPr>
+            <a:xfrm rot="16200000">
+              <a:off x="2411760" y="2492896"/>
+              <a:ext cx="1152128" cy="1152128"/>
+            </a:xfrm>
+            <a:prstGeom prst="arc">
+              <a:avLst>
+                <a:gd name="adj1" fmla="val 16200000"/>
+                <a:gd name="adj2" fmla="val 5514588"/>
+              </a:avLst>
+            </a:prstGeom>
+            <a:ln w="12700">
+              <a:solidFill>
+                <a:schemeClr val="tx1"/>
+              </a:solidFill>
+            </a:ln>
+          </p:spPr>
+          <p:style>
+            <a:lnRef idx="1">
+              <a:schemeClr val="accent1"/>
+            </a:lnRef>
+            <a:fillRef idx="0">
+              <a:schemeClr val="accent1"/>
+            </a:fillRef>
+            <a:effectRef idx="0">
+              <a:schemeClr val="accent1"/>
+            </a:effectRef>
+            <a:fontRef idx="minor">
+              <a:schemeClr val="tx1"/>
+            </a:fontRef>
+          </p:style>
+          <p:txBody>
+            <a:bodyPr rtlCol="0" anchor="ctr"/>
+            <a:lstStyle/>
+            <a:p>
+              <a:pPr algn="ctr"/>
+              <a:endParaRPr kumimoji="1" lang="ja-JP" altLang="en-US"/>
+            </a:p>
+          </p:txBody>
+        </p:sp>
+        <p:sp>
+          <p:nvSpPr>
+            <p:cNvPr id="35" name="円弧 34">
+              <a:extLst>
+                <a:ext uri="{FF2B5EF4-FFF2-40B4-BE49-F238E27FC236}">
+                  <a16:creationId xmlns:a16="http://schemas.microsoft.com/office/drawing/2014/main" id="{7E241419-8315-76AD-2EBF-DE4EBD1043DD}"/>
+                </a:ext>
+              </a:extLst>
+            </p:cNvPr>
+            <p:cNvSpPr/>
+            <p:nvPr/>
+          </p:nvSpPr>
+          <p:spPr>
+            <a:xfrm rot="16200000">
+              <a:off x="1763688" y="2492896"/>
+              <a:ext cx="1152128" cy="1152128"/>
+            </a:xfrm>
+            <a:prstGeom prst="arc">
+              <a:avLst>
+                <a:gd name="adj1" fmla="val 16200000"/>
+                <a:gd name="adj2" fmla="val 5514588"/>
+              </a:avLst>
+            </a:prstGeom>
+            <a:ln w="12700">
+              <a:solidFill>
+                <a:schemeClr val="tx1"/>
+              </a:solidFill>
+            </a:ln>
+          </p:spPr>
+          <p:style>
+            <a:lnRef idx="1">
+              <a:schemeClr val="accent1"/>
+            </a:lnRef>
+            <a:fillRef idx="0">
+              <a:schemeClr val="accent1"/>
+            </a:fillRef>
+            <a:effectRef idx="0">
+              <a:schemeClr val="accent1"/>
+            </a:effectRef>
+            <a:fontRef idx="minor">
+              <a:schemeClr val="tx1"/>
+            </a:fontRef>
+          </p:style>
+          <p:txBody>
+            <a:bodyPr rtlCol="0" anchor="ctr"/>
+            <a:lstStyle/>
+            <a:p>
+              <a:pPr algn="ctr"/>
+              <a:endParaRPr kumimoji="1" lang="ja-JP" altLang="en-US"/>
+            </a:p>
+          </p:txBody>
+        </p:sp>
+        <p:sp>
+          <p:nvSpPr>
+            <p:cNvPr id="36" name="円弧 35">
+              <a:extLst>
+                <a:ext uri="{FF2B5EF4-FFF2-40B4-BE49-F238E27FC236}">
+                  <a16:creationId xmlns:a16="http://schemas.microsoft.com/office/drawing/2014/main" id="{2E223998-0B9D-DBD7-E3B9-728ECE63A0C9}"/>
+                </a:ext>
+              </a:extLst>
+            </p:cNvPr>
+            <p:cNvSpPr/>
+            <p:nvPr/>
+          </p:nvSpPr>
+          <p:spPr>
+            <a:xfrm rot="16200000">
+              <a:off x="3059832" y="2492896"/>
+              <a:ext cx="1152128" cy="1152128"/>
+            </a:xfrm>
+            <a:prstGeom prst="arc">
+              <a:avLst>
+                <a:gd name="adj1" fmla="val 16200000"/>
+                <a:gd name="adj2" fmla="val 5514588"/>
+              </a:avLst>
+            </a:prstGeom>
+            <a:ln w="12700">
+              <a:solidFill>
+                <a:schemeClr val="tx1"/>
+              </a:solidFill>
+            </a:ln>
+          </p:spPr>
+          <p:style>
+            <a:lnRef idx="1">
+              <a:schemeClr val="accent1"/>
+            </a:lnRef>
+            <a:fillRef idx="0">
+              <a:schemeClr val="accent1"/>
+            </a:fillRef>
+            <a:effectRef idx="0">
+              <a:schemeClr val="accent1"/>
+            </a:effectRef>
+            <a:fontRef idx="minor">
+              <a:schemeClr val="tx1"/>
+            </a:fontRef>
+          </p:style>
+          <p:txBody>
+            <a:bodyPr rtlCol="0" anchor="ctr"/>
+            <a:lstStyle/>
+            <a:p>
+              <a:pPr algn="ctr"/>
+              <a:endParaRPr kumimoji="1" lang="ja-JP" altLang="en-US"/>
+            </a:p>
+          </p:txBody>
+        </p:sp>
+        <p:sp>
+          <p:nvSpPr>
+            <p:cNvPr id="37" name="円弧 36">
+              <a:extLst>
+                <a:ext uri="{FF2B5EF4-FFF2-40B4-BE49-F238E27FC236}">
+                  <a16:creationId xmlns:a16="http://schemas.microsoft.com/office/drawing/2014/main" id="{ADA5E836-1E13-8DE0-D660-01BA94662A3C}"/>
+                </a:ext>
+              </a:extLst>
+            </p:cNvPr>
+            <p:cNvSpPr/>
+            <p:nvPr/>
+          </p:nvSpPr>
+          <p:spPr>
+            <a:xfrm rot="16200000">
+              <a:off x="3707904" y="2492896"/>
+              <a:ext cx="1152128" cy="1152128"/>
+            </a:xfrm>
+            <a:prstGeom prst="arc">
+              <a:avLst>
+                <a:gd name="adj1" fmla="val 16069596"/>
+                <a:gd name="adj2" fmla="val 5514588"/>
+              </a:avLst>
+            </a:prstGeom>
+            <a:ln w="12700">
+              <a:solidFill>
+                <a:schemeClr val="tx1"/>
+              </a:solidFill>
+            </a:ln>
+          </p:spPr>
+          <p:style>
+            <a:lnRef idx="1">
+              <a:schemeClr val="accent1"/>
+            </a:lnRef>
+            <a:fillRef idx="0">
+              <a:schemeClr val="accent1"/>
+            </a:fillRef>
+            <a:effectRef idx="0">
+              <a:schemeClr val="accent1"/>
+            </a:effectRef>
+            <a:fontRef idx="minor">
+              <a:schemeClr val="tx1"/>
+            </a:fontRef>
+          </p:style>
+          <p:txBody>
+            <a:bodyPr rtlCol="0" anchor="ctr"/>
+            <a:lstStyle/>
+            <a:p>
+              <a:pPr algn="ctr"/>
+              <a:endParaRPr kumimoji="1" lang="ja-JP" altLang="en-US"/>
+            </a:p>
+          </p:txBody>
+        </p:sp>
+        <p:sp>
+          <p:nvSpPr>
+            <p:cNvPr id="38" name="円弧 37">
+              <a:extLst>
+                <a:ext uri="{FF2B5EF4-FFF2-40B4-BE49-F238E27FC236}">
+                  <a16:creationId xmlns:a16="http://schemas.microsoft.com/office/drawing/2014/main" id="{984F4C18-F5F4-4B9C-A3F5-C4E1F318029A}"/>
+                </a:ext>
+              </a:extLst>
+            </p:cNvPr>
+            <p:cNvSpPr/>
+            <p:nvPr/>
+          </p:nvSpPr>
+          <p:spPr>
+            <a:xfrm rot="5400000">
+              <a:off x="3383868" y="2816932"/>
+              <a:ext cx="1152128" cy="504056"/>
+            </a:xfrm>
+            <a:prstGeom prst="arc">
+              <a:avLst>
+                <a:gd name="adj1" fmla="val 16069596"/>
+                <a:gd name="adj2" fmla="val 5514588"/>
+              </a:avLst>
+            </a:prstGeom>
+            <a:ln w="12700">
+              <a:solidFill>
+                <a:schemeClr val="tx1"/>
+              </a:solidFill>
+            </a:ln>
+          </p:spPr>
+          <p:style>
+            <a:lnRef idx="1">
+              <a:schemeClr val="accent1"/>
+            </a:lnRef>
+            <a:fillRef idx="0">
+              <a:schemeClr val="accent1"/>
+            </a:fillRef>
+            <a:effectRef idx="0">
+              <a:schemeClr val="accent1"/>
+            </a:effectRef>
+            <a:fontRef idx="minor">
+              <a:schemeClr val="tx1"/>
+            </a:fontRef>
+          </p:style>
+          <p:txBody>
+            <a:bodyPr rtlCol="0" anchor="ctr"/>
+            <a:lstStyle/>
+            <a:p>
+              <a:pPr algn="ctr"/>
+              <a:endParaRPr kumimoji="1" lang="ja-JP" altLang="en-US"/>
+            </a:p>
+          </p:txBody>
+        </p:sp>
+        <p:sp>
+          <p:nvSpPr>
+            <p:cNvPr id="39" name="円弧 38">
+              <a:extLst>
+                <a:ext uri="{FF2B5EF4-FFF2-40B4-BE49-F238E27FC236}">
+                  <a16:creationId xmlns:a16="http://schemas.microsoft.com/office/drawing/2014/main" id="{F557AD33-E7AF-FD2C-9572-580B54150495}"/>
+                </a:ext>
+              </a:extLst>
+            </p:cNvPr>
+            <p:cNvSpPr/>
+            <p:nvPr/>
+          </p:nvSpPr>
+          <p:spPr>
+            <a:xfrm rot="5400000">
+              <a:off x="2735796" y="2816932"/>
+              <a:ext cx="1152128" cy="504056"/>
+            </a:xfrm>
+            <a:prstGeom prst="arc">
+              <a:avLst>
+                <a:gd name="adj1" fmla="val 16069596"/>
+                <a:gd name="adj2" fmla="val 5514588"/>
+              </a:avLst>
+            </a:prstGeom>
+            <a:ln w="12700">
+              <a:solidFill>
+                <a:schemeClr val="tx1"/>
+              </a:solidFill>
+            </a:ln>
+          </p:spPr>
+          <p:style>
+            <a:lnRef idx="1">
+              <a:schemeClr val="accent1"/>
+            </a:lnRef>
+            <a:fillRef idx="0">
+              <a:schemeClr val="accent1"/>
+            </a:fillRef>
+            <a:effectRef idx="0">
+              <a:schemeClr val="accent1"/>
+            </a:effectRef>
+            <a:fontRef idx="minor">
+              <a:schemeClr val="tx1"/>
+            </a:fontRef>
+          </p:style>
+          <p:txBody>
+            <a:bodyPr rtlCol="0" anchor="ctr"/>
+            <a:lstStyle/>
+            <a:p>
+              <a:pPr algn="ctr"/>
+              <a:endParaRPr kumimoji="1" lang="ja-JP" altLang="en-US"/>
+            </a:p>
+          </p:txBody>
+        </p:sp>
+        <p:sp>
+          <p:nvSpPr>
+            <p:cNvPr id="40" name="円弧 39">
+              <a:extLst>
+                <a:ext uri="{FF2B5EF4-FFF2-40B4-BE49-F238E27FC236}">
+                  <a16:creationId xmlns:a16="http://schemas.microsoft.com/office/drawing/2014/main" id="{A71CE8EF-8A65-4208-F26C-814974F7264A}"/>
+                </a:ext>
+              </a:extLst>
+            </p:cNvPr>
+            <p:cNvSpPr/>
+            <p:nvPr/>
+          </p:nvSpPr>
+          <p:spPr>
+            <a:xfrm rot="5400000">
+              <a:off x="2087724" y="2816932"/>
+              <a:ext cx="1152128" cy="504056"/>
+            </a:xfrm>
+            <a:prstGeom prst="arc">
+              <a:avLst>
+                <a:gd name="adj1" fmla="val 16069596"/>
+                <a:gd name="adj2" fmla="val 5514588"/>
+              </a:avLst>
+            </a:prstGeom>
+            <a:ln w="12700">
+              <a:solidFill>
+                <a:schemeClr val="tx1"/>
+              </a:solidFill>
+            </a:ln>
+          </p:spPr>
+          <p:style>
+            <a:lnRef idx="1">
+              <a:schemeClr val="accent1"/>
+            </a:lnRef>
+            <a:fillRef idx="0">
+              <a:schemeClr val="accent1"/>
+            </a:fillRef>
+            <a:effectRef idx="0">
+              <a:schemeClr val="accent1"/>
+            </a:effectRef>
+            <a:fontRef idx="minor">
+              <a:schemeClr val="tx1"/>
+            </a:fontRef>
+          </p:style>
+          <p:txBody>
+            <a:bodyPr rtlCol="0" anchor="ctr"/>
+            <a:lstStyle/>
+            <a:p>
+              <a:pPr algn="ctr"/>
+              <a:endParaRPr kumimoji="1" lang="ja-JP" altLang="en-US"/>
+            </a:p>
+          </p:txBody>
+        </p:sp>
+        <p:sp>
+          <p:nvSpPr>
+            <p:cNvPr id="41" name="円弧 40">
+              <a:extLst>
+                <a:ext uri="{FF2B5EF4-FFF2-40B4-BE49-F238E27FC236}">
+                  <a16:creationId xmlns:a16="http://schemas.microsoft.com/office/drawing/2014/main" id="{5EEA375A-45F0-0D2F-520A-0CEA4D3159EB}"/>
+                </a:ext>
+              </a:extLst>
+            </p:cNvPr>
+            <p:cNvSpPr/>
+            <p:nvPr/>
+          </p:nvSpPr>
+          <p:spPr>
+            <a:xfrm rot="16200000">
+              <a:off x="4355976" y="2492896"/>
+              <a:ext cx="1152128" cy="1152128"/>
+            </a:xfrm>
+            <a:prstGeom prst="arc">
+              <a:avLst>
+                <a:gd name="adj1" fmla="val 16069596"/>
+                <a:gd name="adj2" fmla="val 5514588"/>
+              </a:avLst>
+            </a:prstGeom>
+            <a:ln w="12700">
+              <a:solidFill>
+                <a:schemeClr val="tx1"/>
+              </a:solidFill>
+            </a:ln>
+          </p:spPr>
+          <p:style>
+            <a:lnRef idx="1">
+              <a:schemeClr val="accent1"/>
+            </a:lnRef>
+            <a:fillRef idx="0">
+              <a:schemeClr val="accent1"/>
+            </a:fillRef>
+            <a:effectRef idx="0">
+              <a:schemeClr val="accent1"/>
+            </a:effectRef>
+            <a:fontRef idx="minor">
+              <a:schemeClr val="tx1"/>
+            </a:fontRef>
+          </p:style>
+          <p:txBody>
+            <a:bodyPr rtlCol="0" anchor="ctr"/>
+            <a:lstStyle/>
+            <a:p>
+              <a:pPr algn="ctr"/>
+              <a:endParaRPr kumimoji="1" lang="ja-JP" altLang="en-US"/>
+            </a:p>
+          </p:txBody>
+        </p:sp>
+        <p:sp>
+          <p:nvSpPr>
+            <p:cNvPr id="42" name="円弧 41">
+              <a:extLst>
+                <a:ext uri="{FF2B5EF4-FFF2-40B4-BE49-F238E27FC236}">
+                  <a16:creationId xmlns:a16="http://schemas.microsoft.com/office/drawing/2014/main" id="{0B4C2CD2-3980-F1B3-D5D3-B6E3D3E8B57C}"/>
+                </a:ext>
+              </a:extLst>
+            </p:cNvPr>
+            <p:cNvSpPr/>
+            <p:nvPr/>
+          </p:nvSpPr>
+          <p:spPr>
+            <a:xfrm rot="5400000">
+              <a:off x="4031940" y="2816932"/>
+              <a:ext cx="1152128" cy="504056"/>
+            </a:xfrm>
+            <a:prstGeom prst="arc">
+              <a:avLst>
+                <a:gd name="adj1" fmla="val 16069596"/>
+                <a:gd name="adj2" fmla="val 5514588"/>
+              </a:avLst>
+            </a:prstGeom>
+            <a:ln w="12700">
+              <a:solidFill>
+                <a:schemeClr val="tx1"/>
+              </a:solidFill>
+            </a:ln>
+          </p:spPr>
+          <p:style>
+            <a:lnRef idx="1">
+              <a:schemeClr val="accent1"/>
+            </a:lnRef>
+            <a:fillRef idx="0">
+              <a:schemeClr val="accent1"/>
+            </a:fillRef>
+            <a:effectRef idx="0">
+              <a:schemeClr val="accent1"/>
+            </a:effectRef>
+            <a:fontRef idx="minor">
+              <a:schemeClr val="tx1"/>
+            </a:fontRef>
+          </p:style>
+          <p:txBody>
+            <a:bodyPr rtlCol="0" anchor="ctr"/>
+            <a:lstStyle/>
+            <a:p>
+              <a:pPr algn="ctr"/>
+              <a:endParaRPr kumimoji="1" lang="ja-JP" altLang="en-US"/>
+            </a:p>
+          </p:txBody>
+        </p:sp>
+        <p:sp>
+          <p:nvSpPr>
+            <p:cNvPr id="43" name="円弧 42">
+              <a:extLst>
+                <a:ext uri="{FF2B5EF4-FFF2-40B4-BE49-F238E27FC236}">
+                  <a16:creationId xmlns:a16="http://schemas.microsoft.com/office/drawing/2014/main" id="{D1B49CE6-DBA1-0F44-FC17-65FBA49A09F3}"/>
+                </a:ext>
+              </a:extLst>
+            </p:cNvPr>
+            <p:cNvSpPr/>
+            <p:nvPr/>
+          </p:nvSpPr>
+          <p:spPr>
+            <a:xfrm rot="16200000">
+              <a:off x="5004048" y="2492896"/>
+              <a:ext cx="1152128" cy="1152128"/>
+            </a:xfrm>
+            <a:prstGeom prst="arc">
+              <a:avLst>
+                <a:gd name="adj1" fmla="val 16069596"/>
+                <a:gd name="adj2" fmla="val 5514588"/>
+              </a:avLst>
+            </a:prstGeom>
+            <a:ln w="12700">
+              <a:solidFill>
+                <a:schemeClr val="tx1"/>
+              </a:solidFill>
+            </a:ln>
+          </p:spPr>
+          <p:style>
+            <a:lnRef idx="1">
+              <a:schemeClr val="accent1"/>
+            </a:lnRef>
+            <a:fillRef idx="0">
+              <a:schemeClr val="accent1"/>
+            </a:fillRef>
+            <a:effectRef idx="0">
+              <a:schemeClr val="accent1"/>
+            </a:effectRef>
+            <a:fontRef idx="minor">
+              <a:schemeClr val="tx1"/>
+            </a:fontRef>
+          </p:style>
+          <p:txBody>
+            <a:bodyPr rtlCol="0" anchor="ctr"/>
+            <a:lstStyle/>
+            <a:p>
+              <a:pPr algn="ctr"/>
+              <a:endParaRPr kumimoji="1" lang="ja-JP" altLang="en-US"/>
+            </a:p>
+          </p:txBody>
+        </p:sp>
+        <p:sp>
+          <p:nvSpPr>
+            <p:cNvPr id="44" name="円弧 43">
+              <a:extLst>
+                <a:ext uri="{FF2B5EF4-FFF2-40B4-BE49-F238E27FC236}">
+                  <a16:creationId xmlns:a16="http://schemas.microsoft.com/office/drawing/2014/main" id="{D3E45A40-92BF-7F5F-2624-08643D060D37}"/>
+                </a:ext>
+              </a:extLst>
+            </p:cNvPr>
+            <p:cNvSpPr/>
+            <p:nvPr/>
+          </p:nvSpPr>
+          <p:spPr>
+            <a:xfrm rot="5400000">
+              <a:off x="4680012" y="2816932"/>
+              <a:ext cx="1152128" cy="504056"/>
+            </a:xfrm>
+            <a:prstGeom prst="arc">
+              <a:avLst>
+                <a:gd name="adj1" fmla="val 16069596"/>
+                <a:gd name="adj2" fmla="val 5514588"/>
+              </a:avLst>
+            </a:prstGeom>
+            <a:ln w="12700">
+              <a:solidFill>
+                <a:schemeClr val="tx1"/>
+              </a:solidFill>
+            </a:ln>
+          </p:spPr>
+          <p:style>
+            <a:lnRef idx="1">
+              <a:schemeClr val="accent1"/>
+            </a:lnRef>
+            <a:fillRef idx="0">
+              <a:schemeClr val="accent1"/>
+            </a:fillRef>
+            <a:effectRef idx="0">
+              <a:schemeClr val="accent1"/>
+            </a:effectRef>
+            <a:fontRef idx="minor">
+              <a:schemeClr val="tx1"/>
+            </a:fontRef>
+          </p:style>
+          <p:txBody>
+            <a:bodyPr rtlCol="0" anchor="ctr"/>
+            <a:lstStyle/>
+            <a:p>
+              <a:pPr algn="ctr"/>
+              <a:endParaRPr kumimoji="1" lang="ja-JP" altLang="en-US"/>
+            </a:p>
+          </p:txBody>
+        </p:sp>
+        <p:sp>
+          <p:nvSpPr>
+            <p:cNvPr id="45" name="円弧 44">
+              <a:extLst>
+                <a:ext uri="{FF2B5EF4-FFF2-40B4-BE49-F238E27FC236}">
+                  <a16:creationId xmlns:a16="http://schemas.microsoft.com/office/drawing/2014/main" id="{3F639205-F07A-193A-08CE-0EDCFEFD70B7}"/>
+                </a:ext>
+              </a:extLst>
+            </p:cNvPr>
+            <p:cNvSpPr/>
+            <p:nvPr/>
+          </p:nvSpPr>
+          <p:spPr>
+            <a:xfrm rot="16200000">
+              <a:off x="5652120" y="2492896"/>
+              <a:ext cx="1152128" cy="1152128"/>
+            </a:xfrm>
+            <a:prstGeom prst="arc">
+              <a:avLst>
+                <a:gd name="adj1" fmla="val 16069596"/>
+                <a:gd name="adj2" fmla="val 5438339"/>
+              </a:avLst>
+            </a:prstGeom>
+            <a:ln w="12700">
+              <a:solidFill>
+                <a:schemeClr val="tx1"/>
+              </a:solidFill>
+            </a:ln>
+          </p:spPr>
+          <p:style>
+            <a:lnRef idx="1">
+              <a:schemeClr val="accent1"/>
+            </a:lnRef>
+            <a:fillRef idx="0">
+              <a:schemeClr val="accent1"/>
+            </a:fillRef>
+            <a:effectRef idx="0">
+              <a:schemeClr val="accent1"/>
+            </a:effectRef>
+            <a:fontRef idx="minor">
+              <a:schemeClr val="tx1"/>
+            </a:fontRef>
+          </p:style>
+          <p:txBody>
+            <a:bodyPr rtlCol="0" anchor="ctr"/>
+            <a:lstStyle/>
+            <a:p>
+              <a:pPr algn="ctr"/>
+              <a:endParaRPr kumimoji="1" lang="ja-JP" altLang="en-US"/>
+            </a:p>
+          </p:txBody>
+        </p:sp>
+        <p:sp>
+          <p:nvSpPr>
+            <p:cNvPr id="46" name="円弧 45">
+              <a:extLst>
+                <a:ext uri="{FF2B5EF4-FFF2-40B4-BE49-F238E27FC236}">
+                  <a16:creationId xmlns:a16="http://schemas.microsoft.com/office/drawing/2014/main" id="{7F35F647-FE2D-8DD9-3113-05BAB9DD8D95}"/>
+                </a:ext>
+              </a:extLst>
+            </p:cNvPr>
+            <p:cNvSpPr/>
+            <p:nvPr/>
+          </p:nvSpPr>
+          <p:spPr>
+            <a:xfrm rot="5400000">
+              <a:off x="5328084" y="2816932"/>
+              <a:ext cx="1152128" cy="504056"/>
+            </a:xfrm>
+            <a:prstGeom prst="arc">
+              <a:avLst>
+                <a:gd name="adj1" fmla="val 16069596"/>
+                <a:gd name="adj2" fmla="val 5514588"/>
+              </a:avLst>
+            </a:prstGeom>
+            <a:ln w="12700">
+              <a:solidFill>
+                <a:schemeClr val="tx1"/>
+              </a:solidFill>
+            </a:ln>
+          </p:spPr>
+          <p:style>
+            <a:lnRef idx="1">
+              <a:schemeClr val="accent1"/>
+            </a:lnRef>
+            <a:fillRef idx="0">
+              <a:schemeClr val="accent1"/>
+            </a:fillRef>
+            <a:effectRef idx="0">
+              <a:schemeClr val="accent1"/>
+            </a:effectRef>
+            <a:fontRef idx="minor">
+              <a:schemeClr val="tx1"/>
+            </a:fontRef>
+          </p:style>
+          <p:txBody>
+            <a:bodyPr rtlCol="0" anchor="ctr"/>
+            <a:lstStyle/>
+            <a:p>
+              <a:pPr algn="ctr"/>
+              <a:endParaRPr kumimoji="1" lang="ja-JP" altLang="en-US"/>
+            </a:p>
+          </p:txBody>
+        </p:sp>
+        <p:cxnSp>
+          <p:nvCxnSpPr>
+            <p:cNvPr id="47" name="直線コネクタ 46">
+              <a:extLst>
+                <a:ext uri="{FF2B5EF4-FFF2-40B4-BE49-F238E27FC236}">
+                  <a16:creationId xmlns:a16="http://schemas.microsoft.com/office/drawing/2014/main" id="{BC0E1EC5-D27A-3E39-F1F0-57B6607CC136}"/>
+                </a:ext>
+              </a:extLst>
+            </p:cNvPr>
+            <p:cNvCxnSpPr>
+              <a:cxnSpLocks/>
+              <a:stCxn id="35" idx="0"/>
+            </p:cNvCxnSpPr>
+            <p:nvPr/>
+          </p:nvCxnSpPr>
+          <p:spPr>
+            <a:xfrm flipH="1">
+              <a:off x="899592" y="3068960"/>
+              <a:ext cx="864096" cy="0"/>
+            </a:xfrm>
+            <a:prstGeom prst="line">
+              <a:avLst/>
+            </a:prstGeom>
+            <a:ln w="12700">
+              <a:solidFill>
+                <a:schemeClr val="tx1"/>
+              </a:solidFill>
+            </a:ln>
+          </p:spPr>
+          <p:style>
+            <a:lnRef idx="1">
+              <a:schemeClr val="accent1"/>
+            </a:lnRef>
+            <a:fillRef idx="0">
+              <a:schemeClr val="accent1"/>
+            </a:fillRef>
+            <a:effectRef idx="0">
+              <a:schemeClr val="accent1"/>
+            </a:effectRef>
+            <a:fontRef idx="minor">
+              <a:schemeClr val="tx1"/>
+            </a:fontRef>
+          </p:style>
+        </p:cxnSp>
+        <p:cxnSp>
+          <p:nvCxnSpPr>
+            <p:cNvPr id="48" name="直線コネクタ 47">
+              <a:extLst>
+                <a:ext uri="{FF2B5EF4-FFF2-40B4-BE49-F238E27FC236}">
+                  <a16:creationId xmlns:a16="http://schemas.microsoft.com/office/drawing/2014/main" id="{5B2D7089-051C-71AE-ADD6-16E49A88AD2B}"/>
+                </a:ext>
+              </a:extLst>
+            </p:cNvPr>
+            <p:cNvCxnSpPr/>
+            <p:nvPr/>
+          </p:nvCxnSpPr>
+          <p:spPr>
+            <a:xfrm flipH="1">
+              <a:off x="6804248" y="3068960"/>
+              <a:ext cx="864096" cy="0"/>
+            </a:xfrm>
+            <a:prstGeom prst="line">
+              <a:avLst/>
+            </a:prstGeom>
+            <a:ln w="12700">
+              <a:solidFill>
+                <a:schemeClr val="tx1"/>
+              </a:solidFill>
+            </a:ln>
+          </p:spPr>
+          <p:style>
+            <a:lnRef idx="1">
+              <a:schemeClr val="accent1"/>
+            </a:lnRef>
+            <a:fillRef idx="0">
+              <a:schemeClr val="accent1"/>
+            </a:fillRef>
+            <a:effectRef idx="0">
+              <a:schemeClr val="accent1"/>
+            </a:effectRef>
+            <a:fontRef idx="minor">
+              <a:schemeClr val="tx1"/>
+            </a:fontRef>
+          </p:style>
+        </p:cxnSp>
+      </p:grpSp>
+      <p:sp>
+        <p:nvSpPr>
+          <p:cNvPr id="49" name="下矢印 48">
+            <a:extLst>
+              <a:ext uri="{FF2B5EF4-FFF2-40B4-BE49-F238E27FC236}">
+                <a16:creationId xmlns:a16="http://schemas.microsoft.com/office/drawing/2014/main" id="{59520F17-B912-EE91-F932-AD3F00DABAE6}"/>
+              </a:ext>
+            </a:extLst>
+          </p:cNvPr>
+          <p:cNvSpPr/>
+          <p:nvPr/>
+        </p:nvSpPr>
+        <p:spPr>
+          <a:xfrm>
+            <a:off x="4045038" y="1904630"/>
+            <a:ext cx="294640" cy="365760"/>
+          </a:xfrm>
+          <a:prstGeom prst="downArrow">
+            <a:avLst/>
+          </a:prstGeom>
+          <a:solidFill>
+            <a:srgbClr val="FF0000"/>
+          </a:solidFill>
+          <a:ln>
+            <a:solidFill>
+              <a:schemeClr val="tx1"/>
+            </a:solidFill>
+          </a:ln>
+        </p:spPr>
+        <p:style>
+          <a:lnRef idx="2">
+            <a:schemeClr val="accent1">
+              <a:shade val="50000"/>
+            </a:schemeClr>
+          </a:lnRef>
+          <a:fillRef idx="1">
+            <a:schemeClr val="accent1"/>
+          </a:fillRef>
+          <a:effectRef idx="0">
+            <a:schemeClr val="accent1"/>
+          </a:effectRef>
+          <a:fontRef idx="minor">
+            <a:schemeClr val="lt1"/>
+          </a:fontRef>
+        </p:style>
+        <p:txBody>
+          <a:bodyPr rtlCol="0" anchor="ctr"/>
+          <a:lstStyle/>
+          <a:p>
+            <a:pPr algn="ctr"/>
+            <a:endParaRPr kumimoji="1" lang="ja-JP" altLang="en-US"/>
+          </a:p>
+        </p:txBody>
+      </p:sp>
+      <p:sp>
+        <p:nvSpPr>
+          <p:cNvPr id="50" name="フリーフォーム: 図形 7">
+            <a:extLst>
+              <a:ext uri="{FF2B5EF4-FFF2-40B4-BE49-F238E27FC236}">
+                <a16:creationId xmlns:a16="http://schemas.microsoft.com/office/drawing/2014/main" id="{D2DE6FF6-49CA-BE33-4654-7D3E28ACF660}"/>
+              </a:ext>
+            </a:extLst>
+          </p:cNvPr>
+          <p:cNvSpPr/>
+          <p:nvPr/>
+        </p:nvSpPr>
+        <p:spPr>
+          <a:xfrm flipH="1">
+            <a:off x="2567608" y="2456529"/>
+            <a:ext cx="72008" cy="230688"/>
+          </a:xfrm>
+          <a:custGeom>
+            <a:avLst/>
+            <a:gdLst>
+              <a:gd name="connsiteX0" fmla="*/ 197644 w 197644"/>
+              <a:gd name="connsiteY0" fmla="*/ 0 h 245269"/>
+              <a:gd name="connsiteX1" fmla="*/ 59532 w 197644"/>
+              <a:gd name="connsiteY1" fmla="*/ 80963 h 245269"/>
+              <a:gd name="connsiteX2" fmla="*/ 0 w 197644"/>
+              <a:gd name="connsiteY2" fmla="*/ 245269 h 245269"/>
+            </a:gdLst>
+            <a:ahLst/>
+            <a:cxnLst>
+              <a:cxn ang="0">
+                <a:pos x="connsiteX0" y="connsiteY0"/>
+              </a:cxn>
+              <a:cxn ang="0">
+                <a:pos x="connsiteX1" y="connsiteY1"/>
+              </a:cxn>
+              <a:cxn ang="0">
+                <a:pos x="connsiteX2" y="connsiteY2"/>
+              </a:cxn>
+            </a:cxnLst>
+            <a:rect l="l" t="t" r="r" b="b"/>
+            <a:pathLst>
+              <a:path w="197644" h="245269">
+                <a:moveTo>
+                  <a:pt x="197644" y="0"/>
+                </a:moveTo>
+                <a:cubicBezTo>
+                  <a:pt x="145058" y="20042"/>
+                  <a:pt x="92473" y="40085"/>
+                  <a:pt x="59532" y="80963"/>
+                </a:cubicBezTo>
+                <a:cubicBezTo>
+                  <a:pt x="26591" y="121841"/>
+                  <a:pt x="13295" y="183555"/>
+                  <a:pt x="0" y="245269"/>
+                </a:cubicBezTo>
+              </a:path>
+            </a:pathLst>
+          </a:custGeom>
+          <a:noFill/>
+          <a:ln>
+            <a:solidFill>
+              <a:schemeClr val="tx1"/>
+            </a:solidFill>
+          </a:ln>
+        </p:spPr>
+        <p:style>
+          <a:lnRef idx="2">
+            <a:schemeClr val="accent1">
+              <a:shade val="50000"/>
+            </a:schemeClr>
+          </a:lnRef>
+          <a:fillRef idx="1">
+            <a:schemeClr val="accent1"/>
+          </a:fillRef>
+          <a:effectRef idx="0">
+            <a:schemeClr val="accent1"/>
+          </a:effectRef>
+          <a:fontRef idx="minor">
+            <a:schemeClr val="lt1"/>
+          </a:fontRef>
+        </p:style>
+        <p:txBody>
+          <a:bodyPr rtlCol="0" anchor="ctr"/>
+          <a:lstStyle/>
+          <a:p>
+            <a:pPr algn="ctr"/>
+            <a:endParaRPr kumimoji="1" lang="ja-JP" altLang="en-US"/>
+          </a:p>
+        </p:txBody>
+      </p:sp>
+      <mc:AlternateContent xmlns:mc="http://schemas.openxmlformats.org/markup-compatibility/2006">
+        <mc:Choice xmlns:a14="http://schemas.microsoft.com/office/drawing/2010/main" Requires="a14">
+          <p:sp>
+            <p:nvSpPr>
+              <p:cNvPr id="51" name="テキスト ボックス 50">
+                <a:extLst>
+                  <a:ext uri="{FF2B5EF4-FFF2-40B4-BE49-F238E27FC236}">
+                    <a16:creationId xmlns:a16="http://schemas.microsoft.com/office/drawing/2014/main" id="{C646C50D-B8A1-17C9-56B5-9F26A8DD432B}"/>
+                  </a:ext>
+                </a:extLst>
+              </p:cNvPr>
+              <p:cNvSpPr txBox="1"/>
+              <p:nvPr/>
+            </p:nvSpPr>
+            <p:spPr>
+              <a:xfrm>
+                <a:off x="2651042" y="2395410"/>
+                <a:ext cx="189475" cy="276999"/>
+              </a:xfrm>
+              <a:prstGeom prst="rect">
+                <a:avLst/>
+              </a:prstGeom>
+              <a:noFill/>
+            </p:spPr>
+            <p:txBody>
+              <a:bodyPr wrap="none" lIns="0" tIns="0" rIns="0" bIns="0" rtlCol="0">
+                <a:spAutoFit/>
+              </a:bodyPr>
+              <a:lstStyle/>
+              <a:p>
+                <a:pPr/>
+                <a14:m>
+                  <m:oMathPara xmlns:m="http://schemas.openxmlformats.org/officeDocument/2006/math">
+                    <m:oMathParaPr>
+                      <m:jc m:val="centerGroup"/>
+                    </m:oMathParaPr>
+                    <m:oMath xmlns:m="http://schemas.openxmlformats.org/officeDocument/2006/math">
+                      <m:r>
+                        <a:rPr kumimoji="1" lang="en-US" altLang="ja-JP" b="0" i="1" smtClean="0">
+                          <a:latin typeface="Cambria Math" panose="02040503050406030204" pitchFamily="18" charset="0"/>
+                        </a:rPr>
+                        <m:t>𝜃</m:t>
+                      </m:r>
+                    </m:oMath>
+                  </m:oMathPara>
+                </a14:m>
+                <a:endParaRPr kumimoji="1" lang="ja-JP" altLang="en-US"/>
+              </a:p>
+            </p:txBody>
+          </p:sp>
+        </mc:Choice>
+        <mc:Fallback>
+          <p:sp>
+            <p:nvSpPr>
+              <p:cNvPr id="51" name="テキスト ボックス 50">
+                <a:extLst>
+                  <a:ext uri="{FF2B5EF4-FFF2-40B4-BE49-F238E27FC236}">
+                    <a16:creationId xmlns:a16="http://schemas.microsoft.com/office/drawing/2014/main" id="{C646C50D-B8A1-17C9-56B5-9F26A8DD432B}"/>
+                  </a:ext>
+                </a:extLst>
+              </p:cNvPr>
+              <p:cNvSpPr txBox="1">
+                <a:spLocks noRot="1" noChangeAspect="1" noMove="1" noResize="1" noEditPoints="1" noAdjustHandles="1" noChangeArrowheads="1" noChangeShapeType="1" noTextEdit="1"/>
+              </p:cNvSpPr>
+              <p:nvPr/>
+            </p:nvSpPr>
+            <p:spPr>
+              <a:xfrm>
+                <a:off x="2651042" y="2395410"/>
+                <a:ext cx="189475" cy="276999"/>
+              </a:xfrm>
+              <a:prstGeom prst="rect">
+                <a:avLst/>
+              </a:prstGeom>
+              <a:blipFill>
+                <a:blip r:embed="rId2"/>
+                <a:stretch>
+                  <a:fillRect l="-25000" r="-25000" b="-4348"/>
+                </a:stretch>
+              </a:blipFill>
+            </p:spPr>
+            <p:txBody>
+              <a:bodyPr/>
+              <a:lstStyle/>
+              <a:p>
+                <a:r>
+                  <a:rPr lang="ja-JP" altLang="en-US">
+                    <a:noFill/>
+                  </a:rPr>
+                  <a:t> </a:t>
+                </a:r>
+              </a:p>
+            </p:txBody>
+          </p:sp>
+        </mc:Fallback>
+      </mc:AlternateContent>
+      <p:sp>
+        <p:nvSpPr>
+          <p:cNvPr id="52" name="下矢印 51">
+            <a:extLst>
+              <a:ext uri="{FF2B5EF4-FFF2-40B4-BE49-F238E27FC236}">
+                <a16:creationId xmlns:a16="http://schemas.microsoft.com/office/drawing/2014/main" id="{C5E6ADF1-BF06-ADF3-1942-DA5337AFC6DC}"/>
+              </a:ext>
+            </a:extLst>
+          </p:cNvPr>
+          <p:cNvSpPr/>
+          <p:nvPr/>
+        </p:nvSpPr>
+        <p:spPr>
+          <a:xfrm rot="14822971">
+            <a:off x="4365863" y="1232400"/>
+            <a:ext cx="294640" cy="365760"/>
+          </a:xfrm>
+          <a:prstGeom prst="downArrow">
+            <a:avLst/>
+          </a:prstGeom>
+          <a:solidFill>
+            <a:srgbClr val="FF0000"/>
+          </a:solidFill>
+          <a:ln>
+            <a:solidFill>
+              <a:schemeClr val="tx1"/>
+            </a:solidFill>
+          </a:ln>
+        </p:spPr>
+        <p:style>
+          <a:lnRef idx="2">
+            <a:schemeClr val="accent1">
+              <a:shade val="50000"/>
+            </a:schemeClr>
+          </a:lnRef>
+          <a:fillRef idx="1">
+            <a:schemeClr val="accent1"/>
+          </a:fillRef>
+          <a:effectRef idx="0">
+            <a:schemeClr val="accent1"/>
+          </a:effectRef>
+          <a:fontRef idx="minor">
+            <a:schemeClr val="lt1"/>
+          </a:fontRef>
+        </p:style>
+        <p:txBody>
+          <a:bodyPr rtlCol="0" anchor="ctr"/>
+          <a:lstStyle/>
+          <a:p>
+            <a:pPr algn="ctr"/>
+            <a:endParaRPr kumimoji="1" lang="ja-JP" altLang="en-US"/>
+          </a:p>
+        </p:txBody>
+      </p:sp>
+      <mc:AlternateContent xmlns:mc="http://schemas.openxmlformats.org/markup-compatibility/2006">
+        <mc:Choice xmlns:a14="http://schemas.microsoft.com/office/drawing/2010/main" Requires="a14">
+          <p:sp>
+            <p:nvSpPr>
+              <p:cNvPr id="53" name="テキスト ボックス 52">
+                <a:extLst>
+                  <a:ext uri="{FF2B5EF4-FFF2-40B4-BE49-F238E27FC236}">
+                    <a16:creationId xmlns:a16="http://schemas.microsoft.com/office/drawing/2014/main" id="{EB02D88B-435E-1CD8-6850-3A6E67A0B361}"/>
+                  </a:ext>
+                </a:extLst>
+              </p:cNvPr>
+              <p:cNvSpPr txBox="1"/>
+              <p:nvPr/>
+            </p:nvSpPr>
+            <p:spPr>
+              <a:xfrm>
+                <a:off x="4362532" y="1988268"/>
+                <a:ext cx="255711" cy="276999"/>
+              </a:xfrm>
+              <a:prstGeom prst="rect">
+                <a:avLst/>
+              </a:prstGeom>
+              <a:noFill/>
+            </p:spPr>
+            <p:txBody>
+              <a:bodyPr wrap="square" lIns="0" tIns="0" rIns="0" bIns="0" rtlCol="0">
+                <a:spAutoFit/>
+              </a:bodyPr>
+              <a:lstStyle/>
+              <a:p>
+                <a:pPr/>
+                <a14:m>
+                  <m:oMathPara xmlns:m="http://schemas.openxmlformats.org/officeDocument/2006/math">
+                    <m:oMathParaPr>
+                      <m:jc m:val="centerGroup"/>
+                    </m:oMathParaPr>
+                    <m:oMath xmlns:m="http://schemas.openxmlformats.org/officeDocument/2006/math">
+                      <m:r>
+                        <a:rPr kumimoji="1" lang="en-US" altLang="ja-JP" b="0" i="1" smtClean="0">
+                          <a:latin typeface="Cambria Math" panose="02040503050406030204" pitchFamily="18" charset="0"/>
+                        </a:rPr>
+                        <m:t>𝑚𝑔</m:t>
+                      </m:r>
+                    </m:oMath>
+                  </m:oMathPara>
+                </a14:m>
+                <a:endParaRPr kumimoji="1" lang="ja-JP" altLang="en-US"/>
+              </a:p>
+            </p:txBody>
+          </p:sp>
+        </mc:Choice>
+        <mc:Fallback>
+          <p:sp>
+            <p:nvSpPr>
+              <p:cNvPr id="53" name="テキスト ボックス 52">
+                <a:extLst>
+                  <a:ext uri="{FF2B5EF4-FFF2-40B4-BE49-F238E27FC236}">
+                    <a16:creationId xmlns:a16="http://schemas.microsoft.com/office/drawing/2014/main" id="{EB02D88B-435E-1CD8-6850-3A6E67A0B361}"/>
+                  </a:ext>
+                </a:extLst>
+              </p:cNvPr>
+              <p:cNvSpPr txBox="1">
+                <a:spLocks noRot="1" noChangeAspect="1" noMove="1" noResize="1" noEditPoints="1" noAdjustHandles="1" noChangeArrowheads="1" noChangeShapeType="1" noTextEdit="1"/>
+              </p:cNvSpPr>
+              <p:nvPr/>
+            </p:nvSpPr>
+            <p:spPr>
+              <a:xfrm>
+                <a:off x="4362532" y="1988268"/>
+                <a:ext cx="255711" cy="276999"/>
+              </a:xfrm>
+              <a:prstGeom prst="rect">
+                <a:avLst/>
+              </a:prstGeom>
+              <a:blipFill>
+                <a:blip r:embed="rId3"/>
+                <a:stretch>
+                  <a:fillRect l="-33333" r="-61905" b="-26087"/>
+                </a:stretch>
+              </a:blipFill>
+            </p:spPr>
+            <p:txBody>
+              <a:bodyPr/>
+              <a:lstStyle/>
+              <a:p>
+                <a:r>
+                  <a:rPr lang="ja-JP" altLang="en-US">
+                    <a:noFill/>
+                  </a:rPr>
+                  <a:t> </a:t>
+                </a:r>
+              </a:p>
+            </p:txBody>
+          </p:sp>
+        </mc:Fallback>
+      </mc:AlternateContent>
+      <mc:AlternateContent xmlns:mc="http://schemas.openxmlformats.org/markup-compatibility/2006">
+        <mc:Choice xmlns:a14="http://schemas.microsoft.com/office/drawing/2010/main" Requires="a14">
+          <p:sp>
+            <p:nvSpPr>
+              <p:cNvPr id="54" name="テキスト ボックス 53">
+                <a:extLst>
+                  <a:ext uri="{FF2B5EF4-FFF2-40B4-BE49-F238E27FC236}">
+                    <a16:creationId xmlns:a16="http://schemas.microsoft.com/office/drawing/2014/main" id="{82EB96E2-1C21-3929-65B6-EBB7C45CBE3E}"/>
+                  </a:ext>
+                </a:extLst>
+              </p:cNvPr>
+              <p:cNvSpPr txBox="1"/>
+              <p:nvPr/>
+            </p:nvSpPr>
+            <p:spPr>
+              <a:xfrm>
+                <a:off x="4257472" y="738095"/>
+                <a:ext cx="255711" cy="276999"/>
+              </a:xfrm>
+              <a:prstGeom prst="rect">
+                <a:avLst/>
+              </a:prstGeom>
+              <a:noFill/>
+            </p:spPr>
+            <p:txBody>
+              <a:bodyPr wrap="square" lIns="0" tIns="0" rIns="0" bIns="0" rtlCol="0">
+                <a:spAutoFit/>
+              </a:bodyPr>
+              <a:lstStyle/>
+              <a:p>
+                <a:pPr/>
+                <a14:m>
+                  <m:oMathPara xmlns:m="http://schemas.openxmlformats.org/officeDocument/2006/math">
+                    <m:oMathParaPr>
+                      <m:jc m:val="centerGroup"/>
+                    </m:oMathParaPr>
+                    <m:oMath xmlns:m="http://schemas.openxmlformats.org/officeDocument/2006/math">
+                      <m:r>
+                        <a:rPr kumimoji="1" lang="en-US" altLang="ja-JP" b="0" i="1" smtClean="0">
+                          <a:latin typeface="Cambria Math" panose="02040503050406030204" pitchFamily="18" charset="0"/>
+                        </a:rPr>
+                        <m:t>𝐹</m:t>
+                      </m:r>
+                    </m:oMath>
+                  </m:oMathPara>
+                </a14:m>
+                <a:endParaRPr kumimoji="1" lang="ja-JP" altLang="en-US"/>
+              </a:p>
+            </p:txBody>
+          </p:sp>
+        </mc:Choice>
+        <mc:Fallback>
+          <p:sp>
+            <p:nvSpPr>
+              <p:cNvPr id="54" name="テキスト ボックス 53">
+                <a:extLst>
+                  <a:ext uri="{FF2B5EF4-FFF2-40B4-BE49-F238E27FC236}">
+                    <a16:creationId xmlns:a16="http://schemas.microsoft.com/office/drawing/2014/main" id="{82EB96E2-1C21-3929-65B6-EBB7C45CBE3E}"/>
+                  </a:ext>
+                </a:extLst>
+              </p:cNvPr>
+              <p:cNvSpPr txBox="1">
+                <a:spLocks noRot="1" noChangeAspect="1" noMove="1" noResize="1" noEditPoints="1" noAdjustHandles="1" noChangeArrowheads="1" noChangeShapeType="1" noTextEdit="1"/>
+              </p:cNvSpPr>
+              <p:nvPr/>
+            </p:nvSpPr>
+            <p:spPr>
+              <a:xfrm>
+                <a:off x="4257472" y="738095"/>
+                <a:ext cx="255711" cy="276999"/>
+              </a:xfrm>
+              <a:prstGeom prst="rect">
+                <a:avLst/>
+              </a:prstGeom>
+              <a:blipFill>
+                <a:blip r:embed="rId4"/>
+                <a:stretch>
+                  <a:fillRect l="-9524" r="-4762" b="-4348"/>
+                </a:stretch>
+              </a:blipFill>
+            </p:spPr>
+            <p:txBody>
+              <a:bodyPr/>
+              <a:lstStyle/>
+              <a:p>
+                <a:r>
+                  <a:rPr lang="ja-JP" altLang="en-US">
+                    <a:noFill/>
+                  </a:rPr>
+                  <a:t> </a:t>
+                </a:r>
+              </a:p>
+            </p:txBody>
+          </p:sp>
+        </mc:Fallback>
+      </mc:AlternateContent>
+    </p:spTree>
+    <p:extLst>
+      <p:ext uri="{BB962C8B-B14F-4D97-AF65-F5344CB8AC3E}">
+        <p14:creationId xmlns:p14="http://schemas.microsoft.com/office/powerpoint/2010/main" val="1546701801"/>
+      </p:ext>
+    </p:extLst>
+  </p:cSld>
+  <p:clrMapOvr>
+    <a:masterClrMapping/>
+  </p:clrMapOvr>
+</p:sld>
+</file>
+
+<file path=ppt/slides/slide3.xml><?xml version="1.0" encoding="utf-8"?>
+<p:sld xmlns:a="http://schemas.openxmlformats.org/drawingml/2006/main" xmlns:r="http://schemas.openxmlformats.org/officeDocument/2006/relationships" xmlns:p="http://schemas.openxmlformats.org/presentationml/2006/main">
+  <p:cSld>
+    <p:spTree>
+      <p:nvGrpSpPr>
+        <p:cNvPr id="1" name=""/>
+        <p:cNvGrpSpPr/>
+        <p:nvPr/>
+      </p:nvGrpSpPr>
+      <p:grpSpPr>
+        <a:xfrm>
+          <a:off x="0" y="0"/>
+          <a:ext cx="0" cy="0"/>
+          <a:chOff x="0" y="0"/>
+          <a:chExt cx="0" cy="0"/>
+        </a:xfrm>
+      </p:grpSpPr>
+      <p:sp>
+        <p:nvSpPr>
+          <p:cNvPr id="2" name="正方形/長方形 1">
+            <a:extLst>
+              <a:ext uri="{FF2B5EF4-FFF2-40B4-BE49-F238E27FC236}">
                 <a16:creationId xmlns:a16="http://schemas.microsoft.com/office/drawing/2014/main" id="{56FC1651-0F2B-1914-A5DF-38189ABFE7C7}"/>
               </a:ext>
             </a:extLst>
@@ -1550,7 +4497,7 @@
 </p:sld>
 </file>
 
-<file path=ppt/slides/slide2.xml><?xml version="1.0" encoding="utf-8"?>
+<file path=ppt/slides/slide4.xml><?xml version="1.0" encoding="utf-8"?>
 <p:sld xmlns:a="http://schemas.openxmlformats.org/drawingml/2006/main" xmlns:r="http://schemas.openxmlformats.org/officeDocument/2006/relationships" xmlns:p="http://schemas.openxmlformats.org/presentationml/2006/main">
   <p:cSld>
     <p:spTree>
@@ -2445,7 +5392,7 @@
 </p:sld>
 </file>
 
-<file path=ppt/slides/slide3.xml><?xml version="1.0" encoding="utf-8"?>
+<file path=ppt/slides/slide5.xml><?xml version="1.0" encoding="utf-8"?>
 <p:sld xmlns:a="http://schemas.openxmlformats.org/drawingml/2006/main" xmlns:r="http://schemas.openxmlformats.org/officeDocument/2006/relationships" xmlns:p="http://schemas.openxmlformats.org/presentationml/2006/main">
   <p:cSld>
     <p:spTree>
@@ -3694,7 +6641,7 @@
 </p:sld>
 </file>
 
-<file path=ppt/slides/slide4.xml><?xml version="1.0" encoding="utf-8"?>
+<file path=ppt/slides/slide6.xml><?xml version="1.0" encoding="utf-8"?>
 <p:sld xmlns:a="http://schemas.openxmlformats.org/drawingml/2006/main" xmlns:r="http://schemas.openxmlformats.org/officeDocument/2006/relationships" xmlns:p="http://schemas.openxmlformats.org/presentationml/2006/main">
   <p:cSld>
     <p:spTree>
@@ -4483,7 +7430,7 @@
 </p:sld>
 </file>
 
-<file path=ppt/slides/slide5.xml><?xml version="1.0" encoding="utf-8"?>
+<file path=ppt/slides/slide7.xml><?xml version="1.0" encoding="utf-8"?>
 <p:sld xmlns:a="http://schemas.openxmlformats.org/drawingml/2006/main" xmlns:r="http://schemas.openxmlformats.org/officeDocument/2006/relationships" xmlns:p="http://schemas.openxmlformats.org/presentationml/2006/main">
   <p:cSld>
     <p:spTree>

--- a/virtual_work/fig/fig.pptx
+++ b/virtual_work/fig/fig.pptx
@@ -3316,7 +3316,7 @@
             </p:nvSpPr>
             <p:spPr>
               <a:xfrm>
-                <a:off x="4257472" y="738095"/>
+                <a:off x="4328121" y="980728"/>
                 <a:ext cx="255711" cy="276999"/>
               </a:xfrm>
               <a:prstGeom prst="rect">
@@ -3368,7 +3368,7 @@
             </p:nvSpPr>
             <p:spPr>
               <a:xfrm>
-                <a:off x="4257472" y="738095"/>
+                <a:off x="4328121" y="980728"/>
                 <a:ext cx="255711" cy="276999"/>
               </a:xfrm>
               <a:prstGeom prst="rect">
@@ -3377,7 +3377,157 @@
               <a:blipFill>
                 <a:blip r:embed="rId4"/>
                 <a:stretch>
-                  <a:fillRect l="-9524" r="-4762" b="-4348"/>
+                  <a:fillRect l="-9524" r="-9524" b="-9091"/>
+                </a:stretch>
+              </a:blipFill>
+            </p:spPr>
+            <p:txBody>
+              <a:bodyPr/>
+              <a:lstStyle/>
+              <a:p>
+                <a:r>
+                  <a:rPr lang="ja-JP" altLang="en-US">
+                    <a:noFill/>
+                  </a:rPr>
+                  <a:t> </a:t>
+                </a:r>
+              </a:p>
+            </p:txBody>
+          </p:sp>
+        </mc:Fallback>
+      </mc:AlternateContent>
+      <p:sp>
+        <p:nvSpPr>
+          <p:cNvPr id="55" name="下矢印 54">
+            <a:extLst>
+              <a:ext uri="{FF2B5EF4-FFF2-40B4-BE49-F238E27FC236}">
+                <a16:creationId xmlns:a16="http://schemas.microsoft.com/office/drawing/2014/main" id="{D1ED80FA-EE60-21F6-2840-B7B719F5062B}"/>
+              </a:ext>
+            </a:extLst>
+          </p:cNvPr>
+          <p:cNvSpPr/>
+          <p:nvPr/>
+        </p:nvSpPr>
+        <p:spPr>
+          <a:xfrm rot="9360369">
+            <a:off x="3979256" y="1168174"/>
+            <a:ext cx="150253" cy="600016"/>
+          </a:xfrm>
+          <a:prstGeom prst="downArrow">
+            <a:avLst/>
+          </a:prstGeom>
+          <a:solidFill>
+            <a:srgbClr val="0070C0"/>
+          </a:solidFill>
+          <a:ln>
+            <a:solidFill>
+              <a:schemeClr val="tx1"/>
+            </a:solidFill>
+          </a:ln>
+        </p:spPr>
+        <p:style>
+          <a:lnRef idx="2">
+            <a:schemeClr val="accent1">
+              <a:shade val="50000"/>
+            </a:schemeClr>
+          </a:lnRef>
+          <a:fillRef idx="1">
+            <a:schemeClr val="accent1"/>
+          </a:fillRef>
+          <a:effectRef idx="0">
+            <a:schemeClr val="accent1"/>
+          </a:effectRef>
+          <a:fontRef idx="minor">
+            <a:schemeClr val="lt1"/>
+          </a:fontRef>
+        </p:style>
+        <p:txBody>
+          <a:bodyPr rtlCol="0" anchor="ctr"/>
+          <a:lstStyle/>
+          <a:p>
+            <a:pPr algn="ctr"/>
+            <a:endParaRPr kumimoji="1" lang="ja-JP" altLang="en-US"/>
+          </a:p>
+        </p:txBody>
+      </p:sp>
+      <mc:AlternateContent xmlns:mc="http://schemas.openxmlformats.org/markup-compatibility/2006">
+        <mc:Choice xmlns:a14="http://schemas.microsoft.com/office/drawing/2010/main" Requires="a14">
+          <p:sp>
+            <p:nvSpPr>
+              <p:cNvPr id="56" name="テキスト ボックス 55">
+                <a:extLst>
+                  <a:ext uri="{FF2B5EF4-FFF2-40B4-BE49-F238E27FC236}">
+                    <a16:creationId xmlns:a16="http://schemas.microsoft.com/office/drawing/2014/main" id="{FF830406-377A-7695-E3E0-ABEE484860C4}"/>
+                  </a:ext>
+                </a:extLst>
+              </p:cNvPr>
+              <p:cNvSpPr txBox="1"/>
+              <p:nvPr/>
+            </p:nvSpPr>
+            <p:spPr>
+              <a:xfrm>
+                <a:off x="3705113" y="913887"/>
+                <a:ext cx="255711" cy="276999"/>
+              </a:xfrm>
+              <a:prstGeom prst="rect">
+                <a:avLst/>
+              </a:prstGeom>
+              <a:noFill/>
+            </p:spPr>
+            <p:txBody>
+              <a:bodyPr wrap="square" lIns="0" tIns="0" rIns="0" bIns="0" rtlCol="0">
+                <a:spAutoFit/>
+              </a:bodyPr>
+              <a:lstStyle/>
+              <a:p>
+                <a:pPr/>
+                <a14:m>
+                  <m:oMathPara xmlns:m="http://schemas.openxmlformats.org/officeDocument/2006/math">
+                    <m:oMathParaPr>
+                      <m:jc m:val="centerGroup"/>
+                    </m:oMathParaPr>
+                    <m:oMath xmlns:m="http://schemas.openxmlformats.org/officeDocument/2006/math">
+                      <m:r>
+                        <a:rPr kumimoji="1" lang="en-US" altLang="ja-JP" b="0" i="1" smtClean="0">
+                          <a:latin typeface="Cambria Math" panose="02040503050406030204" pitchFamily="18" charset="0"/>
+                        </a:rPr>
+                        <m:t>𝑁</m:t>
+                      </m:r>
+                    </m:oMath>
+                  </m:oMathPara>
+                </a14:m>
+                <a:endParaRPr kumimoji="1" lang="ja-JP" altLang="en-US"/>
+              </a:p>
+            </p:txBody>
+          </p:sp>
+        </mc:Choice>
+        <mc:Fallback>
+          <p:sp>
+            <p:nvSpPr>
+              <p:cNvPr id="56" name="テキスト ボックス 55">
+                <a:extLst>
+                  <a:ext uri="{FF2B5EF4-FFF2-40B4-BE49-F238E27FC236}">
+                    <a16:creationId xmlns:a16="http://schemas.microsoft.com/office/drawing/2014/main" id="{FF830406-377A-7695-E3E0-ABEE484860C4}"/>
+                  </a:ext>
+                </a:extLst>
+              </p:cNvPr>
+              <p:cNvSpPr txBox="1">
+                <a:spLocks noRot="1" noChangeAspect="1" noMove="1" noResize="1" noEditPoints="1" noAdjustHandles="1" noChangeArrowheads="1" noChangeShapeType="1" noTextEdit="1"/>
+              </p:cNvSpPr>
+              <p:nvPr/>
+            </p:nvSpPr>
+            <p:spPr>
+              <a:xfrm>
+                <a:off x="3705113" y="913887"/>
+                <a:ext cx="255711" cy="276999"/>
+              </a:xfrm>
+              <a:prstGeom prst="rect">
+                <a:avLst/>
+              </a:prstGeom>
+              <a:blipFill>
+                <a:blip r:embed="rId5"/>
+                <a:stretch>
+                  <a:fillRect l="-14286" r="-14286" b="-9091"/>
                 </a:stretch>
               </a:blipFill>
             </p:spPr>

--- a/virtual_work/fig/fig.pptx
+++ b/virtual_work/fig/fig.pptx
@@ -6,12 +6,13 @@
   </p:sldMasterIdLst>
   <p:sldIdLst>
     <p:sldId id="261" r:id="rId2"/>
-    <p:sldId id="262" r:id="rId3"/>
-    <p:sldId id="260" r:id="rId4"/>
-    <p:sldId id="256" r:id="rId5"/>
-    <p:sldId id="257" r:id="rId6"/>
-    <p:sldId id="258" r:id="rId7"/>
-    <p:sldId id="259" r:id="rId8"/>
+    <p:sldId id="263" r:id="rId3"/>
+    <p:sldId id="262" r:id="rId4"/>
+    <p:sldId id="260" r:id="rId5"/>
+    <p:sldId id="256" r:id="rId6"/>
+    <p:sldId id="257" r:id="rId7"/>
+    <p:sldId id="258" r:id="rId8"/>
+    <p:sldId id="259" r:id="rId9"/>
   </p:sldIdLst>
   <p:sldSz cx="12192000" cy="6858000"/>
   <p:notesSz cx="6858000" cy="9144000"/>
@@ -819,8 +820,8 @@
           </a:p>
         </p:txBody>
       </p:sp>
-      <mc:AlternateContent xmlns:mc="http://schemas.openxmlformats.org/markup-compatibility/2006">
-        <mc:Choice xmlns:a14="http://schemas.microsoft.com/office/drawing/2010/main" Requires="a14">
+      <mc:AlternateContent xmlns:mc="http://schemas.openxmlformats.org/markup-compatibility/2006" xmlns:a14="http://schemas.microsoft.com/office/drawing/2010/main">
+        <mc:Choice Requires="a14">
           <p:sp>
             <p:nvSpPr>
               <p:cNvPr id="10" name="テキスト ボックス 9">
@@ -860,13 +861,7 @@
                         <a:rPr kumimoji="1" lang="en-US" altLang="ja-JP" b="0" i="1" smtClean="0">
                           <a:latin typeface="Cambria Math" panose="02040503050406030204" pitchFamily="18" charset="0"/>
                         </a:rPr>
-                        <m:t>𝛿</m:t>
-                      </m:r>
-                      <m:r>
-                        <a:rPr kumimoji="1" lang="en-US" altLang="ja-JP" b="0" i="1" smtClean="0">
-                          <a:latin typeface="Cambria Math" panose="02040503050406030204" pitchFamily="18" charset="0"/>
-                        </a:rPr>
-                        <m:t>𝜃</m:t>
+                        <m:t>𝛿𝜃</m:t>
                       </m:r>
                     </m:oMath>
                   </m:oMathPara>
@@ -876,7 +871,7 @@
             </p:txBody>
           </p:sp>
         </mc:Choice>
-        <mc:Fallback>
+        <mc:Fallback xmlns="">
           <p:sp>
             <p:nvSpPr>
               <p:cNvPr id="10" name="テキスト ボックス 9">
@@ -1266,8 +1261,8 @@
           </a:fontRef>
         </p:style>
       </p:cxnSp>
-      <mc:AlternateContent xmlns:mc="http://schemas.openxmlformats.org/markup-compatibility/2006">
-        <mc:Choice xmlns:a14="http://schemas.microsoft.com/office/drawing/2010/main" Requires="a14">
+      <mc:AlternateContent xmlns:mc="http://schemas.openxmlformats.org/markup-compatibility/2006" xmlns:a14="http://schemas.microsoft.com/office/drawing/2010/main">
+        <mc:Choice Requires="a14">
           <p:sp>
             <p:nvSpPr>
               <p:cNvPr id="23" name="テキスト ボックス 22">
@@ -1317,7 +1312,7 @@
             </p:txBody>
           </p:sp>
         </mc:Choice>
-        <mc:Fallback>
+        <mc:Fallback xmlns="">
           <p:sp>
             <p:nvSpPr>
               <p:cNvPr id="23" name="テキスト ボックス 22">
@@ -1362,8 +1357,8 @@
           </p:sp>
         </mc:Fallback>
       </mc:AlternateContent>
-      <mc:AlternateContent xmlns:mc="http://schemas.openxmlformats.org/markup-compatibility/2006">
-        <mc:Choice xmlns:a14="http://schemas.microsoft.com/office/drawing/2010/main" Requires="a14">
+      <mc:AlternateContent xmlns:mc="http://schemas.openxmlformats.org/markup-compatibility/2006" xmlns:a14="http://schemas.microsoft.com/office/drawing/2010/main">
+        <mc:Choice Requires="a14">
           <p:sp>
             <p:nvSpPr>
               <p:cNvPr id="24" name="テキスト ボックス 23">
@@ -1413,7 +1408,7 @@
             </p:txBody>
           </p:sp>
         </mc:Choice>
-        <mc:Fallback>
+        <mc:Fallback xmlns="">
           <p:sp>
             <p:nvSpPr>
               <p:cNvPr id="24" name="テキスト ボックス 23">
@@ -1458,8 +1453,8 @@
           </p:sp>
         </mc:Fallback>
       </mc:AlternateContent>
-      <mc:AlternateContent xmlns:mc="http://schemas.openxmlformats.org/markup-compatibility/2006">
-        <mc:Choice xmlns:a14="http://schemas.microsoft.com/office/drawing/2010/main" Requires="a14">
+      <mc:AlternateContent xmlns:mc="http://schemas.openxmlformats.org/markup-compatibility/2006" xmlns:a14="http://schemas.microsoft.com/office/drawing/2010/main">
+        <mc:Choice Requires="a14">
           <p:sp>
             <p:nvSpPr>
               <p:cNvPr id="25" name="テキスト ボックス 24">
@@ -1509,7 +1504,7 @@
             </p:txBody>
           </p:sp>
         </mc:Choice>
-        <mc:Fallback>
+        <mc:Fallback xmlns="">
           <p:sp>
             <p:nvSpPr>
               <p:cNvPr id="25" name="テキスト ボックス 24">
@@ -1554,8 +1549,8 @@
           </p:sp>
         </mc:Fallback>
       </mc:AlternateContent>
-      <mc:AlternateContent xmlns:mc="http://schemas.openxmlformats.org/markup-compatibility/2006">
-        <mc:Choice xmlns:a14="http://schemas.microsoft.com/office/drawing/2010/main" Requires="a14">
+      <mc:AlternateContent xmlns:mc="http://schemas.openxmlformats.org/markup-compatibility/2006" xmlns:a14="http://schemas.microsoft.com/office/drawing/2010/main">
+        <mc:Choice Requires="a14">
           <p:sp>
             <p:nvSpPr>
               <p:cNvPr id="26" name="テキスト ボックス 25">
@@ -1605,7 +1600,7 @@
             </p:txBody>
           </p:sp>
         </mc:Choice>
-        <mc:Fallback>
+        <mc:Fallback xmlns="">
           <p:sp>
             <p:nvSpPr>
               <p:cNvPr id="26" name="テキスト ボックス 25">
@@ -1650,8 +1645,8 @@
           </p:sp>
         </mc:Fallback>
       </mc:AlternateContent>
-      <mc:AlternateContent xmlns:mc="http://schemas.openxmlformats.org/markup-compatibility/2006">
-        <mc:Choice xmlns:a14="http://schemas.microsoft.com/office/drawing/2010/main" Requires="a14">
+      <mc:AlternateContent xmlns:mc="http://schemas.openxmlformats.org/markup-compatibility/2006" xmlns:a14="http://schemas.microsoft.com/office/drawing/2010/main">
+        <mc:Choice Requires="a14">
           <p:sp>
             <p:nvSpPr>
               <p:cNvPr id="27" name="テキスト ボックス 26">
@@ -1707,7 +1702,7 @@
             </p:txBody>
           </p:sp>
         </mc:Choice>
-        <mc:Fallback>
+        <mc:Fallback xmlns="">
           <p:sp>
             <p:nvSpPr>
               <p:cNvPr id="27" name="テキスト ボックス 26">
@@ -1796,8 +1791,8 @@
           </a:fontRef>
         </p:style>
       </p:cxnSp>
-      <mc:AlternateContent xmlns:mc="http://schemas.openxmlformats.org/markup-compatibility/2006">
-        <mc:Choice xmlns:a14="http://schemas.microsoft.com/office/drawing/2010/main" Requires="a14">
+      <mc:AlternateContent xmlns:mc="http://schemas.openxmlformats.org/markup-compatibility/2006" xmlns:a14="http://schemas.microsoft.com/office/drawing/2010/main">
+        <mc:Choice Requires="a14">
           <p:sp>
             <p:nvSpPr>
               <p:cNvPr id="31" name="テキスト ボックス 30">
@@ -1853,7 +1848,7 @@
             </p:txBody>
           </p:sp>
         </mc:Choice>
-        <mc:Fallback>
+        <mc:Fallback xmlns="">
           <p:sp>
             <p:nvSpPr>
               <p:cNvPr id="31" name="テキスト ボックス 30">
@@ -1957,6 +1952,3252 @@
 </file>
 
 <file path=ppt/slides/slide2.xml><?xml version="1.0" encoding="utf-8"?>
+<p:sld xmlns:a="http://schemas.openxmlformats.org/drawingml/2006/main" xmlns:r="http://schemas.openxmlformats.org/officeDocument/2006/relationships" xmlns:p="http://schemas.openxmlformats.org/presentationml/2006/main">
+  <p:cSld>
+    <p:spTree>
+      <p:nvGrpSpPr>
+        <p:cNvPr id="1" name=""/>
+        <p:cNvGrpSpPr/>
+        <p:nvPr/>
+      </p:nvGrpSpPr>
+      <p:grpSpPr>
+        <a:xfrm>
+          <a:off x="0" y="0"/>
+          <a:ext cx="0" cy="0"/>
+          <a:chOff x="0" y="0"/>
+          <a:chExt cx="0" cy="0"/>
+        </a:xfrm>
+      </p:grpSpPr>
+      <p:grpSp>
+        <p:nvGrpSpPr>
+          <p:cNvPr id="2" name="グループ化 1">
+            <a:extLst>
+              <a:ext uri="{FF2B5EF4-FFF2-40B4-BE49-F238E27FC236}">
+                <a16:creationId xmlns:a16="http://schemas.microsoft.com/office/drawing/2014/main" id="{AD1F94BD-A661-0DBD-5322-695E2D2BAADD}"/>
+              </a:ext>
+            </a:extLst>
+          </p:cNvPr>
+          <p:cNvGrpSpPr/>
+          <p:nvPr/>
+        </p:nvGrpSpPr>
+        <p:grpSpPr>
+          <a:xfrm>
+            <a:off x="1055440" y="980728"/>
+            <a:ext cx="1463474" cy="591851"/>
+            <a:chOff x="899592" y="2492896"/>
+            <a:chExt cx="6768752" cy="1152128"/>
+          </a:xfrm>
+        </p:grpSpPr>
+        <p:sp>
+          <p:nvSpPr>
+            <p:cNvPr id="3" name="円弧 2">
+              <a:extLst>
+                <a:ext uri="{FF2B5EF4-FFF2-40B4-BE49-F238E27FC236}">
+                  <a16:creationId xmlns:a16="http://schemas.microsoft.com/office/drawing/2014/main" id="{8C7D6455-C56C-FC67-1040-A91DA54DC4AE}"/>
+                </a:ext>
+              </a:extLst>
+            </p:cNvPr>
+            <p:cNvSpPr/>
+            <p:nvPr/>
+          </p:nvSpPr>
+          <p:spPr>
+            <a:xfrm rot="16200000">
+              <a:off x="2411760" y="2492896"/>
+              <a:ext cx="1152128" cy="1152128"/>
+            </a:xfrm>
+            <a:prstGeom prst="arc">
+              <a:avLst>
+                <a:gd name="adj1" fmla="val 16200000"/>
+                <a:gd name="adj2" fmla="val 5514588"/>
+              </a:avLst>
+            </a:prstGeom>
+            <a:ln w="12700">
+              <a:solidFill>
+                <a:schemeClr val="tx1"/>
+              </a:solidFill>
+            </a:ln>
+          </p:spPr>
+          <p:style>
+            <a:lnRef idx="1">
+              <a:schemeClr val="accent1"/>
+            </a:lnRef>
+            <a:fillRef idx="0">
+              <a:schemeClr val="accent1"/>
+            </a:fillRef>
+            <a:effectRef idx="0">
+              <a:schemeClr val="accent1"/>
+            </a:effectRef>
+            <a:fontRef idx="minor">
+              <a:schemeClr val="tx1"/>
+            </a:fontRef>
+          </p:style>
+          <p:txBody>
+            <a:bodyPr rtlCol="0" anchor="ctr"/>
+            <a:lstStyle/>
+            <a:p>
+              <a:pPr algn="ctr"/>
+              <a:endParaRPr kumimoji="1" lang="ja-JP" altLang="en-US"/>
+            </a:p>
+          </p:txBody>
+        </p:sp>
+        <p:sp>
+          <p:nvSpPr>
+            <p:cNvPr id="4" name="円弧 3">
+              <a:extLst>
+                <a:ext uri="{FF2B5EF4-FFF2-40B4-BE49-F238E27FC236}">
+                  <a16:creationId xmlns:a16="http://schemas.microsoft.com/office/drawing/2014/main" id="{3C3122EC-4616-9A0A-6A61-04DEB52770FF}"/>
+                </a:ext>
+              </a:extLst>
+            </p:cNvPr>
+            <p:cNvSpPr/>
+            <p:nvPr/>
+          </p:nvSpPr>
+          <p:spPr>
+            <a:xfrm rot="16200000">
+              <a:off x="1763688" y="2492896"/>
+              <a:ext cx="1152128" cy="1152128"/>
+            </a:xfrm>
+            <a:prstGeom prst="arc">
+              <a:avLst>
+                <a:gd name="adj1" fmla="val 16200000"/>
+                <a:gd name="adj2" fmla="val 5514588"/>
+              </a:avLst>
+            </a:prstGeom>
+            <a:ln w="12700">
+              <a:solidFill>
+                <a:schemeClr val="tx1"/>
+              </a:solidFill>
+            </a:ln>
+          </p:spPr>
+          <p:style>
+            <a:lnRef idx="1">
+              <a:schemeClr val="accent1"/>
+            </a:lnRef>
+            <a:fillRef idx="0">
+              <a:schemeClr val="accent1"/>
+            </a:fillRef>
+            <a:effectRef idx="0">
+              <a:schemeClr val="accent1"/>
+            </a:effectRef>
+            <a:fontRef idx="minor">
+              <a:schemeClr val="tx1"/>
+            </a:fontRef>
+          </p:style>
+          <p:txBody>
+            <a:bodyPr rtlCol="0" anchor="ctr"/>
+            <a:lstStyle/>
+            <a:p>
+              <a:pPr algn="ctr"/>
+              <a:endParaRPr kumimoji="1" lang="ja-JP" altLang="en-US"/>
+            </a:p>
+          </p:txBody>
+        </p:sp>
+        <p:sp>
+          <p:nvSpPr>
+            <p:cNvPr id="5" name="円弧 4">
+              <a:extLst>
+                <a:ext uri="{FF2B5EF4-FFF2-40B4-BE49-F238E27FC236}">
+                  <a16:creationId xmlns:a16="http://schemas.microsoft.com/office/drawing/2014/main" id="{9BB9E26F-20C5-8FBD-43DA-E9A44E158E33}"/>
+                </a:ext>
+              </a:extLst>
+            </p:cNvPr>
+            <p:cNvSpPr/>
+            <p:nvPr/>
+          </p:nvSpPr>
+          <p:spPr>
+            <a:xfrm rot="16200000">
+              <a:off x="3059832" y="2492896"/>
+              <a:ext cx="1152128" cy="1152128"/>
+            </a:xfrm>
+            <a:prstGeom prst="arc">
+              <a:avLst>
+                <a:gd name="adj1" fmla="val 16200000"/>
+                <a:gd name="adj2" fmla="val 5514588"/>
+              </a:avLst>
+            </a:prstGeom>
+            <a:ln w="12700">
+              <a:solidFill>
+                <a:schemeClr val="tx1"/>
+              </a:solidFill>
+            </a:ln>
+          </p:spPr>
+          <p:style>
+            <a:lnRef idx="1">
+              <a:schemeClr val="accent1"/>
+            </a:lnRef>
+            <a:fillRef idx="0">
+              <a:schemeClr val="accent1"/>
+            </a:fillRef>
+            <a:effectRef idx="0">
+              <a:schemeClr val="accent1"/>
+            </a:effectRef>
+            <a:fontRef idx="minor">
+              <a:schemeClr val="tx1"/>
+            </a:fontRef>
+          </p:style>
+          <p:txBody>
+            <a:bodyPr rtlCol="0" anchor="ctr"/>
+            <a:lstStyle/>
+            <a:p>
+              <a:pPr algn="ctr"/>
+              <a:endParaRPr kumimoji="1" lang="ja-JP" altLang="en-US"/>
+            </a:p>
+          </p:txBody>
+        </p:sp>
+        <p:sp>
+          <p:nvSpPr>
+            <p:cNvPr id="6" name="円弧 5">
+              <a:extLst>
+                <a:ext uri="{FF2B5EF4-FFF2-40B4-BE49-F238E27FC236}">
+                  <a16:creationId xmlns:a16="http://schemas.microsoft.com/office/drawing/2014/main" id="{C4BF816D-3DF3-BC7A-ADD9-4D9C075D727D}"/>
+                </a:ext>
+              </a:extLst>
+            </p:cNvPr>
+            <p:cNvSpPr/>
+            <p:nvPr/>
+          </p:nvSpPr>
+          <p:spPr>
+            <a:xfrm rot="16200000">
+              <a:off x="3707904" y="2492896"/>
+              <a:ext cx="1152128" cy="1152128"/>
+            </a:xfrm>
+            <a:prstGeom prst="arc">
+              <a:avLst>
+                <a:gd name="adj1" fmla="val 16069596"/>
+                <a:gd name="adj2" fmla="val 5514588"/>
+              </a:avLst>
+            </a:prstGeom>
+            <a:ln w="12700">
+              <a:solidFill>
+                <a:schemeClr val="tx1"/>
+              </a:solidFill>
+            </a:ln>
+          </p:spPr>
+          <p:style>
+            <a:lnRef idx="1">
+              <a:schemeClr val="accent1"/>
+            </a:lnRef>
+            <a:fillRef idx="0">
+              <a:schemeClr val="accent1"/>
+            </a:fillRef>
+            <a:effectRef idx="0">
+              <a:schemeClr val="accent1"/>
+            </a:effectRef>
+            <a:fontRef idx="minor">
+              <a:schemeClr val="tx1"/>
+            </a:fontRef>
+          </p:style>
+          <p:txBody>
+            <a:bodyPr rtlCol="0" anchor="ctr"/>
+            <a:lstStyle/>
+            <a:p>
+              <a:pPr algn="ctr"/>
+              <a:endParaRPr kumimoji="1" lang="ja-JP" altLang="en-US"/>
+            </a:p>
+          </p:txBody>
+        </p:sp>
+        <p:sp>
+          <p:nvSpPr>
+            <p:cNvPr id="7" name="円弧 6">
+              <a:extLst>
+                <a:ext uri="{FF2B5EF4-FFF2-40B4-BE49-F238E27FC236}">
+                  <a16:creationId xmlns:a16="http://schemas.microsoft.com/office/drawing/2014/main" id="{35A234EB-DDF8-3F83-27FA-0F9208B961FF}"/>
+                </a:ext>
+              </a:extLst>
+            </p:cNvPr>
+            <p:cNvSpPr/>
+            <p:nvPr/>
+          </p:nvSpPr>
+          <p:spPr>
+            <a:xfrm rot="5400000">
+              <a:off x="3383868" y="2816932"/>
+              <a:ext cx="1152128" cy="504056"/>
+            </a:xfrm>
+            <a:prstGeom prst="arc">
+              <a:avLst>
+                <a:gd name="adj1" fmla="val 16069596"/>
+                <a:gd name="adj2" fmla="val 5514588"/>
+              </a:avLst>
+            </a:prstGeom>
+            <a:ln w="12700">
+              <a:solidFill>
+                <a:schemeClr val="tx1"/>
+              </a:solidFill>
+            </a:ln>
+          </p:spPr>
+          <p:style>
+            <a:lnRef idx="1">
+              <a:schemeClr val="accent1"/>
+            </a:lnRef>
+            <a:fillRef idx="0">
+              <a:schemeClr val="accent1"/>
+            </a:fillRef>
+            <a:effectRef idx="0">
+              <a:schemeClr val="accent1"/>
+            </a:effectRef>
+            <a:fontRef idx="minor">
+              <a:schemeClr val="tx1"/>
+            </a:fontRef>
+          </p:style>
+          <p:txBody>
+            <a:bodyPr rtlCol="0" anchor="ctr"/>
+            <a:lstStyle/>
+            <a:p>
+              <a:pPr algn="ctr"/>
+              <a:endParaRPr kumimoji="1" lang="ja-JP" altLang="en-US"/>
+            </a:p>
+          </p:txBody>
+        </p:sp>
+        <p:sp>
+          <p:nvSpPr>
+            <p:cNvPr id="8" name="円弧 7">
+              <a:extLst>
+                <a:ext uri="{FF2B5EF4-FFF2-40B4-BE49-F238E27FC236}">
+                  <a16:creationId xmlns:a16="http://schemas.microsoft.com/office/drawing/2014/main" id="{BDB97C84-4518-EB13-CC05-816C1963BBA4}"/>
+                </a:ext>
+              </a:extLst>
+            </p:cNvPr>
+            <p:cNvSpPr/>
+            <p:nvPr/>
+          </p:nvSpPr>
+          <p:spPr>
+            <a:xfrm rot="5400000">
+              <a:off x="2735796" y="2816932"/>
+              <a:ext cx="1152128" cy="504056"/>
+            </a:xfrm>
+            <a:prstGeom prst="arc">
+              <a:avLst>
+                <a:gd name="adj1" fmla="val 16069596"/>
+                <a:gd name="adj2" fmla="val 5514588"/>
+              </a:avLst>
+            </a:prstGeom>
+            <a:ln w="12700">
+              <a:solidFill>
+                <a:schemeClr val="tx1"/>
+              </a:solidFill>
+            </a:ln>
+          </p:spPr>
+          <p:style>
+            <a:lnRef idx="1">
+              <a:schemeClr val="accent1"/>
+            </a:lnRef>
+            <a:fillRef idx="0">
+              <a:schemeClr val="accent1"/>
+            </a:fillRef>
+            <a:effectRef idx="0">
+              <a:schemeClr val="accent1"/>
+            </a:effectRef>
+            <a:fontRef idx="minor">
+              <a:schemeClr val="tx1"/>
+            </a:fontRef>
+          </p:style>
+          <p:txBody>
+            <a:bodyPr rtlCol="0" anchor="ctr"/>
+            <a:lstStyle/>
+            <a:p>
+              <a:pPr algn="ctr"/>
+              <a:endParaRPr kumimoji="1" lang="ja-JP" altLang="en-US"/>
+            </a:p>
+          </p:txBody>
+        </p:sp>
+        <p:sp>
+          <p:nvSpPr>
+            <p:cNvPr id="9" name="円弧 8">
+              <a:extLst>
+                <a:ext uri="{FF2B5EF4-FFF2-40B4-BE49-F238E27FC236}">
+                  <a16:creationId xmlns:a16="http://schemas.microsoft.com/office/drawing/2014/main" id="{05DE5B27-5145-5BA8-4167-EBD5237AB6B7}"/>
+                </a:ext>
+              </a:extLst>
+            </p:cNvPr>
+            <p:cNvSpPr/>
+            <p:nvPr/>
+          </p:nvSpPr>
+          <p:spPr>
+            <a:xfrm rot="5400000">
+              <a:off x="2087724" y="2816932"/>
+              <a:ext cx="1152128" cy="504056"/>
+            </a:xfrm>
+            <a:prstGeom prst="arc">
+              <a:avLst>
+                <a:gd name="adj1" fmla="val 16069596"/>
+                <a:gd name="adj2" fmla="val 5514588"/>
+              </a:avLst>
+            </a:prstGeom>
+            <a:ln w="12700">
+              <a:solidFill>
+                <a:schemeClr val="tx1"/>
+              </a:solidFill>
+            </a:ln>
+          </p:spPr>
+          <p:style>
+            <a:lnRef idx="1">
+              <a:schemeClr val="accent1"/>
+            </a:lnRef>
+            <a:fillRef idx="0">
+              <a:schemeClr val="accent1"/>
+            </a:fillRef>
+            <a:effectRef idx="0">
+              <a:schemeClr val="accent1"/>
+            </a:effectRef>
+            <a:fontRef idx="minor">
+              <a:schemeClr val="tx1"/>
+            </a:fontRef>
+          </p:style>
+          <p:txBody>
+            <a:bodyPr rtlCol="0" anchor="ctr"/>
+            <a:lstStyle/>
+            <a:p>
+              <a:pPr algn="ctr"/>
+              <a:endParaRPr kumimoji="1" lang="ja-JP" altLang="en-US"/>
+            </a:p>
+          </p:txBody>
+        </p:sp>
+        <p:sp>
+          <p:nvSpPr>
+            <p:cNvPr id="10" name="円弧 9">
+              <a:extLst>
+                <a:ext uri="{FF2B5EF4-FFF2-40B4-BE49-F238E27FC236}">
+                  <a16:creationId xmlns:a16="http://schemas.microsoft.com/office/drawing/2014/main" id="{C7200652-F41D-CCA9-0A11-F3911972ABD0}"/>
+                </a:ext>
+              </a:extLst>
+            </p:cNvPr>
+            <p:cNvSpPr/>
+            <p:nvPr/>
+          </p:nvSpPr>
+          <p:spPr>
+            <a:xfrm rot="16200000">
+              <a:off x="4355976" y="2492896"/>
+              <a:ext cx="1152128" cy="1152128"/>
+            </a:xfrm>
+            <a:prstGeom prst="arc">
+              <a:avLst>
+                <a:gd name="adj1" fmla="val 16069596"/>
+                <a:gd name="adj2" fmla="val 5514588"/>
+              </a:avLst>
+            </a:prstGeom>
+            <a:ln w="12700">
+              <a:solidFill>
+                <a:schemeClr val="tx1"/>
+              </a:solidFill>
+            </a:ln>
+          </p:spPr>
+          <p:style>
+            <a:lnRef idx="1">
+              <a:schemeClr val="accent1"/>
+            </a:lnRef>
+            <a:fillRef idx="0">
+              <a:schemeClr val="accent1"/>
+            </a:fillRef>
+            <a:effectRef idx="0">
+              <a:schemeClr val="accent1"/>
+            </a:effectRef>
+            <a:fontRef idx="minor">
+              <a:schemeClr val="tx1"/>
+            </a:fontRef>
+          </p:style>
+          <p:txBody>
+            <a:bodyPr rtlCol="0" anchor="ctr"/>
+            <a:lstStyle/>
+            <a:p>
+              <a:pPr algn="ctr"/>
+              <a:endParaRPr kumimoji="1" lang="ja-JP" altLang="en-US"/>
+            </a:p>
+          </p:txBody>
+        </p:sp>
+        <p:sp>
+          <p:nvSpPr>
+            <p:cNvPr id="11" name="円弧 10">
+              <a:extLst>
+                <a:ext uri="{FF2B5EF4-FFF2-40B4-BE49-F238E27FC236}">
+                  <a16:creationId xmlns:a16="http://schemas.microsoft.com/office/drawing/2014/main" id="{F5CFEC7C-26E7-405B-2264-31732F0C9CD6}"/>
+                </a:ext>
+              </a:extLst>
+            </p:cNvPr>
+            <p:cNvSpPr/>
+            <p:nvPr/>
+          </p:nvSpPr>
+          <p:spPr>
+            <a:xfrm rot="5400000">
+              <a:off x="4031940" y="2816932"/>
+              <a:ext cx="1152128" cy="504056"/>
+            </a:xfrm>
+            <a:prstGeom prst="arc">
+              <a:avLst>
+                <a:gd name="adj1" fmla="val 16069596"/>
+                <a:gd name="adj2" fmla="val 5514588"/>
+              </a:avLst>
+            </a:prstGeom>
+            <a:ln w="12700">
+              <a:solidFill>
+                <a:schemeClr val="tx1"/>
+              </a:solidFill>
+            </a:ln>
+          </p:spPr>
+          <p:style>
+            <a:lnRef idx="1">
+              <a:schemeClr val="accent1"/>
+            </a:lnRef>
+            <a:fillRef idx="0">
+              <a:schemeClr val="accent1"/>
+            </a:fillRef>
+            <a:effectRef idx="0">
+              <a:schemeClr val="accent1"/>
+            </a:effectRef>
+            <a:fontRef idx="minor">
+              <a:schemeClr val="tx1"/>
+            </a:fontRef>
+          </p:style>
+          <p:txBody>
+            <a:bodyPr rtlCol="0" anchor="ctr"/>
+            <a:lstStyle/>
+            <a:p>
+              <a:pPr algn="ctr"/>
+              <a:endParaRPr kumimoji="1" lang="ja-JP" altLang="en-US"/>
+            </a:p>
+          </p:txBody>
+        </p:sp>
+        <p:sp>
+          <p:nvSpPr>
+            <p:cNvPr id="12" name="円弧 11">
+              <a:extLst>
+                <a:ext uri="{FF2B5EF4-FFF2-40B4-BE49-F238E27FC236}">
+                  <a16:creationId xmlns:a16="http://schemas.microsoft.com/office/drawing/2014/main" id="{71600FFA-B4F4-42AF-411A-38C5243CB519}"/>
+                </a:ext>
+              </a:extLst>
+            </p:cNvPr>
+            <p:cNvSpPr/>
+            <p:nvPr/>
+          </p:nvSpPr>
+          <p:spPr>
+            <a:xfrm rot="16200000">
+              <a:off x="5004048" y="2492896"/>
+              <a:ext cx="1152128" cy="1152128"/>
+            </a:xfrm>
+            <a:prstGeom prst="arc">
+              <a:avLst>
+                <a:gd name="adj1" fmla="val 16069596"/>
+                <a:gd name="adj2" fmla="val 5514588"/>
+              </a:avLst>
+            </a:prstGeom>
+            <a:ln w="12700">
+              <a:solidFill>
+                <a:schemeClr val="tx1"/>
+              </a:solidFill>
+            </a:ln>
+          </p:spPr>
+          <p:style>
+            <a:lnRef idx="1">
+              <a:schemeClr val="accent1"/>
+            </a:lnRef>
+            <a:fillRef idx="0">
+              <a:schemeClr val="accent1"/>
+            </a:fillRef>
+            <a:effectRef idx="0">
+              <a:schemeClr val="accent1"/>
+            </a:effectRef>
+            <a:fontRef idx="minor">
+              <a:schemeClr val="tx1"/>
+            </a:fontRef>
+          </p:style>
+          <p:txBody>
+            <a:bodyPr rtlCol="0" anchor="ctr"/>
+            <a:lstStyle/>
+            <a:p>
+              <a:pPr algn="ctr"/>
+              <a:endParaRPr kumimoji="1" lang="ja-JP" altLang="en-US"/>
+            </a:p>
+          </p:txBody>
+        </p:sp>
+        <p:sp>
+          <p:nvSpPr>
+            <p:cNvPr id="13" name="円弧 12">
+              <a:extLst>
+                <a:ext uri="{FF2B5EF4-FFF2-40B4-BE49-F238E27FC236}">
+                  <a16:creationId xmlns:a16="http://schemas.microsoft.com/office/drawing/2014/main" id="{C9A67D6D-8582-F676-76AB-B050DB4FE16A}"/>
+                </a:ext>
+              </a:extLst>
+            </p:cNvPr>
+            <p:cNvSpPr/>
+            <p:nvPr/>
+          </p:nvSpPr>
+          <p:spPr>
+            <a:xfrm rot="5400000">
+              <a:off x="4680012" y="2816932"/>
+              <a:ext cx="1152128" cy="504056"/>
+            </a:xfrm>
+            <a:prstGeom prst="arc">
+              <a:avLst>
+                <a:gd name="adj1" fmla="val 16069596"/>
+                <a:gd name="adj2" fmla="val 5514588"/>
+              </a:avLst>
+            </a:prstGeom>
+            <a:ln w="12700">
+              <a:solidFill>
+                <a:schemeClr val="tx1"/>
+              </a:solidFill>
+            </a:ln>
+          </p:spPr>
+          <p:style>
+            <a:lnRef idx="1">
+              <a:schemeClr val="accent1"/>
+            </a:lnRef>
+            <a:fillRef idx="0">
+              <a:schemeClr val="accent1"/>
+            </a:fillRef>
+            <a:effectRef idx="0">
+              <a:schemeClr val="accent1"/>
+            </a:effectRef>
+            <a:fontRef idx="minor">
+              <a:schemeClr val="tx1"/>
+            </a:fontRef>
+          </p:style>
+          <p:txBody>
+            <a:bodyPr rtlCol="0" anchor="ctr"/>
+            <a:lstStyle/>
+            <a:p>
+              <a:pPr algn="ctr"/>
+              <a:endParaRPr kumimoji="1" lang="ja-JP" altLang="en-US"/>
+            </a:p>
+          </p:txBody>
+        </p:sp>
+        <p:sp>
+          <p:nvSpPr>
+            <p:cNvPr id="14" name="円弧 13">
+              <a:extLst>
+                <a:ext uri="{FF2B5EF4-FFF2-40B4-BE49-F238E27FC236}">
+                  <a16:creationId xmlns:a16="http://schemas.microsoft.com/office/drawing/2014/main" id="{EB8A9F47-5F9D-7A27-9006-F74108AB88F1}"/>
+                </a:ext>
+              </a:extLst>
+            </p:cNvPr>
+            <p:cNvSpPr/>
+            <p:nvPr/>
+          </p:nvSpPr>
+          <p:spPr>
+            <a:xfrm rot="16200000">
+              <a:off x="5652120" y="2492896"/>
+              <a:ext cx="1152128" cy="1152128"/>
+            </a:xfrm>
+            <a:prstGeom prst="arc">
+              <a:avLst>
+                <a:gd name="adj1" fmla="val 16069596"/>
+                <a:gd name="adj2" fmla="val 5438339"/>
+              </a:avLst>
+            </a:prstGeom>
+            <a:ln w="12700">
+              <a:solidFill>
+                <a:schemeClr val="tx1"/>
+              </a:solidFill>
+            </a:ln>
+          </p:spPr>
+          <p:style>
+            <a:lnRef idx="1">
+              <a:schemeClr val="accent1"/>
+            </a:lnRef>
+            <a:fillRef idx="0">
+              <a:schemeClr val="accent1"/>
+            </a:fillRef>
+            <a:effectRef idx="0">
+              <a:schemeClr val="accent1"/>
+            </a:effectRef>
+            <a:fontRef idx="minor">
+              <a:schemeClr val="tx1"/>
+            </a:fontRef>
+          </p:style>
+          <p:txBody>
+            <a:bodyPr rtlCol="0" anchor="ctr"/>
+            <a:lstStyle/>
+            <a:p>
+              <a:pPr algn="ctr"/>
+              <a:endParaRPr kumimoji="1" lang="ja-JP" altLang="en-US"/>
+            </a:p>
+          </p:txBody>
+        </p:sp>
+        <p:sp>
+          <p:nvSpPr>
+            <p:cNvPr id="15" name="円弧 14">
+              <a:extLst>
+                <a:ext uri="{FF2B5EF4-FFF2-40B4-BE49-F238E27FC236}">
+                  <a16:creationId xmlns:a16="http://schemas.microsoft.com/office/drawing/2014/main" id="{7BE6F742-37F4-0F08-F30B-0C85E4363D59}"/>
+                </a:ext>
+              </a:extLst>
+            </p:cNvPr>
+            <p:cNvSpPr/>
+            <p:nvPr/>
+          </p:nvSpPr>
+          <p:spPr>
+            <a:xfrm rot="5400000">
+              <a:off x="5328084" y="2816932"/>
+              <a:ext cx="1152128" cy="504056"/>
+            </a:xfrm>
+            <a:prstGeom prst="arc">
+              <a:avLst>
+                <a:gd name="adj1" fmla="val 16069596"/>
+                <a:gd name="adj2" fmla="val 5514588"/>
+              </a:avLst>
+            </a:prstGeom>
+            <a:ln w="12700">
+              <a:solidFill>
+                <a:schemeClr val="tx1"/>
+              </a:solidFill>
+            </a:ln>
+          </p:spPr>
+          <p:style>
+            <a:lnRef idx="1">
+              <a:schemeClr val="accent1"/>
+            </a:lnRef>
+            <a:fillRef idx="0">
+              <a:schemeClr val="accent1"/>
+            </a:fillRef>
+            <a:effectRef idx="0">
+              <a:schemeClr val="accent1"/>
+            </a:effectRef>
+            <a:fontRef idx="minor">
+              <a:schemeClr val="tx1"/>
+            </a:fontRef>
+          </p:style>
+          <p:txBody>
+            <a:bodyPr rtlCol="0" anchor="ctr"/>
+            <a:lstStyle/>
+            <a:p>
+              <a:pPr algn="ctr"/>
+              <a:endParaRPr kumimoji="1" lang="ja-JP" altLang="en-US"/>
+            </a:p>
+          </p:txBody>
+        </p:sp>
+        <p:cxnSp>
+          <p:nvCxnSpPr>
+            <p:cNvPr id="16" name="直線コネクタ 15">
+              <a:extLst>
+                <a:ext uri="{FF2B5EF4-FFF2-40B4-BE49-F238E27FC236}">
+                  <a16:creationId xmlns:a16="http://schemas.microsoft.com/office/drawing/2014/main" id="{94FFE922-5B1B-22B6-48CC-5C736BEEF19C}"/>
+                </a:ext>
+              </a:extLst>
+            </p:cNvPr>
+            <p:cNvCxnSpPr>
+              <a:stCxn id="4" idx="0"/>
+            </p:cNvCxnSpPr>
+            <p:nvPr/>
+          </p:nvCxnSpPr>
+          <p:spPr>
+            <a:xfrm flipH="1">
+              <a:off x="899592" y="3068960"/>
+              <a:ext cx="864096" cy="0"/>
+            </a:xfrm>
+            <a:prstGeom prst="line">
+              <a:avLst/>
+            </a:prstGeom>
+            <a:ln w="12700">
+              <a:solidFill>
+                <a:schemeClr val="tx1"/>
+              </a:solidFill>
+            </a:ln>
+          </p:spPr>
+          <p:style>
+            <a:lnRef idx="1">
+              <a:schemeClr val="accent1"/>
+            </a:lnRef>
+            <a:fillRef idx="0">
+              <a:schemeClr val="accent1"/>
+            </a:fillRef>
+            <a:effectRef idx="0">
+              <a:schemeClr val="accent1"/>
+            </a:effectRef>
+            <a:fontRef idx="minor">
+              <a:schemeClr val="tx1"/>
+            </a:fontRef>
+          </p:style>
+        </p:cxnSp>
+        <p:cxnSp>
+          <p:nvCxnSpPr>
+            <p:cNvPr id="17" name="直線コネクタ 16">
+              <a:extLst>
+                <a:ext uri="{FF2B5EF4-FFF2-40B4-BE49-F238E27FC236}">
+                  <a16:creationId xmlns:a16="http://schemas.microsoft.com/office/drawing/2014/main" id="{63A6FB6E-130F-32E0-F2BA-D09B1AE69A2B}"/>
+                </a:ext>
+              </a:extLst>
+            </p:cNvPr>
+            <p:cNvCxnSpPr/>
+            <p:nvPr/>
+          </p:nvCxnSpPr>
+          <p:spPr>
+            <a:xfrm flipH="1">
+              <a:off x="6804248" y="3068960"/>
+              <a:ext cx="864096" cy="0"/>
+            </a:xfrm>
+            <a:prstGeom prst="line">
+              <a:avLst/>
+            </a:prstGeom>
+            <a:ln w="12700">
+              <a:solidFill>
+                <a:schemeClr val="tx1"/>
+              </a:solidFill>
+            </a:ln>
+          </p:spPr>
+          <p:style>
+            <a:lnRef idx="1">
+              <a:schemeClr val="accent1"/>
+            </a:lnRef>
+            <a:fillRef idx="0">
+              <a:schemeClr val="accent1"/>
+            </a:fillRef>
+            <a:effectRef idx="0">
+              <a:schemeClr val="accent1"/>
+            </a:effectRef>
+            <a:fontRef idx="minor">
+              <a:schemeClr val="tx1"/>
+            </a:fontRef>
+          </p:style>
+        </p:cxnSp>
+      </p:grpSp>
+      <p:sp>
+        <p:nvSpPr>
+          <p:cNvPr id="18" name="正方形/長方形 17">
+            <a:extLst>
+              <a:ext uri="{FF2B5EF4-FFF2-40B4-BE49-F238E27FC236}">
+                <a16:creationId xmlns:a16="http://schemas.microsoft.com/office/drawing/2014/main" id="{3009995B-6710-5CDF-4231-AE506B438A1E}"/>
+              </a:ext>
+            </a:extLst>
+          </p:cNvPr>
+          <p:cNvSpPr/>
+          <p:nvPr/>
+        </p:nvSpPr>
+        <p:spPr>
+          <a:xfrm>
+            <a:off x="2495600" y="914862"/>
+            <a:ext cx="648072" cy="720080"/>
+          </a:xfrm>
+          <a:prstGeom prst="rect">
+            <a:avLst/>
+          </a:prstGeom>
+          <a:solidFill>
+            <a:schemeClr val="bg1">
+              <a:lumMod val="75000"/>
+            </a:schemeClr>
+          </a:solidFill>
+          <a:ln>
+            <a:solidFill>
+              <a:schemeClr val="tx1"/>
+            </a:solidFill>
+          </a:ln>
+        </p:spPr>
+        <p:style>
+          <a:lnRef idx="2">
+            <a:schemeClr val="accent1">
+              <a:shade val="50000"/>
+            </a:schemeClr>
+          </a:lnRef>
+          <a:fillRef idx="1">
+            <a:schemeClr val="accent1"/>
+          </a:fillRef>
+          <a:effectRef idx="0">
+            <a:schemeClr val="accent1"/>
+          </a:effectRef>
+          <a:fontRef idx="minor">
+            <a:schemeClr val="lt1"/>
+          </a:fontRef>
+        </p:style>
+        <p:txBody>
+          <a:bodyPr rtlCol="0" anchor="ctr"/>
+          <a:lstStyle/>
+          <a:p>
+            <a:pPr algn="ctr"/>
+            <a:endParaRPr kumimoji="1" lang="ja-JP" altLang="en-US"/>
+          </a:p>
+        </p:txBody>
+      </p:sp>
+      <p:sp>
+        <p:nvSpPr>
+          <p:cNvPr id="19" name="正方形/長方形 18">
+            <a:extLst>
+              <a:ext uri="{FF2B5EF4-FFF2-40B4-BE49-F238E27FC236}">
+                <a16:creationId xmlns:a16="http://schemas.microsoft.com/office/drawing/2014/main" id="{48957BA4-D5C4-C91E-98F0-B2A6F51F2FDA}"/>
+              </a:ext>
+            </a:extLst>
+          </p:cNvPr>
+          <p:cNvSpPr/>
+          <p:nvPr/>
+        </p:nvSpPr>
+        <p:spPr>
+          <a:xfrm>
+            <a:off x="983432" y="836712"/>
+            <a:ext cx="144016" cy="864096"/>
+          </a:xfrm>
+          <a:prstGeom prst="rect">
+            <a:avLst/>
+          </a:prstGeom>
+          <a:solidFill>
+            <a:srgbClr val="FFC000"/>
+          </a:solidFill>
+          <a:ln>
+            <a:solidFill>
+              <a:schemeClr val="tx1"/>
+            </a:solidFill>
+          </a:ln>
+        </p:spPr>
+        <p:style>
+          <a:lnRef idx="2">
+            <a:schemeClr val="accent1">
+              <a:shade val="50000"/>
+            </a:schemeClr>
+          </a:lnRef>
+          <a:fillRef idx="1">
+            <a:schemeClr val="accent1"/>
+          </a:fillRef>
+          <a:effectRef idx="0">
+            <a:schemeClr val="accent1"/>
+          </a:effectRef>
+          <a:fontRef idx="minor">
+            <a:schemeClr val="lt1"/>
+          </a:fontRef>
+        </p:style>
+        <p:txBody>
+          <a:bodyPr rtlCol="0" anchor="ctr"/>
+          <a:lstStyle/>
+          <a:p>
+            <a:pPr algn="ctr"/>
+            <a:endParaRPr kumimoji="1" lang="ja-JP" altLang="en-US"/>
+          </a:p>
+        </p:txBody>
+      </p:sp>
+      <p:cxnSp>
+        <p:nvCxnSpPr>
+          <p:cNvPr id="34" name="直線コネクタ 33">
+            <a:extLst>
+              <a:ext uri="{FF2B5EF4-FFF2-40B4-BE49-F238E27FC236}">
+                <a16:creationId xmlns:a16="http://schemas.microsoft.com/office/drawing/2014/main" id="{A3754298-0363-275A-494B-62EB000F20D7}"/>
+              </a:ext>
+            </a:extLst>
+          </p:cNvPr>
+          <p:cNvCxnSpPr>
+            <a:stCxn id="22" idx="0"/>
+          </p:cNvCxnSpPr>
+          <p:nvPr/>
+        </p:nvCxnSpPr>
+        <p:spPr>
+          <a:xfrm flipH="1">
+            <a:off x="1031469" y="3566200"/>
+            <a:ext cx="186826" cy="0"/>
+          </a:xfrm>
+          <a:prstGeom prst="line">
+            <a:avLst/>
+          </a:prstGeom>
+          <a:ln w="12700">
+            <a:solidFill>
+              <a:schemeClr val="tx1"/>
+            </a:solidFill>
+          </a:ln>
+        </p:spPr>
+        <p:style>
+          <a:lnRef idx="1">
+            <a:schemeClr val="accent1"/>
+          </a:lnRef>
+          <a:fillRef idx="0">
+            <a:schemeClr val="accent1"/>
+          </a:fillRef>
+          <a:effectRef idx="0">
+            <a:schemeClr val="accent1"/>
+          </a:effectRef>
+          <a:fontRef idx="minor">
+            <a:schemeClr val="tx1"/>
+          </a:fontRef>
+        </p:style>
+      </p:cxnSp>
+      <p:grpSp>
+        <p:nvGrpSpPr>
+          <p:cNvPr id="40" name="グループ化 39">
+            <a:extLst>
+              <a:ext uri="{FF2B5EF4-FFF2-40B4-BE49-F238E27FC236}">
+                <a16:creationId xmlns:a16="http://schemas.microsoft.com/office/drawing/2014/main" id="{0AA2DA0C-690D-681F-CF20-DB7256410CEF}"/>
+              </a:ext>
+            </a:extLst>
+          </p:cNvPr>
+          <p:cNvGrpSpPr/>
+          <p:nvPr/>
+        </p:nvGrpSpPr>
+        <p:grpSpPr>
+          <a:xfrm>
+            <a:off x="1218296" y="3270273"/>
+            <a:ext cx="2117419" cy="591852"/>
+            <a:chOff x="1242267" y="2558761"/>
+            <a:chExt cx="1276647" cy="591852"/>
+          </a:xfrm>
+        </p:grpSpPr>
+        <p:sp>
+          <p:nvSpPr>
+            <p:cNvPr id="21" name="円弧 20">
+              <a:extLst>
+                <a:ext uri="{FF2B5EF4-FFF2-40B4-BE49-F238E27FC236}">
+                  <a16:creationId xmlns:a16="http://schemas.microsoft.com/office/drawing/2014/main" id="{F714D635-2F88-096B-B3E2-0483EAEDDFF7}"/>
+                </a:ext>
+              </a:extLst>
+            </p:cNvPr>
+            <p:cNvSpPr/>
+            <p:nvPr/>
+          </p:nvSpPr>
+          <p:spPr>
+            <a:xfrm rot="16200000">
+              <a:off x="1211012" y="2730137"/>
+              <a:ext cx="591851" cy="249102"/>
+            </a:xfrm>
+            <a:prstGeom prst="arc">
+              <a:avLst>
+                <a:gd name="adj1" fmla="val 16200000"/>
+                <a:gd name="adj2" fmla="val 5514588"/>
+              </a:avLst>
+            </a:prstGeom>
+            <a:ln w="12700">
+              <a:solidFill>
+                <a:schemeClr val="tx1"/>
+              </a:solidFill>
+            </a:ln>
+          </p:spPr>
+          <p:style>
+            <a:lnRef idx="1">
+              <a:schemeClr val="accent1"/>
+            </a:lnRef>
+            <a:fillRef idx="0">
+              <a:schemeClr val="accent1"/>
+            </a:fillRef>
+            <a:effectRef idx="0">
+              <a:schemeClr val="accent1"/>
+            </a:effectRef>
+            <a:fontRef idx="minor">
+              <a:schemeClr val="tx1"/>
+            </a:fontRef>
+          </p:style>
+          <p:txBody>
+            <a:bodyPr rtlCol="0" anchor="ctr"/>
+            <a:lstStyle/>
+            <a:p>
+              <a:pPr algn="ctr"/>
+              <a:endParaRPr kumimoji="1" lang="ja-JP" altLang="en-US"/>
+            </a:p>
+          </p:txBody>
+        </p:sp>
+        <p:sp>
+          <p:nvSpPr>
+            <p:cNvPr id="22" name="円弧 21">
+              <a:extLst>
+                <a:ext uri="{FF2B5EF4-FFF2-40B4-BE49-F238E27FC236}">
+                  <a16:creationId xmlns:a16="http://schemas.microsoft.com/office/drawing/2014/main" id="{EEB48262-461E-ABE3-0625-543B18912578}"/>
+                </a:ext>
+              </a:extLst>
+            </p:cNvPr>
+            <p:cNvSpPr/>
+            <p:nvPr/>
+          </p:nvSpPr>
+          <p:spPr>
+            <a:xfrm rot="16200000">
+              <a:off x="1070892" y="2730137"/>
+              <a:ext cx="591851" cy="249102"/>
+            </a:xfrm>
+            <a:prstGeom prst="arc">
+              <a:avLst>
+                <a:gd name="adj1" fmla="val 16200000"/>
+                <a:gd name="adj2" fmla="val 5514588"/>
+              </a:avLst>
+            </a:prstGeom>
+            <a:ln w="12700">
+              <a:solidFill>
+                <a:schemeClr val="tx1"/>
+              </a:solidFill>
+            </a:ln>
+          </p:spPr>
+          <p:style>
+            <a:lnRef idx="1">
+              <a:schemeClr val="accent1"/>
+            </a:lnRef>
+            <a:fillRef idx="0">
+              <a:schemeClr val="accent1"/>
+            </a:fillRef>
+            <a:effectRef idx="0">
+              <a:schemeClr val="accent1"/>
+            </a:effectRef>
+            <a:fontRef idx="minor">
+              <a:schemeClr val="tx1"/>
+            </a:fontRef>
+          </p:style>
+          <p:txBody>
+            <a:bodyPr rtlCol="0" anchor="ctr"/>
+            <a:lstStyle/>
+            <a:p>
+              <a:pPr algn="ctr"/>
+              <a:endParaRPr kumimoji="1" lang="ja-JP" altLang="en-US"/>
+            </a:p>
+          </p:txBody>
+        </p:sp>
+        <p:sp>
+          <p:nvSpPr>
+            <p:cNvPr id="23" name="円弧 22">
+              <a:extLst>
+                <a:ext uri="{FF2B5EF4-FFF2-40B4-BE49-F238E27FC236}">
+                  <a16:creationId xmlns:a16="http://schemas.microsoft.com/office/drawing/2014/main" id="{568FFBCB-6091-1314-E9E5-2172FDAFB2D2}"/>
+                </a:ext>
+              </a:extLst>
+            </p:cNvPr>
+            <p:cNvSpPr/>
+            <p:nvPr/>
+          </p:nvSpPr>
+          <p:spPr>
+            <a:xfrm rot="16200000">
+              <a:off x="1351132" y="2730137"/>
+              <a:ext cx="591851" cy="249102"/>
+            </a:xfrm>
+            <a:prstGeom prst="arc">
+              <a:avLst>
+                <a:gd name="adj1" fmla="val 16200000"/>
+                <a:gd name="adj2" fmla="val 5514588"/>
+              </a:avLst>
+            </a:prstGeom>
+            <a:ln w="12700">
+              <a:solidFill>
+                <a:schemeClr val="tx1"/>
+              </a:solidFill>
+            </a:ln>
+          </p:spPr>
+          <p:style>
+            <a:lnRef idx="1">
+              <a:schemeClr val="accent1"/>
+            </a:lnRef>
+            <a:fillRef idx="0">
+              <a:schemeClr val="accent1"/>
+            </a:fillRef>
+            <a:effectRef idx="0">
+              <a:schemeClr val="accent1"/>
+            </a:effectRef>
+            <a:fontRef idx="minor">
+              <a:schemeClr val="tx1"/>
+            </a:fontRef>
+          </p:style>
+          <p:txBody>
+            <a:bodyPr rtlCol="0" anchor="ctr"/>
+            <a:lstStyle/>
+            <a:p>
+              <a:pPr algn="ctr"/>
+              <a:endParaRPr kumimoji="1" lang="ja-JP" altLang="en-US"/>
+            </a:p>
+          </p:txBody>
+        </p:sp>
+        <p:sp>
+          <p:nvSpPr>
+            <p:cNvPr id="24" name="円弧 23">
+              <a:extLst>
+                <a:ext uri="{FF2B5EF4-FFF2-40B4-BE49-F238E27FC236}">
+                  <a16:creationId xmlns:a16="http://schemas.microsoft.com/office/drawing/2014/main" id="{3D509761-F933-177A-1E2A-503BA4842DA3}"/>
+                </a:ext>
+              </a:extLst>
+            </p:cNvPr>
+            <p:cNvSpPr/>
+            <p:nvPr/>
+          </p:nvSpPr>
+          <p:spPr>
+            <a:xfrm rot="16200000">
+              <a:off x="1491252" y="2730137"/>
+              <a:ext cx="591851" cy="249102"/>
+            </a:xfrm>
+            <a:prstGeom prst="arc">
+              <a:avLst>
+                <a:gd name="adj1" fmla="val 16069596"/>
+                <a:gd name="adj2" fmla="val 5514588"/>
+              </a:avLst>
+            </a:prstGeom>
+            <a:ln w="12700">
+              <a:solidFill>
+                <a:schemeClr val="tx1"/>
+              </a:solidFill>
+            </a:ln>
+          </p:spPr>
+          <p:style>
+            <a:lnRef idx="1">
+              <a:schemeClr val="accent1"/>
+            </a:lnRef>
+            <a:fillRef idx="0">
+              <a:schemeClr val="accent1"/>
+            </a:fillRef>
+            <a:effectRef idx="0">
+              <a:schemeClr val="accent1"/>
+            </a:effectRef>
+            <a:fontRef idx="minor">
+              <a:schemeClr val="tx1"/>
+            </a:fontRef>
+          </p:style>
+          <p:txBody>
+            <a:bodyPr rtlCol="0" anchor="ctr"/>
+            <a:lstStyle/>
+            <a:p>
+              <a:pPr algn="ctr"/>
+              <a:endParaRPr kumimoji="1" lang="ja-JP" altLang="en-US"/>
+            </a:p>
+          </p:txBody>
+        </p:sp>
+        <p:sp>
+          <p:nvSpPr>
+            <p:cNvPr id="25" name="円弧 24">
+              <a:extLst>
+                <a:ext uri="{FF2B5EF4-FFF2-40B4-BE49-F238E27FC236}">
+                  <a16:creationId xmlns:a16="http://schemas.microsoft.com/office/drawing/2014/main" id="{73A418A5-FC21-5773-5B44-1563A2141895}"/>
+                </a:ext>
+              </a:extLst>
+            </p:cNvPr>
+            <p:cNvSpPr/>
+            <p:nvPr/>
+          </p:nvSpPr>
+          <p:spPr>
+            <a:xfrm rot="5400000">
+              <a:off x="1421192" y="2800196"/>
+              <a:ext cx="591851" cy="108982"/>
+            </a:xfrm>
+            <a:prstGeom prst="arc">
+              <a:avLst>
+                <a:gd name="adj1" fmla="val 16069596"/>
+                <a:gd name="adj2" fmla="val 5514588"/>
+              </a:avLst>
+            </a:prstGeom>
+            <a:ln w="12700">
+              <a:solidFill>
+                <a:schemeClr val="tx1"/>
+              </a:solidFill>
+            </a:ln>
+          </p:spPr>
+          <p:style>
+            <a:lnRef idx="1">
+              <a:schemeClr val="accent1"/>
+            </a:lnRef>
+            <a:fillRef idx="0">
+              <a:schemeClr val="accent1"/>
+            </a:fillRef>
+            <a:effectRef idx="0">
+              <a:schemeClr val="accent1"/>
+            </a:effectRef>
+            <a:fontRef idx="minor">
+              <a:schemeClr val="tx1"/>
+            </a:fontRef>
+          </p:style>
+          <p:txBody>
+            <a:bodyPr rtlCol="0" anchor="ctr"/>
+            <a:lstStyle/>
+            <a:p>
+              <a:pPr algn="ctr"/>
+              <a:endParaRPr kumimoji="1" lang="ja-JP" altLang="en-US"/>
+            </a:p>
+          </p:txBody>
+        </p:sp>
+        <p:sp>
+          <p:nvSpPr>
+            <p:cNvPr id="26" name="円弧 25">
+              <a:extLst>
+                <a:ext uri="{FF2B5EF4-FFF2-40B4-BE49-F238E27FC236}">
+                  <a16:creationId xmlns:a16="http://schemas.microsoft.com/office/drawing/2014/main" id="{A8ABDC43-B39A-EFC9-ECEB-35F130CD612C}"/>
+                </a:ext>
+              </a:extLst>
+            </p:cNvPr>
+            <p:cNvSpPr/>
+            <p:nvPr/>
+          </p:nvSpPr>
+          <p:spPr>
+            <a:xfrm rot="5400000">
+              <a:off x="1281072" y="2800196"/>
+              <a:ext cx="591851" cy="108982"/>
+            </a:xfrm>
+            <a:prstGeom prst="arc">
+              <a:avLst>
+                <a:gd name="adj1" fmla="val 16069596"/>
+                <a:gd name="adj2" fmla="val 5514588"/>
+              </a:avLst>
+            </a:prstGeom>
+            <a:ln w="12700">
+              <a:solidFill>
+                <a:schemeClr val="tx1"/>
+              </a:solidFill>
+            </a:ln>
+          </p:spPr>
+          <p:style>
+            <a:lnRef idx="1">
+              <a:schemeClr val="accent1"/>
+            </a:lnRef>
+            <a:fillRef idx="0">
+              <a:schemeClr val="accent1"/>
+            </a:fillRef>
+            <a:effectRef idx="0">
+              <a:schemeClr val="accent1"/>
+            </a:effectRef>
+            <a:fontRef idx="minor">
+              <a:schemeClr val="tx1"/>
+            </a:fontRef>
+          </p:style>
+          <p:txBody>
+            <a:bodyPr rtlCol="0" anchor="ctr"/>
+            <a:lstStyle/>
+            <a:p>
+              <a:pPr algn="ctr"/>
+              <a:endParaRPr kumimoji="1" lang="ja-JP" altLang="en-US"/>
+            </a:p>
+          </p:txBody>
+        </p:sp>
+        <p:sp>
+          <p:nvSpPr>
+            <p:cNvPr id="27" name="円弧 26">
+              <a:extLst>
+                <a:ext uri="{FF2B5EF4-FFF2-40B4-BE49-F238E27FC236}">
+                  <a16:creationId xmlns:a16="http://schemas.microsoft.com/office/drawing/2014/main" id="{48589F82-4CA0-5ABA-08D3-2F601FD8B3C8}"/>
+                </a:ext>
+              </a:extLst>
+            </p:cNvPr>
+            <p:cNvSpPr/>
+            <p:nvPr/>
+          </p:nvSpPr>
+          <p:spPr>
+            <a:xfrm rot="5400000">
+              <a:off x="1140952" y="2800196"/>
+              <a:ext cx="591851" cy="108982"/>
+            </a:xfrm>
+            <a:prstGeom prst="arc">
+              <a:avLst>
+                <a:gd name="adj1" fmla="val 16069596"/>
+                <a:gd name="adj2" fmla="val 5514588"/>
+              </a:avLst>
+            </a:prstGeom>
+            <a:ln w="12700">
+              <a:solidFill>
+                <a:schemeClr val="tx1"/>
+              </a:solidFill>
+            </a:ln>
+          </p:spPr>
+          <p:style>
+            <a:lnRef idx="1">
+              <a:schemeClr val="accent1"/>
+            </a:lnRef>
+            <a:fillRef idx="0">
+              <a:schemeClr val="accent1"/>
+            </a:fillRef>
+            <a:effectRef idx="0">
+              <a:schemeClr val="accent1"/>
+            </a:effectRef>
+            <a:fontRef idx="minor">
+              <a:schemeClr val="tx1"/>
+            </a:fontRef>
+          </p:style>
+          <p:txBody>
+            <a:bodyPr rtlCol="0" anchor="ctr"/>
+            <a:lstStyle/>
+            <a:p>
+              <a:pPr algn="ctr"/>
+              <a:endParaRPr kumimoji="1" lang="ja-JP" altLang="en-US"/>
+            </a:p>
+          </p:txBody>
+        </p:sp>
+        <p:sp>
+          <p:nvSpPr>
+            <p:cNvPr id="28" name="円弧 27">
+              <a:extLst>
+                <a:ext uri="{FF2B5EF4-FFF2-40B4-BE49-F238E27FC236}">
+                  <a16:creationId xmlns:a16="http://schemas.microsoft.com/office/drawing/2014/main" id="{A334EC09-5F52-EE5E-DF53-148716396BD3}"/>
+                </a:ext>
+              </a:extLst>
+            </p:cNvPr>
+            <p:cNvSpPr/>
+            <p:nvPr/>
+          </p:nvSpPr>
+          <p:spPr>
+            <a:xfrm rot="16200000">
+              <a:off x="1631371" y="2730137"/>
+              <a:ext cx="591851" cy="249102"/>
+            </a:xfrm>
+            <a:prstGeom prst="arc">
+              <a:avLst>
+                <a:gd name="adj1" fmla="val 16069596"/>
+                <a:gd name="adj2" fmla="val 5514588"/>
+              </a:avLst>
+            </a:prstGeom>
+            <a:ln w="12700">
+              <a:solidFill>
+                <a:schemeClr val="tx1"/>
+              </a:solidFill>
+            </a:ln>
+          </p:spPr>
+          <p:style>
+            <a:lnRef idx="1">
+              <a:schemeClr val="accent1"/>
+            </a:lnRef>
+            <a:fillRef idx="0">
+              <a:schemeClr val="accent1"/>
+            </a:fillRef>
+            <a:effectRef idx="0">
+              <a:schemeClr val="accent1"/>
+            </a:effectRef>
+            <a:fontRef idx="minor">
+              <a:schemeClr val="tx1"/>
+            </a:fontRef>
+          </p:style>
+          <p:txBody>
+            <a:bodyPr rtlCol="0" anchor="ctr"/>
+            <a:lstStyle/>
+            <a:p>
+              <a:pPr algn="ctr"/>
+              <a:endParaRPr kumimoji="1" lang="ja-JP" altLang="en-US"/>
+            </a:p>
+          </p:txBody>
+        </p:sp>
+        <p:sp>
+          <p:nvSpPr>
+            <p:cNvPr id="29" name="円弧 28">
+              <a:extLst>
+                <a:ext uri="{FF2B5EF4-FFF2-40B4-BE49-F238E27FC236}">
+                  <a16:creationId xmlns:a16="http://schemas.microsoft.com/office/drawing/2014/main" id="{DF7C8DAC-548D-C5D8-53B4-46A3B6AD09B5}"/>
+                </a:ext>
+              </a:extLst>
+            </p:cNvPr>
+            <p:cNvSpPr/>
+            <p:nvPr/>
+          </p:nvSpPr>
+          <p:spPr>
+            <a:xfrm rot="5400000">
+              <a:off x="1561311" y="2800196"/>
+              <a:ext cx="591851" cy="108982"/>
+            </a:xfrm>
+            <a:prstGeom prst="arc">
+              <a:avLst>
+                <a:gd name="adj1" fmla="val 16069596"/>
+                <a:gd name="adj2" fmla="val 5514588"/>
+              </a:avLst>
+            </a:prstGeom>
+            <a:ln w="12700">
+              <a:solidFill>
+                <a:schemeClr val="tx1"/>
+              </a:solidFill>
+            </a:ln>
+          </p:spPr>
+          <p:style>
+            <a:lnRef idx="1">
+              <a:schemeClr val="accent1"/>
+            </a:lnRef>
+            <a:fillRef idx="0">
+              <a:schemeClr val="accent1"/>
+            </a:fillRef>
+            <a:effectRef idx="0">
+              <a:schemeClr val="accent1"/>
+            </a:effectRef>
+            <a:fontRef idx="minor">
+              <a:schemeClr val="tx1"/>
+            </a:fontRef>
+          </p:style>
+          <p:txBody>
+            <a:bodyPr rtlCol="0" anchor="ctr"/>
+            <a:lstStyle/>
+            <a:p>
+              <a:pPr algn="ctr"/>
+              <a:endParaRPr kumimoji="1" lang="ja-JP" altLang="en-US"/>
+            </a:p>
+          </p:txBody>
+        </p:sp>
+        <p:sp>
+          <p:nvSpPr>
+            <p:cNvPr id="30" name="円弧 29">
+              <a:extLst>
+                <a:ext uri="{FF2B5EF4-FFF2-40B4-BE49-F238E27FC236}">
+                  <a16:creationId xmlns:a16="http://schemas.microsoft.com/office/drawing/2014/main" id="{EABDDD3D-6BC5-E531-5F62-9946CCFDF9B4}"/>
+                </a:ext>
+              </a:extLst>
+            </p:cNvPr>
+            <p:cNvSpPr/>
+            <p:nvPr/>
+          </p:nvSpPr>
+          <p:spPr>
+            <a:xfrm rot="16200000">
+              <a:off x="1771491" y="2730137"/>
+              <a:ext cx="591851" cy="249102"/>
+            </a:xfrm>
+            <a:prstGeom prst="arc">
+              <a:avLst>
+                <a:gd name="adj1" fmla="val 16069596"/>
+                <a:gd name="adj2" fmla="val 5514588"/>
+              </a:avLst>
+            </a:prstGeom>
+            <a:ln w="12700">
+              <a:solidFill>
+                <a:schemeClr val="tx1"/>
+              </a:solidFill>
+            </a:ln>
+          </p:spPr>
+          <p:style>
+            <a:lnRef idx="1">
+              <a:schemeClr val="accent1"/>
+            </a:lnRef>
+            <a:fillRef idx="0">
+              <a:schemeClr val="accent1"/>
+            </a:fillRef>
+            <a:effectRef idx="0">
+              <a:schemeClr val="accent1"/>
+            </a:effectRef>
+            <a:fontRef idx="minor">
+              <a:schemeClr val="tx1"/>
+            </a:fontRef>
+          </p:style>
+          <p:txBody>
+            <a:bodyPr rtlCol="0" anchor="ctr"/>
+            <a:lstStyle/>
+            <a:p>
+              <a:pPr algn="ctr"/>
+              <a:endParaRPr kumimoji="1" lang="ja-JP" altLang="en-US"/>
+            </a:p>
+          </p:txBody>
+        </p:sp>
+        <p:sp>
+          <p:nvSpPr>
+            <p:cNvPr id="31" name="円弧 30">
+              <a:extLst>
+                <a:ext uri="{FF2B5EF4-FFF2-40B4-BE49-F238E27FC236}">
+                  <a16:creationId xmlns:a16="http://schemas.microsoft.com/office/drawing/2014/main" id="{103D517A-283F-2376-CA0D-9D1529380348}"/>
+                </a:ext>
+              </a:extLst>
+            </p:cNvPr>
+            <p:cNvSpPr/>
+            <p:nvPr/>
+          </p:nvSpPr>
+          <p:spPr>
+            <a:xfrm rot="5400000">
+              <a:off x="1701431" y="2800196"/>
+              <a:ext cx="591851" cy="108982"/>
+            </a:xfrm>
+            <a:prstGeom prst="arc">
+              <a:avLst>
+                <a:gd name="adj1" fmla="val 16069596"/>
+                <a:gd name="adj2" fmla="val 5514588"/>
+              </a:avLst>
+            </a:prstGeom>
+            <a:ln w="12700">
+              <a:solidFill>
+                <a:schemeClr val="tx1"/>
+              </a:solidFill>
+            </a:ln>
+          </p:spPr>
+          <p:style>
+            <a:lnRef idx="1">
+              <a:schemeClr val="accent1"/>
+            </a:lnRef>
+            <a:fillRef idx="0">
+              <a:schemeClr val="accent1"/>
+            </a:fillRef>
+            <a:effectRef idx="0">
+              <a:schemeClr val="accent1"/>
+            </a:effectRef>
+            <a:fontRef idx="minor">
+              <a:schemeClr val="tx1"/>
+            </a:fontRef>
+          </p:style>
+          <p:txBody>
+            <a:bodyPr rtlCol="0" anchor="ctr"/>
+            <a:lstStyle/>
+            <a:p>
+              <a:pPr algn="ctr"/>
+              <a:endParaRPr kumimoji="1" lang="ja-JP" altLang="en-US"/>
+            </a:p>
+          </p:txBody>
+        </p:sp>
+        <p:sp>
+          <p:nvSpPr>
+            <p:cNvPr id="32" name="円弧 31">
+              <a:extLst>
+                <a:ext uri="{FF2B5EF4-FFF2-40B4-BE49-F238E27FC236}">
+                  <a16:creationId xmlns:a16="http://schemas.microsoft.com/office/drawing/2014/main" id="{1553659F-4903-71C9-ED76-79BD4B79E788}"/>
+                </a:ext>
+              </a:extLst>
+            </p:cNvPr>
+            <p:cNvSpPr/>
+            <p:nvPr/>
+          </p:nvSpPr>
+          <p:spPr>
+            <a:xfrm rot="16200000">
+              <a:off x="1911611" y="2730137"/>
+              <a:ext cx="591851" cy="249102"/>
+            </a:xfrm>
+            <a:prstGeom prst="arc">
+              <a:avLst>
+                <a:gd name="adj1" fmla="val 16069596"/>
+                <a:gd name="adj2" fmla="val 5438339"/>
+              </a:avLst>
+            </a:prstGeom>
+            <a:ln w="12700">
+              <a:solidFill>
+                <a:schemeClr val="tx1"/>
+              </a:solidFill>
+            </a:ln>
+          </p:spPr>
+          <p:style>
+            <a:lnRef idx="1">
+              <a:schemeClr val="accent1"/>
+            </a:lnRef>
+            <a:fillRef idx="0">
+              <a:schemeClr val="accent1"/>
+            </a:fillRef>
+            <a:effectRef idx="0">
+              <a:schemeClr val="accent1"/>
+            </a:effectRef>
+            <a:fontRef idx="minor">
+              <a:schemeClr val="tx1"/>
+            </a:fontRef>
+          </p:style>
+          <p:txBody>
+            <a:bodyPr rtlCol="0" anchor="ctr"/>
+            <a:lstStyle/>
+            <a:p>
+              <a:pPr algn="ctr"/>
+              <a:endParaRPr kumimoji="1" lang="ja-JP" altLang="en-US"/>
+            </a:p>
+          </p:txBody>
+        </p:sp>
+        <p:sp>
+          <p:nvSpPr>
+            <p:cNvPr id="33" name="円弧 32">
+              <a:extLst>
+                <a:ext uri="{FF2B5EF4-FFF2-40B4-BE49-F238E27FC236}">
+                  <a16:creationId xmlns:a16="http://schemas.microsoft.com/office/drawing/2014/main" id="{4246907E-59E8-2A1E-BCB8-ED675856367A}"/>
+                </a:ext>
+              </a:extLst>
+            </p:cNvPr>
+            <p:cNvSpPr/>
+            <p:nvPr/>
+          </p:nvSpPr>
+          <p:spPr>
+            <a:xfrm rot="5400000">
+              <a:off x="1841551" y="2800196"/>
+              <a:ext cx="591851" cy="108982"/>
+            </a:xfrm>
+            <a:prstGeom prst="arc">
+              <a:avLst>
+                <a:gd name="adj1" fmla="val 16069596"/>
+                <a:gd name="adj2" fmla="val 5514588"/>
+              </a:avLst>
+            </a:prstGeom>
+            <a:ln w="12700">
+              <a:solidFill>
+                <a:schemeClr val="tx1"/>
+              </a:solidFill>
+            </a:ln>
+          </p:spPr>
+          <p:style>
+            <a:lnRef idx="1">
+              <a:schemeClr val="accent1"/>
+            </a:lnRef>
+            <a:fillRef idx="0">
+              <a:schemeClr val="accent1"/>
+            </a:fillRef>
+            <a:effectRef idx="0">
+              <a:schemeClr val="accent1"/>
+            </a:effectRef>
+            <a:fontRef idx="minor">
+              <a:schemeClr val="tx1"/>
+            </a:fontRef>
+          </p:style>
+          <p:txBody>
+            <a:bodyPr rtlCol="0" anchor="ctr"/>
+            <a:lstStyle/>
+            <a:p>
+              <a:pPr algn="ctr"/>
+              <a:endParaRPr kumimoji="1" lang="ja-JP" altLang="en-US"/>
+            </a:p>
+          </p:txBody>
+        </p:sp>
+        <p:cxnSp>
+          <p:nvCxnSpPr>
+            <p:cNvPr id="35" name="直線コネクタ 34">
+              <a:extLst>
+                <a:ext uri="{FF2B5EF4-FFF2-40B4-BE49-F238E27FC236}">
+                  <a16:creationId xmlns:a16="http://schemas.microsoft.com/office/drawing/2014/main" id="{2FF3E823-ED01-A64E-4082-DEAB1307303E}"/>
+                </a:ext>
+              </a:extLst>
+            </p:cNvPr>
+            <p:cNvCxnSpPr/>
+            <p:nvPr/>
+          </p:nvCxnSpPr>
+          <p:spPr>
+            <a:xfrm flipH="1">
+              <a:off x="2332088" y="2854688"/>
+              <a:ext cx="186826" cy="0"/>
+            </a:xfrm>
+            <a:prstGeom prst="line">
+              <a:avLst/>
+            </a:prstGeom>
+            <a:ln w="12700">
+              <a:solidFill>
+                <a:schemeClr val="tx1"/>
+              </a:solidFill>
+            </a:ln>
+          </p:spPr>
+          <p:style>
+            <a:lnRef idx="1">
+              <a:schemeClr val="accent1"/>
+            </a:lnRef>
+            <a:fillRef idx="0">
+              <a:schemeClr val="accent1"/>
+            </a:fillRef>
+            <a:effectRef idx="0">
+              <a:schemeClr val="accent1"/>
+            </a:effectRef>
+            <a:fontRef idx="minor">
+              <a:schemeClr val="tx1"/>
+            </a:fontRef>
+          </p:style>
+        </p:cxnSp>
+      </p:grpSp>
+      <p:sp>
+        <p:nvSpPr>
+          <p:cNvPr id="36" name="正方形/長方形 35">
+            <a:extLst>
+              <a:ext uri="{FF2B5EF4-FFF2-40B4-BE49-F238E27FC236}">
+                <a16:creationId xmlns:a16="http://schemas.microsoft.com/office/drawing/2014/main" id="{23280470-F7A6-C612-3452-B67A43C0CB50}"/>
+              </a:ext>
+            </a:extLst>
+          </p:cNvPr>
+          <p:cNvSpPr/>
+          <p:nvPr/>
+        </p:nvSpPr>
+        <p:spPr>
+          <a:xfrm>
+            <a:off x="3323238" y="3204408"/>
+            <a:ext cx="648072" cy="720080"/>
+          </a:xfrm>
+          <a:prstGeom prst="rect">
+            <a:avLst/>
+          </a:prstGeom>
+          <a:solidFill>
+            <a:schemeClr val="bg1">
+              <a:lumMod val="75000"/>
+            </a:schemeClr>
+          </a:solidFill>
+          <a:ln>
+            <a:solidFill>
+              <a:schemeClr val="tx1"/>
+            </a:solidFill>
+          </a:ln>
+        </p:spPr>
+        <p:style>
+          <a:lnRef idx="2">
+            <a:schemeClr val="accent1">
+              <a:shade val="50000"/>
+            </a:schemeClr>
+          </a:lnRef>
+          <a:fillRef idx="1">
+            <a:schemeClr val="accent1"/>
+          </a:fillRef>
+          <a:effectRef idx="0">
+            <a:schemeClr val="accent1"/>
+          </a:effectRef>
+          <a:fontRef idx="minor">
+            <a:schemeClr val="lt1"/>
+          </a:fontRef>
+        </p:style>
+        <p:txBody>
+          <a:bodyPr rtlCol="0" anchor="ctr"/>
+          <a:lstStyle/>
+          <a:p>
+            <a:pPr algn="ctr"/>
+            <a:endParaRPr kumimoji="1" lang="ja-JP" altLang="en-US"/>
+          </a:p>
+        </p:txBody>
+      </p:sp>
+      <p:sp>
+        <p:nvSpPr>
+          <p:cNvPr id="37" name="正方形/長方形 36">
+            <a:extLst>
+              <a:ext uri="{FF2B5EF4-FFF2-40B4-BE49-F238E27FC236}">
+                <a16:creationId xmlns:a16="http://schemas.microsoft.com/office/drawing/2014/main" id="{3AE31007-1CC4-51FB-F8A1-D2A197EE5F11}"/>
+              </a:ext>
+            </a:extLst>
+          </p:cNvPr>
+          <p:cNvSpPr/>
+          <p:nvPr/>
+        </p:nvSpPr>
+        <p:spPr>
+          <a:xfrm>
+            <a:off x="959461" y="3126258"/>
+            <a:ext cx="144016" cy="864096"/>
+          </a:xfrm>
+          <a:prstGeom prst="rect">
+            <a:avLst/>
+          </a:prstGeom>
+          <a:solidFill>
+            <a:srgbClr val="FFC000"/>
+          </a:solidFill>
+          <a:ln>
+            <a:solidFill>
+              <a:schemeClr val="tx1"/>
+            </a:solidFill>
+          </a:ln>
+        </p:spPr>
+        <p:style>
+          <a:lnRef idx="2">
+            <a:schemeClr val="accent1">
+              <a:shade val="50000"/>
+            </a:schemeClr>
+          </a:lnRef>
+          <a:fillRef idx="1">
+            <a:schemeClr val="accent1"/>
+          </a:fillRef>
+          <a:effectRef idx="0">
+            <a:schemeClr val="accent1"/>
+          </a:effectRef>
+          <a:fontRef idx="minor">
+            <a:schemeClr val="lt1"/>
+          </a:fontRef>
+        </p:style>
+        <p:txBody>
+          <a:bodyPr rtlCol="0" anchor="ctr"/>
+          <a:lstStyle/>
+          <a:p>
+            <a:pPr algn="ctr"/>
+            <a:endParaRPr kumimoji="1" lang="ja-JP" altLang="en-US"/>
+          </a:p>
+        </p:txBody>
+      </p:sp>
+      <p:cxnSp>
+        <p:nvCxnSpPr>
+          <p:cNvPr id="39" name="直線コネクタ 38">
+            <a:extLst>
+              <a:ext uri="{FF2B5EF4-FFF2-40B4-BE49-F238E27FC236}">
+                <a16:creationId xmlns:a16="http://schemas.microsoft.com/office/drawing/2014/main" id="{42807614-92AC-A7C5-C31F-3DD3D87E6478}"/>
+              </a:ext>
+            </a:extLst>
+          </p:cNvPr>
+          <p:cNvCxnSpPr>
+            <a:cxnSpLocks/>
+          </p:cNvCxnSpPr>
+          <p:nvPr/>
+        </p:nvCxnSpPr>
+        <p:spPr>
+          <a:xfrm>
+            <a:off x="3215680" y="476672"/>
+            <a:ext cx="0" cy="3513682"/>
+          </a:xfrm>
+          <a:prstGeom prst="line">
+            <a:avLst/>
+          </a:prstGeom>
+          <a:ln w="28575">
+            <a:solidFill>
+              <a:schemeClr val="tx1"/>
+            </a:solidFill>
+            <a:prstDash val="dash"/>
+          </a:ln>
+        </p:spPr>
+        <p:style>
+          <a:lnRef idx="1">
+            <a:schemeClr val="accent1"/>
+          </a:lnRef>
+          <a:fillRef idx="0">
+            <a:schemeClr val="accent1"/>
+          </a:fillRef>
+          <a:effectRef idx="0">
+            <a:schemeClr val="accent1"/>
+          </a:effectRef>
+          <a:fontRef idx="minor">
+            <a:schemeClr val="tx1"/>
+          </a:fontRef>
+        </p:style>
+      </p:cxnSp>
+      <p:cxnSp>
+        <p:nvCxnSpPr>
+          <p:cNvPr id="41" name="直線コネクタ 40">
+            <a:extLst>
+              <a:ext uri="{FF2B5EF4-FFF2-40B4-BE49-F238E27FC236}">
+                <a16:creationId xmlns:a16="http://schemas.microsoft.com/office/drawing/2014/main" id="{80B2C5D1-BE52-F839-5DA9-02FB472FBFF8}"/>
+              </a:ext>
+            </a:extLst>
+          </p:cNvPr>
+          <p:cNvCxnSpPr>
+            <a:cxnSpLocks/>
+          </p:cNvCxnSpPr>
+          <p:nvPr/>
+        </p:nvCxnSpPr>
+        <p:spPr>
+          <a:xfrm>
+            <a:off x="4079776" y="476672"/>
+            <a:ext cx="0" cy="3513682"/>
+          </a:xfrm>
+          <a:prstGeom prst="line">
+            <a:avLst/>
+          </a:prstGeom>
+          <a:ln w="28575">
+            <a:solidFill>
+              <a:schemeClr val="tx1"/>
+            </a:solidFill>
+            <a:prstDash val="dash"/>
+          </a:ln>
+        </p:spPr>
+        <p:style>
+          <a:lnRef idx="1">
+            <a:schemeClr val="accent1"/>
+          </a:lnRef>
+          <a:fillRef idx="0">
+            <a:schemeClr val="accent1"/>
+          </a:fillRef>
+          <a:effectRef idx="0">
+            <a:schemeClr val="accent1"/>
+          </a:effectRef>
+          <a:fontRef idx="minor">
+            <a:schemeClr val="tx1"/>
+          </a:fontRef>
+        </p:style>
+      </p:cxnSp>
+      <p:cxnSp>
+        <p:nvCxnSpPr>
+          <p:cNvPr id="43" name="直線矢印コネクタ 42">
+            <a:extLst>
+              <a:ext uri="{FF2B5EF4-FFF2-40B4-BE49-F238E27FC236}">
+                <a16:creationId xmlns:a16="http://schemas.microsoft.com/office/drawing/2014/main" id="{10DA28BC-510C-94A9-B86C-85C9E016CD6F}"/>
+              </a:ext>
+            </a:extLst>
+          </p:cNvPr>
+          <p:cNvCxnSpPr/>
+          <p:nvPr/>
+        </p:nvCxnSpPr>
+        <p:spPr>
+          <a:xfrm>
+            <a:off x="3215680" y="980727"/>
+            <a:ext cx="864096" cy="0"/>
+          </a:xfrm>
+          <a:prstGeom prst="straightConnector1">
+            <a:avLst/>
+          </a:prstGeom>
+          <a:ln>
+            <a:solidFill>
+              <a:schemeClr val="tx1"/>
+            </a:solidFill>
+            <a:headEnd type="triangle"/>
+            <a:tailEnd type="triangle"/>
+          </a:ln>
+        </p:spPr>
+        <p:style>
+          <a:lnRef idx="1">
+            <a:schemeClr val="accent1"/>
+          </a:lnRef>
+          <a:fillRef idx="0">
+            <a:schemeClr val="accent1"/>
+          </a:fillRef>
+          <a:effectRef idx="0">
+            <a:schemeClr val="accent1"/>
+          </a:effectRef>
+          <a:fontRef idx="minor">
+            <a:schemeClr val="tx1"/>
+          </a:fontRef>
+        </p:style>
+      </p:cxnSp>
+      <mc:AlternateContent xmlns:mc="http://schemas.openxmlformats.org/markup-compatibility/2006">
+        <mc:Choice xmlns:a14="http://schemas.microsoft.com/office/drawing/2010/main" Requires="a14">
+          <p:sp>
+            <p:nvSpPr>
+              <p:cNvPr id="44" name="テキスト ボックス 43">
+                <a:extLst>
+                  <a:ext uri="{FF2B5EF4-FFF2-40B4-BE49-F238E27FC236}">
+                    <a16:creationId xmlns:a16="http://schemas.microsoft.com/office/drawing/2014/main" id="{381B0268-DB0C-B822-64A3-4B6E3475D544}"/>
+                  </a:ext>
+                </a:extLst>
+              </p:cNvPr>
+              <p:cNvSpPr txBox="1"/>
+              <p:nvPr/>
+            </p:nvSpPr>
+            <p:spPr>
+              <a:xfrm>
+                <a:off x="3514930" y="572289"/>
+                <a:ext cx="132344" cy="276999"/>
+              </a:xfrm>
+              <a:prstGeom prst="rect">
+                <a:avLst/>
+              </a:prstGeom>
+              <a:noFill/>
+            </p:spPr>
+            <p:txBody>
+              <a:bodyPr wrap="none" lIns="0" tIns="0" rIns="0" bIns="0" rtlCol="0">
+                <a:spAutoFit/>
+              </a:bodyPr>
+              <a:lstStyle/>
+              <a:p>
+                <a14:m>
+                  <m:oMathPara xmlns:m="http://schemas.openxmlformats.org/officeDocument/2006/math">
+                    <m:oMathParaPr>
+                      <m:jc m:val="centerGroup"/>
+                    </m:oMathParaPr>
+                    <m:oMath xmlns:m="http://schemas.openxmlformats.org/officeDocument/2006/math">
+                      <m:r>
+                        <a:rPr kumimoji="1" lang="en-US" altLang="ja-JP" b="0" i="1" smtClean="0">
+                          <a:latin typeface="Cambria Math" panose="02040503050406030204" pitchFamily="18" charset="0"/>
+                        </a:rPr>
+                        <m:t>𝑙</m:t>
+                      </m:r>
+                    </m:oMath>
+                  </m:oMathPara>
+                </a14:m>
+                <a:endParaRPr kumimoji="1" lang="ja-JP" altLang="en-US"/>
+              </a:p>
+            </p:txBody>
+          </p:sp>
+        </mc:Choice>
+        <mc:Fallback>
+          <p:sp>
+            <p:nvSpPr>
+              <p:cNvPr id="44" name="テキスト ボックス 43">
+                <a:extLst>
+                  <a:ext uri="{FF2B5EF4-FFF2-40B4-BE49-F238E27FC236}">
+                    <a16:creationId xmlns:a16="http://schemas.microsoft.com/office/drawing/2014/main" id="{381B0268-DB0C-B822-64A3-4B6E3475D544}"/>
+                  </a:ext>
+                </a:extLst>
+              </p:cNvPr>
+              <p:cNvSpPr txBox="1">
+                <a:spLocks noRot="1" noChangeAspect="1" noMove="1" noResize="1" noEditPoints="1" noAdjustHandles="1" noChangeArrowheads="1" noChangeShapeType="1" noTextEdit="1"/>
+              </p:cNvSpPr>
+              <p:nvPr/>
+            </p:nvSpPr>
+            <p:spPr>
+              <a:xfrm>
+                <a:off x="3514930" y="572289"/>
+                <a:ext cx="132344" cy="276999"/>
+              </a:xfrm>
+              <a:prstGeom prst="rect">
+                <a:avLst/>
+              </a:prstGeom>
+              <a:blipFill>
+                <a:blip r:embed="rId2"/>
+                <a:stretch>
+                  <a:fillRect l="-33333" r="-33333" b="-9091"/>
+                </a:stretch>
+              </a:blipFill>
+            </p:spPr>
+            <p:txBody>
+              <a:bodyPr/>
+              <a:lstStyle/>
+              <a:p>
+                <a:r>
+                  <a:rPr lang="ja-JP" altLang="en-US">
+                    <a:noFill/>
+                  </a:rPr>
+                  <a:t> </a:t>
+                </a:r>
+              </a:p>
+            </p:txBody>
+          </p:sp>
+        </mc:Fallback>
+      </mc:AlternateContent>
+      <p:cxnSp>
+        <p:nvCxnSpPr>
+          <p:cNvPr id="48" name="直線コネクタ 47">
+            <a:extLst>
+              <a:ext uri="{FF2B5EF4-FFF2-40B4-BE49-F238E27FC236}">
+                <a16:creationId xmlns:a16="http://schemas.microsoft.com/office/drawing/2014/main" id="{CC85C920-2E50-7F65-6E83-3957223BCB72}"/>
+              </a:ext>
+            </a:extLst>
+          </p:cNvPr>
+          <p:cNvCxnSpPr>
+            <a:stCxn id="51" idx="0"/>
+          </p:cNvCxnSpPr>
+          <p:nvPr/>
+        </p:nvCxnSpPr>
+        <p:spPr>
+          <a:xfrm flipH="1" flipV="1">
+            <a:off x="1031469" y="2374313"/>
+            <a:ext cx="186828" cy="1"/>
+          </a:xfrm>
+          <a:prstGeom prst="line">
+            <a:avLst/>
+          </a:prstGeom>
+          <a:ln w="12700">
+            <a:solidFill>
+              <a:schemeClr val="tx1"/>
+            </a:solidFill>
+          </a:ln>
+        </p:spPr>
+        <p:style>
+          <a:lnRef idx="1">
+            <a:schemeClr val="accent1"/>
+          </a:lnRef>
+          <a:fillRef idx="0">
+            <a:schemeClr val="accent1"/>
+          </a:fillRef>
+          <a:effectRef idx="0">
+            <a:schemeClr val="accent1"/>
+          </a:effectRef>
+          <a:fontRef idx="minor">
+            <a:schemeClr val="tx1"/>
+          </a:fontRef>
+        </p:style>
+      </p:cxnSp>
+      <p:grpSp>
+        <p:nvGrpSpPr>
+          <p:cNvPr id="49" name="グループ化 48">
+            <a:extLst>
+              <a:ext uri="{FF2B5EF4-FFF2-40B4-BE49-F238E27FC236}">
+                <a16:creationId xmlns:a16="http://schemas.microsoft.com/office/drawing/2014/main" id="{9943F559-9D3E-12F3-5CA4-2DD1E9187A8C}"/>
+              </a:ext>
+            </a:extLst>
+          </p:cNvPr>
+          <p:cNvGrpSpPr/>
+          <p:nvPr/>
+        </p:nvGrpSpPr>
+        <p:grpSpPr>
+          <a:xfrm>
+            <a:off x="1218297" y="2078386"/>
+            <a:ext cx="1888912" cy="591852"/>
+            <a:chOff x="1242267" y="2558761"/>
+            <a:chExt cx="1276647" cy="591852"/>
+          </a:xfrm>
+        </p:grpSpPr>
+        <p:sp>
+          <p:nvSpPr>
+            <p:cNvPr id="50" name="円弧 49">
+              <a:extLst>
+                <a:ext uri="{FF2B5EF4-FFF2-40B4-BE49-F238E27FC236}">
+                  <a16:creationId xmlns:a16="http://schemas.microsoft.com/office/drawing/2014/main" id="{8A413967-18E8-CDAF-4BD6-D76720987004}"/>
+                </a:ext>
+              </a:extLst>
+            </p:cNvPr>
+            <p:cNvSpPr/>
+            <p:nvPr/>
+          </p:nvSpPr>
+          <p:spPr>
+            <a:xfrm rot="16200000">
+              <a:off x="1211012" y="2730137"/>
+              <a:ext cx="591851" cy="249102"/>
+            </a:xfrm>
+            <a:prstGeom prst="arc">
+              <a:avLst>
+                <a:gd name="adj1" fmla="val 16200000"/>
+                <a:gd name="adj2" fmla="val 5514588"/>
+              </a:avLst>
+            </a:prstGeom>
+            <a:ln w="12700">
+              <a:solidFill>
+                <a:schemeClr val="tx1"/>
+              </a:solidFill>
+            </a:ln>
+          </p:spPr>
+          <p:style>
+            <a:lnRef idx="1">
+              <a:schemeClr val="accent1"/>
+            </a:lnRef>
+            <a:fillRef idx="0">
+              <a:schemeClr val="accent1"/>
+            </a:fillRef>
+            <a:effectRef idx="0">
+              <a:schemeClr val="accent1"/>
+            </a:effectRef>
+            <a:fontRef idx="minor">
+              <a:schemeClr val="tx1"/>
+            </a:fontRef>
+          </p:style>
+          <p:txBody>
+            <a:bodyPr rtlCol="0" anchor="ctr"/>
+            <a:lstStyle/>
+            <a:p>
+              <a:pPr algn="ctr"/>
+              <a:endParaRPr kumimoji="1" lang="ja-JP" altLang="en-US"/>
+            </a:p>
+          </p:txBody>
+        </p:sp>
+        <p:sp>
+          <p:nvSpPr>
+            <p:cNvPr id="51" name="円弧 50">
+              <a:extLst>
+                <a:ext uri="{FF2B5EF4-FFF2-40B4-BE49-F238E27FC236}">
+                  <a16:creationId xmlns:a16="http://schemas.microsoft.com/office/drawing/2014/main" id="{B0313E02-EA64-40C6-73CB-F4C1E077BC3D}"/>
+                </a:ext>
+              </a:extLst>
+            </p:cNvPr>
+            <p:cNvSpPr/>
+            <p:nvPr/>
+          </p:nvSpPr>
+          <p:spPr>
+            <a:xfrm rot="16200000">
+              <a:off x="1070892" y="2730137"/>
+              <a:ext cx="591851" cy="249102"/>
+            </a:xfrm>
+            <a:prstGeom prst="arc">
+              <a:avLst>
+                <a:gd name="adj1" fmla="val 16200000"/>
+                <a:gd name="adj2" fmla="val 5514588"/>
+              </a:avLst>
+            </a:prstGeom>
+            <a:ln w="12700">
+              <a:solidFill>
+                <a:schemeClr val="tx1"/>
+              </a:solidFill>
+            </a:ln>
+          </p:spPr>
+          <p:style>
+            <a:lnRef idx="1">
+              <a:schemeClr val="accent1"/>
+            </a:lnRef>
+            <a:fillRef idx="0">
+              <a:schemeClr val="accent1"/>
+            </a:fillRef>
+            <a:effectRef idx="0">
+              <a:schemeClr val="accent1"/>
+            </a:effectRef>
+            <a:fontRef idx="minor">
+              <a:schemeClr val="tx1"/>
+            </a:fontRef>
+          </p:style>
+          <p:txBody>
+            <a:bodyPr rtlCol="0" anchor="ctr"/>
+            <a:lstStyle/>
+            <a:p>
+              <a:pPr algn="ctr"/>
+              <a:endParaRPr kumimoji="1" lang="ja-JP" altLang="en-US"/>
+            </a:p>
+          </p:txBody>
+        </p:sp>
+        <p:sp>
+          <p:nvSpPr>
+            <p:cNvPr id="52" name="円弧 51">
+              <a:extLst>
+                <a:ext uri="{FF2B5EF4-FFF2-40B4-BE49-F238E27FC236}">
+                  <a16:creationId xmlns:a16="http://schemas.microsoft.com/office/drawing/2014/main" id="{13D62052-0825-3293-B7A4-4658963EFA2D}"/>
+                </a:ext>
+              </a:extLst>
+            </p:cNvPr>
+            <p:cNvSpPr/>
+            <p:nvPr/>
+          </p:nvSpPr>
+          <p:spPr>
+            <a:xfrm rot="16200000">
+              <a:off x="1351132" y="2730137"/>
+              <a:ext cx="591851" cy="249102"/>
+            </a:xfrm>
+            <a:prstGeom prst="arc">
+              <a:avLst>
+                <a:gd name="adj1" fmla="val 16200000"/>
+                <a:gd name="adj2" fmla="val 5514588"/>
+              </a:avLst>
+            </a:prstGeom>
+            <a:ln w="12700">
+              <a:solidFill>
+                <a:schemeClr val="tx1"/>
+              </a:solidFill>
+            </a:ln>
+          </p:spPr>
+          <p:style>
+            <a:lnRef idx="1">
+              <a:schemeClr val="accent1"/>
+            </a:lnRef>
+            <a:fillRef idx="0">
+              <a:schemeClr val="accent1"/>
+            </a:fillRef>
+            <a:effectRef idx="0">
+              <a:schemeClr val="accent1"/>
+            </a:effectRef>
+            <a:fontRef idx="minor">
+              <a:schemeClr val="tx1"/>
+            </a:fontRef>
+          </p:style>
+          <p:txBody>
+            <a:bodyPr rtlCol="0" anchor="ctr"/>
+            <a:lstStyle/>
+            <a:p>
+              <a:pPr algn="ctr"/>
+              <a:endParaRPr kumimoji="1" lang="ja-JP" altLang="en-US"/>
+            </a:p>
+          </p:txBody>
+        </p:sp>
+        <p:sp>
+          <p:nvSpPr>
+            <p:cNvPr id="53" name="円弧 52">
+              <a:extLst>
+                <a:ext uri="{FF2B5EF4-FFF2-40B4-BE49-F238E27FC236}">
+                  <a16:creationId xmlns:a16="http://schemas.microsoft.com/office/drawing/2014/main" id="{CD15BDDF-52AD-6200-DFB1-9C5A6863EE45}"/>
+                </a:ext>
+              </a:extLst>
+            </p:cNvPr>
+            <p:cNvSpPr/>
+            <p:nvPr/>
+          </p:nvSpPr>
+          <p:spPr>
+            <a:xfrm rot="16200000">
+              <a:off x="1491252" y="2730137"/>
+              <a:ext cx="591851" cy="249102"/>
+            </a:xfrm>
+            <a:prstGeom prst="arc">
+              <a:avLst>
+                <a:gd name="adj1" fmla="val 16069596"/>
+                <a:gd name="adj2" fmla="val 5514588"/>
+              </a:avLst>
+            </a:prstGeom>
+            <a:ln w="12700">
+              <a:solidFill>
+                <a:schemeClr val="tx1"/>
+              </a:solidFill>
+            </a:ln>
+          </p:spPr>
+          <p:style>
+            <a:lnRef idx="1">
+              <a:schemeClr val="accent1"/>
+            </a:lnRef>
+            <a:fillRef idx="0">
+              <a:schemeClr val="accent1"/>
+            </a:fillRef>
+            <a:effectRef idx="0">
+              <a:schemeClr val="accent1"/>
+            </a:effectRef>
+            <a:fontRef idx="minor">
+              <a:schemeClr val="tx1"/>
+            </a:fontRef>
+          </p:style>
+          <p:txBody>
+            <a:bodyPr rtlCol="0" anchor="ctr"/>
+            <a:lstStyle/>
+            <a:p>
+              <a:pPr algn="ctr"/>
+              <a:endParaRPr kumimoji="1" lang="ja-JP" altLang="en-US"/>
+            </a:p>
+          </p:txBody>
+        </p:sp>
+        <p:sp>
+          <p:nvSpPr>
+            <p:cNvPr id="54" name="円弧 53">
+              <a:extLst>
+                <a:ext uri="{FF2B5EF4-FFF2-40B4-BE49-F238E27FC236}">
+                  <a16:creationId xmlns:a16="http://schemas.microsoft.com/office/drawing/2014/main" id="{B1E91A08-3FE2-20C8-94B3-839103DBDB46}"/>
+                </a:ext>
+              </a:extLst>
+            </p:cNvPr>
+            <p:cNvSpPr/>
+            <p:nvPr/>
+          </p:nvSpPr>
+          <p:spPr>
+            <a:xfrm rot="5400000">
+              <a:off x="1421192" y="2800196"/>
+              <a:ext cx="591851" cy="108982"/>
+            </a:xfrm>
+            <a:prstGeom prst="arc">
+              <a:avLst>
+                <a:gd name="adj1" fmla="val 16069596"/>
+                <a:gd name="adj2" fmla="val 5514588"/>
+              </a:avLst>
+            </a:prstGeom>
+            <a:ln w="12700">
+              <a:solidFill>
+                <a:schemeClr val="tx1"/>
+              </a:solidFill>
+            </a:ln>
+          </p:spPr>
+          <p:style>
+            <a:lnRef idx="1">
+              <a:schemeClr val="accent1"/>
+            </a:lnRef>
+            <a:fillRef idx="0">
+              <a:schemeClr val="accent1"/>
+            </a:fillRef>
+            <a:effectRef idx="0">
+              <a:schemeClr val="accent1"/>
+            </a:effectRef>
+            <a:fontRef idx="minor">
+              <a:schemeClr val="tx1"/>
+            </a:fontRef>
+          </p:style>
+          <p:txBody>
+            <a:bodyPr rtlCol="0" anchor="ctr"/>
+            <a:lstStyle/>
+            <a:p>
+              <a:pPr algn="ctr"/>
+              <a:endParaRPr kumimoji="1" lang="ja-JP" altLang="en-US"/>
+            </a:p>
+          </p:txBody>
+        </p:sp>
+        <p:sp>
+          <p:nvSpPr>
+            <p:cNvPr id="55" name="円弧 54">
+              <a:extLst>
+                <a:ext uri="{FF2B5EF4-FFF2-40B4-BE49-F238E27FC236}">
+                  <a16:creationId xmlns:a16="http://schemas.microsoft.com/office/drawing/2014/main" id="{BD38D152-7633-3C56-66F8-88D86ECF6575}"/>
+                </a:ext>
+              </a:extLst>
+            </p:cNvPr>
+            <p:cNvSpPr/>
+            <p:nvPr/>
+          </p:nvSpPr>
+          <p:spPr>
+            <a:xfrm rot="5400000">
+              <a:off x="1281072" y="2800196"/>
+              <a:ext cx="591851" cy="108982"/>
+            </a:xfrm>
+            <a:prstGeom prst="arc">
+              <a:avLst>
+                <a:gd name="adj1" fmla="val 16069596"/>
+                <a:gd name="adj2" fmla="val 5514588"/>
+              </a:avLst>
+            </a:prstGeom>
+            <a:ln w="12700">
+              <a:solidFill>
+                <a:schemeClr val="tx1"/>
+              </a:solidFill>
+            </a:ln>
+          </p:spPr>
+          <p:style>
+            <a:lnRef idx="1">
+              <a:schemeClr val="accent1"/>
+            </a:lnRef>
+            <a:fillRef idx="0">
+              <a:schemeClr val="accent1"/>
+            </a:fillRef>
+            <a:effectRef idx="0">
+              <a:schemeClr val="accent1"/>
+            </a:effectRef>
+            <a:fontRef idx="minor">
+              <a:schemeClr val="tx1"/>
+            </a:fontRef>
+          </p:style>
+          <p:txBody>
+            <a:bodyPr rtlCol="0" anchor="ctr"/>
+            <a:lstStyle/>
+            <a:p>
+              <a:pPr algn="ctr"/>
+              <a:endParaRPr kumimoji="1" lang="ja-JP" altLang="en-US"/>
+            </a:p>
+          </p:txBody>
+        </p:sp>
+        <p:sp>
+          <p:nvSpPr>
+            <p:cNvPr id="56" name="円弧 55">
+              <a:extLst>
+                <a:ext uri="{FF2B5EF4-FFF2-40B4-BE49-F238E27FC236}">
+                  <a16:creationId xmlns:a16="http://schemas.microsoft.com/office/drawing/2014/main" id="{B7E0786A-8C1B-5E49-1226-A62DDC40A44E}"/>
+                </a:ext>
+              </a:extLst>
+            </p:cNvPr>
+            <p:cNvSpPr/>
+            <p:nvPr/>
+          </p:nvSpPr>
+          <p:spPr>
+            <a:xfrm rot="5400000">
+              <a:off x="1140952" y="2800196"/>
+              <a:ext cx="591851" cy="108982"/>
+            </a:xfrm>
+            <a:prstGeom prst="arc">
+              <a:avLst>
+                <a:gd name="adj1" fmla="val 16069596"/>
+                <a:gd name="adj2" fmla="val 5514588"/>
+              </a:avLst>
+            </a:prstGeom>
+            <a:ln w="12700">
+              <a:solidFill>
+                <a:schemeClr val="tx1"/>
+              </a:solidFill>
+            </a:ln>
+          </p:spPr>
+          <p:style>
+            <a:lnRef idx="1">
+              <a:schemeClr val="accent1"/>
+            </a:lnRef>
+            <a:fillRef idx="0">
+              <a:schemeClr val="accent1"/>
+            </a:fillRef>
+            <a:effectRef idx="0">
+              <a:schemeClr val="accent1"/>
+            </a:effectRef>
+            <a:fontRef idx="minor">
+              <a:schemeClr val="tx1"/>
+            </a:fontRef>
+          </p:style>
+          <p:txBody>
+            <a:bodyPr rtlCol="0" anchor="ctr"/>
+            <a:lstStyle/>
+            <a:p>
+              <a:pPr algn="ctr"/>
+              <a:endParaRPr kumimoji="1" lang="ja-JP" altLang="en-US"/>
+            </a:p>
+          </p:txBody>
+        </p:sp>
+        <p:sp>
+          <p:nvSpPr>
+            <p:cNvPr id="57" name="円弧 56">
+              <a:extLst>
+                <a:ext uri="{FF2B5EF4-FFF2-40B4-BE49-F238E27FC236}">
+                  <a16:creationId xmlns:a16="http://schemas.microsoft.com/office/drawing/2014/main" id="{1190FB12-F690-A38D-4F7A-A59FB98F01C6}"/>
+                </a:ext>
+              </a:extLst>
+            </p:cNvPr>
+            <p:cNvSpPr/>
+            <p:nvPr/>
+          </p:nvSpPr>
+          <p:spPr>
+            <a:xfrm rot="16200000">
+              <a:off x="1631371" y="2730137"/>
+              <a:ext cx="591851" cy="249102"/>
+            </a:xfrm>
+            <a:prstGeom prst="arc">
+              <a:avLst>
+                <a:gd name="adj1" fmla="val 16069596"/>
+                <a:gd name="adj2" fmla="val 5514588"/>
+              </a:avLst>
+            </a:prstGeom>
+            <a:ln w="12700">
+              <a:solidFill>
+                <a:schemeClr val="tx1"/>
+              </a:solidFill>
+            </a:ln>
+          </p:spPr>
+          <p:style>
+            <a:lnRef idx="1">
+              <a:schemeClr val="accent1"/>
+            </a:lnRef>
+            <a:fillRef idx="0">
+              <a:schemeClr val="accent1"/>
+            </a:fillRef>
+            <a:effectRef idx="0">
+              <a:schemeClr val="accent1"/>
+            </a:effectRef>
+            <a:fontRef idx="minor">
+              <a:schemeClr val="tx1"/>
+            </a:fontRef>
+          </p:style>
+          <p:txBody>
+            <a:bodyPr rtlCol="0" anchor="ctr"/>
+            <a:lstStyle/>
+            <a:p>
+              <a:pPr algn="ctr"/>
+              <a:endParaRPr kumimoji="1" lang="ja-JP" altLang="en-US"/>
+            </a:p>
+          </p:txBody>
+        </p:sp>
+        <p:sp>
+          <p:nvSpPr>
+            <p:cNvPr id="58" name="円弧 57">
+              <a:extLst>
+                <a:ext uri="{FF2B5EF4-FFF2-40B4-BE49-F238E27FC236}">
+                  <a16:creationId xmlns:a16="http://schemas.microsoft.com/office/drawing/2014/main" id="{AD02C0FF-6F1F-6E49-075A-9A2055B6CE94}"/>
+                </a:ext>
+              </a:extLst>
+            </p:cNvPr>
+            <p:cNvSpPr/>
+            <p:nvPr/>
+          </p:nvSpPr>
+          <p:spPr>
+            <a:xfrm rot="5400000">
+              <a:off x="1561311" y="2800196"/>
+              <a:ext cx="591851" cy="108982"/>
+            </a:xfrm>
+            <a:prstGeom prst="arc">
+              <a:avLst>
+                <a:gd name="adj1" fmla="val 16069596"/>
+                <a:gd name="adj2" fmla="val 5514588"/>
+              </a:avLst>
+            </a:prstGeom>
+            <a:ln w="12700">
+              <a:solidFill>
+                <a:schemeClr val="tx1"/>
+              </a:solidFill>
+            </a:ln>
+          </p:spPr>
+          <p:style>
+            <a:lnRef idx="1">
+              <a:schemeClr val="accent1"/>
+            </a:lnRef>
+            <a:fillRef idx="0">
+              <a:schemeClr val="accent1"/>
+            </a:fillRef>
+            <a:effectRef idx="0">
+              <a:schemeClr val="accent1"/>
+            </a:effectRef>
+            <a:fontRef idx="minor">
+              <a:schemeClr val="tx1"/>
+            </a:fontRef>
+          </p:style>
+          <p:txBody>
+            <a:bodyPr rtlCol="0" anchor="ctr"/>
+            <a:lstStyle/>
+            <a:p>
+              <a:pPr algn="ctr"/>
+              <a:endParaRPr kumimoji="1" lang="ja-JP" altLang="en-US"/>
+            </a:p>
+          </p:txBody>
+        </p:sp>
+        <p:sp>
+          <p:nvSpPr>
+            <p:cNvPr id="59" name="円弧 58">
+              <a:extLst>
+                <a:ext uri="{FF2B5EF4-FFF2-40B4-BE49-F238E27FC236}">
+                  <a16:creationId xmlns:a16="http://schemas.microsoft.com/office/drawing/2014/main" id="{F2D3A81E-77D8-50EF-6488-372D245DCF96}"/>
+                </a:ext>
+              </a:extLst>
+            </p:cNvPr>
+            <p:cNvSpPr/>
+            <p:nvPr/>
+          </p:nvSpPr>
+          <p:spPr>
+            <a:xfrm rot="16200000">
+              <a:off x="1771491" y="2730137"/>
+              <a:ext cx="591851" cy="249102"/>
+            </a:xfrm>
+            <a:prstGeom prst="arc">
+              <a:avLst>
+                <a:gd name="adj1" fmla="val 16069596"/>
+                <a:gd name="adj2" fmla="val 5514588"/>
+              </a:avLst>
+            </a:prstGeom>
+            <a:ln w="12700">
+              <a:solidFill>
+                <a:schemeClr val="tx1"/>
+              </a:solidFill>
+            </a:ln>
+          </p:spPr>
+          <p:style>
+            <a:lnRef idx="1">
+              <a:schemeClr val="accent1"/>
+            </a:lnRef>
+            <a:fillRef idx="0">
+              <a:schemeClr val="accent1"/>
+            </a:fillRef>
+            <a:effectRef idx="0">
+              <a:schemeClr val="accent1"/>
+            </a:effectRef>
+            <a:fontRef idx="minor">
+              <a:schemeClr val="tx1"/>
+            </a:fontRef>
+          </p:style>
+          <p:txBody>
+            <a:bodyPr rtlCol="0" anchor="ctr"/>
+            <a:lstStyle/>
+            <a:p>
+              <a:pPr algn="ctr"/>
+              <a:endParaRPr kumimoji="1" lang="ja-JP" altLang="en-US"/>
+            </a:p>
+          </p:txBody>
+        </p:sp>
+        <p:sp>
+          <p:nvSpPr>
+            <p:cNvPr id="60" name="円弧 59">
+              <a:extLst>
+                <a:ext uri="{FF2B5EF4-FFF2-40B4-BE49-F238E27FC236}">
+                  <a16:creationId xmlns:a16="http://schemas.microsoft.com/office/drawing/2014/main" id="{0B75BDA7-0662-6D50-E894-96031EE7672A}"/>
+                </a:ext>
+              </a:extLst>
+            </p:cNvPr>
+            <p:cNvSpPr/>
+            <p:nvPr/>
+          </p:nvSpPr>
+          <p:spPr>
+            <a:xfrm rot="5400000">
+              <a:off x="1701431" y="2800196"/>
+              <a:ext cx="591851" cy="108982"/>
+            </a:xfrm>
+            <a:prstGeom prst="arc">
+              <a:avLst>
+                <a:gd name="adj1" fmla="val 16069596"/>
+                <a:gd name="adj2" fmla="val 5514588"/>
+              </a:avLst>
+            </a:prstGeom>
+            <a:ln w="12700">
+              <a:solidFill>
+                <a:schemeClr val="tx1"/>
+              </a:solidFill>
+            </a:ln>
+          </p:spPr>
+          <p:style>
+            <a:lnRef idx="1">
+              <a:schemeClr val="accent1"/>
+            </a:lnRef>
+            <a:fillRef idx="0">
+              <a:schemeClr val="accent1"/>
+            </a:fillRef>
+            <a:effectRef idx="0">
+              <a:schemeClr val="accent1"/>
+            </a:effectRef>
+            <a:fontRef idx="minor">
+              <a:schemeClr val="tx1"/>
+            </a:fontRef>
+          </p:style>
+          <p:txBody>
+            <a:bodyPr rtlCol="0" anchor="ctr"/>
+            <a:lstStyle/>
+            <a:p>
+              <a:pPr algn="ctr"/>
+              <a:endParaRPr kumimoji="1" lang="ja-JP" altLang="en-US"/>
+            </a:p>
+          </p:txBody>
+        </p:sp>
+        <p:sp>
+          <p:nvSpPr>
+            <p:cNvPr id="61" name="円弧 60">
+              <a:extLst>
+                <a:ext uri="{FF2B5EF4-FFF2-40B4-BE49-F238E27FC236}">
+                  <a16:creationId xmlns:a16="http://schemas.microsoft.com/office/drawing/2014/main" id="{E7A7FBEC-B0AF-1BFA-F58C-B7276FA1E8AC}"/>
+                </a:ext>
+              </a:extLst>
+            </p:cNvPr>
+            <p:cNvSpPr/>
+            <p:nvPr/>
+          </p:nvSpPr>
+          <p:spPr>
+            <a:xfrm rot="16200000">
+              <a:off x="1911611" y="2730137"/>
+              <a:ext cx="591851" cy="249102"/>
+            </a:xfrm>
+            <a:prstGeom prst="arc">
+              <a:avLst>
+                <a:gd name="adj1" fmla="val 16069596"/>
+                <a:gd name="adj2" fmla="val 5438339"/>
+              </a:avLst>
+            </a:prstGeom>
+            <a:ln w="12700">
+              <a:solidFill>
+                <a:schemeClr val="tx1"/>
+              </a:solidFill>
+            </a:ln>
+          </p:spPr>
+          <p:style>
+            <a:lnRef idx="1">
+              <a:schemeClr val="accent1"/>
+            </a:lnRef>
+            <a:fillRef idx="0">
+              <a:schemeClr val="accent1"/>
+            </a:fillRef>
+            <a:effectRef idx="0">
+              <a:schemeClr val="accent1"/>
+            </a:effectRef>
+            <a:fontRef idx="minor">
+              <a:schemeClr val="tx1"/>
+            </a:fontRef>
+          </p:style>
+          <p:txBody>
+            <a:bodyPr rtlCol="0" anchor="ctr"/>
+            <a:lstStyle/>
+            <a:p>
+              <a:pPr algn="ctr"/>
+              <a:endParaRPr kumimoji="1" lang="ja-JP" altLang="en-US"/>
+            </a:p>
+          </p:txBody>
+        </p:sp>
+        <p:sp>
+          <p:nvSpPr>
+            <p:cNvPr id="62" name="円弧 61">
+              <a:extLst>
+                <a:ext uri="{FF2B5EF4-FFF2-40B4-BE49-F238E27FC236}">
+                  <a16:creationId xmlns:a16="http://schemas.microsoft.com/office/drawing/2014/main" id="{7B9592B9-B1D2-FDEB-3BB1-BBB5258951F2}"/>
+                </a:ext>
+              </a:extLst>
+            </p:cNvPr>
+            <p:cNvSpPr/>
+            <p:nvPr/>
+          </p:nvSpPr>
+          <p:spPr>
+            <a:xfrm rot="5400000">
+              <a:off x="1841551" y="2800196"/>
+              <a:ext cx="591851" cy="108982"/>
+            </a:xfrm>
+            <a:prstGeom prst="arc">
+              <a:avLst>
+                <a:gd name="adj1" fmla="val 16069596"/>
+                <a:gd name="adj2" fmla="val 5514588"/>
+              </a:avLst>
+            </a:prstGeom>
+            <a:ln w="12700">
+              <a:solidFill>
+                <a:schemeClr val="tx1"/>
+              </a:solidFill>
+            </a:ln>
+          </p:spPr>
+          <p:style>
+            <a:lnRef idx="1">
+              <a:schemeClr val="accent1"/>
+            </a:lnRef>
+            <a:fillRef idx="0">
+              <a:schemeClr val="accent1"/>
+            </a:fillRef>
+            <a:effectRef idx="0">
+              <a:schemeClr val="accent1"/>
+            </a:effectRef>
+            <a:fontRef idx="minor">
+              <a:schemeClr val="tx1"/>
+            </a:fontRef>
+          </p:style>
+          <p:txBody>
+            <a:bodyPr rtlCol="0" anchor="ctr"/>
+            <a:lstStyle/>
+            <a:p>
+              <a:pPr algn="ctr"/>
+              <a:endParaRPr kumimoji="1" lang="ja-JP" altLang="en-US"/>
+            </a:p>
+          </p:txBody>
+        </p:sp>
+        <p:cxnSp>
+          <p:nvCxnSpPr>
+            <p:cNvPr id="63" name="直線コネクタ 62">
+              <a:extLst>
+                <a:ext uri="{FF2B5EF4-FFF2-40B4-BE49-F238E27FC236}">
+                  <a16:creationId xmlns:a16="http://schemas.microsoft.com/office/drawing/2014/main" id="{7B250CC0-AEDF-38BF-135A-10831EE2C6F6}"/>
+                </a:ext>
+              </a:extLst>
+            </p:cNvPr>
+            <p:cNvCxnSpPr/>
+            <p:nvPr/>
+          </p:nvCxnSpPr>
+          <p:spPr>
+            <a:xfrm flipH="1">
+              <a:off x="2332088" y="2854688"/>
+              <a:ext cx="186826" cy="0"/>
+            </a:xfrm>
+            <a:prstGeom prst="line">
+              <a:avLst/>
+            </a:prstGeom>
+            <a:ln w="12700">
+              <a:solidFill>
+                <a:schemeClr val="tx1"/>
+              </a:solidFill>
+            </a:ln>
+          </p:spPr>
+          <p:style>
+            <a:lnRef idx="1">
+              <a:schemeClr val="accent1"/>
+            </a:lnRef>
+            <a:fillRef idx="0">
+              <a:schemeClr val="accent1"/>
+            </a:fillRef>
+            <a:effectRef idx="0">
+              <a:schemeClr val="accent1"/>
+            </a:effectRef>
+            <a:fontRef idx="minor">
+              <a:schemeClr val="tx1"/>
+            </a:fontRef>
+          </p:style>
+        </p:cxnSp>
+      </p:grpSp>
+      <p:sp>
+        <p:nvSpPr>
+          <p:cNvPr id="64" name="正方形/長方形 63">
+            <a:extLst>
+              <a:ext uri="{FF2B5EF4-FFF2-40B4-BE49-F238E27FC236}">
+                <a16:creationId xmlns:a16="http://schemas.microsoft.com/office/drawing/2014/main" id="{03D09854-E356-B64F-F85D-142B05123E64}"/>
+              </a:ext>
+            </a:extLst>
+          </p:cNvPr>
+          <p:cNvSpPr/>
+          <p:nvPr/>
+        </p:nvSpPr>
+        <p:spPr>
+          <a:xfrm>
+            <a:off x="3103321" y="2014272"/>
+            <a:ext cx="648072" cy="720080"/>
+          </a:xfrm>
+          <a:prstGeom prst="rect">
+            <a:avLst/>
+          </a:prstGeom>
+          <a:solidFill>
+            <a:schemeClr val="bg1">
+              <a:lumMod val="75000"/>
+            </a:schemeClr>
+          </a:solidFill>
+          <a:ln>
+            <a:solidFill>
+              <a:schemeClr val="tx1"/>
+            </a:solidFill>
+          </a:ln>
+        </p:spPr>
+        <p:style>
+          <a:lnRef idx="2">
+            <a:schemeClr val="accent1">
+              <a:shade val="50000"/>
+            </a:schemeClr>
+          </a:lnRef>
+          <a:fillRef idx="1">
+            <a:schemeClr val="accent1"/>
+          </a:fillRef>
+          <a:effectRef idx="0">
+            <a:schemeClr val="accent1"/>
+          </a:effectRef>
+          <a:fontRef idx="minor">
+            <a:schemeClr val="lt1"/>
+          </a:fontRef>
+        </p:style>
+        <p:txBody>
+          <a:bodyPr rtlCol="0" anchor="ctr"/>
+          <a:lstStyle/>
+          <a:p>
+            <a:pPr algn="ctr"/>
+            <a:endParaRPr kumimoji="1" lang="ja-JP" altLang="en-US"/>
+          </a:p>
+        </p:txBody>
+      </p:sp>
+      <p:sp>
+        <p:nvSpPr>
+          <p:cNvPr id="65" name="正方形/長方形 64">
+            <a:extLst>
+              <a:ext uri="{FF2B5EF4-FFF2-40B4-BE49-F238E27FC236}">
+                <a16:creationId xmlns:a16="http://schemas.microsoft.com/office/drawing/2014/main" id="{0AC82667-EDF7-6C88-0E6D-B13DB35DD118}"/>
+              </a:ext>
+            </a:extLst>
+          </p:cNvPr>
+          <p:cNvSpPr/>
+          <p:nvPr/>
+        </p:nvSpPr>
+        <p:spPr>
+          <a:xfrm>
+            <a:off x="959461" y="1934371"/>
+            <a:ext cx="144016" cy="864096"/>
+          </a:xfrm>
+          <a:prstGeom prst="rect">
+            <a:avLst/>
+          </a:prstGeom>
+          <a:solidFill>
+            <a:srgbClr val="FFC000"/>
+          </a:solidFill>
+          <a:ln>
+            <a:solidFill>
+              <a:schemeClr val="tx1"/>
+            </a:solidFill>
+          </a:ln>
+        </p:spPr>
+        <p:style>
+          <a:lnRef idx="2">
+            <a:schemeClr val="accent1">
+              <a:shade val="50000"/>
+            </a:schemeClr>
+          </a:lnRef>
+          <a:fillRef idx="1">
+            <a:schemeClr val="accent1"/>
+          </a:fillRef>
+          <a:effectRef idx="0">
+            <a:schemeClr val="accent1"/>
+          </a:effectRef>
+          <a:fontRef idx="minor">
+            <a:schemeClr val="lt1"/>
+          </a:fontRef>
+        </p:style>
+        <p:txBody>
+          <a:bodyPr rtlCol="0" anchor="ctr"/>
+          <a:lstStyle/>
+          <a:p>
+            <a:pPr algn="ctr"/>
+            <a:endParaRPr kumimoji="1" lang="ja-JP" altLang="en-US"/>
+          </a:p>
+        </p:txBody>
+      </p:sp>
+      <mc:AlternateContent xmlns:mc="http://schemas.openxmlformats.org/markup-compatibility/2006">
+        <mc:Choice xmlns:a14="http://schemas.microsoft.com/office/drawing/2010/main" Requires="a14">
+          <p:sp>
+            <p:nvSpPr>
+              <p:cNvPr id="66" name="テキスト ボックス 65">
+                <a:extLst>
+                  <a:ext uri="{FF2B5EF4-FFF2-40B4-BE49-F238E27FC236}">
+                    <a16:creationId xmlns:a16="http://schemas.microsoft.com/office/drawing/2014/main" id="{28E3632D-AF59-E9C9-FB9C-5F4F1F88C977}"/>
+                  </a:ext>
+                </a:extLst>
+              </p:cNvPr>
+              <p:cNvSpPr txBox="1"/>
+              <p:nvPr/>
+            </p:nvSpPr>
+            <p:spPr>
+              <a:xfrm>
+                <a:off x="4269842" y="2227918"/>
+                <a:ext cx="353687" cy="276999"/>
+              </a:xfrm>
+              <a:prstGeom prst="rect">
+                <a:avLst/>
+              </a:prstGeom>
+              <a:noFill/>
+            </p:spPr>
+            <p:txBody>
+              <a:bodyPr wrap="none" lIns="0" tIns="0" rIns="0" bIns="0" rtlCol="0">
+                <a:spAutoFit/>
+              </a:bodyPr>
+              <a:lstStyle/>
+              <a:p>
+                <a14:m>
+                  <m:oMathPara xmlns:m="http://schemas.openxmlformats.org/officeDocument/2006/math">
+                    <m:oMathParaPr>
+                      <m:jc m:val="centerGroup"/>
+                    </m:oMathParaPr>
+                    <m:oMath xmlns:m="http://schemas.openxmlformats.org/officeDocument/2006/math">
+                      <m:sSub>
+                        <m:sSubPr>
+                          <m:ctrlPr>
+                            <a:rPr kumimoji="1" lang="en-US" altLang="ja-JP" b="0" i="1" smtClean="0">
+                              <a:latin typeface="Cambria Math" panose="02040503050406030204" pitchFamily="18" charset="0"/>
+                            </a:rPr>
+                          </m:ctrlPr>
+                        </m:sSubPr>
+                        <m:e>
+                          <m:r>
+                            <a:rPr kumimoji="1" lang="en-US" altLang="ja-JP" b="0" i="1" smtClean="0">
+                              <a:latin typeface="Cambria Math" panose="02040503050406030204" pitchFamily="18" charset="0"/>
+                            </a:rPr>
+                            <m:t>𝐹</m:t>
+                          </m:r>
+                        </m:e>
+                        <m:sub>
+                          <m:r>
+                            <a:rPr kumimoji="1" lang="en-US" altLang="ja-JP" b="0" i="1" smtClean="0">
+                              <a:latin typeface="Cambria Math" panose="02040503050406030204" pitchFamily="18" charset="0"/>
+                            </a:rPr>
+                            <m:t>𝑒𝑥</m:t>
+                          </m:r>
+                        </m:sub>
+                      </m:sSub>
+                    </m:oMath>
+                  </m:oMathPara>
+                </a14:m>
+                <a:endParaRPr kumimoji="1" lang="ja-JP" altLang="en-US"/>
+              </a:p>
+            </p:txBody>
+          </p:sp>
+        </mc:Choice>
+        <mc:Fallback>
+          <p:sp>
+            <p:nvSpPr>
+              <p:cNvPr id="66" name="テキスト ボックス 65">
+                <a:extLst>
+                  <a:ext uri="{FF2B5EF4-FFF2-40B4-BE49-F238E27FC236}">
+                    <a16:creationId xmlns:a16="http://schemas.microsoft.com/office/drawing/2014/main" id="{28E3632D-AF59-E9C9-FB9C-5F4F1F88C977}"/>
+                  </a:ext>
+                </a:extLst>
+              </p:cNvPr>
+              <p:cNvSpPr txBox="1">
+                <a:spLocks noRot="1" noChangeAspect="1" noMove="1" noResize="1" noEditPoints="1" noAdjustHandles="1" noChangeArrowheads="1" noChangeShapeType="1" noTextEdit="1"/>
+              </p:cNvSpPr>
+              <p:nvPr/>
+            </p:nvSpPr>
+            <p:spPr>
+              <a:xfrm>
+                <a:off x="4269842" y="2227918"/>
+                <a:ext cx="353687" cy="276999"/>
+              </a:xfrm>
+              <a:prstGeom prst="rect">
+                <a:avLst/>
+              </a:prstGeom>
+              <a:blipFill>
+                <a:blip r:embed="rId3"/>
+                <a:stretch>
+                  <a:fillRect l="-14286" b="-8696"/>
+                </a:stretch>
+              </a:blipFill>
+            </p:spPr>
+            <p:txBody>
+              <a:bodyPr/>
+              <a:lstStyle/>
+              <a:p>
+                <a:r>
+                  <a:rPr lang="ja-JP" altLang="en-US">
+                    <a:noFill/>
+                  </a:rPr>
+                  <a:t> </a:t>
+                </a:r>
+              </a:p>
+            </p:txBody>
+          </p:sp>
+        </mc:Fallback>
+      </mc:AlternateContent>
+      <p:sp>
+        <p:nvSpPr>
+          <p:cNvPr id="67" name="右矢印 66">
+            <a:extLst>
+              <a:ext uri="{FF2B5EF4-FFF2-40B4-BE49-F238E27FC236}">
+                <a16:creationId xmlns:a16="http://schemas.microsoft.com/office/drawing/2014/main" id="{38BD5E64-85AD-D44A-EC9E-76C65B12D990}"/>
+              </a:ext>
+            </a:extLst>
+          </p:cNvPr>
+          <p:cNvSpPr/>
+          <p:nvPr/>
+        </p:nvSpPr>
+        <p:spPr>
+          <a:xfrm>
+            <a:off x="3794596" y="2124102"/>
+            <a:ext cx="432043" cy="484632"/>
+          </a:xfrm>
+          <a:prstGeom prst="rightArrow">
+            <a:avLst/>
+          </a:prstGeom>
+          <a:solidFill>
+            <a:srgbClr val="FF0000"/>
+          </a:solidFill>
+          <a:ln>
+            <a:solidFill>
+              <a:schemeClr val="tx1"/>
+            </a:solidFill>
+          </a:ln>
+        </p:spPr>
+        <p:style>
+          <a:lnRef idx="2">
+            <a:schemeClr val="accent1">
+              <a:shade val="15000"/>
+            </a:schemeClr>
+          </a:lnRef>
+          <a:fillRef idx="1">
+            <a:schemeClr val="accent1"/>
+          </a:fillRef>
+          <a:effectRef idx="0">
+            <a:schemeClr val="accent1"/>
+          </a:effectRef>
+          <a:fontRef idx="minor">
+            <a:schemeClr val="lt1"/>
+          </a:fontRef>
+        </p:style>
+        <p:txBody>
+          <a:bodyPr rtlCol="0" anchor="ctr"/>
+          <a:lstStyle/>
+          <a:p>
+            <a:pPr algn="ctr"/>
+            <a:endParaRPr kumimoji="1" lang="ja-JP" altLang="en-US"/>
+          </a:p>
+        </p:txBody>
+      </p:sp>
+      <p:sp>
+        <p:nvSpPr>
+          <p:cNvPr id="68" name="右矢印 67">
+            <a:extLst>
+              <a:ext uri="{FF2B5EF4-FFF2-40B4-BE49-F238E27FC236}">
+                <a16:creationId xmlns:a16="http://schemas.microsoft.com/office/drawing/2014/main" id="{56B92B6F-758A-CA17-0646-94AEC730BA33}"/>
+              </a:ext>
+            </a:extLst>
+          </p:cNvPr>
+          <p:cNvSpPr/>
+          <p:nvPr/>
+        </p:nvSpPr>
+        <p:spPr>
+          <a:xfrm rot="10800000">
+            <a:off x="2645097" y="2124102"/>
+            <a:ext cx="432043" cy="484632"/>
+          </a:xfrm>
+          <a:prstGeom prst="rightArrow">
+            <a:avLst/>
+          </a:prstGeom>
+          <a:solidFill>
+            <a:srgbClr val="FF0000"/>
+          </a:solidFill>
+          <a:ln>
+            <a:solidFill>
+              <a:schemeClr val="tx1"/>
+            </a:solidFill>
+          </a:ln>
+        </p:spPr>
+        <p:style>
+          <a:lnRef idx="2">
+            <a:schemeClr val="accent1">
+              <a:shade val="15000"/>
+            </a:schemeClr>
+          </a:lnRef>
+          <a:fillRef idx="1">
+            <a:schemeClr val="accent1"/>
+          </a:fillRef>
+          <a:effectRef idx="0">
+            <a:schemeClr val="accent1"/>
+          </a:effectRef>
+          <a:fontRef idx="minor">
+            <a:schemeClr val="lt1"/>
+          </a:fontRef>
+        </p:style>
+        <p:txBody>
+          <a:bodyPr rtlCol="0" anchor="ctr"/>
+          <a:lstStyle/>
+          <a:p>
+            <a:pPr algn="ctr"/>
+            <a:endParaRPr kumimoji="1" lang="ja-JP" altLang="en-US"/>
+          </a:p>
+        </p:txBody>
+      </p:sp>
+      <mc:AlternateContent xmlns:mc="http://schemas.openxmlformats.org/markup-compatibility/2006">
+        <mc:Choice xmlns:a14="http://schemas.microsoft.com/office/drawing/2010/main" Requires="a14">
+          <p:sp>
+            <p:nvSpPr>
+              <p:cNvPr id="69" name="テキスト ボックス 68">
+                <a:extLst>
+                  <a:ext uri="{FF2B5EF4-FFF2-40B4-BE49-F238E27FC236}">
+                    <a16:creationId xmlns:a16="http://schemas.microsoft.com/office/drawing/2014/main" id="{5C62E194-0E10-8494-01B3-59AFFD1FA451}"/>
+                  </a:ext>
+                </a:extLst>
+              </p:cNvPr>
+              <p:cNvSpPr txBox="1"/>
+              <p:nvPr/>
+            </p:nvSpPr>
+            <p:spPr>
+              <a:xfrm>
+                <a:off x="2756033" y="1810851"/>
+                <a:ext cx="309957" cy="276999"/>
+              </a:xfrm>
+              <a:prstGeom prst="rect">
+                <a:avLst/>
+              </a:prstGeom>
+              <a:noFill/>
+            </p:spPr>
+            <p:txBody>
+              <a:bodyPr wrap="none" lIns="0" tIns="0" rIns="0" bIns="0" rtlCol="0">
+                <a:spAutoFit/>
+              </a:bodyPr>
+              <a:lstStyle/>
+              <a:p>
+                <a14:m>
+                  <m:oMathPara xmlns:m="http://schemas.openxmlformats.org/officeDocument/2006/math">
+                    <m:oMathParaPr>
+                      <m:jc m:val="centerGroup"/>
+                    </m:oMathParaPr>
+                    <m:oMath xmlns:m="http://schemas.openxmlformats.org/officeDocument/2006/math">
+                      <m:r>
+                        <a:rPr kumimoji="1" lang="en-US" altLang="ja-JP" b="0" i="1" smtClean="0">
+                          <a:latin typeface="Cambria Math" panose="02040503050406030204" pitchFamily="18" charset="0"/>
+                        </a:rPr>
+                        <m:t>𝑘𝑥</m:t>
+                      </m:r>
+                    </m:oMath>
+                  </m:oMathPara>
+                </a14:m>
+                <a:endParaRPr kumimoji="1" lang="ja-JP" altLang="en-US"/>
+              </a:p>
+            </p:txBody>
+          </p:sp>
+        </mc:Choice>
+        <mc:Fallback>
+          <p:sp>
+            <p:nvSpPr>
+              <p:cNvPr id="69" name="テキスト ボックス 68">
+                <a:extLst>
+                  <a:ext uri="{FF2B5EF4-FFF2-40B4-BE49-F238E27FC236}">
+                    <a16:creationId xmlns:a16="http://schemas.microsoft.com/office/drawing/2014/main" id="{5C62E194-0E10-8494-01B3-59AFFD1FA451}"/>
+                  </a:ext>
+                </a:extLst>
+              </p:cNvPr>
+              <p:cNvSpPr txBox="1">
+                <a:spLocks noRot="1" noChangeAspect="1" noMove="1" noResize="1" noEditPoints="1" noAdjustHandles="1" noChangeArrowheads="1" noChangeShapeType="1" noTextEdit="1"/>
+              </p:cNvSpPr>
+              <p:nvPr/>
+            </p:nvSpPr>
+            <p:spPr>
+              <a:xfrm>
+                <a:off x="2756033" y="1810851"/>
+                <a:ext cx="309957" cy="276999"/>
+              </a:xfrm>
+              <a:prstGeom prst="rect">
+                <a:avLst/>
+              </a:prstGeom>
+              <a:blipFill>
+                <a:blip r:embed="rId4"/>
+                <a:stretch>
+                  <a:fillRect l="-15385" r="-15385" b="-8696"/>
+                </a:stretch>
+              </a:blipFill>
+            </p:spPr>
+            <p:txBody>
+              <a:bodyPr/>
+              <a:lstStyle/>
+              <a:p>
+                <a:r>
+                  <a:rPr lang="ja-JP" altLang="en-US">
+                    <a:noFill/>
+                  </a:rPr>
+                  <a:t> </a:t>
+                </a:r>
+              </a:p>
+            </p:txBody>
+          </p:sp>
+        </mc:Fallback>
+      </mc:AlternateContent>
+    </p:spTree>
+    <p:extLst>
+      <p:ext uri="{BB962C8B-B14F-4D97-AF65-F5344CB8AC3E}">
+        <p14:creationId xmlns:p14="http://schemas.microsoft.com/office/powerpoint/2010/main" val="2185235964"/>
+      </p:ext>
+    </p:extLst>
+  </p:cSld>
+  <p:clrMapOvr>
+    <a:masterClrMapping/>
+  </p:clrMapOvr>
+</p:sld>
+</file>
+
+<file path=ppt/slides/slide3.xml><?xml version="1.0" encoding="utf-8"?>
 <p:sld xmlns:a="http://schemas.openxmlformats.org/drawingml/2006/main" xmlns:r="http://schemas.openxmlformats.org/officeDocument/2006/relationships" xmlns:p="http://schemas.openxmlformats.org/presentationml/2006/main">
   <p:cSld>
     <p:spTree>
@@ -3054,8 +6295,8 @@
           </a:p>
         </p:txBody>
       </p:sp>
-      <mc:AlternateContent xmlns:mc="http://schemas.openxmlformats.org/markup-compatibility/2006">
-        <mc:Choice xmlns:a14="http://schemas.microsoft.com/office/drawing/2010/main" Requires="a14">
+      <mc:AlternateContent xmlns:mc="http://schemas.openxmlformats.org/markup-compatibility/2006" xmlns:a14="http://schemas.microsoft.com/office/drawing/2010/main">
+        <mc:Choice Requires="a14">
           <p:sp>
             <p:nvSpPr>
               <p:cNvPr id="51" name="テキスト ボックス 50">
@@ -3105,7 +6346,7 @@
             </p:txBody>
           </p:sp>
         </mc:Choice>
-        <mc:Fallback>
+        <mc:Fallback xmlns="">
           <p:sp>
             <p:nvSpPr>
               <p:cNvPr id="51" name="テキスト ボックス 50">
@@ -3204,8 +6445,8 @@
           </a:p>
         </p:txBody>
       </p:sp>
-      <mc:AlternateContent xmlns:mc="http://schemas.openxmlformats.org/markup-compatibility/2006">
-        <mc:Choice xmlns:a14="http://schemas.microsoft.com/office/drawing/2010/main" Requires="a14">
+      <mc:AlternateContent xmlns:mc="http://schemas.openxmlformats.org/markup-compatibility/2006" xmlns:a14="http://schemas.microsoft.com/office/drawing/2010/main">
+        <mc:Choice Requires="a14">
           <p:sp>
             <p:nvSpPr>
               <p:cNvPr id="53" name="テキスト ボックス 52">
@@ -3255,7 +6496,7 @@
             </p:txBody>
           </p:sp>
         </mc:Choice>
-        <mc:Fallback>
+        <mc:Fallback xmlns="">
           <p:sp>
             <p:nvSpPr>
               <p:cNvPr id="53" name="テキスト ボックス 52">
@@ -3300,8 +6541,8 @@
           </p:sp>
         </mc:Fallback>
       </mc:AlternateContent>
-      <mc:AlternateContent xmlns:mc="http://schemas.openxmlformats.org/markup-compatibility/2006">
-        <mc:Choice xmlns:a14="http://schemas.microsoft.com/office/drawing/2010/main" Requires="a14">
+      <mc:AlternateContent xmlns:mc="http://schemas.openxmlformats.org/markup-compatibility/2006" xmlns:a14="http://schemas.microsoft.com/office/drawing/2010/main">
+        <mc:Choice Requires="a14">
           <p:sp>
             <p:nvSpPr>
               <p:cNvPr id="54" name="テキスト ボックス 53">
@@ -3351,7 +6592,7 @@
             </p:txBody>
           </p:sp>
         </mc:Choice>
-        <mc:Fallback>
+        <mc:Fallback xmlns="">
           <p:sp>
             <p:nvSpPr>
               <p:cNvPr id="54" name="テキスト ボックス 53">
@@ -3450,8 +6691,8 @@
           </a:p>
         </p:txBody>
       </p:sp>
-      <mc:AlternateContent xmlns:mc="http://schemas.openxmlformats.org/markup-compatibility/2006">
-        <mc:Choice xmlns:a14="http://schemas.microsoft.com/office/drawing/2010/main" Requires="a14">
+      <mc:AlternateContent xmlns:mc="http://schemas.openxmlformats.org/markup-compatibility/2006" xmlns:a14="http://schemas.microsoft.com/office/drawing/2010/main">
+        <mc:Choice Requires="a14">
           <p:sp>
             <p:nvSpPr>
               <p:cNvPr id="56" name="テキスト ボックス 55">
@@ -3501,7 +6742,7 @@
             </p:txBody>
           </p:sp>
         </mc:Choice>
-        <mc:Fallback>
+        <mc:Fallback xmlns="">
           <p:sp>
             <p:nvSpPr>
               <p:cNvPr id="56" name="テキスト ボックス 55">
@@ -3559,7 +6800,7 @@
 </p:sld>
 </file>
 
-<file path=ppt/slides/slide3.xml><?xml version="1.0" encoding="utf-8"?>
+<file path=ppt/slides/slide4.xml><?xml version="1.0" encoding="utf-8"?>
 <p:sld xmlns:a="http://schemas.openxmlformats.org/drawingml/2006/main" xmlns:r="http://schemas.openxmlformats.org/officeDocument/2006/relationships" xmlns:p="http://schemas.openxmlformats.org/presentationml/2006/main">
   <p:cSld>
     <p:spTree>
@@ -4647,7 +7888,7 @@
 </p:sld>
 </file>
 
-<file path=ppt/slides/slide4.xml><?xml version="1.0" encoding="utf-8"?>
+<file path=ppt/slides/slide5.xml><?xml version="1.0" encoding="utf-8"?>
 <p:sld xmlns:a="http://schemas.openxmlformats.org/drawingml/2006/main" xmlns:r="http://schemas.openxmlformats.org/officeDocument/2006/relationships" xmlns:p="http://schemas.openxmlformats.org/presentationml/2006/main">
   <p:cSld>
     <p:spTree>
@@ -5542,7 +8783,7 @@
 </p:sld>
 </file>
 
-<file path=ppt/slides/slide5.xml><?xml version="1.0" encoding="utf-8"?>
+<file path=ppt/slides/slide6.xml><?xml version="1.0" encoding="utf-8"?>
 <p:sld xmlns:a="http://schemas.openxmlformats.org/drawingml/2006/main" xmlns:r="http://schemas.openxmlformats.org/officeDocument/2006/relationships" xmlns:p="http://schemas.openxmlformats.org/presentationml/2006/main">
   <p:cSld>
     <p:spTree>
@@ -6791,7 +10032,7 @@
 </p:sld>
 </file>
 
-<file path=ppt/slides/slide6.xml><?xml version="1.0" encoding="utf-8"?>
+<file path=ppt/slides/slide7.xml><?xml version="1.0" encoding="utf-8"?>
 <p:sld xmlns:a="http://schemas.openxmlformats.org/drawingml/2006/main" xmlns:r="http://schemas.openxmlformats.org/officeDocument/2006/relationships" xmlns:p="http://schemas.openxmlformats.org/presentationml/2006/main">
   <p:cSld>
     <p:spTree>
@@ -7580,7 +10821,7 @@
 </p:sld>
 </file>
 
-<file path=ppt/slides/slide7.xml><?xml version="1.0" encoding="utf-8"?>
+<file path=ppt/slides/slide8.xml><?xml version="1.0" encoding="utf-8"?>
 <p:sld xmlns:a="http://schemas.openxmlformats.org/drawingml/2006/main" xmlns:r="http://schemas.openxmlformats.org/officeDocument/2006/relationships" xmlns:p="http://schemas.openxmlformats.org/presentationml/2006/main">
   <p:cSld>
     <p:spTree>
